--- a/PlanB/CPU_utilization_Experiment/version2_Experiment_style/Experiment_Results.pptx
+++ b/PlanB/CPU_utilization_Experiment/version2_Experiment_style/Experiment_Results.pptx
@@ -14,6 +14,7 @@
     <p:sldId id="266" r:id="rId8"/>
     <p:sldId id="263" r:id="rId9"/>
     <p:sldId id="267" r:id="rId10"/>
+    <p:sldId id="268" r:id="rId11"/>
   </p:sldIdLst>
   <p:sldSz cx="12192000" cy="6858000"/>
   <p:notesSz cx="6858000" cy="9144000"/>
@@ -3135,6 +3136,1199 @@
         <a:effectLst/>
       </c:spPr>
     </c:plotArea>
+    <c:plotVisOnly val="1"/>
+    <c:dispBlanksAs val="gap"/>
+    <c:extLst>
+      <c:ext xmlns:c16r3="http://schemas.microsoft.com/office/drawing/2017/03/chart" uri="{56B9EC1D-385E-4148-901F-78D8002777C0}">
+        <c16r3:dataDisplayOptions16>
+          <c16r3:dispNaAsBlank val="1"/>
+        </c16r3:dataDisplayOptions16>
+      </c:ext>
+    </c:extLst>
+    <c:showDLblsOverMax val="0"/>
+  </c:chart>
+  <c:spPr>
+    <a:noFill/>
+    <a:ln>
+      <a:noFill/>
+    </a:ln>
+    <a:effectLst/>
+  </c:spPr>
+  <c:txPr>
+    <a:bodyPr/>
+    <a:lstStyle/>
+    <a:p>
+      <a:pPr>
+        <a:defRPr/>
+      </a:pPr>
+      <a:endParaRPr lang="en-US"/>
+    </a:p>
+  </c:txPr>
+  <c:externalData r:id="rId3">
+    <c:autoUpdate val="0"/>
+  </c:externalData>
+</c:chartSpace>
+</file>
+
+<file path=ppt/charts/chart5.xml><?xml version="1.0" encoding="utf-8"?>
+<c:chartSpace xmlns:c="http://schemas.openxmlformats.org/drawingml/2006/chart" xmlns:a="http://schemas.openxmlformats.org/drawingml/2006/main" xmlns:r="http://schemas.openxmlformats.org/officeDocument/2006/relationships" xmlns:c16r2="http://schemas.microsoft.com/office/drawing/2015/06/chart">
+  <c:date1904 val="0"/>
+  <c:lang val="th-TH"/>
+  <c:roundedCorners val="0"/>
+  <mc:AlternateContent xmlns:mc="http://schemas.openxmlformats.org/markup-compatibility/2006">
+    <mc:Choice xmlns:c14="http://schemas.microsoft.com/office/drawing/2007/8/2/chart" Requires="c14">
+      <c14:style val="102"/>
+    </mc:Choice>
+    <mc:Fallback>
+      <c:style val="2"/>
+    </mc:Fallback>
+  </mc:AlternateContent>
+  <c:chart>
+    <c:title>
+      <c:tx>
+        <c:rich>
+          <a:bodyPr rot="0" spcFirstLastPara="1" vertOverflow="ellipsis" vert="horz" wrap="square" anchor="ctr" anchorCtr="1"/>
+          <a:lstStyle/>
+          <a:p>
+            <a:pPr>
+              <a:defRPr sz="1400" b="0" i="0" u="none" strike="noStrike" kern="1200" spc="0" baseline="0">
+                <a:solidFill>
+                  <a:schemeClr val="tx1">
+                    <a:lumMod val="65000"/>
+                    <a:lumOff val="35000"/>
+                  </a:schemeClr>
+                </a:solidFill>
+                <a:latin typeface="+mn-lt"/>
+                <a:ea typeface="+mn-ea"/>
+                <a:cs typeface="+mn-cs"/>
+              </a:defRPr>
+            </a:pPr>
+            <a:r>
+              <a:rPr lang="en-US" sz="1800" b="0" i="0" baseline="0">
+                <a:effectLst/>
+              </a:rPr>
+              <a:t>Experiment2.2 %CPU Utilisation </a:t>
+            </a:r>
+            <a:endParaRPr lang="en-US">
+              <a:effectLst/>
+            </a:endParaRPr>
+          </a:p>
+        </c:rich>
+      </c:tx>
+      <c:overlay val="0"/>
+      <c:spPr>
+        <a:noFill/>
+        <a:ln>
+          <a:noFill/>
+        </a:ln>
+        <a:effectLst/>
+      </c:spPr>
+      <c:txPr>
+        <a:bodyPr rot="0" spcFirstLastPara="1" vertOverflow="ellipsis" vert="horz" wrap="square" anchor="ctr" anchorCtr="1"/>
+        <a:lstStyle/>
+        <a:p>
+          <a:pPr>
+            <a:defRPr sz="1400" b="0" i="0" u="none" strike="noStrike" kern="1200" spc="0" baseline="0">
+              <a:solidFill>
+                <a:schemeClr val="tx1">
+                  <a:lumMod val="65000"/>
+                  <a:lumOff val="35000"/>
+                </a:schemeClr>
+              </a:solidFill>
+              <a:latin typeface="+mn-lt"/>
+              <a:ea typeface="+mn-ea"/>
+              <a:cs typeface="+mn-cs"/>
+            </a:defRPr>
+          </a:pPr>
+          <a:endParaRPr lang="en-US"/>
+        </a:p>
+      </c:txPr>
+    </c:title>
+    <c:autoTitleDeleted val="0"/>
+    <c:plotArea>
+      <c:layout/>
+      <c:scatterChart>
+        <c:scatterStyle val="lineMarker"/>
+        <c:varyColors val="0"/>
+        <c:ser>
+          <c:idx val="0"/>
+          <c:order val="0"/>
+          <c:tx>
+            <c:v>Edge1 (Sender &amp; Receiver)</c:v>
+          </c:tx>
+          <c:spPr>
+            <a:ln w="19050" cap="rnd">
+              <a:noFill/>
+              <a:round/>
+            </a:ln>
+            <a:effectLst/>
+          </c:spPr>
+          <c:marker>
+            <c:symbol val="circle"/>
+            <c:size val="5"/>
+            <c:spPr>
+              <a:solidFill>
+                <a:schemeClr val="accent1"/>
+              </a:solidFill>
+              <a:ln w="9525">
+                <a:solidFill>
+                  <a:schemeClr val="accent1"/>
+                </a:solidFill>
+              </a:ln>
+              <a:effectLst/>
+            </c:spPr>
+          </c:marker>
+          <c:trendline>
+            <c:spPr>
+              <a:ln w="19050" cap="rnd">
+                <a:solidFill>
+                  <a:schemeClr val="accent1"/>
+                </a:solidFill>
+                <a:prstDash val="sysDot"/>
+              </a:ln>
+              <a:effectLst/>
+            </c:spPr>
+            <c:trendlineType val="movingAvg"/>
+            <c:period val="2"/>
+            <c:dispRSqr val="0"/>
+            <c:dispEq val="0"/>
+          </c:trendline>
+          <c:xVal>
+            <c:numRef>
+              <c:f>Sheet1!$B$3:$B$402</c:f>
+              <c:numCache>
+                <c:formatCode>General</c:formatCode>
+                <c:ptCount val="400"/>
+                <c:pt idx="0">
+                  <c:v>2</c:v>
+                </c:pt>
+                <c:pt idx="20">
+                  <c:v>4</c:v>
+                </c:pt>
+                <c:pt idx="40">
+                  <c:v>6</c:v>
+                </c:pt>
+                <c:pt idx="60">
+                  <c:v>8</c:v>
+                </c:pt>
+                <c:pt idx="80">
+                  <c:v>10</c:v>
+                </c:pt>
+                <c:pt idx="100">
+                  <c:v>12</c:v>
+                </c:pt>
+                <c:pt idx="120">
+                  <c:v>14</c:v>
+                </c:pt>
+                <c:pt idx="140">
+                  <c:v>16</c:v>
+                </c:pt>
+                <c:pt idx="160">
+                  <c:v>18</c:v>
+                </c:pt>
+                <c:pt idx="180">
+                  <c:v>20</c:v>
+                </c:pt>
+                <c:pt idx="200">
+                  <c:v>22</c:v>
+                </c:pt>
+                <c:pt idx="220">
+                  <c:v>24</c:v>
+                </c:pt>
+                <c:pt idx="240">
+                  <c:v>26</c:v>
+                </c:pt>
+                <c:pt idx="260">
+                  <c:v>28</c:v>
+                </c:pt>
+                <c:pt idx="280">
+                  <c:v>30</c:v>
+                </c:pt>
+                <c:pt idx="300">
+                  <c:v>32</c:v>
+                </c:pt>
+                <c:pt idx="320">
+                  <c:v>34</c:v>
+                </c:pt>
+                <c:pt idx="340">
+                  <c:v>36</c:v>
+                </c:pt>
+                <c:pt idx="360">
+                  <c:v>38</c:v>
+                </c:pt>
+                <c:pt idx="380">
+                  <c:v>40</c:v>
+                </c:pt>
+              </c:numCache>
+            </c:numRef>
+          </c:xVal>
+          <c:yVal>
+            <c:numRef>
+              <c:f>Sheet1!$C$3:$C$402</c:f>
+              <c:numCache>
+                <c:formatCode>General</c:formatCode>
+                <c:ptCount val="400"/>
+                <c:pt idx="0">
+                  <c:v>7.2249999999999996</c:v>
+                </c:pt>
+                <c:pt idx="20">
+                  <c:v>13.470000000000002</c:v>
+                </c:pt>
+                <c:pt idx="40">
+                  <c:v>13.900000000000002</c:v>
+                </c:pt>
+                <c:pt idx="60">
+                  <c:v>17.689999999999998</c:v>
+                </c:pt>
+                <c:pt idx="80">
+                  <c:v>20.65</c:v>
+                </c:pt>
+                <c:pt idx="100">
+                  <c:v>20.824999999999996</c:v>
+                </c:pt>
+                <c:pt idx="120">
+                  <c:v>19.654999999999998</c:v>
+                </c:pt>
+                <c:pt idx="140">
+                  <c:v>19.074999999999996</c:v>
+                </c:pt>
+                <c:pt idx="160">
+                  <c:v>17.390000000000004</c:v>
+                </c:pt>
+                <c:pt idx="180">
+                  <c:v>18.450000000000003</c:v>
+                </c:pt>
+                <c:pt idx="200">
+                  <c:v>18.190000000000001</c:v>
+                </c:pt>
+                <c:pt idx="220">
+                  <c:v>16.414999999999999</c:v>
+                </c:pt>
+                <c:pt idx="240">
+                  <c:v>18.963157894736838</c:v>
+                </c:pt>
+                <c:pt idx="260">
+                  <c:v>17.244444444444444</c:v>
+                </c:pt>
+                <c:pt idx="280">
+                  <c:v>19.540000000000003</c:v>
+                </c:pt>
+                <c:pt idx="300">
+                  <c:v>18.215</c:v>
+                </c:pt>
+                <c:pt idx="320">
+                  <c:v>18.3</c:v>
+                </c:pt>
+                <c:pt idx="340">
+                  <c:v>19.015000000000004</c:v>
+                </c:pt>
+                <c:pt idx="360">
+                  <c:v>15.929999999999998</c:v>
+                </c:pt>
+                <c:pt idx="380">
+                  <c:v>18.172222222222224</c:v>
+                </c:pt>
+              </c:numCache>
+            </c:numRef>
+          </c:yVal>
+          <c:smooth val="0"/>
+          <c:extLst>
+            <c:ext xmlns:c16="http://schemas.microsoft.com/office/drawing/2014/chart" uri="{C3380CC4-5D6E-409C-BE32-E72D297353CC}">
+              <c16:uniqueId val="{00000001-FB91-4FE8-9457-DA5B92BFD8AD}"/>
+            </c:ext>
+          </c:extLst>
+        </c:ser>
+        <c:ser>
+          <c:idx val="1"/>
+          <c:order val="1"/>
+          <c:tx>
+            <c:v>Edge4 (Sender x2)</c:v>
+          </c:tx>
+          <c:spPr>
+            <a:ln w="25400" cap="rnd">
+              <a:noFill/>
+              <a:round/>
+            </a:ln>
+            <a:effectLst/>
+          </c:spPr>
+          <c:marker>
+            <c:symbol val="circle"/>
+            <c:size val="5"/>
+            <c:spPr>
+              <a:solidFill>
+                <a:schemeClr val="accent2"/>
+              </a:solidFill>
+              <a:ln w="9525">
+                <a:solidFill>
+                  <a:schemeClr val="accent2"/>
+                </a:solidFill>
+              </a:ln>
+              <a:effectLst/>
+            </c:spPr>
+          </c:marker>
+          <c:trendline>
+            <c:spPr>
+              <a:ln w="19050" cap="rnd">
+                <a:solidFill>
+                  <a:schemeClr val="accent2"/>
+                </a:solidFill>
+                <a:prstDash val="sysDot"/>
+              </a:ln>
+              <a:effectLst/>
+            </c:spPr>
+            <c:trendlineType val="movingAvg"/>
+            <c:period val="2"/>
+            <c:dispRSqr val="0"/>
+            <c:dispEq val="0"/>
+          </c:trendline>
+          <c:xVal>
+            <c:numRef>
+              <c:f>Sheet1!$F$3:$F$402</c:f>
+              <c:numCache>
+                <c:formatCode>General</c:formatCode>
+                <c:ptCount val="400"/>
+                <c:pt idx="0">
+                  <c:v>2</c:v>
+                </c:pt>
+                <c:pt idx="20">
+                  <c:v>4</c:v>
+                </c:pt>
+                <c:pt idx="40">
+                  <c:v>6</c:v>
+                </c:pt>
+                <c:pt idx="60">
+                  <c:v>8</c:v>
+                </c:pt>
+                <c:pt idx="80">
+                  <c:v>10</c:v>
+                </c:pt>
+                <c:pt idx="100">
+                  <c:v>12</c:v>
+                </c:pt>
+                <c:pt idx="120">
+                  <c:v>14</c:v>
+                </c:pt>
+                <c:pt idx="140">
+                  <c:v>16</c:v>
+                </c:pt>
+                <c:pt idx="160">
+                  <c:v>18</c:v>
+                </c:pt>
+                <c:pt idx="180">
+                  <c:v>20</c:v>
+                </c:pt>
+                <c:pt idx="200">
+                  <c:v>22</c:v>
+                </c:pt>
+                <c:pt idx="220">
+                  <c:v>24</c:v>
+                </c:pt>
+                <c:pt idx="240">
+                  <c:v>26</c:v>
+                </c:pt>
+                <c:pt idx="260">
+                  <c:v>28</c:v>
+                </c:pt>
+                <c:pt idx="280">
+                  <c:v>30</c:v>
+                </c:pt>
+                <c:pt idx="300">
+                  <c:v>32</c:v>
+                </c:pt>
+                <c:pt idx="320">
+                  <c:v>34</c:v>
+                </c:pt>
+                <c:pt idx="340">
+                  <c:v>36</c:v>
+                </c:pt>
+                <c:pt idx="360">
+                  <c:v>38</c:v>
+                </c:pt>
+                <c:pt idx="380">
+                  <c:v>40</c:v>
+                </c:pt>
+              </c:numCache>
+            </c:numRef>
+          </c:xVal>
+          <c:yVal>
+            <c:numRef>
+              <c:f>Sheet1!$G$3:$G$402</c:f>
+              <c:numCache>
+                <c:formatCode>General</c:formatCode>
+                <c:ptCount val="400"/>
+                <c:pt idx="0">
+                  <c:v>0.49499999999999994</c:v>
+                </c:pt>
+                <c:pt idx="20">
+                  <c:v>0.67000000000000015</c:v>
+                </c:pt>
+                <c:pt idx="40">
+                  <c:v>0.97000000000000031</c:v>
+                </c:pt>
+                <c:pt idx="60">
+                  <c:v>0.69000000000000017</c:v>
+                </c:pt>
+                <c:pt idx="80">
+                  <c:v>0.66500000000000004</c:v>
+                </c:pt>
+                <c:pt idx="100">
+                  <c:v>3.6900000000000004</c:v>
+                </c:pt>
+                <c:pt idx="120">
+                  <c:v>3.94</c:v>
+                </c:pt>
+                <c:pt idx="140">
+                  <c:v>3.6800000000000006</c:v>
+                </c:pt>
+                <c:pt idx="160">
+                  <c:v>3.16</c:v>
+                </c:pt>
+                <c:pt idx="180">
+                  <c:v>3.7249999999999992</c:v>
+                </c:pt>
+                <c:pt idx="200">
+                  <c:v>3.3250000000000002</c:v>
+                </c:pt>
+                <c:pt idx="220">
+                  <c:v>3.28</c:v>
+                </c:pt>
+                <c:pt idx="240">
+                  <c:v>3.4249999999999998</c:v>
+                </c:pt>
+                <c:pt idx="260">
+                  <c:v>3.4299999999999997</c:v>
+                </c:pt>
+                <c:pt idx="280">
+                  <c:v>3.2249999999999992</c:v>
+                </c:pt>
+                <c:pt idx="300">
+                  <c:v>2.9950000000000001</c:v>
+                </c:pt>
+                <c:pt idx="320">
+                  <c:v>3.5549999999999988</c:v>
+                </c:pt>
+                <c:pt idx="340">
+                  <c:v>3.5250000000000008</c:v>
+                </c:pt>
+                <c:pt idx="360">
+                  <c:v>3.0650000000000004</c:v>
+                </c:pt>
+                <c:pt idx="380">
+                  <c:v>3.816666666666666</c:v>
+                </c:pt>
+              </c:numCache>
+            </c:numRef>
+          </c:yVal>
+          <c:smooth val="0"/>
+          <c:extLst>
+            <c:ext xmlns:c16="http://schemas.microsoft.com/office/drawing/2014/chart" uri="{C3380CC4-5D6E-409C-BE32-E72D297353CC}">
+              <c16:uniqueId val="{00000003-FB91-4FE8-9457-DA5B92BFD8AD}"/>
+            </c:ext>
+          </c:extLst>
+        </c:ser>
+        <c:ser>
+          <c:idx val="2"/>
+          <c:order val="2"/>
+          <c:tx>
+            <c:v>Edge5 (Receiver)</c:v>
+          </c:tx>
+          <c:spPr>
+            <a:ln w="25400" cap="rnd">
+              <a:noFill/>
+              <a:round/>
+            </a:ln>
+            <a:effectLst/>
+          </c:spPr>
+          <c:marker>
+            <c:symbol val="circle"/>
+            <c:size val="5"/>
+            <c:spPr>
+              <a:solidFill>
+                <a:schemeClr val="accent3"/>
+              </a:solidFill>
+              <a:ln w="9525">
+                <a:solidFill>
+                  <a:schemeClr val="accent3"/>
+                </a:solidFill>
+              </a:ln>
+              <a:effectLst/>
+            </c:spPr>
+          </c:marker>
+          <c:trendline>
+            <c:spPr>
+              <a:ln w="19050" cap="rnd">
+                <a:solidFill>
+                  <a:schemeClr val="accent3"/>
+                </a:solidFill>
+                <a:prstDash val="sysDot"/>
+              </a:ln>
+              <a:effectLst/>
+            </c:spPr>
+            <c:trendlineType val="movingAvg"/>
+            <c:period val="2"/>
+            <c:dispRSqr val="0"/>
+            <c:dispEq val="0"/>
+          </c:trendline>
+          <c:xVal>
+            <c:numRef>
+              <c:f>Sheet1!$J$3:$J$402</c:f>
+              <c:numCache>
+                <c:formatCode>General</c:formatCode>
+                <c:ptCount val="400"/>
+                <c:pt idx="0">
+                  <c:v>2</c:v>
+                </c:pt>
+                <c:pt idx="20">
+                  <c:v>4</c:v>
+                </c:pt>
+                <c:pt idx="40">
+                  <c:v>6</c:v>
+                </c:pt>
+                <c:pt idx="60">
+                  <c:v>8</c:v>
+                </c:pt>
+                <c:pt idx="80">
+                  <c:v>10</c:v>
+                </c:pt>
+                <c:pt idx="100">
+                  <c:v>12</c:v>
+                </c:pt>
+                <c:pt idx="120">
+                  <c:v>14</c:v>
+                </c:pt>
+                <c:pt idx="140">
+                  <c:v>16</c:v>
+                </c:pt>
+                <c:pt idx="160">
+                  <c:v>18</c:v>
+                </c:pt>
+                <c:pt idx="180">
+                  <c:v>20</c:v>
+                </c:pt>
+                <c:pt idx="200">
+                  <c:v>22</c:v>
+                </c:pt>
+                <c:pt idx="220">
+                  <c:v>24</c:v>
+                </c:pt>
+                <c:pt idx="240">
+                  <c:v>26</c:v>
+                </c:pt>
+                <c:pt idx="260">
+                  <c:v>28</c:v>
+                </c:pt>
+                <c:pt idx="280">
+                  <c:v>30</c:v>
+                </c:pt>
+                <c:pt idx="300">
+                  <c:v>32</c:v>
+                </c:pt>
+                <c:pt idx="320">
+                  <c:v>34</c:v>
+                </c:pt>
+                <c:pt idx="340">
+                  <c:v>36</c:v>
+                </c:pt>
+                <c:pt idx="360">
+                  <c:v>38</c:v>
+                </c:pt>
+                <c:pt idx="380">
+                  <c:v>40</c:v>
+                </c:pt>
+              </c:numCache>
+            </c:numRef>
+          </c:xVal>
+          <c:yVal>
+            <c:numRef>
+              <c:f>Sheet1!$K$3:$K$402</c:f>
+              <c:numCache>
+                <c:formatCode>General</c:formatCode>
+                <c:ptCount val="400"/>
+                <c:pt idx="0">
+                  <c:v>6.2200000000000015</c:v>
+                </c:pt>
+                <c:pt idx="20">
+                  <c:v>11.184999999999999</c:v>
+                </c:pt>
+                <c:pt idx="40">
+                  <c:v>12.215000000000002</c:v>
+                </c:pt>
+                <c:pt idx="60">
+                  <c:v>15.455000000000002</c:v>
+                </c:pt>
+                <c:pt idx="80">
+                  <c:v>17.435000000000002</c:v>
+                </c:pt>
+                <c:pt idx="100">
+                  <c:v>18.065000000000001</c:v>
+                </c:pt>
+                <c:pt idx="120">
+                  <c:v>16.725000000000001</c:v>
+                </c:pt>
+                <c:pt idx="140">
+                  <c:v>15.64</c:v>
+                </c:pt>
+                <c:pt idx="160">
+                  <c:v>14.054999999999996</c:v>
+                </c:pt>
+                <c:pt idx="180">
+                  <c:v>15.165000000000003</c:v>
+                </c:pt>
+                <c:pt idx="200">
+                  <c:v>14.459999999999999</c:v>
+                </c:pt>
+                <c:pt idx="220">
+                  <c:v>13.314999999999998</c:v>
+                </c:pt>
+                <c:pt idx="240">
+                  <c:v>15.576470588235296</c:v>
+                </c:pt>
+                <c:pt idx="260">
+                  <c:v>14.683333333333334</c:v>
+                </c:pt>
+                <c:pt idx="280">
+                  <c:v>16.104999999999997</c:v>
+                </c:pt>
+                <c:pt idx="300">
+                  <c:v>15.359999999999996</c:v>
+                </c:pt>
+                <c:pt idx="320">
+                  <c:v>15.684999999999999</c:v>
+                </c:pt>
+                <c:pt idx="340">
+                  <c:v>15.000000000000004</c:v>
+                </c:pt>
+                <c:pt idx="360">
+                  <c:v>12.914999999999997</c:v>
+                </c:pt>
+                <c:pt idx="380">
+                  <c:v>15.338888888888887</c:v>
+                </c:pt>
+              </c:numCache>
+            </c:numRef>
+          </c:yVal>
+          <c:smooth val="0"/>
+          <c:extLst>
+            <c:ext xmlns:c16="http://schemas.microsoft.com/office/drawing/2014/chart" uri="{C3380CC4-5D6E-409C-BE32-E72D297353CC}">
+              <c16:uniqueId val="{00000005-FB91-4FE8-9457-DA5B92BFD8AD}"/>
+            </c:ext>
+          </c:extLst>
+        </c:ser>
+        <c:ser>
+          <c:idx val="3"/>
+          <c:order val="3"/>
+          <c:tx>
+            <c:v>Edge6 (Receiver)</c:v>
+          </c:tx>
+          <c:spPr>
+            <a:ln w="25400" cap="rnd">
+              <a:noFill/>
+              <a:round/>
+            </a:ln>
+            <a:effectLst/>
+          </c:spPr>
+          <c:marker>
+            <c:symbol val="circle"/>
+            <c:size val="5"/>
+            <c:spPr>
+              <a:solidFill>
+                <a:schemeClr val="accent4"/>
+              </a:solidFill>
+              <a:ln w="9525">
+                <a:solidFill>
+                  <a:schemeClr val="accent4"/>
+                </a:solidFill>
+              </a:ln>
+              <a:effectLst/>
+            </c:spPr>
+          </c:marker>
+          <c:trendline>
+            <c:spPr>
+              <a:ln w="19050" cap="rnd">
+                <a:solidFill>
+                  <a:schemeClr val="accent4"/>
+                </a:solidFill>
+                <a:prstDash val="sysDot"/>
+              </a:ln>
+              <a:effectLst/>
+            </c:spPr>
+            <c:trendlineType val="movingAvg"/>
+            <c:period val="2"/>
+            <c:dispRSqr val="0"/>
+            <c:dispEq val="0"/>
+          </c:trendline>
+          <c:trendline>
+            <c:spPr>
+              <a:ln w="19050" cap="rnd">
+                <a:solidFill>
+                  <a:schemeClr val="accent4"/>
+                </a:solidFill>
+                <a:prstDash val="sysDot"/>
+              </a:ln>
+              <a:effectLst/>
+            </c:spPr>
+            <c:trendlineType val="movingAvg"/>
+            <c:period val="2"/>
+            <c:dispRSqr val="0"/>
+            <c:dispEq val="0"/>
+          </c:trendline>
+          <c:xVal>
+            <c:numRef>
+              <c:f>Sheet1!$N$3:$N$402</c:f>
+              <c:numCache>
+                <c:formatCode>General</c:formatCode>
+                <c:ptCount val="400"/>
+                <c:pt idx="0">
+                  <c:v>2</c:v>
+                </c:pt>
+                <c:pt idx="20">
+                  <c:v>4</c:v>
+                </c:pt>
+                <c:pt idx="40">
+                  <c:v>6</c:v>
+                </c:pt>
+                <c:pt idx="60">
+                  <c:v>8</c:v>
+                </c:pt>
+                <c:pt idx="80">
+                  <c:v>10</c:v>
+                </c:pt>
+                <c:pt idx="100">
+                  <c:v>12</c:v>
+                </c:pt>
+                <c:pt idx="120">
+                  <c:v>14</c:v>
+                </c:pt>
+                <c:pt idx="140">
+                  <c:v>16</c:v>
+                </c:pt>
+                <c:pt idx="160">
+                  <c:v>18</c:v>
+                </c:pt>
+                <c:pt idx="180">
+                  <c:v>20</c:v>
+                </c:pt>
+                <c:pt idx="200">
+                  <c:v>22</c:v>
+                </c:pt>
+                <c:pt idx="220">
+                  <c:v>24</c:v>
+                </c:pt>
+                <c:pt idx="240">
+                  <c:v>26</c:v>
+                </c:pt>
+                <c:pt idx="260">
+                  <c:v>28</c:v>
+                </c:pt>
+                <c:pt idx="280">
+                  <c:v>30</c:v>
+                </c:pt>
+                <c:pt idx="300">
+                  <c:v>32</c:v>
+                </c:pt>
+                <c:pt idx="320">
+                  <c:v>34</c:v>
+                </c:pt>
+                <c:pt idx="340">
+                  <c:v>36</c:v>
+                </c:pt>
+                <c:pt idx="360">
+                  <c:v>38</c:v>
+                </c:pt>
+                <c:pt idx="380">
+                  <c:v>40</c:v>
+                </c:pt>
+              </c:numCache>
+            </c:numRef>
+          </c:xVal>
+          <c:yVal>
+            <c:numRef>
+              <c:f>Sheet1!$O$3:$O$402</c:f>
+              <c:numCache>
+                <c:formatCode>General</c:formatCode>
+                <c:ptCount val="400"/>
+                <c:pt idx="0">
+                  <c:v>6.2799999999999994</c:v>
+                </c:pt>
+                <c:pt idx="20">
+                  <c:v>9.2750000000000004</c:v>
+                </c:pt>
+                <c:pt idx="40">
+                  <c:v>10.559999999999999</c:v>
+                </c:pt>
+                <c:pt idx="60">
+                  <c:v>15.240000000000004</c:v>
+                </c:pt>
+                <c:pt idx="80">
+                  <c:v>15.155000000000001</c:v>
+                </c:pt>
+                <c:pt idx="100">
+                  <c:v>16.785</c:v>
+                </c:pt>
+                <c:pt idx="120">
+                  <c:v>19.835000000000001</c:v>
+                </c:pt>
+                <c:pt idx="140">
+                  <c:v>24.284999999999997</c:v>
+                </c:pt>
+                <c:pt idx="160">
+                  <c:v>25.454999999999998</c:v>
+                </c:pt>
+                <c:pt idx="180">
+                  <c:v>24.365000000000002</c:v>
+                </c:pt>
+                <c:pt idx="200">
+                  <c:v>25.280000000000005</c:v>
+                </c:pt>
+                <c:pt idx="220">
+                  <c:v>25.390000000000004</c:v>
+                </c:pt>
+                <c:pt idx="240">
+                  <c:v>21.884999999999998</c:v>
+                </c:pt>
+                <c:pt idx="260">
+                  <c:v>21.74</c:v>
+                </c:pt>
+                <c:pt idx="280">
+                  <c:v>19.600000000000001</c:v>
+                </c:pt>
+                <c:pt idx="300">
+                  <c:v>24.195</c:v>
+                </c:pt>
+                <c:pt idx="320">
+                  <c:v>22.85</c:v>
+                </c:pt>
+                <c:pt idx="340">
+                  <c:v>23.895000000000003</c:v>
+                </c:pt>
+                <c:pt idx="360">
+                  <c:v>26.160000000000004</c:v>
+                </c:pt>
+                <c:pt idx="380">
+                  <c:v>22.877777777777776</c:v>
+                </c:pt>
+              </c:numCache>
+            </c:numRef>
+          </c:yVal>
+          <c:smooth val="0"/>
+          <c:extLst>
+            <c:ext xmlns:c16="http://schemas.microsoft.com/office/drawing/2014/chart" uri="{C3380CC4-5D6E-409C-BE32-E72D297353CC}">
+              <c16:uniqueId val="{00000008-FB91-4FE8-9457-DA5B92BFD8AD}"/>
+            </c:ext>
+          </c:extLst>
+        </c:ser>
+        <c:dLbls>
+          <c:showLegendKey val="0"/>
+          <c:showVal val="0"/>
+          <c:showCatName val="0"/>
+          <c:showSerName val="0"/>
+          <c:showPercent val="0"/>
+          <c:showBubbleSize val="0"/>
+        </c:dLbls>
+        <c:axId val="1510081871"/>
+        <c:axId val="1510071055"/>
+      </c:scatterChart>
+      <c:valAx>
+        <c:axId val="1510081871"/>
+        <c:scaling>
+          <c:orientation val="minMax"/>
+        </c:scaling>
+        <c:delete val="0"/>
+        <c:axPos val="b"/>
+        <c:majorGridlines>
+          <c:spPr>
+            <a:ln w="9525" cap="flat" cmpd="sng" algn="ctr">
+              <a:solidFill>
+                <a:schemeClr val="tx1">
+                  <a:lumMod val="15000"/>
+                  <a:lumOff val="85000"/>
+                </a:schemeClr>
+              </a:solidFill>
+              <a:round/>
+            </a:ln>
+            <a:effectLst/>
+          </c:spPr>
+        </c:majorGridlines>
+        <c:title>
+          <c:tx>
+            <c:rich>
+              <a:bodyPr rot="0" spcFirstLastPara="1" vertOverflow="ellipsis" vert="horz" wrap="square" anchor="ctr" anchorCtr="1"/>
+              <a:lstStyle/>
+              <a:p>
+                <a:pPr>
+                  <a:defRPr sz="1000" b="0" i="0" u="none" strike="noStrike" kern="1200" baseline="0">
+                    <a:solidFill>
+                      <a:schemeClr val="tx1">
+                        <a:lumMod val="65000"/>
+                        <a:lumOff val="35000"/>
+                      </a:schemeClr>
+                    </a:solidFill>
+                    <a:latin typeface="+mn-lt"/>
+                    <a:ea typeface="+mn-ea"/>
+                    <a:cs typeface="+mn-cs"/>
+                  </a:defRPr>
+                </a:pPr>
+                <a:r>
+                  <a:rPr lang="en-US" sz="1800" b="0" i="0" baseline="0">
+                    <a:effectLst/>
+                  </a:rPr>
+                  <a:t>Iperf -b (Mbps)</a:t>
+                </a:r>
+                <a:endParaRPr lang="en-US">
+                  <a:effectLst/>
+                </a:endParaRPr>
+              </a:p>
+            </c:rich>
+          </c:tx>
+          <c:overlay val="0"/>
+          <c:spPr>
+            <a:noFill/>
+            <a:ln>
+              <a:noFill/>
+            </a:ln>
+            <a:effectLst/>
+          </c:spPr>
+          <c:txPr>
+            <a:bodyPr rot="0" spcFirstLastPara="1" vertOverflow="ellipsis" vert="horz" wrap="square" anchor="ctr" anchorCtr="1"/>
+            <a:lstStyle/>
+            <a:p>
+              <a:pPr>
+                <a:defRPr sz="1000" b="0" i="0" u="none" strike="noStrike" kern="1200" baseline="0">
+                  <a:solidFill>
+                    <a:schemeClr val="tx1">
+                      <a:lumMod val="65000"/>
+                      <a:lumOff val="35000"/>
+                    </a:schemeClr>
+                  </a:solidFill>
+                  <a:latin typeface="+mn-lt"/>
+                  <a:ea typeface="+mn-ea"/>
+                  <a:cs typeface="+mn-cs"/>
+                </a:defRPr>
+              </a:pPr>
+              <a:endParaRPr lang="en-US"/>
+            </a:p>
+          </c:txPr>
+        </c:title>
+        <c:numFmt formatCode="General" sourceLinked="1"/>
+        <c:majorTickMark val="none"/>
+        <c:minorTickMark val="none"/>
+        <c:tickLblPos val="nextTo"/>
+        <c:spPr>
+          <a:noFill/>
+          <a:ln w="9525" cap="flat" cmpd="sng" algn="ctr">
+            <a:solidFill>
+              <a:schemeClr val="tx1">
+                <a:lumMod val="25000"/>
+                <a:lumOff val="75000"/>
+              </a:schemeClr>
+            </a:solidFill>
+            <a:round/>
+          </a:ln>
+          <a:effectLst/>
+        </c:spPr>
+        <c:txPr>
+          <a:bodyPr rot="-60000000" spcFirstLastPara="1" vertOverflow="ellipsis" vert="horz" wrap="square" anchor="ctr" anchorCtr="1"/>
+          <a:lstStyle/>
+          <a:p>
+            <a:pPr>
+              <a:defRPr sz="1800" b="0" i="0" u="none" strike="noStrike" kern="1200" baseline="0">
+                <a:solidFill>
+                  <a:schemeClr val="tx1">
+                    <a:lumMod val="65000"/>
+                    <a:lumOff val="35000"/>
+                  </a:schemeClr>
+                </a:solidFill>
+                <a:latin typeface="+mn-lt"/>
+                <a:ea typeface="+mn-ea"/>
+                <a:cs typeface="+mn-cs"/>
+              </a:defRPr>
+            </a:pPr>
+            <a:endParaRPr lang="en-US"/>
+          </a:p>
+        </c:txPr>
+        <c:crossAx val="1510071055"/>
+        <c:crosses val="autoZero"/>
+        <c:crossBetween val="midCat"/>
+      </c:valAx>
+      <c:valAx>
+        <c:axId val="1510071055"/>
+        <c:scaling>
+          <c:orientation val="minMax"/>
+        </c:scaling>
+        <c:delete val="0"/>
+        <c:axPos val="l"/>
+        <c:majorGridlines>
+          <c:spPr>
+            <a:ln w="9525" cap="flat" cmpd="sng" algn="ctr">
+              <a:solidFill>
+                <a:schemeClr val="tx1">
+                  <a:lumMod val="15000"/>
+                  <a:lumOff val="85000"/>
+                </a:schemeClr>
+              </a:solidFill>
+              <a:round/>
+            </a:ln>
+            <a:effectLst/>
+          </c:spPr>
+        </c:majorGridlines>
+        <c:title>
+          <c:tx>
+            <c:rich>
+              <a:bodyPr rot="-5400000" spcFirstLastPara="1" vertOverflow="ellipsis" vert="horz" wrap="square" anchor="ctr" anchorCtr="1"/>
+              <a:lstStyle/>
+              <a:p>
+                <a:pPr>
+                  <a:defRPr sz="2000" b="0" i="0" u="none" strike="noStrike" kern="1200" baseline="0">
+                    <a:solidFill>
+                      <a:schemeClr val="tx1">
+                        <a:lumMod val="65000"/>
+                        <a:lumOff val="35000"/>
+                      </a:schemeClr>
+                    </a:solidFill>
+                    <a:latin typeface="+mn-lt"/>
+                    <a:ea typeface="+mn-ea"/>
+                    <a:cs typeface="+mn-cs"/>
+                  </a:defRPr>
+                </a:pPr>
+                <a:r>
+                  <a:rPr lang="en-US" sz="2000" b="0" i="0" u="none" strike="noStrike" baseline="0">
+                    <a:effectLst/>
+                  </a:rPr>
+                  <a:t>%CPU usage</a:t>
+                </a:r>
+                <a:endParaRPr lang="th-TH" sz="2000"/>
+              </a:p>
+            </c:rich>
+          </c:tx>
+          <c:overlay val="0"/>
+          <c:spPr>
+            <a:noFill/>
+            <a:ln>
+              <a:noFill/>
+            </a:ln>
+            <a:effectLst/>
+          </c:spPr>
+          <c:txPr>
+            <a:bodyPr rot="-5400000" spcFirstLastPara="1" vertOverflow="ellipsis" vert="horz" wrap="square" anchor="ctr" anchorCtr="1"/>
+            <a:lstStyle/>
+            <a:p>
+              <a:pPr>
+                <a:defRPr sz="2000" b="0" i="0" u="none" strike="noStrike" kern="1200" baseline="0">
+                  <a:solidFill>
+                    <a:schemeClr val="tx1">
+                      <a:lumMod val="65000"/>
+                      <a:lumOff val="35000"/>
+                    </a:schemeClr>
+                  </a:solidFill>
+                  <a:latin typeface="+mn-lt"/>
+                  <a:ea typeface="+mn-ea"/>
+                  <a:cs typeface="+mn-cs"/>
+                </a:defRPr>
+              </a:pPr>
+              <a:endParaRPr lang="en-US"/>
+            </a:p>
+          </c:txPr>
+        </c:title>
+        <c:numFmt formatCode="General" sourceLinked="1"/>
+        <c:majorTickMark val="none"/>
+        <c:minorTickMark val="none"/>
+        <c:tickLblPos val="nextTo"/>
+        <c:spPr>
+          <a:noFill/>
+          <a:ln w="9525" cap="flat" cmpd="sng" algn="ctr">
+            <a:solidFill>
+              <a:schemeClr val="tx1">
+                <a:lumMod val="25000"/>
+                <a:lumOff val="75000"/>
+              </a:schemeClr>
+            </a:solidFill>
+            <a:round/>
+          </a:ln>
+          <a:effectLst/>
+        </c:spPr>
+        <c:txPr>
+          <a:bodyPr rot="-60000000" spcFirstLastPara="1" vertOverflow="ellipsis" vert="horz" wrap="square" anchor="ctr" anchorCtr="1"/>
+          <a:lstStyle/>
+          <a:p>
+            <a:pPr>
+              <a:defRPr sz="1600" b="0" i="0" u="none" strike="noStrike" kern="1200" baseline="0">
+                <a:solidFill>
+                  <a:schemeClr val="tx1">
+                    <a:lumMod val="65000"/>
+                    <a:lumOff val="35000"/>
+                  </a:schemeClr>
+                </a:solidFill>
+                <a:latin typeface="+mn-lt"/>
+                <a:ea typeface="+mn-ea"/>
+                <a:cs typeface="+mn-cs"/>
+              </a:defRPr>
+            </a:pPr>
+            <a:endParaRPr lang="en-US"/>
+          </a:p>
+        </c:txPr>
+        <c:crossAx val="1510081871"/>
+        <c:crosses val="autoZero"/>
+        <c:crossBetween val="midCat"/>
+      </c:valAx>
+      <c:spPr>
+        <a:noFill/>
+        <a:ln>
+          <a:noFill/>
+        </a:ln>
+        <a:effectLst/>
+      </c:spPr>
+    </c:plotArea>
+    <c:legend>
+      <c:legendPos val="r"/>
+      <c:legendEntry>
+        <c:idx val="4"/>
+        <c:delete val="1"/>
+      </c:legendEntry>
+      <c:legendEntry>
+        <c:idx val="5"/>
+        <c:delete val="1"/>
+      </c:legendEntry>
+      <c:legendEntry>
+        <c:idx val="6"/>
+        <c:delete val="1"/>
+      </c:legendEntry>
+      <c:legendEntry>
+        <c:idx val="7"/>
+        <c:delete val="1"/>
+      </c:legendEntry>
+      <c:legendEntry>
+        <c:idx val="8"/>
+        <c:delete val="1"/>
+      </c:legendEntry>
+      <c:overlay val="0"/>
+      <c:spPr>
+        <a:noFill/>
+        <a:ln>
+          <a:noFill/>
+        </a:ln>
+        <a:effectLst/>
+      </c:spPr>
+      <c:txPr>
+        <a:bodyPr rot="0" spcFirstLastPara="1" vertOverflow="ellipsis" vert="horz" wrap="square" anchor="ctr" anchorCtr="1"/>
+        <a:lstStyle/>
+        <a:p>
+          <a:pPr>
+            <a:defRPr sz="1600" b="0" i="0" u="none" strike="noStrike" kern="1200" baseline="0">
+              <a:solidFill>
+                <a:schemeClr val="tx1">
+                  <a:lumMod val="65000"/>
+                  <a:lumOff val="35000"/>
+                </a:schemeClr>
+              </a:solidFill>
+              <a:latin typeface="+mn-lt"/>
+              <a:ea typeface="+mn-ea"/>
+              <a:cs typeface="+mn-cs"/>
+            </a:defRPr>
+          </a:pPr>
+          <a:endParaRPr lang="en-US"/>
+        </a:p>
+      </c:txPr>
+    </c:legend>
     <c:plotVisOnly val="1"/>
     <c:dispBlanksAs val="gap"/>
     <c:extLst>
@@ -3290,6 +4484,46 @@
 </file>
 
 <file path=ppt/charts/colors4.xml><?xml version="1.0" encoding="utf-8"?>
+<cs:colorStyle xmlns:cs="http://schemas.microsoft.com/office/drawing/2012/chartStyle" xmlns:a="http://schemas.openxmlformats.org/drawingml/2006/main" meth="cycle" id="10">
+  <a:schemeClr val="accent1"/>
+  <a:schemeClr val="accent2"/>
+  <a:schemeClr val="accent3"/>
+  <a:schemeClr val="accent4"/>
+  <a:schemeClr val="accent5"/>
+  <a:schemeClr val="accent6"/>
+  <cs:variation/>
+  <cs:variation>
+    <a:lumMod val="60000"/>
+  </cs:variation>
+  <cs:variation>
+    <a:lumMod val="80000"/>
+    <a:lumOff val="20000"/>
+  </cs:variation>
+  <cs:variation>
+    <a:lumMod val="80000"/>
+  </cs:variation>
+  <cs:variation>
+    <a:lumMod val="60000"/>
+    <a:lumOff val="40000"/>
+  </cs:variation>
+  <cs:variation>
+    <a:lumMod val="50000"/>
+  </cs:variation>
+  <cs:variation>
+    <a:lumMod val="70000"/>
+    <a:lumOff val="30000"/>
+  </cs:variation>
+  <cs:variation>
+    <a:lumMod val="70000"/>
+  </cs:variation>
+  <cs:variation>
+    <a:lumMod val="50000"/>
+    <a:lumOff val="50000"/>
+  </cs:variation>
+</cs:colorStyle>
+</file>
+
+<file path=ppt/charts/colors5.xml><?xml version="1.0" encoding="utf-8"?>
 <cs:colorStyle xmlns:cs="http://schemas.microsoft.com/office/drawing/2012/chartStyle" xmlns:a="http://schemas.openxmlformats.org/drawingml/2006/main" meth="cycle" id="10">
   <a:schemeClr val="accent1"/>
   <a:schemeClr val="accent2"/>
@@ -5393,6 +6627,522 @@
 </cs:chartStyle>
 </file>
 
+<file path=ppt/charts/style5.xml><?xml version="1.0" encoding="utf-8"?>
+<cs:chartStyle xmlns:cs="http://schemas.microsoft.com/office/drawing/2012/chartStyle" xmlns:a="http://schemas.openxmlformats.org/drawingml/2006/main" id="240">
+  <cs:axisTitle>
+    <cs:lnRef idx="0"/>
+    <cs:fillRef idx="0"/>
+    <cs:effectRef idx="0"/>
+    <cs:fontRef idx="minor">
+      <a:schemeClr val="tx1">
+        <a:lumMod val="65000"/>
+        <a:lumOff val="35000"/>
+      </a:schemeClr>
+    </cs:fontRef>
+    <cs:defRPr sz="1000" kern="1200"/>
+  </cs:axisTitle>
+  <cs:categoryAxis>
+    <cs:lnRef idx="0"/>
+    <cs:fillRef idx="0"/>
+    <cs:effectRef idx="0"/>
+    <cs:fontRef idx="minor">
+      <a:schemeClr val="tx1">
+        <a:lumMod val="65000"/>
+        <a:lumOff val="35000"/>
+      </a:schemeClr>
+    </cs:fontRef>
+    <cs:spPr>
+      <a:ln w="9525" cap="flat" cmpd="sng" algn="ctr">
+        <a:solidFill>
+          <a:schemeClr val="tx1">
+            <a:lumMod val="25000"/>
+            <a:lumOff val="75000"/>
+          </a:schemeClr>
+        </a:solidFill>
+        <a:round/>
+      </a:ln>
+    </cs:spPr>
+    <cs:defRPr sz="900" kern="1200"/>
+  </cs:categoryAxis>
+  <cs:chartArea mods="allowNoFillOverride allowNoLineOverride">
+    <cs:lnRef idx="0"/>
+    <cs:fillRef idx="0"/>
+    <cs:effectRef idx="0"/>
+    <cs:fontRef idx="minor">
+      <a:schemeClr val="tx1"/>
+    </cs:fontRef>
+    <cs:spPr>
+      <a:solidFill>
+        <a:schemeClr val="bg1"/>
+      </a:solidFill>
+      <a:ln w="9525" cap="flat" cmpd="sng" algn="ctr">
+        <a:solidFill>
+          <a:schemeClr val="tx1">
+            <a:lumMod val="15000"/>
+            <a:lumOff val="85000"/>
+          </a:schemeClr>
+        </a:solidFill>
+        <a:round/>
+      </a:ln>
+    </cs:spPr>
+    <cs:defRPr sz="1000" kern="1200"/>
+  </cs:chartArea>
+  <cs:dataLabel>
+    <cs:lnRef idx="0"/>
+    <cs:fillRef idx="0"/>
+    <cs:effectRef idx="0"/>
+    <cs:fontRef idx="minor">
+      <a:schemeClr val="tx1">
+        <a:lumMod val="75000"/>
+        <a:lumOff val="25000"/>
+      </a:schemeClr>
+    </cs:fontRef>
+    <cs:defRPr sz="900" kern="1200"/>
+  </cs:dataLabel>
+  <cs:dataLabelCallout>
+    <cs:lnRef idx="0"/>
+    <cs:fillRef idx="0"/>
+    <cs:effectRef idx="0"/>
+    <cs:fontRef idx="minor">
+      <a:schemeClr val="dk1">
+        <a:lumMod val="65000"/>
+        <a:lumOff val="35000"/>
+      </a:schemeClr>
+    </cs:fontRef>
+    <cs:spPr>
+      <a:solidFill>
+        <a:schemeClr val="lt1"/>
+      </a:solidFill>
+      <a:ln>
+        <a:solidFill>
+          <a:schemeClr val="dk1">
+            <a:lumMod val="25000"/>
+            <a:lumOff val="75000"/>
+          </a:schemeClr>
+        </a:solidFill>
+      </a:ln>
+    </cs:spPr>
+    <cs:defRPr sz="900" kern="1200"/>
+    <cs:bodyPr rot="0" spcFirstLastPara="1" vertOverflow="clip" horzOverflow="clip" vert="horz" wrap="square" lIns="36576" tIns="18288" rIns="36576" bIns="18288" anchor="ctr" anchorCtr="1">
+      <a:spAutoFit/>
+    </cs:bodyPr>
+  </cs:dataLabelCallout>
+  <cs:dataPoint>
+    <cs:lnRef idx="0"/>
+    <cs:fillRef idx="1">
+      <cs:styleClr val="auto"/>
+    </cs:fillRef>
+    <cs:effectRef idx="0"/>
+    <cs:fontRef idx="minor">
+      <a:schemeClr val="tx1"/>
+    </cs:fontRef>
+  </cs:dataPoint>
+  <cs:dataPoint3D>
+    <cs:lnRef idx="0"/>
+    <cs:fillRef idx="1">
+      <cs:styleClr val="auto"/>
+    </cs:fillRef>
+    <cs:effectRef idx="0"/>
+    <cs:fontRef idx="minor">
+      <a:schemeClr val="tx1"/>
+    </cs:fontRef>
+  </cs:dataPoint3D>
+  <cs:dataPointLine>
+    <cs:lnRef idx="0">
+      <cs:styleClr val="auto"/>
+    </cs:lnRef>
+    <cs:fillRef idx="1"/>
+    <cs:effectRef idx="0"/>
+    <cs:fontRef idx="minor">
+      <a:schemeClr val="tx1"/>
+    </cs:fontRef>
+    <cs:spPr>
+      <a:ln w="19050" cap="rnd">
+        <a:solidFill>
+          <a:schemeClr val="phClr"/>
+        </a:solidFill>
+        <a:round/>
+      </a:ln>
+    </cs:spPr>
+  </cs:dataPointLine>
+  <cs:dataPointMarker>
+    <cs:lnRef idx="0">
+      <cs:styleClr val="auto"/>
+    </cs:lnRef>
+    <cs:fillRef idx="1">
+      <cs:styleClr val="auto"/>
+    </cs:fillRef>
+    <cs:effectRef idx="0"/>
+    <cs:fontRef idx="minor">
+      <a:schemeClr val="tx1"/>
+    </cs:fontRef>
+    <cs:spPr>
+      <a:ln w="9525">
+        <a:solidFill>
+          <a:schemeClr val="phClr"/>
+        </a:solidFill>
+      </a:ln>
+    </cs:spPr>
+  </cs:dataPointMarker>
+  <cs:dataPointMarkerLayout symbol="circle" size="5"/>
+  <cs:dataPointWireframe>
+    <cs:lnRef idx="0">
+      <cs:styleClr val="auto"/>
+    </cs:lnRef>
+    <cs:fillRef idx="0"/>
+    <cs:effectRef idx="0"/>
+    <cs:fontRef idx="minor">
+      <a:schemeClr val="dk1"/>
+    </cs:fontRef>
+    <cs:spPr>
+      <a:ln w="9525" cap="rnd">
+        <a:solidFill>
+          <a:schemeClr val="phClr"/>
+        </a:solidFill>
+        <a:round/>
+      </a:ln>
+    </cs:spPr>
+  </cs:dataPointWireframe>
+  <cs:dataTable>
+    <cs:lnRef idx="0"/>
+    <cs:fillRef idx="0"/>
+    <cs:effectRef idx="0"/>
+    <cs:fontRef idx="minor">
+      <a:schemeClr val="tx1">
+        <a:lumMod val="65000"/>
+        <a:lumOff val="35000"/>
+      </a:schemeClr>
+    </cs:fontRef>
+    <cs:spPr>
+      <a:noFill/>
+      <a:ln w="9525" cap="flat" cmpd="sng" algn="ctr">
+        <a:solidFill>
+          <a:schemeClr val="tx1">
+            <a:lumMod val="15000"/>
+            <a:lumOff val="85000"/>
+          </a:schemeClr>
+        </a:solidFill>
+        <a:round/>
+      </a:ln>
+    </cs:spPr>
+    <cs:defRPr sz="900" kern="1200"/>
+  </cs:dataTable>
+  <cs:downBar>
+    <cs:lnRef idx="0"/>
+    <cs:fillRef idx="0"/>
+    <cs:effectRef idx="0"/>
+    <cs:fontRef idx="minor">
+      <a:schemeClr val="tx1"/>
+    </cs:fontRef>
+    <cs:spPr>
+      <a:solidFill>
+        <a:schemeClr val="dk1">
+          <a:lumMod val="75000"/>
+          <a:lumOff val="25000"/>
+        </a:schemeClr>
+      </a:solidFill>
+      <a:ln w="9525" cap="flat" cmpd="sng" algn="ctr">
+        <a:solidFill>
+          <a:schemeClr val="tx1">
+            <a:lumMod val="65000"/>
+            <a:lumOff val="35000"/>
+          </a:schemeClr>
+        </a:solidFill>
+        <a:round/>
+      </a:ln>
+    </cs:spPr>
+  </cs:downBar>
+  <cs:dropLine>
+    <cs:lnRef idx="0"/>
+    <cs:fillRef idx="0"/>
+    <cs:effectRef idx="0"/>
+    <cs:fontRef idx="minor">
+      <a:schemeClr val="tx1"/>
+    </cs:fontRef>
+    <cs:spPr>
+      <a:ln w="9525" cap="flat" cmpd="sng" algn="ctr">
+        <a:solidFill>
+          <a:schemeClr val="tx1">
+            <a:lumMod val="35000"/>
+            <a:lumOff val="65000"/>
+          </a:schemeClr>
+        </a:solidFill>
+        <a:round/>
+      </a:ln>
+    </cs:spPr>
+  </cs:dropLine>
+  <cs:errorBar>
+    <cs:lnRef idx="0"/>
+    <cs:fillRef idx="0"/>
+    <cs:effectRef idx="0"/>
+    <cs:fontRef idx="minor">
+      <a:schemeClr val="tx1"/>
+    </cs:fontRef>
+    <cs:spPr>
+      <a:ln w="9525" cap="flat" cmpd="sng" algn="ctr">
+        <a:solidFill>
+          <a:schemeClr val="tx1">
+            <a:lumMod val="65000"/>
+            <a:lumOff val="35000"/>
+          </a:schemeClr>
+        </a:solidFill>
+        <a:round/>
+      </a:ln>
+    </cs:spPr>
+  </cs:errorBar>
+  <cs:floor>
+    <cs:lnRef idx="0"/>
+    <cs:fillRef idx="0"/>
+    <cs:effectRef idx="0"/>
+    <cs:fontRef idx="minor">
+      <a:schemeClr val="tx1"/>
+    </cs:fontRef>
+    <cs:spPr>
+      <a:noFill/>
+      <a:ln>
+        <a:noFill/>
+      </a:ln>
+    </cs:spPr>
+  </cs:floor>
+  <cs:gridlineMajor>
+    <cs:lnRef idx="0"/>
+    <cs:fillRef idx="0"/>
+    <cs:effectRef idx="0"/>
+    <cs:fontRef idx="minor">
+      <a:schemeClr val="tx1"/>
+    </cs:fontRef>
+    <cs:spPr>
+      <a:ln w="9525" cap="flat" cmpd="sng" algn="ctr">
+        <a:solidFill>
+          <a:schemeClr val="tx1">
+            <a:lumMod val="15000"/>
+            <a:lumOff val="85000"/>
+          </a:schemeClr>
+        </a:solidFill>
+        <a:round/>
+      </a:ln>
+    </cs:spPr>
+  </cs:gridlineMajor>
+  <cs:gridlineMinor>
+    <cs:lnRef idx="0"/>
+    <cs:fillRef idx="0"/>
+    <cs:effectRef idx="0"/>
+    <cs:fontRef idx="minor">
+      <a:schemeClr val="tx1"/>
+    </cs:fontRef>
+    <cs:spPr>
+      <a:ln w="9525" cap="flat" cmpd="sng" algn="ctr">
+        <a:solidFill>
+          <a:schemeClr val="tx1">
+            <a:lumMod val="5000"/>
+            <a:lumOff val="95000"/>
+          </a:schemeClr>
+        </a:solidFill>
+        <a:round/>
+      </a:ln>
+    </cs:spPr>
+  </cs:gridlineMinor>
+  <cs:hiLoLine>
+    <cs:lnRef idx="0"/>
+    <cs:fillRef idx="0"/>
+    <cs:effectRef idx="0"/>
+    <cs:fontRef idx="minor">
+      <a:schemeClr val="tx1"/>
+    </cs:fontRef>
+    <cs:spPr>
+      <a:ln w="9525" cap="flat" cmpd="sng" algn="ctr">
+        <a:solidFill>
+          <a:schemeClr val="tx1">
+            <a:lumMod val="50000"/>
+            <a:lumOff val="50000"/>
+          </a:schemeClr>
+        </a:solidFill>
+        <a:round/>
+      </a:ln>
+    </cs:spPr>
+  </cs:hiLoLine>
+  <cs:leaderLine>
+    <cs:lnRef idx="0"/>
+    <cs:fillRef idx="0"/>
+    <cs:effectRef idx="0"/>
+    <cs:fontRef idx="minor">
+      <a:schemeClr val="tx1"/>
+    </cs:fontRef>
+    <cs:spPr>
+      <a:ln w="9525" cap="flat" cmpd="sng" algn="ctr">
+        <a:solidFill>
+          <a:schemeClr val="tx1">
+            <a:lumMod val="35000"/>
+            <a:lumOff val="65000"/>
+          </a:schemeClr>
+        </a:solidFill>
+        <a:round/>
+      </a:ln>
+    </cs:spPr>
+  </cs:leaderLine>
+  <cs:legend>
+    <cs:lnRef idx="0"/>
+    <cs:fillRef idx="0"/>
+    <cs:effectRef idx="0"/>
+    <cs:fontRef idx="minor">
+      <a:schemeClr val="tx1">
+        <a:lumMod val="65000"/>
+        <a:lumOff val="35000"/>
+      </a:schemeClr>
+    </cs:fontRef>
+    <cs:defRPr sz="900" kern="1200"/>
+  </cs:legend>
+  <cs:plotArea mods="allowNoFillOverride allowNoLineOverride">
+    <cs:lnRef idx="0"/>
+    <cs:fillRef idx="0"/>
+    <cs:effectRef idx="0"/>
+    <cs:fontRef idx="minor">
+      <a:schemeClr val="tx1"/>
+    </cs:fontRef>
+  </cs:plotArea>
+  <cs:plotArea3D mods="allowNoFillOverride allowNoLineOverride">
+    <cs:lnRef idx="0"/>
+    <cs:fillRef idx="0"/>
+    <cs:effectRef idx="0"/>
+    <cs:fontRef idx="minor">
+      <a:schemeClr val="tx1"/>
+    </cs:fontRef>
+  </cs:plotArea3D>
+  <cs:seriesAxis>
+    <cs:lnRef idx="0"/>
+    <cs:fillRef idx="0"/>
+    <cs:effectRef idx="0"/>
+    <cs:fontRef idx="minor">
+      <a:schemeClr val="tx1">
+        <a:lumMod val="65000"/>
+        <a:lumOff val="35000"/>
+      </a:schemeClr>
+    </cs:fontRef>
+    <cs:defRPr sz="900" kern="1200"/>
+  </cs:seriesAxis>
+  <cs:seriesLine>
+    <cs:lnRef idx="0"/>
+    <cs:fillRef idx="0"/>
+    <cs:effectRef idx="0"/>
+    <cs:fontRef idx="minor">
+      <a:schemeClr val="tx1"/>
+    </cs:fontRef>
+    <cs:spPr>
+      <a:ln w="9525" cap="flat" cmpd="sng" algn="ctr">
+        <a:solidFill>
+          <a:schemeClr val="tx1">
+            <a:lumMod val="35000"/>
+            <a:lumOff val="65000"/>
+          </a:schemeClr>
+        </a:solidFill>
+        <a:round/>
+      </a:ln>
+    </cs:spPr>
+  </cs:seriesLine>
+  <cs:title>
+    <cs:lnRef idx="0"/>
+    <cs:fillRef idx="0"/>
+    <cs:effectRef idx="0"/>
+    <cs:fontRef idx="minor">
+      <a:schemeClr val="tx1">
+        <a:lumMod val="65000"/>
+        <a:lumOff val="35000"/>
+      </a:schemeClr>
+    </cs:fontRef>
+    <cs:defRPr sz="1400" b="0" kern="1200" spc="0" baseline="0"/>
+  </cs:title>
+  <cs:trendline>
+    <cs:lnRef idx="0">
+      <cs:styleClr val="auto"/>
+    </cs:lnRef>
+    <cs:fillRef idx="0"/>
+    <cs:effectRef idx="0"/>
+    <cs:fontRef idx="minor">
+      <a:schemeClr val="tx1"/>
+    </cs:fontRef>
+    <cs:spPr>
+      <a:ln w="19050" cap="rnd">
+        <a:solidFill>
+          <a:schemeClr val="phClr"/>
+        </a:solidFill>
+        <a:prstDash val="sysDot"/>
+      </a:ln>
+    </cs:spPr>
+  </cs:trendline>
+  <cs:trendlineLabel>
+    <cs:lnRef idx="0"/>
+    <cs:fillRef idx="0"/>
+    <cs:effectRef idx="0"/>
+    <cs:fontRef idx="minor">
+      <a:schemeClr val="tx1">
+        <a:lumMod val="65000"/>
+        <a:lumOff val="35000"/>
+      </a:schemeClr>
+    </cs:fontRef>
+    <cs:defRPr sz="900" kern="1200"/>
+  </cs:trendlineLabel>
+  <cs:upBar>
+    <cs:lnRef idx="0"/>
+    <cs:fillRef idx="0"/>
+    <cs:effectRef idx="0"/>
+    <cs:fontRef idx="minor">
+      <a:schemeClr val="tx1"/>
+    </cs:fontRef>
+    <cs:spPr>
+      <a:solidFill>
+        <a:schemeClr val="lt1"/>
+      </a:solidFill>
+      <a:ln w="9525" cap="flat" cmpd="sng" algn="ctr">
+        <a:solidFill>
+          <a:schemeClr val="tx1">
+            <a:lumMod val="65000"/>
+            <a:lumOff val="35000"/>
+          </a:schemeClr>
+        </a:solidFill>
+        <a:round/>
+      </a:ln>
+    </cs:spPr>
+  </cs:upBar>
+  <cs:valueAxis>
+    <cs:lnRef idx="0"/>
+    <cs:fillRef idx="0"/>
+    <cs:effectRef idx="0"/>
+    <cs:fontRef idx="minor">
+      <a:schemeClr val="tx1">
+        <a:lumMod val="65000"/>
+        <a:lumOff val="35000"/>
+      </a:schemeClr>
+    </cs:fontRef>
+    <cs:spPr>
+      <a:ln w="9525" cap="flat" cmpd="sng" algn="ctr">
+        <a:solidFill>
+          <a:schemeClr val="tx1">
+            <a:lumMod val="25000"/>
+            <a:lumOff val="75000"/>
+          </a:schemeClr>
+        </a:solidFill>
+        <a:round/>
+      </a:ln>
+    </cs:spPr>
+    <cs:defRPr sz="900" kern="1200"/>
+  </cs:valueAxis>
+  <cs:wall>
+    <cs:lnRef idx="0"/>
+    <cs:fillRef idx="0"/>
+    <cs:effectRef idx="0"/>
+    <cs:fontRef idx="minor">
+      <a:schemeClr val="tx1"/>
+    </cs:fontRef>
+    <cs:spPr>
+      <a:noFill/>
+      <a:ln>
+        <a:noFill/>
+      </a:ln>
+    </cs:spPr>
+  </cs:wall>
+</cs:chartStyle>
+</file>
+
 <file path=ppt/slideLayouts/slideLayout1.xml><?xml version="1.0" encoding="utf-8"?>
 <p:sldLayout xmlns:a="http://schemas.openxmlformats.org/drawingml/2006/main" xmlns:r="http://schemas.openxmlformats.org/officeDocument/2006/relationships" xmlns:p="http://schemas.openxmlformats.org/presentationml/2006/main" type="title" preserve="1">
   <p:cSld name="สไลด์ชื่อเรื่อง">
@@ -5542,7 +7292,7 @@
           <a:p>
             <a:fld id="{20AC10D8-FB45-43F6-9D8D-A38FB736CD79}" type="datetimeFigureOut">
               <a:rPr lang="en-US" smtClean="0"/>
-              <a:t>17/9/2021</a:t>
+              <a:t>19/9/2021</a:t>
             </a:fld>
             <a:endParaRPr lang="en-US"/>
           </a:p>
@@ -5742,7 +7492,7 @@
           <a:p>
             <a:fld id="{20AC10D8-FB45-43F6-9D8D-A38FB736CD79}" type="datetimeFigureOut">
               <a:rPr lang="en-US" smtClean="0"/>
-              <a:t>17/9/2021</a:t>
+              <a:t>19/9/2021</a:t>
             </a:fld>
             <a:endParaRPr lang="en-US"/>
           </a:p>
@@ -5952,7 +7702,7 @@
           <a:p>
             <a:fld id="{20AC10D8-FB45-43F6-9D8D-A38FB736CD79}" type="datetimeFigureOut">
               <a:rPr lang="en-US" smtClean="0"/>
-              <a:t>17/9/2021</a:t>
+              <a:t>19/9/2021</a:t>
             </a:fld>
             <a:endParaRPr lang="en-US"/>
           </a:p>
@@ -6152,7 +7902,7 @@
           <a:p>
             <a:fld id="{20AC10D8-FB45-43F6-9D8D-A38FB736CD79}" type="datetimeFigureOut">
               <a:rPr lang="en-US" smtClean="0"/>
-              <a:t>17/9/2021</a:t>
+              <a:t>19/9/2021</a:t>
             </a:fld>
             <a:endParaRPr lang="en-US"/>
           </a:p>
@@ -6428,7 +8178,7 @@
           <a:p>
             <a:fld id="{20AC10D8-FB45-43F6-9D8D-A38FB736CD79}" type="datetimeFigureOut">
               <a:rPr lang="en-US" smtClean="0"/>
-              <a:t>17/9/2021</a:t>
+              <a:t>19/9/2021</a:t>
             </a:fld>
             <a:endParaRPr lang="en-US"/>
           </a:p>
@@ -6696,7 +8446,7 @@
           <a:p>
             <a:fld id="{20AC10D8-FB45-43F6-9D8D-A38FB736CD79}" type="datetimeFigureOut">
               <a:rPr lang="en-US" smtClean="0"/>
-              <a:t>17/9/2021</a:t>
+              <a:t>19/9/2021</a:t>
             </a:fld>
             <a:endParaRPr lang="en-US"/>
           </a:p>
@@ -7111,7 +8861,7 @@
           <a:p>
             <a:fld id="{20AC10D8-FB45-43F6-9D8D-A38FB736CD79}" type="datetimeFigureOut">
               <a:rPr lang="en-US" smtClean="0"/>
-              <a:t>17/9/2021</a:t>
+              <a:t>19/9/2021</a:t>
             </a:fld>
             <a:endParaRPr lang="en-US"/>
           </a:p>
@@ -7253,7 +9003,7 @@
           <a:p>
             <a:fld id="{20AC10D8-FB45-43F6-9D8D-A38FB736CD79}" type="datetimeFigureOut">
               <a:rPr lang="en-US" smtClean="0"/>
-              <a:t>17/9/2021</a:t>
+              <a:t>19/9/2021</a:t>
             </a:fld>
             <a:endParaRPr lang="en-US"/>
           </a:p>
@@ -7366,7 +9116,7 @@
           <a:p>
             <a:fld id="{20AC10D8-FB45-43F6-9D8D-A38FB736CD79}" type="datetimeFigureOut">
               <a:rPr lang="en-US" smtClean="0"/>
-              <a:t>17/9/2021</a:t>
+              <a:t>19/9/2021</a:t>
             </a:fld>
             <a:endParaRPr lang="en-US"/>
           </a:p>
@@ -7679,7 +9429,7 @@
           <a:p>
             <a:fld id="{20AC10D8-FB45-43F6-9D8D-A38FB736CD79}" type="datetimeFigureOut">
               <a:rPr lang="en-US" smtClean="0"/>
-              <a:t>17/9/2021</a:t>
+              <a:t>19/9/2021</a:t>
             </a:fld>
             <a:endParaRPr lang="en-US"/>
           </a:p>
@@ -7968,7 +9718,7 @@
           <a:p>
             <a:fld id="{20AC10D8-FB45-43F6-9D8D-A38FB736CD79}" type="datetimeFigureOut">
               <a:rPr lang="en-US" smtClean="0"/>
-              <a:t>17/9/2021</a:t>
+              <a:t>19/9/2021</a:t>
             </a:fld>
             <a:endParaRPr lang="en-US"/>
           </a:p>
@@ -8211,7 +9961,7 @@
           <a:p>
             <a:fld id="{20AC10D8-FB45-43F6-9D8D-A38FB736CD79}" type="datetimeFigureOut">
               <a:rPr lang="en-US" smtClean="0"/>
-              <a:t>17/9/2021</a:t>
+              <a:t>19/9/2021</a:t>
             </a:fld>
             <a:endParaRPr lang="en-US"/>
           </a:p>
@@ -8810,6 +10560,66 @@
 </p:sld>
 </file>
 
+<file path=ppt/slides/slide10.xml><?xml version="1.0" encoding="utf-8"?>
+<p:sld xmlns:a="http://schemas.openxmlformats.org/drawingml/2006/main" xmlns:r="http://schemas.openxmlformats.org/officeDocument/2006/relationships" xmlns:p="http://schemas.openxmlformats.org/presentationml/2006/main">
+  <p:cSld>
+    <p:spTree>
+      <p:nvGrpSpPr>
+        <p:cNvPr id="1" name=""/>
+        <p:cNvGrpSpPr/>
+        <p:nvPr/>
+      </p:nvGrpSpPr>
+      <p:grpSpPr>
+        <a:xfrm>
+          <a:off x="0" y="0"/>
+          <a:ext cx="0" cy="0"/>
+          <a:chOff x="0" y="0"/>
+          <a:chExt cx="0" cy="0"/>
+        </a:xfrm>
+      </p:grpSpPr>
+      <p:graphicFrame>
+        <p:nvGraphicFramePr>
+          <p:cNvPr id="49" name="แผนภูมิ 48">
+            <a:extLst>
+              <a:ext uri="{FF2B5EF4-FFF2-40B4-BE49-F238E27FC236}">
+                <a16:creationId xmlns:a16="http://schemas.microsoft.com/office/drawing/2014/main" id="{43767400-348A-41EA-86D2-EE7E06C1128E}"/>
+              </a:ext>
+            </a:extLst>
+          </p:cNvPr>
+          <p:cNvGraphicFramePr>
+            <a:graphicFrameLocks/>
+          </p:cNvGraphicFramePr>
+          <p:nvPr>
+            <p:extLst>
+              <p:ext uri="{D42A27DB-BD31-4B8C-83A1-F6EECF244321}">
+                <p14:modId xmlns:p14="http://schemas.microsoft.com/office/powerpoint/2010/main" val="2321417079"/>
+              </p:ext>
+            </p:extLst>
+          </p:nvPr>
+        </p:nvGraphicFramePr>
+        <p:xfrm>
+          <a:off x="641678" y="385669"/>
+          <a:ext cx="11245522" cy="6221607"/>
+        </p:xfrm>
+        <a:graphic>
+          <a:graphicData uri="http://schemas.openxmlformats.org/drawingml/2006/chart">
+            <c:chart xmlns:c="http://schemas.openxmlformats.org/drawingml/2006/chart" xmlns:r="http://schemas.openxmlformats.org/officeDocument/2006/relationships" r:id="rId2"/>
+          </a:graphicData>
+        </a:graphic>
+      </p:graphicFrame>
+    </p:spTree>
+    <p:extLst>
+      <p:ext uri="{BB962C8B-B14F-4D97-AF65-F5344CB8AC3E}">
+        <p14:creationId xmlns:p14="http://schemas.microsoft.com/office/powerpoint/2010/main" val="3432774175"/>
+      </p:ext>
+    </p:extLst>
+  </p:cSld>
+  <p:clrMapOvr>
+    <a:masterClrMapping/>
+  </p:clrMapOvr>
+</p:sld>
+</file>
+
 <file path=ppt/slides/slide2.xml><?xml version="1.0" encoding="utf-8"?>
 <p:sld xmlns:a="http://schemas.openxmlformats.org/drawingml/2006/main" xmlns:r="http://schemas.openxmlformats.org/officeDocument/2006/relationships" xmlns:p="http://schemas.openxmlformats.org/presentationml/2006/main">
   <p:cSld>
@@ -12224,6 +14034,53 @@
           <a:chExt cx="0" cy="0"/>
         </a:xfrm>
       </p:grpSpPr>
+      <p:cxnSp>
+        <p:nvCxnSpPr>
+          <p:cNvPr id="49" name="ลูกศรเชื่อมต่อแบบตรง 48">
+            <a:extLst>
+              <a:ext uri="{FF2B5EF4-FFF2-40B4-BE49-F238E27FC236}">
+                <a16:creationId xmlns:a16="http://schemas.microsoft.com/office/drawing/2014/main" id="{71DA64EC-C5AC-4B04-AFFC-36013009F54C}"/>
+              </a:ext>
+            </a:extLst>
+          </p:cNvPr>
+          <p:cNvCxnSpPr>
+            <a:cxnSpLocks/>
+            <a:stCxn id="41" idx="2"/>
+            <a:endCxn id="3" idx="2"/>
+          </p:cNvCxnSpPr>
+          <p:nvPr/>
+        </p:nvCxnSpPr>
+        <p:spPr>
+          <a:xfrm flipH="1" flipV="1">
+            <a:off x="6096000" y="2118808"/>
+            <a:ext cx="105696" cy="2713536"/>
+          </a:xfrm>
+          <a:prstGeom prst="straightConnector1">
+            <a:avLst/>
+          </a:prstGeom>
+          <a:ln w="28575">
+            <a:solidFill>
+              <a:srgbClr val="FF0000"/>
+            </a:solidFill>
+            <a:prstDash val="dash"/>
+            <a:tailEnd type="triangle"/>
+          </a:ln>
+        </p:spPr>
+        <p:style>
+          <a:lnRef idx="1">
+            <a:schemeClr val="accent1"/>
+          </a:lnRef>
+          <a:fillRef idx="0">
+            <a:schemeClr val="accent1"/>
+          </a:fillRef>
+          <a:effectRef idx="0">
+            <a:schemeClr val="accent1"/>
+          </a:effectRef>
+          <a:fontRef idx="minor">
+            <a:schemeClr val="tx1"/>
+          </a:fontRef>
+        </p:style>
+      </p:cxnSp>
       <p:sp>
         <p:nvSpPr>
           <p:cNvPr id="37" name="สี่เหลี่ยมผืนผ้า: มุมมน 36">
@@ -12525,7 +14382,7 @@
             <a:pPr algn="ctr"/>
             <a:r>
               <a:rPr lang="en-US" sz="3200" dirty="0"/>
-              <a:t>Edge1</a:t>
+              <a:t>Edge5</a:t>
             </a:r>
           </a:p>
           <a:p>
@@ -12581,15 +14438,15 @@
           <a:p>
             <a:pPr algn="ctr"/>
             <a:r>
-              <a:rPr lang="en-US" sz="3200" dirty="0"/>
-              <a:t>Edge5</a:t>
+              <a:rPr lang="en-US" sz="2400" dirty="0"/>
+              <a:t>Edge1</a:t>
             </a:r>
           </a:p>
           <a:p>
             <a:pPr algn="ctr"/>
             <a:r>
-              <a:rPr lang="en-US" sz="3200" dirty="0"/>
-              <a:t>(Server)</a:t>
+              <a:rPr lang="en-US" sz="2400" dirty="0"/>
+              <a:t>(Server &amp; Client)</a:t>
             </a:r>
           </a:p>
         </p:txBody>
@@ -13035,7 +14892,7 @@
           <a:p>
             <a:r>
               <a:rPr lang="en-US" dirty="0"/>
-              <a:t>edge1</a:t>
+              <a:t>edge5</a:t>
             </a:r>
           </a:p>
         </p:txBody>
@@ -13076,7 +14933,7 @@
           <a:p>
             <a:r>
               <a:rPr lang="en-US" dirty="0"/>
-              <a:t>edge5</a:t>
+              <a:t>edge1</a:t>
             </a:r>
           </a:p>
         </p:txBody>
@@ -13562,7 +15419,7 @@
             <a:pPr algn="ctr"/>
             <a:r>
               <a:rPr lang="en-US" sz="3200" dirty="0"/>
-              <a:t>Edge2</a:t>
+              <a:t>Edge6</a:t>
             </a:r>
           </a:p>
           <a:p>
@@ -13657,7 +15514,7 @@
           <a:p>
             <a:r>
               <a:rPr lang="en-US" dirty="0"/>
-              <a:t>edge2</a:t>
+              <a:t>edge6</a:t>
             </a:r>
           </a:p>
         </p:txBody>

--- a/PlanB/CPU_utilization_Experiment/version2_Experiment_style/Experiment_Results.pptx
+++ b/PlanB/CPU_utilization_Experiment/version2_Experiment_style/Experiment_Results.pptx
@@ -15,6 +15,7 @@
     <p:sldId id="263" r:id="rId9"/>
     <p:sldId id="267" r:id="rId10"/>
     <p:sldId id="268" r:id="rId11"/>
+    <p:sldId id="269" r:id="rId12"/>
   </p:sldIdLst>
   <p:sldSz cx="12192000" cy="6858000"/>
   <p:notesSz cx="6858000" cy="9144000"/>
@@ -4300,6 +4301,1476 @@
         <c:idx val="8"/>
         <c:delete val="1"/>
       </c:legendEntry>
+      <c:overlay val="0"/>
+      <c:spPr>
+        <a:noFill/>
+        <a:ln>
+          <a:noFill/>
+        </a:ln>
+        <a:effectLst/>
+      </c:spPr>
+      <c:txPr>
+        <a:bodyPr rot="0" spcFirstLastPara="1" vertOverflow="ellipsis" vert="horz" wrap="square" anchor="ctr" anchorCtr="1"/>
+        <a:lstStyle/>
+        <a:p>
+          <a:pPr>
+            <a:defRPr sz="1600" b="0" i="0" u="none" strike="noStrike" kern="1200" baseline="0">
+              <a:solidFill>
+                <a:schemeClr val="tx1">
+                  <a:lumMod val="65000"/>
+                  <a:lumOff val="35000"/>
+                </a:schemeClr>
+              </a:solidFill>
+              <a:latin typeface="+mn-lt"/>
+              <a:ea typeface="+mn-ea"/>
+              <a:cs typeface="+mn-cs"/>
+            </a:defRPr>
+          </a:pPr>
+          <a:endParaRPr lang="en-US"/>
+        </a:p>
+      </c:txPr>
+    </c:legend>
+    <c:plotVisOnly val="1"/>
+    <c:dispBlanksAs val="gap"/>
+    <c:extLst>
+      <c:ext xmlns:c16r3="http://schemas.microsoft.com/office/drawing/2017/03/chart" uri="{56B9EC1D-385E-4148-901F-78D8002777C0}">
+        <c16r3:dataDisplayOptions16>
+          <c16r3:dispNaAsBlank val="1"/>
+        </c16r3:dataDisplayOptions16>
+      </c:ext>
+    </c:extLst>
+    <c:showDLblsOverMax val="0"/>
+  </c:chart>
+  <c:spPr>
+    <a:noFill/>
+    <a:ln>
+      <a:noFill/>
+    </a:ln>
+    <a:effectLst/>
+  </c:spPr>
+  <c:txPr>
+    <a:bodyPr/>
+    <a:lstStyle/>
+    <a:p>
+      <a:pPr>
+        <a:defRPr/>
+      </a:pPr>
+      <a:endParaRPr lang="en-US"/>
+    </a:p>
+  </c:txPr>
+  <c:externalData r:id="rId3">
+    <c:autoUpdate val="0"/>
+  </c:externalData>
+</c:chartSpace>
+</file>
+
+<file path=ppt/charts/chart6.xml><?xml version="1.0" encoding="utf-8"?>
+<c:chartSpace xmlns:c="http://schemas.openxmlformats.org/drawingml/2006/chart" xmlns:a="http://schemas.openxmlformats.org/drawingml/2006/main" xmlns:r="http://schemas.openxmlformats.org/officeDocument/2006/relationships" xmlns:c16r2="http://schemas.microsoft.com/office/drawing/2015/06/chart">
+  <c:date1904 val="0"/>
+  <c:lang val="th-TH"/>
+  <c:roundedCorners val="0"/>
+  <mc:AlternateContent xmlns:mc="http://schemas.openxmlformats.org/markup-compatibility/2006">
+    <mc:Choice xmlns:c14="http://schemas.microsoft.com/office/drawing/2007/8/2/chart" Requires="c14">
+      <c14:style val="102"/>
+    </mc:Choice>
+    <mc:Fallback>
+      <c:style val="2"/>
+    </mc:Fallback>
+  </mc:AlternateContent>
+  <c:chart>
+    <c:title>
+      <c:tx>
+        <c:rich>
+          <a:bodyPr rot="0" spcFirstLastPara="1" vertOverflow="ellipsis" vert="horz" wrap="square" anchor="ctr" anchorCtr="1"/>
+          <a:lstStyle/>
+          <a:p>
+            <a:pPr>
+              <a:defRPr sz="1400" b="0" i="0" u="none" strike="noStrike" kern="1200" spc="0" baseline="0">
+                <a:solidFill>
+                  <a:schemeClr val="tx1">
+                    <a:lumMod val="65000"/>
+                    <a:lumOff val="35000"/>
+                  </a:schemeClr>
+                </a:solidFill>
+                <a:latin typeface="+mn-lt"/>
+                <a:ea typeface="+mn-ea"/>
+                <a:cs typeface="+mn-cs"/>
+              </a:defRPr>
+            </a:pPr>
+            <a:r>
+              <a:rPr lang="en-US"/>
+              <a:t>Experiment 2.2 bitrate</a:t>
+            </a:r>
+          </a:p>
+        </c:rich>
+      </c:tx>
+      <c:overlay val="0"/>
+      <c:spPr>
+        <a:noFill/>
+        <a:ln>
+          <a:noFill/>
+        </a:ln>
+        <a:effectLst/>
+      </c:spPr>
+      <c:txPr>
+        <a:bodyPr rot="0" spcFirstLastPara="1" vertOverflow="ellipsis" vert="horz" wrap="square" anchor="ctr" anchorCtr="1"/>
+        <a:lstStyle/>
+        <a:p>
+          <a:pPr>
+            <a:defRPr sz="1400" b="0" i="0" u="none" strike="noStrike" kern="1200" spc="0" baseline="0">
+              <a:solidFill>
+                <a:schemeClr val="tx1">
+                  <a:lumMod val="65000"/>
+                  <a:lumOff val="35000"/>
+                </a:schemeClr>
+              </a:solidFill>
+              <a:latin typeface="+mn-lt"/>
+              <a:ea typeface="+mn-ea"/>
+              <a:cs typeface="+mn-cs"/>
+            </a:defRPr>
+          </a:pPr>
+          <a:endParaRPr lang="en-US"/>
+        </a:p>
+      </c:txPr>
+    </c:title>
+    <c:autoTitleDeleted val="0"/>
+    <c:plotArea>
+      <c:layout>
+        <c:manualLayout>
+          <c:layoutTarget val="inner"/>
+          <c:xMode val="edge"/>
+          <c:yMode val="edge"/>
+          <c:x val="7.5033105429722524E-2"/>
+          <c:y val="9.2887813117015966E-2"/>
+          <c:w val="0.69552153203071831"/>
+          <c:h val="0.7774210814282656"/>
+        </c:manualLayout>
+      </c:layout>
+      <c:scatterChart>
+        <c:scatterStyle val="lineMarker"/>
+        <c:varyColors val="0"/>
+        <c:ser>
+          <c:idx val="0"/>
+          <c:order val="0"/>
+          <c:tx>
+            <c:v>Edge1 (Receive from Edge4)</c:v>
+          </c:tx>
+          <c:spPr>
+            <a:ln w="28575" cap="rnd">
+              <a:solidFill>
+                <a:srgbClr val="00B0F0"/>
+              </a:solidFill>
+              <a:round/>
+            </a:ln>
+            <a:effectLst/>
+          </c:spPr>
+          <c:marker>
+            <c:symbol val="circle"/>
+            <c:size val="5"/>
+            <c:spPr>
+              <a:solidFill>
+                <a:schemeClr val="accent1"/>
+              </a:solidFill>
+              <a:ln w="28575">
+                <a:solidFill>
+                  <a:srgbClr val="00B0F0"/>
+                </a:solidFill>
+              </a:ln>
+              <a:effectLst/>
+            </c:spPr>
+          </c:marker>
+          <c:xVal>
+            <c:numRef>
+              <c:f>Sheet1!$E$3:$E$22</c:f>
+              <c:numCache>
+                <c:formatCode>General</c:formatCode>
+                <c:ptCount val="20"/>
+                <c:pt idx="0">
+                  <c:v>2</c:v>
+                </c:pt>
+                <c:pt idx="1">
+                  <c:v>4</c:v>
+                </c:pt>
+                <c:pt idx="2">
+                  <c:v>6</c:v>
+                </c:pt>
+                <c:pt idx="3">
+                  <c:v>8</c:v>
+                </c:pt>
+                <c:pt idx="4">
+                  <c:v>10</c:v>
+                </c:pt>
+                <c:pt idx="5">
+                  <c:v>12</c:v>
+                </c:pt>
+                <c:pt idx="6">
+                  <c:v>14</c:v>
+                </c:pt>
+                <c:pt idx="7">
+                  <c:v>16</c:v>
+                </c:pt>
+                <c:pt idx="8">
+                  <c:v>18</c:v>
+                </c:pt>
+                <c:pt idx="9">
+                  <c:v>20</c:v>
+                </c:pt>
+                <c:pt idx="10">
+                  <c:v>22</c:v>
+                </c:pt>
+                <c:pt idx="11">
+                  <c:v>24</c:v>
+                </c:pt>
+                <c:pt idx="12">
+                  <c:v>26</c:v>
+                </c:pt>
+                <c:pt idx="13">
+                  <c:v>28</c:v>
+                </c:pt>
+                <c:pt idx="14">
+                  <c:v>30</c:v>
+                </c:pt>
+                <c:pt idx="15">
+                  <c:v>32</c:v>
+                </c:pt>
+                <c:pt idx="16">
+                  <c:v>34</c:v>
+                </c:pt>
+                <c:pt idx="17">
+                  <c:v>36</c:v>
+                </c:pt>
+                <c:pt idx="18">
+                  <c:v>38</c:v>
+                </c:pt>
+                <c:pt idx="19">
+                  <c:v>40</c:v>
+                </c:pt>
+              </c:numCache>
+            </c:numRef>
+          </c:xVal>
+          <c:yVal>
+            <c:numRef>
+              <c:f>Sheet1!$G$3:$G$22</c:f>
+              <c:numCache>
+                <c:formatCode>General</c:formatCode>
+                <c:ptCount val="20"/>
+                <c:pt idx="0">
+                  <c:v>2.02</c:v>
+                </c:pt>
+                <c:pt idx="1">
+                  <c:v>4.05</c:v>
+                </c:pt>
+                <c:pt idx="2">
+                  <c:v>6.03</c:v>
+                </c:pt>
+                <c:pt idx="3">
+                  <c:v>8.06</c:v>
+                </c:pt>
+                <c:pt idx="4">
+                  <c:v>10.1</c:v>
+                </c:pt>
+                <c:pt idx="5">
+                  <c:v>11</c:v>
+                </c:pt>
+                <c:pt idx="6">
+                  <c:v>10.1</c:v>
+                </c:pt>
+                <c:pt idx="7">
+                  <c:v>9.11</c:v>
+                </c:pt>
+                <c:pt idx="8">
+                  <c:v>8.64</c:v>
+                </c:pt>
+                <c:pt idx="9">
+                  <c:v>9.11</c:v>
+                </c:pt>
+                <c:pt idx="10">
+                  <c:v>8.6999999999999993</c:v>
+                </c:pt>
+                <c:pt idx="11">
+                  <c:v>7.76</c:v>
+                </c:pt>
+                <c:pt idx="12">
+                  <c:v>9.25</c:v>
+                </c:pt>
+                <c:pt idx="13">
+                  <c:v>8.91</c:v>
+                </c:pt>
+                <c:pt idx="14">
+                  <c:v>9.74</c:v>
+                </c:pt>
+                <c:pt idx="15">
+                  <c:v>8.98</c:v>
+                </c:pt>
+                <c:pt idx="16">
+                  <c:v>9.2200000000000006</c:v>
+                </c:pt>
+                <c:pt idx="17">
+                  <c:v>8.7899999999999991</c:v>
+                </c:pt>
+                <c:pt idx="18">
+                  <c:v>7.3</c:v>
+                </c:pt>
+                <c:pt idx="19">
+                  <c:v>9.18</c:v>
+                </c:pt>
+              </c:numCache>
+            </c:numRef>
+          </c:yVal>
+          <c:smooth val="0"/>
+          <c:extLst>
+            <c:ext xmlns:c16="http://schemas.microsoft.com/office/drawing/2014/chart" uri="{C3380CC4-5D6E-409C-BE32-E72D297353CC}">
+              <c16:uniqueId val="{00000000-08DE-4D3D-855E-E5E34762D93E}"/>
+            </c:ext>
+          </c:extLst>
+        </c:ser>
+        <c:ser>
+          <c:idx val="1"/>
+          <c:order val="1"/>
+          <c:tx>
+            <c:v>Edge4 (Send to Edge1)</c:v>
+          </c:tx>
+          <c:spPr>
+            <a:ln w="25400" cap="rnd">
+              <a:solidFill>
+                <a:srgbClr val="FF0000"/>
+              </a:solidFill>
+              <a:prstDash val="solid"/>
+              <a:round/>
+            </a:ln>
+            <a:effectLst/>
+          </c:spPr>
+          <c:marker>
+            <c:symbol val="circle"/>
+            <c:size val="5"/>
+            <c:spPr>
+              <a:solidFill>
+                <a:schemeClr val="accent2"/>
+              </a:solidFill>
+              <a:ln w="9525">
+                <a:solidFill>
+                  <a:srgbClr val="FF0000"/>
+                </a:solidFill>
+                <a:prstDash val="solid"/>
+              </a:ln>
+              <a:effectLst/>
+            </c:spPr>
+          </c:marker>
+          <c:xVal>
+            <c:numRef>
+              <c:f>Sheet1!$E$49:$E$68</c:f>
+              <c:numCache>
+                <c:formatCode>General</c:formatCode>
+                <c:ptCount val="20"/>
+                <c:pt idx="0">
+                  <c:v>2</c:v>
+                </c:pt>
+                <c:pt idx="1">
+                  <c:v>4</c:v>
+                </c:pt>
+                <c:pt idx="2">
+                  <c:v>6</c:v>
+                </c:pt>
+                <c:pt idx="3">
+                  <c:v>8</c:v>
+                </c:pt>
+                <c:pt idx="4">
+                  <c:v>10</c:v>
+                </c:pt>
+                <c:pt idx="5">
+                  <c:v>12</c:v>
+                </c:pt>
+                <c:pt idx="6">
+                  <c:v>14</c:v>
+                </c:pt>
+                <c:pt idx="7">
+                  <c:v>16</c:v>
+                </c:pt>
+                <c:pt idx="8">
+                  <c:v>18</c:v>
+                </c:pt>
+                <c:pt idx="9">
+                  <c:v>20</c:v>
+                </c:pt>
+                <c:pt idx="10">
+                  <c:v>22</c:v>
+                </c:pt>
+                <c:pt idx="11">
+                  <c:v>24</c:v>
+                </c:pt>
+                <c:pt idx="12">
+                  <c:v>26</c:v>
+                </c:pt>
+                <c:pt idx="13">
+                  <c:v>28</c:v>
+                </c:pt>
+                <c:pt idx="14">
+                  <c:v>30</c:v>
+                </c:pt>
+                <c:pt idx="15">
+                  <c:v>32</c:v>
+                </c:pt>
+                <c:pt idx="16">
+                  <c:v>34</c:v>
+                </c:pt>
+                <c:pt idx="17">
+                  <c:v>36</c:v>
+                </c:pt>
+                <c:pt idx="18">
+                  <c:v>38</c:v>
+                </c:pt>
+                <c:pt idx="19">
+                  <c:v>40</c:v>
+                </c:pt>
+              </c:numCache>
+            </c:numRef>
+          </c:xVal>
+          <c:yVal>
+            <c:numRef>
+              <c:f>Sheet1!$G$49:$G$68</c:f>
+              <c:numCache>
+                <c:formatCode>General</c:formatCode>
+                <c:ptCount val="20"/>
+                <c:pt idx="0">
+                  <c:v>2</c:v>
+                </c:pt>
+                <c:pt idx="1">
+                  <c:v>4</c:v>
+                </c:pt>
+                <c:pt idx="2">
+                  <c:v>6</c:v>
+                </c:pt>
+                <c:pt idx="3">
+                  <c:v>8</c:v>
+                </c:pt>
+                <c:pt idx="4">
+                  <c:v>10</c:v>
+                </c:pt>
+                <c:pt idx="5">
+                  <c:v>10.9</c:v>
+                </c:pt>
+                <c:pt idx="6">
+                  <c:v>10.1</c:v>
+                </c:pt>
+                <c:pt idx="7">
+                  <c:v>9.1199999999999992</c:v>
+                </c:pt>
+                <c:pt idx="8">
+                  <c:v>8.6199999999999992</c:v>
+                </c:pt>
+                <c:pt idx="9">
+                  <c:v>9.02</c:v>
+                </c:pt>
+                <c:pt idx="10">
+                  <c:v>8.61</c:v>
+                </c:pt>
+                <c:pt idx="11">
+                  <c:v>7.67</c:v>
+                </c:pt>
+                <c:pt idx="12">
+                  <c:v>9.17</c:v>
+                </c:pt>
+                <c:pt idx="13">
+                  <c:v>8.86</c:v>
+                </c:pt>
+                <c:pt idx="14">
+                  <c:v>9.68</c:v>
+                </c:pt>
+                <c:pt idx="15">
+                  <c:v>8.94</c:v>
+                </c:pt>
+                <c:pt idx="16">
+                  <c:v>9.1999999999999993</c:v>
+                </c:pt>
+                <c:pt idx="17">
+                  <c:v>8.82</c:v>
+                </c:pt>
+                <c:pt idx="18">
+                  <c:v>7.29</c:v>
+                </c:pt>
+                <c:pt idx="19">
+                  <c:v>9.16</c:v>
+                </c:pt>
+              </c:numCache>
+            </c:numRef>
+          </c:yVal>
+          <c:smooth val="0"/>
+          <c:extLst>
+            <c:ext xmlns:c16="http://schemas.microsoft.com/office/drawing/2014/chart" uri="{C3380CC4-5D6E-409C-BE32-E72D297353CC}">
+              <c16:uniqueId val="{00000001-08DE-4D3D-855E-E5E34762D93E}"/>
+            </c:ext>
+          </c:extLst>
+        </c:ser>
+        <c:ser>
+          <c:idx val="2"/>
+          <c:order val="2"/>
+          <c:tx>
+            <c:v>Edge1 (Send to Edge6)</c:v>
+          </c:tx>
+          <c:spPr>
+            <a:ln w="25400" cap="rnd">
+              <a:solidFill>
+                <a:schemeClr val="bg1">
+                  <a:lumMod val="65000"/>
+                </a:schemeClr>
+              </a:solidFill>
+              <a:prstDash val="dash"/>
+              <a:round/>
+            </a:ln>
+            <a:effectLst/>
+          </c:spPr>
+          <c:marker>
+            <c:symbol val="circle"/>
+            <c:size val="5"/>
+            <c:spPr>
+              <a:solidFill>
+                <a:schemeClr val="accent3"/>
+              </a:solidFill>
+              <a:ln w="9525">
+                <a:solidFill>
+                  <a:schemeClr val="bg1">
+                    <a:lumMod val="65000"/>
+                  </a:schemeClr>
+                </a:solidFill>
+                <a:prstDash val="dash"/>
+              </a:ln>
+              <a:effectLst/>
+            </c:spPr>
+          </c:marker>
+          <c:xVal>
+            <c:numRef>
+              <c:f>Sheet1!$E$26:$E$45</c:f>
+              <c:numCache>
+                <c:formatCode>General</c:formatCode>
+                <c:ptCount val="20"/>
+                <c:pt idx="0">
+                  <c:v>2</c:v>
+                </c:pt>
+                <c:pt idx="1">
+                  <c:v>4</c:v>
+                </c:pt>
+                <c:pt idx="2">
+                  <c:v>6</c:v>
+                </c:pt>
+                <c:pt idx="3">
+                  <c:v>8</c:v>
+                </c:pt>
+                <c:pt idx="4">
+                  <c:v>10</c:v>
+                </c:pt>
+                <c:pt idx="5">
+                  <c:v>12</c:v>
+                </c:pt>
+                <c:pt idx="6">
+                  <c:v>14</c:v>
+                </c:pt>
+                <c:pt idx="7">
+                  <c:v>16</c:v>
+                </c:pt>
+                <c:pt idx="8">
+                  <c:v>18</c:v>
+                </c:pt>
+                <c:pt idx="9">
+                  <c:v>20</c:v>
+                </c:pt>
+                <c:pt idx="10">
+                  <c:v>22</c:v>
+                </c:pt>
+                <c:pt idx="11">
+                  <c:v>24</c:v>
+                </c:pt>
+                <c:pt idx="12">
+                  <c:v>26</c:v>
+                </c:pt>
+                <c:pt idx="13">
+                  <c:v>28</c:v>
+                </c:pt>
+                <c:pt idx="14">
+                  <c:v>30</c:v>
+                </c:pt>
+                <c:pt idx="15">
+                  <c:v>32</c:v>
+                </c:pt>
+                <c:pt idx="16">
+                  <c:v>34</c:v>
+                </c:pt>
+                <c:pt idx="17">
+                  <c:v>36</c:v>
+                </c:pt>
+                <c:pt idx="18">
+                  <c:v>38</c:v>
+                </c:pt>
+                <c:pt idx="19">
+                  <c:v>40</c:v>
+                </c:pt>
+              </c:numCache>
+            </c:numRef>
+          </c:xVal>
+          <c:yVal>
+            <c:numRef>
+              <c:f>Sheet1!$G$26:$G$45</c:f>
+              <c:numCache>
+                <c:formatCode>General</c:formatCode>
+                <c:ptCount val="20"/>
+                <c:pt idx="0">
+                  <c:v>2</c:v>
+                </c:pt>
+                <c:pt idx="1">
+                  <c:v>4</c:v>
+                </c:pt>
+                <c:pt idx="2">
+                  <c:v>6</c:v>
+                </c:pt>
+                <c:pt idx="3">
+                  <c:v>8</c:v>
+                </c:pt>
+                <c:pt idx="4">
+                  <c:v>10</c:v>
+                </c:pt>
+                <c:pt idx="5">
+                  <c:v>12</c:v>
+                </c:pt>
+                <c:pt idx="6">
+                  <c:v>14</c:v>
+                </c:pt>
+                <c:pt idx="7">
+                  <c:v>16</c:v>
+                </c:pt>
+                <c:pt idx="8">
+                  <c:v>17.899999999999999</c:v>
+                </c:pt>
+                <c:pt idx="9">
+                  <c:v>16.600000000000001</c:v>
+                </c:pt>
+                <c:pt idx="10">
+                  <c:v>17</c:v>
+                </c:pt>
+                <c:pt idx="11">
+                  <c:v>19.2</c:v>
+                </c:pt>
+                <c:pt idx="12">
+                  <c:v>15.6</c:v>
+                </c:pt>
+                <c:pt idx="13">
+                  <c:v>15.5</c:v>
+                </c:pt>
+                <c:pt idx="14">
+                  <c:v>13.3</c:v>
+                </c:pt>
+                <c:pt idx="15">
+                  <c:v>16.7</c:v>
+                </c:pt>
+                <c:pt idx="16">
+                  <c:v>16</c:v>
+                </c:pt>
+                <c:pt idx="17">
+                  <c:v>16.7</c:v>
+                </c:pt>
+                <c:pt idx="18">
+                  <c:v>19.600000000000001</c:v>
+                </c:pt>
+                <c:pt idx="19">
+                  <c:v>16.5</c:v>
+                </c:pt>
+              </c:numCache>
+            </c:numRef>
+          </c:yVal>
+          <c:smooth val="0"/>
+          <c:extLst>
+            <c:ext xmlns:c16="http://schemas.microsoft.com/office/drawing/2014/chart" uri="{C3380CC4-5D6E-409C-BE32-E72D297353CC}">
+              <c16:uniqueId val="{00000002-08DE-4D3D-855E-E5E34762D93E}"/>
+            </c:ext>
+          </c:extLst>
+        </c:ser>
+        <c:ser>
+          <c:idx val="3"/>
+          <c:order val="3"/>
+          <c:tx>
+            <c:v>Edge4 (Send to Edge5)</c:v>
+          </c:tx>
+          <c:spPr>
+            <a:ln w="25400" cap="rnd">
+              <a:solidFill>
+                <a:schemeClr val="accent4"/>
+              </a:solidFill>
+              <a:prstDash val="sysDash"/>
+              <a:round/>
+            </a:ln>
+            <a:effectLst/>
+          </c:spPr>
+          <c:marker>
+            <c:symbol val="circle"/>
+            <c:size val="5"/>
+            <c:spPr>
+              <a:solidFill>
+                <a:schemeClr val="accent4"/>
+              </a:solidFill>
+              <a:ln w="9525">
+                <a:solidFill>
+                  <a:schemeClr val="accent4"/>
+                </a:solidFill>
+              </a:ln>
+              <a:effectLst/>
+            </c:spPr>
+          </c:marker>
+          <c:xVal>
+            <c:numRef>
+              <c:f>Sheet1!$E$72:$E$91</c:f>
+              <c:numCache>
+                <c:formatCode>General</c:formatCode>
+                <c:ptCount val="20"/>
+                <c:pt idx="0">
+                  <c:v>2</c:v>
+                </c:pt>
+                <c:pt idx="1">
+                  <c:v>4</c:v>
+                </c:pt>
+                <c:pt idx="2">
+                  <c:v>6</c:v>
+                </c:pt>
+                <c:pt idx="3">
+                  <c:v>8</c:v>
+                </c:pt>
+                <c:pt idx="4">
+                  <c:v>10</c:v>
+                </c:pt>
+                <c:pt idx="5">
+                  <c:v>12</c:v>
+                </c:pt>
+                <c:pt idx="6">
+                  <c:v>14</c:v>
+                </c:pt>
+                <c:pt idx="7">
+                  <c:v>16</c:v>
+                </c:pt>
+                <c:pt idx="8">
+                  <c:v>18</c:v>
+                </c:pt>
+                <c:pt idx="9">
+                  <c:v>20</c:v>
+                </c:pt>
+                <c:pt idx="10">
+                  <c:v>22</c:v>
+                </c:pt>
+                <c:pt idx="11">
+                  <c:v>24</c:v>
+                </c:pt>
+                <c:pt idx="12">
+                  <c:v>26</c:v>
+                </c:pt>
+                <c:pt idx="13">
+                  <c:v>28</c:v>
+                </c:pt>
+                <c:pt idx="14">
+                  <c:v>30</c:v>
+                </c:pt>
+                <c:pt idx="15">
+                  <c:v>32</c:v>
+                </c:pt>
+                <c:pt idx="16">
+                  <c:v>34</c:v>
+                </c:pt>
+                <c:pt idx="17">
+                  <c:v>36</c:v>
+                </c:pt>
+                <c:pt idx="18">
+                  <c:v>38</c:v>
+                </c:pt>
+                <c:pt idx="19">
+                  <c:v>40</c:v>
+                </c:pt>
+              </c:numCache>
+            </c:numRef>
+          </c:xVal>
+          <c:yVal>
+            <c:numRef>
+              <c:f>Sheet1!$G$72:$G$91</c:f>
+              <c:numCache>
+                <c:formatCode>General</c:formatCode>
+                <c:ptCount val="20"/>
+                <c:pt idx="0">
+                  <c:v>2</c:v>
+                </c:pt>
+                <c:pt idx="1">
+                  <c:v>4</c:v>
+                </c:pt>
+                <c:pt idx="2">
+                  <c:v>6</c:v>
+                </c:pt>
+                <c:pt idx="3">
+                  <c:v>8</c:v>
+                </c:pt>
+                <c:pt idx="4">
+                  <c:v>10</c:v>
+                </c:pt>
+                <c:pt idx="5">
+                  <c:v>10.9</c:v>
+                </c:pt>
+                <c:pt idx="6">
+                  <c:v>10.1</c:v>
+                </c:pt>
+                <c:pt idx="7">
+                  <c:v>9.1199999999999992</c:v>
+                </c:pt>
+                <c:pt idx="8">
+                  <c:v>8.6199999999999992</c:v>
+                </c:pt>
+                <c:pt idx="9">
+                  <c:v>9.02</c:v>
+                </c:pt>
+                <c:pt idx="10">
+                  <c:v>8.61</c:v>
+                </c:pt>
+                <c:pt idx="11">
+                  <c:v>7.68</c:v>
+                </c:pt>
+                <c:pt idx="12">
+                  <c:v>9.17</c:v>
+                </c:pt>
+                <c:pt idx="13">
+                  <c:v>8.8699999999999992</c:v>
+                </c:pt>
+                <c:pt idx="14">
+                  <c:v>9.68</c:v>
+                </c:pt>
+                <c:pt idx="15">
+                  <c:v>8.93</c:v>
+                </c:pt>
+                <c:pt idx="16">
+                  <c:v>9.25</c:v>
+                </c:pt>
+                <c:pt idx="17">
+                  <c:v>9.08</c:v>
+                </c:pt>
+                <c:pt idx="18">
+                  <c:v>7.36</c:v>
+                </c:pt>
+                <c:pt idx="19">
+                  <c:v>9.24</c:v>
+                </c:pt>
+              </c:numCache>
+            </c:numRef>
+          </c:yVal>
+          <c:smooth val="0"/>
+          <c:extLst>
+            <c:ext xmlns:c16="http://schemas.microsoft.com/office/drawing/2014/chart" uri="{C3380CC4-5D6E-409C-BE32-E72D297353CC}">
+              <c16:uniqueId val="{00000003-08DE-4D3D-855E-E5E34762D93E}"/>
+            </c:ext>
+          </c:extLst>
+        </c:ser>
+        <c:ser>
+          <c:idx val="4"/>
+          <c:order val="4"/>
+          <c:tx>
+            <c:v>Edge5 (Receive from Edge4)</c:v>
+          </c:tx>
+          <c:spPr>
+            <a:ln w="12700" cap="rnd">
+              <a:solidFill>
+                <a:srgbClr val="7030A0"/>
+              </a:solidFill>
+              <a:round/>
+            </a:ln>
+            <a:effectLst/>
+          </c:spPr>
+          <c:marker>
+            <c:symbol val="circle"/>
+            <c:size val="5"/>
+            <c:spPr>
+              <a:solidFill>
+                <a:schemeClr val="accent5"/>
+              </a:solidFill>
+              <a:ln w="12700">
+                <a:solidFill>
+                  <a:srgbClr val="7030A0"/>
+                </a:solidFill>
+              </a:ln>
+              <a:effectLst/>
+            </c:spPr>
+          </c:marker>
+          <c:xVal>
+            <c:numRef>
+              <c:f>Sheet1!$E$95:$E$114</c:f>
+              <c:numCache>
+                <c:formatCode>General</c:formatCode>
+                <c:ptCount val="20"/>
+                <c:pt idx="0">
+                  <c:v>2</c:v>
+                </c:pt>
+                <c:pt idx="1">
+                  <c:v>4</c:v>
+                </c:pt>
+                <c:pt idx="2">
+                  <c:v>6</c:v>
+                </c:pt>
+                <c:pt idx="3">
+                  <c:v>8</c:v>
+                </c:pt>
+                <c:pt idx="4">
+                  <c:v>10</c:v>
+                </c:pt>
+                <c:pt idx="5">
+                  <c:v>12</c:v>
+                </c:pt>
+                <c:pt idx="6">
+                  <c:v>14</c:v>
+                </c:pt>
+                <c:pt idx="7">
+                  <c:v>16</c:v>
+                </c:pt>
+                <c:pt idx="8">
+                  <c:v>18</c:v>
+                </c:pt>
+                <c:pt idx="9">
+                  <c:v>20</c:v>
+                </c:pt>
+                <c:pt idx="10">
+                  <c:v>22</c:v>
+                </c:pt>
+                <c:pt idx="11">
+                  <c:v>24</c:v>
+                </c:pt>
+                <c:pt idx="12">
+                  <c:v>26</c:v>
+                </c:pt>
+                <c:pt idx="13">
+                  <c:v>28</c:v>
+                </c:pt>
+                <c:pt idx="14">
+                  <c:v>30</c:v>
+                </c:pt>
+                <c:pt idx="15">
+                  <c:v>32</c:v>
+                </c:pt>
+                <c:pt idx="16">
+                  <c:v>34</c:v>
+                </c:pt>
+                <c:pt idx="17">
+                  <c:v>36</c:v>
+                </c:pt>
+                <c:pt idx="18">
+                  <c:v>38</c:v>
+                </c:pt>
+                <c:pt idx="19">
+                  <c:v>40</c:v>
+                </c:pt>
+              </c:numCache>
+            </c:numRef>
+          </c:xVal>
+          <c:yVal>
+            <c:numRef>
+              <c:f>Sheet1!$G$95:$G$114</c:f>
+              <c:numCache>
+                <c:formatCode>General</c:formatCode>
+                <c:ptCount val="20"/>
+                <c:pt idx="0">
+                  <c:v>2.02</c:v>
+                </c:pt>
+                <c:pt idx="1">
+                  <c:v>4.05</c:v>
+                </c:pt>
+                <c:pt idx="2">
+                  <c:v>6.03</c:v>
+                </c:pt>
+                <c:pt idx="3">
+                  <c:v>8.06</c:v>
+                </c:pt>
+                <c:pt idx="4">
+                  <c:v>10.1</c:v>
+                </c:pt>
+                <c:pt idx="5">
+                  <c:v>11</c:v>
+                </c:pt>
+                <c:pt idx="6">
+                  <c:v>10.1</c:v>
+                </c:pt>
+                <c:pt idx="7">
+                  <c:v>9.1199999999999992</c:v>
+                </c:pt>
+                <c:pt idx="8">
+                  <c:v>8.65</c:v>
+                </c:pt>
+                <c:pt idx="9">
+                  <c:v>9.11</c:v>
+                </c:pt>
+                <c:pt idx="10">
+                  <c:v>8.6999999999999993</c:v>
+                </c:pt>
+                <c:pt idx="11">
+                  <c:v>9.3000000000000007</c:v>
+                </c:pt>
+                <c:pt idx="12">
+                  <c:v>9.26</c:v>
+                </c:pt>
+                <c:pt idx="13">
+                  <c:v>8.92</c:v>
+                </c:pt>
+                <c:pt idx="14">
+                  <c:v>9.74</c:v>
+                </c:pt>
+                <c:pt idx="15">
+                  <c:v>8.9700000000000006</c:v>
+                </c:pt>
+                <c:pt idx="16">
+                  <c:v>9.3000000000000007</c:v>
+                </c:pt>
+                <c:pt idx="17">
+                  <c:v>8.9700000000000006</c:v>
+                </c:pt>
+                <c:pt idx="18">
+                  <c:v>7.41</c:v>
+                </c:pt>
+                <c:pt idx="19">
+                  <c:v>9.3000000000000007</c:v>
+                </c:pt>
+              </c:numCache>
+            </c:numRef>
+          </c:yVal>
+          <c:smooth val="0"/>
+          <c:extLst>
+            <c:ext xmlns:c16="http://schemas.microsoft.com/office/drawing/2014/chart" uri="{C3380CC4-5D6E-409C-BE32-E72D297353CC}">
+              <c16:uniqueId val="{00000004-08DE-4D3D-855E-E5E34762D93E}"/>
+            </c:ext>
+          </c:extLst>
+        </c:ser>
+        <c:ser>
+          <c:idx val="5"/>
+          <c:order val="5"/>
+          <c:tx>
+            <c:v>Edge6 (Receive from Edge1)</c:v>
+          </c:tx>
+          <c:spPr>
+            <a:ln w="25400" cap="rnd">
+              <a:noFill/>
+              <a:round/>
+            </a:ln>
+            <a:effectLst/>
+          </c:spPr>
+          <c:marker>
+            <c:symbol val="circle"/>
+            <c:size val="5"/>
+            <c:spPr>
+              <a:solidFill>
+                <a:schemeClr val="accent6"/>
+              </a:solidFill>
+              <a:ln w="9525">
+                <a:solidFill>
+                  <a:schemeClr val="accent6"/>
+                </a:solidFill>
+              </a:ln>
+              <a:effectLst/>
+            </c:spPr>
+          </c:marker>
+          <c:xVal>
+            <c:numRef>
+              <c:f>Sheet1!$E$118:$E$137</c:f>
+              <c:numCache>
+                <c:formatCode>General</c:formatCode>
+                <c:ptCount val="20"/>
+                <c:pt idx="0">
+                  <c:v>2</c:v>
+                </c:pt>
+                <c:pt idx="1">
+                  <c:v>4</c:v>
+                </c:pt>
+                <c:pt idx="2">
+                  <c:v>6</c:v>
+                </c:pt>
+                <c:pt idx="3">
+                  <c:v>8</c:v>
+                </c:pt>
+                <c:pt idx="4">
+                  <c:v>10</c:v>
+                </c:pt>
+                <c:pt idx="5">
+                  <c:v>12</c:v>
+                </c:pt>
+                <c:pt idx="6">
+                  <c:v>14</c:v>
+                </c:pt>
+                <c:pt idx="7">
+                  <c:v>16</c:v>
+                </c:pt>
+                <c:pt idx="8">
+                  <c:v>18</c:v>
+                </c:pt>
+                <c:pt idx="9">
+                  <c:v>20</c:v>
+                </c:pt>
+                <c:pt idx="10">
+                  <c:v>22</c:v>
+                </c:pt>
+                <c:pt idx="11">
+                  <c:v>24</c:v>
+                </c:pt>
+                <c:pt idx="12">
+                  <c:v>26</c:v>
+                </c:pt>
+                <c:pt idx="13">
+                  <c:v>28</c:v>
+                </c:pt>
+                <c:pt idx="14">
+                  <c:v>30</c:v>
+                </c:pt>
+                <c:pt idx="15">
+                  <c:v>32</c:v>
+                </c:pt>
+                <c:pt idx="16">
+                  <c:v>34</c:v>
+                </c:pt>
+                <c:pt idx="17">
+                  <c:v>36</c:v>
+                </c:pt>
+                <c:pt idx="18">
+                  <c:v>38</c:v>
+                </c:pt>
+                <c:pt idx="19">
+                  <c:v>40</c:v>
+                </c:pt>
+              </c:numCache>
+            </c:numRef>
+          </c:xVal>
+          <c:yVal>
+            <c:numRef>
+              <c:f>Sheet1!$G$118:$G$137</c:f>
+              <c:numCache>
+                <c:formatCode>General</c:formatCode>
+                <c:ptCount val="20"/>
+                <c:pt idx="0">
+                  <c:v>2.02</c:v>
+                </c:pt>
+                <c:pt idx="1">
+                  <c:v>4.04</c:v>
+                </c:pt>
+                <c:pt idx="2">
+                  <c:v>6.03</c:v>
+                </c:pt>
+                <c:pt idx="3">
+                  <c:v>8.08</c:v>
+                </c:pt>
+                <c:pt idx="4">
+                  <c:v>10.1</c:v>
+                </c:pt>
+                <c:pt idx="5">
+                  <c:v>12.1</c:v>
+                </c:pt>
+                <c:pt idx="6">
+                  <c:v>14.1</c:v>
+                </c:pt>
+                <c:pt idx="7">
+                  <c:v>16.100000000000001</c:v>
+                </c:pt>
+                <c:pt idx="8">
+                  <c:v>17.899999999999999</c:v>
+                </c:pt>
+                <c:pt idx="9">
+                  <c:v>16.600000000000001</c:v>
+                </c:pt>
+                <c:pt idx="10">
+                  <c:v>17</c:v>
+                </c:pt>
+                <c:pt idx="11">
+                  <c:v>18.899999999999999</c:v>
+                </c:pt>
+                <c:pt idx="12">
+                  <c:v>15.7</c:v>
+                </c:pt>
+                <c:pt idx="13">
+                  <c:v>15.5</c:v>
+                </c:pt>
+                <c:pt idx="14">
+                  <c:v>13.3</c:v>
+                </c:pt>
+                <c:pt idx="15">
+                  <c:v>16.8</c:v>
+                </c:pt>
+                <c:pt idx="16">
+                  <c:v>16</c:v>
+                </c:pt>
+                <c:pt idx="17">
+                  <c:v>16.899999999999999</c:v>
+                </c:pt>
+                <c:pt idx="18">
+                  <c:v>19.8</c:v>
+                </c:pt>
+                <c:pt idx="19">
+                  <c:v>16.5</c:v>
+                </c:pt>
+              </c:numCache>
+            </c:numRef>
+          </c:yVal>
+          <c:smooth val="0"/>
+          <c:extLst>
+            <c:ext xmlns:c16="http://schemas.microsoft.com/office/drawing/2014/chart" uri="{C3380CC4-5D6E-409C-BE32-E72D297353CC}">
+              <c16:uniqueId val="{00000005-08DE-4D3D-855E-E5E34762D93E}"/>
+            </c:ext>
+          </c:extLst>
+        </c:ser>
+        <c:dLbls>
+          <c:showLegendKey val="0"/>
+          <c:showVal val="0"/>
+          <c:showCatName val="0"/>
+          <c:showSerName val="0"/>
+          <c:showPercent val="0"/>
+          <c:showBubbleSize val="0"/>
+        </c:dLbls>
+        <c:axId val="1733256592"/>
+        <c:axId val="1733256176"/>
+      </c:scatterChart>
+      <c:valAx>
+        <c:axId val="1733256592"/>
+        <c:scaling>
+          <c:orientation val="minMax"/>
+        </c:scaling>
+        <c:delete val="0"/>
+        <c:axPos val="b"/>
+        <c:majorGridlines>
+          <c:spPr>
+            <a:ln w="9525" cap="flat" cmpd="sng" algn="ctr">
+              <a:solidFill>
+                <a:schemeClr val="tx1">
+                  <a:lumMod val="15000"/>
+                  <a:lumOff val="85000"/>
+                </a:schemeClr>
+              </a:solidFill>
+              <a:round/>
+            </a:ln>
+            <a:effectLst/>
+          </c:spPr>
+        </c:majorGridlines>
+        <c:title>
+          <c:tx>
+            <c:rich>
+              <a:bodyPr rot="0" spcFirstLastPara="1" vertOverflow="ellipsis" vert="horz" wrap="square" anchor="ctr" anchorCtr="1"/>
+              <a:lstStyle/>
+              <a:p>
+                <a:pPr>
+                  <a:defRPr sz="1600" b="0" i="0" u="none" strike="noStrike" kern="1200" baseline="0">
+                    <a:solidFill>
+                      <a:schemeClr val="tx1">
+                        <a:lumMod val="65000"/>
+                        <a:lumOff val="35000"/>
+                      </a:schemeClr>
+                    </a:solidFill>
+                    <a:latin typeface="+mn-lt"/>
+                    <a:ea typeface="+mn-ea"/>
+                    <a:cs typeface="+mn-cs"/>
+                  </a:defRPr>
+                </a:pPr>
+                <a:r>
+                  <a:rPr lang="en-US" sz="1800" b="0" i="0" baseline="0">
+                    <a:effectLst/>
+                  </a:rPr>
+                  <a:t>Iperf -b (Mbps)</a:t>
+                </a:r>
+                <a:endParaRPr lang="en-US" sz="1600">
+                  <a:effectLst/>
+                </a:endParaRPr>
+              </a:p>
+            </c:rich>
+          </c:tx>
+          <c:overlay val="0"/>
+          <c:spPr>
+            <a:noFill/>
+            <a:ln>
+              <a:noFill/>
+            </a:ln>
+            <a:effectLst/>
+          </c:spPr>
+          <c:txPr>
+            <a:bodyPr rot="0" spcFirstLastPara="1" vertOverflow="ellipsis" vert="horz" wrap="square" anchor="ctr" anchorCtr="1"/>
+            <a:lstStyle/>
+            <a:p>
+              <a:pPr>
+                <a:defRPr sz="1600" b="0" i="0" u="none" strike="noStrike" kern="1200" baseline="0">
+                  <a:solidFill>
+                    <a:schemeClr val="tx1">
+                      <a:lumMod val="65000"/>
+                      <a:lumOff val="35000"/>
+                    </a:schemeClr>
+                  </a:solidFill>
+                  <a:latin typeface="+mn-lt"/>
+                  <a:ea typeface="+mn-ea"/>
+                  <a:cs typeface="+mn-cs"/>
+                </a:defRPr>
+              </a:pPr>
+              <a:endParaRPr lang="en-US"/>
+            </a:p>
+          </c:txPr>
+        </c:title>
+        <c:numFmt formatCode="General" sourceLinked="1"/>
+        <c:majorTickMark val="none"/>
+        <c:minorTickMark val="none"/>
+        <c:tickLblPos val="nextTo"/>
+        <c:spPr>
+          <a:noFill/>
+          <a:ln w="9525" cap="flat" cmpd="sng" algn="ctr">
+            <a:solidFill>
+              <a:schemeClr val="tx1">
+                <a:lumMod val="25000"/>
+                <a:lumOff val="75000"/>
+              </a:schemeClr>
+            </a:solidFill>
+            <a:round/>
+          </a:ln>
+          <a:effectLst/>
+        </c:spPr>
+        <c:txPr>
+          <a:bodyPr rot="-60000000" spcFirstLastPara="1" vertOverflow="ellipsis" vert="horz" wrap="square" anchor="ctr" anchorCtr="1"/>
+          <a:lstStyle/>
+          <a:p>
+            <a:pPr>
+              <a:defRPr sz="1200" b="0" i="0" u="none" strike="noStrike" kern="1200" baseline="0">
+                <a:solidFill>
+                  <a:schemeClr val="tx1">
+                    <a:lumMod val="65000"/>
+                    <a:lumOff val="35000"/>
+                  </a:schemeClr>
+                </a:solidFill>
+                <a:latin typeface="+mn-lt"/>
+                <a:ea typeface="+mn-ea"/>
+                <a:cs typeface="+mn-cs"/>
+              </a:defRPr>
+            </a:pPr>
+            <a:endParaRPr lang="en-US"/>
+          </a:p>
+        </c:txPr>
+        <c:crossAx val="1733256176"/>
+        <c:crosses val="autoZero"/>
+        <c:crossBetween val="midCat"/>
+      </c:valAx>
+      <c:valAx>
+        <c:axId val="1733256176"/>
+        <c:scaling>
+          <c:orientation val="minMax"/>
+        </c:scaling>
+        <c:delete val="0"/>
+        <c:axPos val="l"/>
+        <c:majorGridlines>
+          <c:spPr>
+            <a:ln w="9525" cap="flat" cmpd="sng" algn="ctr">
+              <a:solidFill>
+                <a:schemeClr val="tx1">
+                  <a:lumMod val="15000"/>
+                  <a:lumOff val="85000"/>
+                </a:schemeClr>
+              </a:solidFill>
+              <a:round/>
+            </a:ln>
+            <a:effectLst/>
+          </c:spPr>
+        </c:majorGridlines>
+        <c:title>
+          <c:tx>
+            <c:rich>
+              <a:bodyPr rot="-5400000" spcFirstLastPara="1" vertOverflow="ellipsis" vert="horz" wrap="square" anchor="ctr" anchorCtr="1"/>
+              <a:lstStyle/>
+              <a:p>
+                <a:pPr>
+                  <a:defRPr sz="1800" b="0" i="0" u="none" strike="noStrike" kern="1200" baseline="0">
+                    <a:solidFill>
+                      <a:schemeClr val="tx1">
+                        <a:lumMod val="65000"/>
+                        <a:lumOff val="35000"/>
+                      </a:schemeClr>
+                    </a:solidFill>
+                    <a:latin typeface="+mn-lt"/>
+                    <a:ea typeface="+mn-ea"/>
+                    <a:cs typeface="+mn-cs"/>
+                  </a:defRPr>
+                </a:pPr>
+                <a:r>
+                  <a:rPr lang="en-US" sz="1800" b="0" i="0" baseline="0">
+                    <a:effectLst/>
+                  </a:rPr>
+                  <a:t>Measured Bit rate (Mbps)</a:t>
+                </a:r>
+                <a:endParaRPr lang="en-US">
+                  <a:effectLst/>
+                </a:endParaRPr>
+              </a:p>
+            </c:rich>
+          </c:tx>
+          <c:overlay val="0"/>
+          <c:spPr>
+            <a:noFill/>
+            <a:ln>
+              <a:noFill/>
+            </a:ln>
+            <a:effectLst/>
+          </c:spPr>
+          <c:txPr>
+            <a:bodyPr rot="-5400000" spcFirstLastPara="1" vertOverflow="ellipsis" vert="horz" wrap="square" anchor="ctr" anchorCtr="1"/>
+            <a:lstStyle/>
+            <a:p>
+              <a:pPr>
+                <a:defRPr sz="1800" b="0" i="0" u="none" strike="noStrike" kern="1200" baseline="0">
+                  <a:solidFill>
+                    <a:schemeClr val="tx1">
+                      <a:lumMod val="65000"/>
+                      <a:lumOff val="35000"/>
+                    </a:schemeClr>
+                  </a:solidFill>
+                  <a:latin typeface="+mn-lt"/>
+                  <a:ea typeface="+mn-ea"/>
+                  <a:cs typeface="+mn-cs"/>
+                </a:defRPr>
+              </a:pPr>
+              <a:endParaRPr lang="en-US"/>
+            </a:p>
+          </c:txPr>
+        </c:title>
+        <c:numFmt formatCode="General" sourceLinked="1"/>
+        <c:majorTickMark val="none"/>
+        <c:minorTickMark val="none"/>
+        <c:tickLblPos val="nextTo"/>
+        <c:spPr>
+          <a:noFill/>
+          <a:ln w="9525" cap="flat" cmpd="sng" algn="ctr">
+            <a:solidFill>
+              <a:schemeClr val="tx1">
+                <a:lumMod val="25000"/>
+                <a:lumOff val="75000"/>
+              </a:schemeClr>
+            </a:solidFill>
+            <a:round/>
+          </a:ln>
+          <a:effectLst/>
+        </c:spPr>
+        <c:txPr>
+          <a:bodyPr rot="-60000000" spcFirstLastPara="1" vertOverflow="ellipsis" vert="horz" wrap="square" anchor="ctr" anchorCtr="1"/>
+          <a:lstStyle/>
+          <a:p>
+            <a:pPr>
+              <a:defRPr sz="1200" b="0" i="0" u="none" strike="noStrike" kern="1200" baseline="0">
+                <a:solidFill>
+                  <a:schemeClr val="tx1">
+                    <a:lumMod val="65000"/>
+                    <a:lumOff val="35000"/>
+                  </a:schemeClr>
+                </a:solidFill>
+                <a:latin typeface="+mn-lt"/>
+                <a:ea typeface="+mn-ea"/>
+                <a:cs typeface="+mn-cs"/>
+              </a:defRPr>
+            </a:pPr>
+            <a:endParaRPr lang="en-US"/>
+          </a:p>
+        </c:txPr>
+        <c:crossAx val="1733256592"/>
+        <c:crosses val="autoZero"/>
+        <c:crossBetween val="midCat"/>
+      </c:valAx>
+      <c:spPr>
+        <a:noFill/>
+        <a:ln>
+          <a:noFill/>
+        </a:ln>
+        <a:effectLst/>
+      </c:spPr>
+    </c:plotArea>
+    <c:legend>
+      <c:legendPos val="r"/>
       <c:overlay val="0"/>
       <c:spPr>
         <a:noFill/>
@@ -4524,6 +5995,46 @@
 </file>
 
 <file path=ppt/charts/colors5.xml><?xml version="1.0" encoding="utf-8"?>
+<cs:colorStyle xmlns:cs="http://schemas.microsoft.com/office/drawing/2012/chartStyle" xmlns:a="http://schemas.openxmlformats.org/drawingml/2006/main" meth="cycle" id="10">
+  <a:schemeClr val="accent1"/>
+  <a:schemeClr val="accent2"/>
+  <a:schemeClr val="accent3"/>
+  <a:schemeClr val="accent4"/>
+  <a:schemeClr val="accent5"/>
+  <a:schemeClr val="accent6"/>
+  <cs:variation/>
+  <cs:variation>
+    <a:lumMod val="60000"/>
+  </cs:variation>
+  <cs:variation>
+    <a:lumMod val="80000"/>
+    <a:lumOff val="20000"/>
+  </cs:variation>
+  <cs:variation>
+    <a:lumMod val="80000"/>
+  </cs:variation>
+  <cs:variation>
+    <a:lumMod val="60000"/>
+    <a:lumOff val="40000"/>
+  </cs:variation>
+  <cs:variation>
+    <a:lumMod val="50000"/>
+  </cs:variation>
+  <cs:variation>
+    <a:lumMod val="70000"/>
+    <a:lumOff val="30000"/>
+  </cs:variation>
+  <cs:variation>
+    <a:lumMod val="70000"/>
+  </cs:variation>
+  <cs:variation>
+    <a:lumMod val="50000"/>
+    <a:lumOff val="50000"/>
+  </cs:variation>
+</cs:colorStyle>
+</file>
+
+<file path=ppt/charts/colors6.xml><?xml version="1.0" encoding="utf-8"?>
 <cs:colorStyle xmlns:cs="http://schemas.microsoft.com/office/drawing/2012/chartStyle" xmlns:a="http://schemas.openxmlformats.org/drawingml/2006/main" meth="cycle" id="10">
   <a:schemeClr val="accent1"/>
   <a:schemeClr val="accent2"/>
@@ -7143,6 +8654,522 @@
 </cs:chartStyle>
 </file>
 
+<file path=ppt/charts/style6.xml><?xml version="1.0" encoding="utf-8"?>
+<cs:chartStyle xmlns:cs="http://schemas.microsoft.com/office/drawing/2012/chartStyle" xmlns:a="http://schemas.openxmlformats.org/drawingml/2006/main" id="240">
+  <cs:axisTitle>
+    <cs:lnRef idx="0"/>
+    <cs:fillRef idx="0"/>
+    <cs:effectRef idx="0"/>
+    <cs:fontRef idx="minor">
+      <a:schemeClr val="tx1">
+        <a:lumMod val="65000"/>
+        <a:lumOff val="35000"/>
+      </a:schemeClr>
+    </cs:fontRef>
+    <cs:defRPr sz="1000" kern="1200"/>
+  </cs:axisTitle>
+  <cs:categoryAxis>
+    <cs:lnRef idx="0"/>
+    <cs:fillRef idx="0"/>
+    <cs:effectRef idx="0"/>
+    <cs:fontRef idx="minor">
+      <a:schemeClr val="tx1">
+        <a:lumMod val="65000"/>
+        <a:lumOff val="35000"/>
+      </a:schemeClr>
+    </cs:fontRef>
+    <cs:spPr>
+      <a:ln w="9525" cap="flat" cmpd="sng" algn="ctr">
+        <a:solidFill>
+          <a:schemeClr val="tx1">
+            <a:lumMod val="25000"/>
+            <a:lumOff val="75000"/>
+          </a:schemeClr>
+        </a:solidFill>
+        <a:round/>
+      </a:ln>
+    </cs:spPr>
+    <cs:defRPr sz="900" kern="1200"/>
+  </cs:categoryAxis>
+  <cs:chartArea mods="allowNoFillOverride allowNoLineOverride">
+    <cs:lnRef idx="0"/>
+    <cs:fillRef idx="0"/>
+    <cs:effectRef idx="0"/>
+    <cs:fontRef idx="minor">
+      <a:schemeClr val="tx1"/>
+    </cs:fontRef>
+    <cs:spPr>
+      <a:solidFill>
+        <a:schemeClr val="bg1"/>
+      </a:solidFill>
+      <a:ln w="9525" cap="flat" cmpd="sng" algn="ctr">
+        <a:solidFill>
+          <a:schemeClr val="tx1">
+            <a:lumMod val="15000"/>
+            <a:lumOff val="85000"/>
+          </a:schemeClr>
+        </a:solidFill>
+        <a:round/>
+      </a:ln>
+    </cs:spPr>
+    <cs:defRPr sz="1000" kern="1200"/>
+  </cs:chartArea>
+  <cs:dataLabel>
+    <cs:lnRef idx="0"/>
+    <cs:fillRef idx="0"/>
+    <cs:effectRef idx="0"/>
+    <cs:fontRef idx="minor">
+      <a:schemeClr val="tx1">
+        <a:lumMod val="75000"/>
+        <a:lumOff val="25000"/>
+      </a:schemeClr>
+    </cs:fontRef>
+    <cs:defRPr sz="900" kern="1200"/>
+  </cs:dataLabel>
+  <cs:dataLabelCallout>
+    <cs:lnRef idx="0"/>
+    <cs:fillRef idx="0"/>
+    <cs:effectRef idx="0"/>
+    <cs:fontRef idx="minor">
+      <a:schemeClr val="dk1">
+        <a:lumMod val="65000"/>
+        <a:lumOff val="35000"/>
+      </a:schemeClr>
+    </cs:fontRef>
+    <cs:spPr>
+      <a:solidFill>
+        <a:schemeClr val="lt1"/>
+      </a:solidFill>
+      <a:ln>
+        <a:solidFill>
+          <a:schemeClr val="dk1">
+            <a:lumMod val="25000"/>
+            <a:lumOff val="75000"/>
+          </a:schemeClr>
+        </a:solidFill>
+      </a:ln>
+    </cs:spPr>
+    <cs:defRPr sz="900" kern="1200"/>
+    <cs:bodyPr rot="0" spcFirstLastPara="1" vertOverflow="clip" horzOverflow="clip" vert="horz" wrap="square" lIns="36576" tIns="18288" rIns="36576" bIns="18288" anchor="ctr" anchorCtr="1">
+      <a:spAutoFit/>
+    </cs:bodyPr>
+  </cs:dataLabelCallout>
+  <cs:dataPoint>
+    <cs:lnRef idx="0"/>
+    <cs:fillRef idx="1">
+      <cs:styleClr val="auto"/>
+    </cs:fillRef>
+    <cs:effectRef idx="0"/>
+    <cs:fontRef idx="minor">
+      <a:schemeClr val="tx1"/>
+    </cs:fontRef>
+  </cs:dataPoint>
+  <cs:dataPoint3D>
+    <cs:lnRef idx="0"/>
+    <cs:fillRef idx="1">
+      <cs:styleClr val="auto"/>
+    </cs:fillRef>
+    <cs:effectRef idx="0"/>
+    <cs:fontRef idx="minor">
+      <a:schemeClr val="tx1"/>
+    </cs:fontRef>
+  </cs:dataPoint3D>
+  <cs:dataPointLine>
+    <cs:lnRef idx="0">
+      <cs:styleClr val="auto"/>
+    </cs:lnRef>
+    <cs:fillRef idx="1"/>
+    <cs:effectRef idx="0"/>
+    <cs:fontRef idx="minor">
+      <a:schemeClr val="tx1"/>
+    </cs:fontRef>
+    <cs:spPr>
+      <a:ln w="19050" cap="rnd">
+        <a:solidFill>
+          <a:schemeClr val="phClr"/>
+        </a:solidFill>
+        <a:round/>
+      </a:ln>
+    </cs:spPr>
+  </cs:dataPointLine>
+  <cs:dataPointMarker>
+    <cs:lnRef idx="0">
+      <cs:styleClr val="auto"/>
+    </cs:lnRef>
+    <cs:fillRef idx="1">
+      <cs:styleClr val="auto"/>
+    </cs:fillRef>
+    <cs:effectRef idx="0"/>
+    <cs:fontRef idx="minor">
+      <a:schemeClr val="tx1"/>
+    </cs:fontRef>
+    <cs:spPr>
+      <a:ln w="9525">
+        <a:solidFill>
+          <a:schemeClr val="phClr"/>
+        </a:solidFill>
+      </a:ln>
+    </cs:spPr>
+  </cs:dataPointMarker>
+  <cs:dataPointMarkerLayout symbol="circle" size="5"/>
+  <cs:dataPointWireframe>
+    <cs:lnRef idx="0">
+      <cs:styleClr val="auto"/>
+    </cs:lnRef>
+    <cs:fillRef idx="0"/>
+    <cs:effectRef idx="0"/>
+    <cs:fontRef idx="minor">
+      <a:schemeClr val="dk1"/>
+    </cs:fontRef>
+    <cs:spPr>
+      <a:ln w="9525" cap="rnd">
+        <a:solidFill>
+          <a:schemeClr val="phClr"/>
+        </a:solidFill>
+        <a:round/>
+      </a:ln>
+    </cs:spPr>
+  </cs:dataPointWireframe>
+  <cs:dataTable>
+    <cs:lnRef idx="0"/>
+    <cs:fillRef idx="0"/>
+    <cs:effectRef idx="0"/>
+    <cs:fontRef idx="minor">
+      <a:schemeClr val="tx1">
+        <a:lumMod val="65000"/>
+        <a:lumOff val="35000"/>
+      </a:schemeClr>
+    </cs:fontRef>
+    <cs:spPr>
+      <a:noFill/>
+      <a:ln w="9525" cap="flat" cmpd="sng" algn="ctr">
+        <a:solidFill>
+          <a:schemeClr val="tx1">
+            <a:lumMod val="15000"/>
+            <a:lumOff val="85000"/>
+          </a:schemeClr>
+        </a:solidFill>
+        <a:round/>
+      </a:ln>
+    </cs:spPr>
+    <cs:defRPr sz="900" kern="1200"/>
+  </cs:dataTable>
+  <cs:downBar>
+    <cs:lnRef idx="0"/>
+    <cs:fillRef idx="0"/>
+    <cs:effectRef idx="0"/>
+    <cs:fontRef idx="minor">
+      <a:schemeClr val="tx1"/>
+    </cs:fontRef>
+    <cs:spPr>
+      <a:solidFill>
+        <a:schemeClr val="dk1">
+          <a:lumMod val="75000"/>
+          <a:lumOff val="25000"/>
+        </a:schemeClr>
+      </a:solidFill>
+      <a:ln w="9525" cap="flat" cmpd="sng" algn="ctr">
+        <a:solidFill>
+          <a:schemeClr val="tx1">
+            <a:lumMod val="65000"/>
+            <a:lumOff val="35000"/>
+          </a:schemeClr>
+        </a:solidFill>
+        <a:round/>
+      </a:ln>
+    </cs:spPr>
+  </cs:downBar>
+  <cs:dropLine>
+    <cs:lnRef idx="0"/>
+    <cs:fillRef idx="0"/>
+    <cs:effectRef idx="0"/>
+    <cs:fontRef idx="minor">
+      <a:schemeClr val="tx1"/>
+    </cs:fontRef>
+    <cs:spPr>
+      <a:ln w="9525" cap="flat" cmpd="sng" algn="ctr">
+        <a:solidFill>
+          <a:schemeClr val="tx1">
+            <a:lumMod val="35000"/>
+            <a:lumOff val="65000"/>
+          </a:schemeClr>
+        </a:solidFill>
+        <a:round/>
+      </a:ln>
+    </cs:spPr>
+  </cs:dropLine>
+  <cs:errorBar>
+    <cs:lnRef idx="0"/>
+    <cs:fillRef idx="0"/>
+    <cs:effectRef idx="0"/>
+    <cs:fontRef idx="minor">
+      <a:schemeClr val="tx1"/>
+    </cs:fontRef>
+    <cs:spPr>
+      <a:ln w="9525" cap="flat" cmpd="sng" algn="ctr">
+        <a:solidFill>
+          <a:schemeClr val="tx1">
+            <a:lumMod val="65000"/>
+            <a:lumOff val="35000"/>
+          </a:schemeClr>
+        </a:solidFill>
+        <a:round/>
+      </a:ln>
+    </cs:spPr>
+  </cs:errorBar>
+  <cs:floor>
+    <cs:lnRef idx="0"/>
+    <cs:fillRef idx="0"/>
+    <cs:effectRef idx="0"/>
+    <cs:fontRef idx="minor">
+      <a:schemeClr val="tx1"/>
+    </cs:fontRef>
+    <cs:spPr>
+      <a:noFill/>
+      <a:ln>
+        <a:noFill/>
+      </a:ln>
+    </cs:spPr>
+  </cs:floor>
+  <cs:gridlineMajor>
+    <cs:lnRef idx="0"/>
+    <cs:fillRef idx="0"/>
+    <cs:effectRef idx="0"/>
+    <cs:fontRef idx="minor">
+      <a:schemeClr val="tx1"/>
+    </cs:fontRef>
+    <cs:spPr>
+      <a:ln w="9525" cap="flat" cmpd="sng" algn="ctr">
+        <a:solidFill>
+          <a:schemeClr val="tx1">
+            <a:lumMod val="15000"/>
+            <a:lumOff val="85000"/>
+          </a:schemeClr>
+        </a:solidFill>
+        <a:round/>
+      </a:ln>
+    </cs:spPr>
+  </cs:gridlineMajor>
+  <cs:gridlineMinor>
+    <cs:lnRef idx="0"/>
+    <cs:fillRef idx="0"/>
+    <cs:effectRef idx="0"/>
+    <cs:fontRef idx="minor">
+      <a:schemeClr val="tx1"/>
+    </cs:fontRef>
+    <cs:spPr>
+      <a:ln w="9525" cap="flat" cmpd="sng" algn="ctr">
+        <a:solidFill>
+          <a:schemeClr val="tx1">
+            <a:lumMod val="5000"/>
+            <a:lumOff val="95000"/>
+          </a:schemeClr>
+        </a:solidFill>
+        <a:round/>
+      </a:ln>
+    </cs:spPr>
+  </cs:gridlineMinor>
+  <cs:hiLoLine>
+    <cs:lnRef idx="0"/>
+    <cs:fillRef idx="0"/>
+    <cs:effectRef idx="0"/>
+    <cs:fontRef idx="minor">
+      <a:schemeClr val="tx1"/>
+    </cs:fontRef>
+    <cs:spPr>
+      <a:ln w="9525" cap="flat" cmpd="sng" algn="ctr">
+        <a:solidFill>
+          <a:schemeClr val="tx1">
+            <a:lumMod val="50000"/>
+            <a:lumOff val="50000"/>
+          </a:schemeClr>
+        </a:solidFill>
+        <a:round/>
+      </a:ln>
+    </cs:spPr>
+  </cs:hiLoLine>
+  <cs:leaderLine>
+    <cs:lnRef idx="0"/>
+    <cs:fillRef idx="0"/>
+    <cs:effectRef idx="0"/>
+    <cs:fontRef idx="minor">
+      <a:schemeClr val="tx1"/>
+    </cs:fontRef>
+    <cs:spPr>
+      <a:ln w="9525" cap="flat" cmpd="sng" algn="ctr">
+        <a:solidFill>
+          <a:schemeClr val="tx1">
+            <a:lumMod val="35000"/>
+            <a:lumOff val="65000"/>
+          </a:schemeClr>
+        </a:solidFill>
+        <a:round/>
+      </a:ln>
+    </cs:spPr>
+  </cs:leaderLine>
+  <cs:legend>
+    <cs:lnRef idx="0"/>
+    <cs:fillRef idx="0"/>
+    <cs:effectRef idx="0"/>
+    <cs:fontRef idx="minor">
+      <a:schemeClr val="tx1">
+        <a:lumMod val="65000"/>
+        <a:lumOff val="35000"/>
+      </a:schemeClr>
+    </cs:fontRef>
+    <cs:defRPr sz="900" kern="1200"/>
+  </cs:legend>
+  <cs:plotArea mods="allowNoFillOverride allowNoLineOverride">
+    <cs:lnRef idx="0"/>
+    <cs:fillRef idx="0"/>
+    <cs:effectRef idx="0"/>
+    <cs:fontRef idx="minor">
+      <a:schemeClr val="tx1"/>
+    </cs:fontRef>
+  </cs:plotArea>
+  <cs:plotArea3D mods="allowNoFillOverride allowNoLineOverride">
+    <cs:lnRef idx="0"/>
+    <cs:fillRef idx="0"/>
+    <cs:effectRef idx="0"/>
+    <cs:fontRef idx="minor">
+      <a:schemeClr val="tx1"/>
+    </cs:fontRef>
+  </cs:plotArea3D>
+  <cs:seriesAxis>
+    <cs:lnRef idx="0"/>
+    <cs:fillRef idx="0"/>
+    <cs:effectRef idx="0"/>
+    <cs:fontRef idx="minor">
+      <a:schemeClr val="tx1">
+        <a:lumMod val="65000"/>
+        <a:lumOff val="35000"/>
+      </a:schemeClr>
+    </cs:fontRef>
+    <cs:defRPr sz="900" kern="1200"/>
+  </cs:seriesAxis>
+  <cs:seriesLine>
+    <cs:lnRef idx="0"/>
+    <cs:fillRef idx="0"/>
+    <cs:effectRef idx="0"/>
+    <cs:fontRef idx="minor">
+      <a:schemeClr val="tx1"/>
+    </cs:fontRef>
+    <cs:spPr>
+      <a:ln w="9525" cap="flat" cmpd="sng" algn="ctr">
+        <a:solidFill>
+          <a:schemeClr val="tx1">
+            <a:lumMod val="35000"/>
+            <a:lumOff val="65000"/>
+          </a:schemeClr>
+        </a:solidFill>
+        <a:round/>
+      </a:ln>
+    </cs:spPr>
+  </cs:seriesLine>
+  <cs:title>
+    <cs:lnRef idx="0"/>
+    <cs:fillRef idx="0"/>
+    <cs:effectRef idx="0"/>
+    <cs:fontRef idx="minor">
+      <a:schemeClr val="tx1">
+        <a:lumMod val="65000"/>
+        <a:lumOff val="35000"/>
+      </a:schemeClr>
+    </cs:fontRef>
+    <cs:defRPr sz="1400" b="0" kern="1200" spc="0" baseline="0"/>
+  </cs:title>
+  <cs:trendline>
+    <cs:lnRef idx="0">
+      <cs:styleClr val="auto"/>
+    </cs:lnRef>
+    <cs:fillRef idx="0"/>
+    <cs:effectRef idx="0"/>
+    <cs:fontRef idx="minor">
+      <a:schemeClr val="tx1"/>
+    </cs:fontRef>
+    <cs:spPr>
+      <a:ln w="19050" cap="rnd">
+        <a:solidFill>
+          <a:schemeClr val="phClr"/>
+        </a:solidFill>
+        <a:prstDash val="sysDot"/>
+      </a:ln>
+    </cs:spPr>
+  </cs:trendline>
+  <cs:trendlineLabel>
+    <cs:lnRef idx="0"/>
+    <cs:fillRef idx="0"/>
+    <cs:effectRef idx="0"/>
+    <cs:fontRef idx="minor">
+      <a:schemeClr val="tx1">
+        <a:lumMod val="65000"/>
+        <a:lumOff val="35000"/>
+      </a:schemeClr>
+    </cs:fontRef>
+    <cs:defRPr sz="900" kern="1200"/>
+  </cs:trendlineLabel>
+  <cs:upBar>
+    <cs:lnRef idx="0"/>
+    <cs:fillRef idx="0"/>
+    <cs:effectRef idx="0"/>
+    <cs:fontRef idx="minor">
+      <a:schemeClr val="tx1"/>
+    </cs:fontRef>
+    <cs:spPr>
+      <a:solidFill>
+        <a:schemeClr val="lt1"/>
+      </a:solidFill>
+      <a:ln w="9525" cap="flat" cmpd="sng" algn="ctr">
+        <a:solidFill>
+          <a:schemeClr val="tx1">
+            <a:lumMod val="65000"/>
+            <a:lumOff val="35000"/>
+          </a:schemeClr>
+        </a:solidFill>
+        <a:round/>
+      </a:ln>
+    </cs:spPr>
+  </cs:upBar>
+  <cs:valueAxis>
+    <cs:lnRef idx="0"/>
+    <cs:fillRef idx="0"/>
+    <cs:effectRef idx="0"/>
+    <cs:fontRef idx="minor">
+      <a:schemeClr val="tx1">
+        <a:lumMod val="65000"/>
+        <a:lumOff val="35000"/>
+      </a:schemeClr>
+    </cs:fontRef>
+    <cs:spPr>
+      <a:ln w="9525" cap="flat" cmpd="sng" algn="ctr">
+        <a:solidFill>
+          <a:schemeClr val="tx1">
+            <a:lumMod val="25000"/>
+            <a:lumOff val="75000"/>
+          </a:schemeClr>
+        </a:solidFill>
+        <a:round/>
+      </a:ln>
+    </cs:spPr>
+    <cs:defRPr sz="900" kern="1200"/>
+  </cs:valueAxis>
+  <cs:wall>
+    <cs:lnRef idx="0"/>
+    <cs:fillRef idx="0"/>
+    <cs:effectRef idx="0"/>
+    <cs:fontRef idx="minor">
+      <a:schemeClr val="tx1"/>
+    </cs:fontRef>
+    <cs:spPr>
+      <a:noFill/>
+      <a:ln>
+        <a:noFill/>
+      </a:ln>
+    </cs:spPr>
+  </cs:wall>
+</cs:chartStyle>
+</file>
+
 <file path=ppt/slideLayouts/slideLayout1.xml><?xml version="1.0" encoding="utf-8"?>
 <p:sldLayout xmlns:a="http://schemas.openxmlformats.org/drawingml/2006/main" xmlns:r="http://schemas.openxmlformats.org/officeDocument/2006/relationships" xmlns:p="http://schemas.openxmlformats.org/presentationml/2006/main" type="title" preserve="1">
   <p:cSld name="สไลด์ชื่อเรื่อง">
@@ -10611,6 +12638,66 @@
     <p:extLst>
       <p:ext uri="{BB962C8B-B14F-4D97-AF65-F5344CB8AC3E}">
         <p14:creationId xmlns:p14="http://schemas.microsoft.com/office/powerpoint/2010/main" val="3432774175"/>
+      </p:ext>
+    </p:extLst>
+  </p:cSld>
+  <p:clrMapOvr>
+    <a:masterClrMapping/>
+  </p:clrMapOvr>
+</p:sld>
+</file>
+
+<file path=ppt/slides/slide11.xml><?xml version="1.0" encoding="utf-8"?>
+<p:sld xmlns:a="http://schemas.openxmlformats.org/drawingml/2006/main" xmlns:r="http://schemas.openxmlformats.org/officeDocument/2006/relationships" xmlns:p="http://schemas.openxmlformats.org/presentationml/2006/main">
+  <p:cSld>
+    <p:spTree>
+      <p:nvGrpSpPr>
+        <p:cNvPr id="1" name=""/>
+        <p:cNvGrpSpPr/>
+        <p:nvPr/>
+      </p:nvGrpSpPr>
+      <p:grpSpPr>
+        <a:xfrm>
+          <a:off x="0" y="0"/>
+          <a:ext cx="0" cy="0"/>
+          <a:chOff x="0" y="0"/>
+          <a:chExt cx="0" cy="0"/>
+        </a:xfrm>
+      </p:grpSpPr>
+      <p:graphicFrame>
+        <p:nvGraphicFramePr>
+          <p:cNvPr id="3" name="แผนภูมิ 2">
+            <a:extLst>
+              <a:ext uri="{FF2B5EF4-FFF2-40B4-BE49-F238E27FC236}">
+                <a16:creationId xmlns:a16="http://schemas.microsoft.com/office/drawing/2014/main" id="{C0703C9F-C1D4-4743-BC3B-5CAF5D7D0245}"/>
+              </a:ext>
+            </a:extLst>
+          </p:cNvPr>
+          <p:cNvGraphicFramePr>
+            <a:graphicFrameLocks/>
+          </p:cNvGraphicFramePr>
+          <p:nvPr>
+            <p:extLst>
+              <p:ext uri="{D42A27DB-BD31-4B8C-83A1-F6EECF244321}">
+                <p14:modId xmlns:p14="http://schemas.microsoft.com/office/powerpoint/2010/main" val="742580447"/>
+              </p:ext>
+            </p:extLst>
+          </p:nvPr>
+        </p:nvGraphicFramePr>
+        <p:xfrm>
+          <a:off x="681657" y="539031"/>
+          <a:ext cx="10778159" cy="5941281"/>
+        </p:xfrm>
+        <a:graphic>
+          <a:graphicData uri="http://schemas.openxmlformats.org/drawingml/2006/chart">
+            <c:chart xmlns:c="http://schemas.openxmlformats.org/drawingml/2006/chart" xmlns:r="http://schemas.openxmlformats.org/officeDocument/2006/relationships" r:id="rId2"/>
+          </a:graphicData>
+        </a:graphic>
+      </p:graphicFrame>
+    </p:spTree>
+    <p:extLst>
+      <p:ext uri="{BB962C8B-B14F-4D97-AF65-F5344CB8AC3E}">
+        <p14:creationId xmlns:p14="http://schemas.microsoft.com/office/powerpoint/2010/main" val="2599186514"/>
       </p:ext>
     </p:extLst>
   </p:cSld>

--- a/PlanB/CPU_utilization_Experiment/version2_Experiment_style/Experiment_Results.pptx
+++ b/PlanB/CPU_utilization_Experiment/version2_Experiment_style/Experiment_Results.pptx
@@ -17150,7 +17150,7 @@
             </a:pPr>
             <a:r>
               <a:rPr lang="en-US" sz="2000" dirty="0"/>
-              <a:t> Iperf3 –u –b [2, 4 , 6 ,..., 40M] –t 75</a:t>
+              <a:t> Iperf3 –u –b [2, 4 , 6 ,..., 40M] –n 200</a:t>
             </a:r>
           </a:p>
         </p:txBody>

--- a/PlanB/CPU_utilization_Experiment/version2_Experiment_style/Experiment_Results.pptx
+++ b/PlanB/CPU_utilization_Experiment/version2_Experiment_style/Experiment_Results.pptx
@@ -16,6 +16,10 @@
     <p:sldId id="267" r:id="rId10"/>
     <p:sldId id="268" r:id="rId11"/>
     <p:sldId id="269" r:id="rId12"/>
+    <p:sldId id="270" r:id="rId13"/>
+    <p:sldId id="271" r:id="rId14"/>
+    <p:sldId id="272" r:id="rId15"/>
+    <p:sldId id="273" r:id="rId16"/>
   </p:sldIdLst>
   <p:sldSz cx="12192000" cy="6858000"/>
   <p:notesSz cx="6858000" cy="9144000"/>
@@ -5834,6 +5838,2240 @@
 </c:chartSpace>
 </file>
 
+<file path=ppt/charts/chart7.xml><?xml version="1.0" encoding="utf-8"?>
+<c:chartSpace xmlns:c="http://schemas.openxmlformats.org/drawingml/2006/chart" xmlns:a="http://schemas.openxmlformats.org/drawingml/2006/main" xmlns:r="http://schemas.openxmlformats.org/officeDocument/2006/relationships" xmlns:c16r2="http://schemas.microsoft.com/office/drawing/2015/06/chart">
+  <c:date1904 val="0"/>
+  <c:lang val="th-TH"/>
+  <c:roundedCorners val="0"/>
+  <mc:AlternateContent xmlns:mc="http://schemas.openxmlformats.org/markup-compatibility/2006">
+    <mc:Choice xmlns:c14="http://schemas.microsoft.com/office/drawing/2007/8/2/chart" Requires="c14">
+      <c14:style val="102"/>
+    </mc:Choice>
+    <mc:Fallback>
+      <c:style val="2"/>
+    </mc:Fallback>
+  </mc:AlternateContent>
+  <c:chart>
+    <c:title>
+      <c:tx>
+        <c:rich>
+          <a:bodyPr rot="0" spcFirstLastPara="1" vertOverflow="ellipsis" vert="horz" wrap="square" anchor="ctr" anchorCtr="1"/>
+          <a:lstStyle/>
+          <a:p>
+            <a:pPr>
+              <a:defRPr sz="1400" b="0" i="0" u="none" strike="noStrike" kern="1200" spc="0" baseline="0">
+                <a:solidFill>
+                  <a:schemeClr val="tx1">
+                    <a:lumMod val="65000"/>
+                    <a:lumOff val="35000"/>
+                  </a:schemeClr>
+                </a:solidFill>
+                <a:latin typeface="+mn-lt"/>
+                <a:ea typeface="+mn-ea"/>
+                <a:cs typeface="+mn-cs"/>
+              </a:defRPr>
+            </a:pPr>
+            <a:r>
+              <a:rPr lang="en-US" sz="1800" b="0" i="0" baseline="0">
+                <a:effectLst/>
+              </a:rPr>
+              <a:t>Experiment3: %CPU Utilisation when</a:t>
+            </a:r>
+            <a:r>
+              <a:rPr lang="th-TH" sz="1800" b="0" i="0" baseline="0">
+                <a:effectLst/>
+              </a:rPr>
+              <a:t> </a:t>
+            </a:r>
+            <a:r>
+              <a:rPr lang="en-US" sz="1800" b="0" i="0" baseline="0">
+                <a:effectLst/>
+              </a:rPr>
+              <a:t>edge1's bitrate is fixed as 15 Mpbs  </a:t>
+            </a:r>
+            <a:endParaRPr lang="en-US">
+              <a:effectLst/>
+            </a:endParaRPr>
+          </a:p>
+        </c:rich>
+      </c:tx>
+      <c:overlay val="0"/>
+      <c:spPr>
+        <a:noFill/>
+        <a:ln>
+          <a:noFill/>
+        </a:ln>
+        <a:effectLst/>
+      </c:spPr>
+      <c:txPr>
+        <a:bodyPr rot="0" spcFirstLastPara="1" vertOverflow="ellipsis" vert="horz" wrap="square" anchor="ctr" anchorCtr="1"/>
+        <a:lstStyle/>
+        <a:p>
+          <a:pPr>
+            <a:defRPr sz="1400" b="0" i="0" u="none" strike="noStrike" kern="1200" spc="0" baseline="0">
+              <a:solidFill>
+                <a:schemeClr val="tx1">
+                  <a:lumMod val="65000"/>
+                  <a:lumOff val="35000"/>
+                </a:schemeClr>
+              </a:solidFill>
+              <a:latin typeface="+mn-lt"/>
+              <a:ea typeface="+mn-ea"/>
+              <a:cs typeface="+mn-cs"/>
+            </a:defRPr>
+          </a:pPr>
+          <a:endParaRPr lang="en-US"/>
+        </a:p>
+      </c:txPr>
+    </c:title>
+    <c:autoTitleDeleted val="0"/>
+    <c:plotArea>
+      <c:layout/>
+      <c:scatterChart>
+        <c:scatterStyle val="lineMarker"/>
+        <c:varyColors val="0"/>
+        <c:ser>
+          <c:idx val="0"/>
+          <c:order val="0"/>
+          <c:tx>
+            <c:v>Edge1 (sender &amp; receiver)</c:v>
+          </c:tx>
+          <c:spPr>
+            <a:ln w="19050" cap="rnd">
+              <a:noFill/>
+              <a:round/>
+            </a:ln>
+            <a:effectLst/>
+          </c:spPr>
+          <c:marker>
+            <c:symbol val="circle"/>
+            <c:size val="5"/>
+            <c:spPr>
+              <a:solidFill>
+                <a:schemeClr val="accent1"/>
+              </a:solidFill>
+              <a:ln w="9525">
+                <a:solidFill>
+                  <a:schemeClr val="accent1"/>
+                </a:solidFill>
+              </a:ln>
+              <a:effectLst/>
+            </c:spPr>
+          </c:marker>
+          <c:dLbls>
+            <c:spPr>
+              <a:noFill/>
+              <a:ln>
+                <a:noFill/>
+              </a:ln>
+              <a:effectLst/>
+            </c:spPr>
+            <c:txPr>
+              <a:bodyPr rot="0" spcFirstLastPara="1" vertOverflow="ellipsis" vert="horz" wrap="square" lIns="38100" tIns="19050" rIns="38100" bIns="19050" anchor="ctr" anchorCtr="1">
+                <a:spAutoFit/>
+              </a:bodyPr>
+              <a:lstStyle/>
+              <a:p>
+                <a:pPr>
+                  <a:defRPr sz="900" b="0" i="0" u="none" strike="noStrike" kern="1200" baseline="0">
+                    <a:solidFill>
+                      <a:schemeClr val="tx1">
+                        <a:lumMod val="75000"/>
+                        <a:lumOff val="25000"/>
+                      </a:schemeClr>
+                    </a:solidFill>
+                    <a:latin typeface="+mn-lt"/>
+                    <a:ea typeface="+mn-ea"/>
+                    <a:cs typeface="+mn-cs"/>
+                  </a:defRPr>
+                </a:pPr>
+                <a:endParaRPr lang="en-US"/>
+              </a:p>
+            </c:txPr>
+            <c:dLblPos val="t"/>
+            <c:showLegendKey val="0"/>
+            <c:showVal val="1"/>
+            <c:showCatName val="0"/>
+            <c:showSerName val="0"/>
+            <c:showPercent val="0"/>
+            <c:showBubbleSize val="0"/>
+            <c:showLeaderLines val="0"/>
+            <c:extLst>
+              <c:ext xmlns:c15="http://schemas.microsoft.com/office/drawing/2012/chart" uri="{CE6537A1-D6FC-4f65-9D91-7224C49458BB}">
+                <c15:showLeaderLines val="1"/>
+                <c15:leaderLines>
+                  <c:spPr>
+                    <a:ln w="9525" cap="flat" cmpd="sng" algn="ctr">
+                      <a:solidFill>
+                        <a:schemeClr val="tx1">
+                          <a:lumMod val="35000"/>
+                          <a:lumOff val="65000"/>
+                        </a:schemeClr>
+                      </a:solidFill>
+                      <a:round/>
+                    </a:ln>
+                    <a:effectLst/>
+                  </c:spPr>
+                </c15:leaderLines>
+              </c:ext>
+            </c:extLst>
+          </c:dLbls>
+          <c:trendline>
+            <c:spPr>
+              <a:ln w="19050" cap="rnd">
+                <a:solidFill>
+                  <a:schemeClr val="accent1"/>
+                </a:solidFill>
+                <a:prstDash val="sysDot"/>
+              </a:ln>
+              <a:effectLst/>
+            </c:spPr>
+            <c:trendlineType val="movingAvg"/>
+            <c:period val="2"/>
+            <c:dispRSqr val="0"/>
+            <c:dispEq val="0"/>
+          </c:trendline>
+          <c:xVal>
+            <c:numRef>
+              <c:f>Sheet1!$B$4:$B$203</c:f>
+              <c:numCache>
+                <c:formatCode>General</c:formatCode>
+                <c:ptCount val="200"/>
+                <c:pt idx="0">
+                  <c:v>2</c:v>
+                </c:pt>
+                <c:pt idx="20">
+                  <c:v>4</c:v>
+                </c:pt>
+                <c:pt idx="40">
+                  <c:v>6</c:v>
+                </c:pt>
+                <c:pt idx="60">
+                  <c:v>8</c:v>
+                </c:pt>
+                <c:pt idx="80">
+                  <c:v>10</c:v>
+                </c:pt>
+                <c:pt idx="100">
+                  <c:v>12</c:v>
+                </c:pt>
+                <c:pt idx="120">
+                  <c:v>14</c:v>
+                </c:pt>
+                <c:pt idx="140">
+                  <c:v>16</c:v>
+                </c:pt>
+                <c:pt idx="160">
+                  <c:v>18</c:v>
+                </c:pt>
+                <c:pt idx="180">
+                  <c:v>20</c:v>
+                </c:pt>
+              </c:numCache>
+            </c:numRef>
+          </c:xVal>
+          <c:yVal>
+            <c:numRef>
+              <c:f>Sheet1!$C$4:$C$203</c:f>
+              <c:numCache>
+                <c:formatCode>General</c:formatCode>
+                <c:ptCount val="200"/>
+                <c:pt idx="0">
+                  <c:v>26.640000000000004</c:v>
+                </c:pt>
+                <c:pt idx="20">
+                  <c:v>27.524999999999999</c:v>
+                </c:pt>
+                <c:pt idx="40">
+                  <c:v>28.354999999999997</c:v>
+                </c:pt>
+                <c:pt idx="60">
+                  <c:v>27.920000000000005</c:v>
+                </c:pt>
+                <c:pt idx="80">
+                  <c:v>28.634999999999998</c:v>
+                </c:pt>
+                <c:pt idx="100">
+                  <c:v>29.012499999999999</c:v>
+                </c:pt>
+                <c:pt idx="120">
+                  <c:v>30.133333333333336</c:v>
+                </c:pt>
+                <c:pt idx="140">
+                  <c:v>29.349999999999998</c:v>
+                </c:pt>
+                <c:pt idx="160">
+                  <c:v>29.7</c:v>
+                </c:pt>
+                <c:pt idx="180">
+                  <c:v>28.266666666666666</c:v>
+                </c:pt>
+              </c:numCache>
+            </c:numRef>
+          </c:yVal>
+          <c:smooth val="0"/>
+          <c:extLst>
+            <c:ext xmlns:c16="http://schemas.microsoft.com/office/drawing/2014/chart" uri="{C3380CC4-5D6E-409C-BE32-E72D297353CC}">
+              <c16:uniqueId val="{00000001-A450-4E4D-B68E-5E81A90C8F91}"/>
+            </c:ext>
+          </c:extLst>
+        </c:ser>
+        <c:ser>
+          <c:idx val="1"/>
+          <c:order val="1"/>
+          <c:tx>
+            <c:v>edge2 (sender)</c:v>
+          </c:tx>
+          <c:spPr>
+            <a:ln w="19050" cap="rnd">
+              <a:noFill/>
+              <a:round/>
+            </a:ln>
+            <a:effectLst/>
+          </c:spPr>
+          <c:marker>
+            <c:symbol val="circle"/>
+            <c:size val="5"/>
+            <c:spPr>
+              <a:solidFill>
+                <a:schemeClr val="accent2"/>
+              </a:solidFill>
+              <a:ln w="9525">
+                <a:solidFill>
+                  <a:schemeClr val="accent2"/>
+                </a:solidFill>
+              </a:ln>
+              <a:effectLst/>
+            </c:spPr>
+          </c:marker>
+          <c:dLbls>
+            <c:spPr>
+              <a:noFill/>
+              <a:ln>
+                <a:noFill/>
+              </a:ln>
+              <a:effectLst/>
+            </c:spPr>
+            <c:txPr>
+              <a:bodyPr rot="0" spcFirstLastPara="1" vertOverflow="ellipsis" vert="horz" wrap="square" lIns="38100" tIns="19050" rIns="38100" bIns="19050" anchor="ctr" anchorCtr="1">
+                <a:spAutoFit/>
+              </a:bodyPr>
+              <a:lstStyle/>
+              <a:p>
+                <a:pPr>
+                  <a:defRPr sz="900" b="0" i="0" u="none" strike="noStrike" kern="1200" baseline="0">
+                    <a:solidFill>
+                      <a:schemeClr val="tx1">
+                        <a:lumMod val="75000"/>
+                        <a:lumOff val="25000"/>
+                      </a:schemeClr>
+                    </a:solidFill>
+                    <a:latin typeface="+mn-lt"/>
+                    <a:ea typeface="+mn-ea"/>
+                    <a:cs typeface="+mn-cs"/>
+                  </a:defRPr>
+                </a:pPr>
+                <a:endParaRPr lang="en-US"/>
+              </a:p>
+            </c:txPr>
+            <c:dLblPos val="t"/>
+            <c:showLegendKey val="0"/>
+            <c:showVal val="1"/>
+            <c:showCatName val="0"/>
+            <c:showSerName val="0"/>
+            <c:showPercent val="0"/>
+            <c:showBubbleSize val="0"/>
+            <c:showLeaderLines val="0"/>
+            <c:extLst>
+              <c:ext xmlns:c15="http://schemas.microsoft.com/office/drawing/2012/chart" uri="{CE6537A1-D6FC-4f65-9D91-7224C49458BB}">
+                <c15:showLeaderLines val="1"/>
+                <c15:leaderLines>
+                  <c:spPr>
+                    <a:ln w="9525" cap="flat" cmpd="sng" algn="ctr">
+                      <a:solidFill>
+                        <a:schemeClr val="tx1">
+                          <a:lumMod val="35000"/>
+                          <a:lumOff val="65000"/>
+                        </a:schemeClr>
+                      </a:solidFill>
+                      <a:round/>
+                    </a:ln>
+                    <a:effectLst/>
+                  </c:spPr>
+                </c15:leaderLines>
+              </c:ext>
+            </c:extLst>
+          </c:dLbls>
+          <c:trendline>
+            <c:spPr>
+              <a:ln w="19050" cap="rnd">
+                <a:solidFill>
+                  <a:schemeClr val="accent2"/>
+                </a:solidFill>
+                <a:prstDash val="sysDot"/>
+              </a:ln>
+              <a:effectLst/>
+            </c:spPr>
+            <c:trendlineType val="movingAvg"/>
+            <c:period val="2"/>
+            <c:dispRSqr val="0"/>
+            <c:dispEq val="0"/>
+          </c:trendline>
+          <c:xVal>
+            <c:numRef>
+              <c:f>Sheet1!$B$4:$B$203</c:f>
+              <c:numCache>
+                <c:formatCode>General</c:formatCode>
+                <c:ptCount val="200"/>
+                <c:pt idx="0">
+                  <c:v>2</c:v>
+                </c:pt>
+                <c:pt idx="20">
+                  <c:v>4</c:v>
+                </c:pt>
+                <c:pt idx="40">
+                  <c:v>6</c:v>
+                </c:pt>
+                <c:pt idx="60">
+                  <c:v>8</c:v>
+                </c:pt>
+                <c:pt idx="80">
+                  <c:v>10</c:v>
+                </c:pt>
+                <c:pt idx="100">
+                  <c:v>12</c:v>
+                </c:pt>
+                <c:pt idx="120">
+                  <c:v>14</c:v>
+                </c:pt>
+                <c:pt idx="140">
+                  <c:v>16</c:v>
+                </c:pt>
+                <c:pt idx="160">
+                  <c:v>18</c:v>
+                </c:pt>
+                <c:pt idx="180">
+                  <c:v>20</c:v>
+                </c:pt>
+              </c:numCache>
+            </c:numRef>
+          </c:xVal>
+          <c:yVal>
+            <c:numRef>
+              <c:f>Sheet1!$G$4:$G$203</c:f>
+              <c:numCache>
+                <c:formatCode>General</c:formatCode>
+                <c:ptCount val="200"/>
+                <c:pt idx="0">
+                  <c:v>6.51</c:v>
+                </c:pt>
+                <c:pt idx="20">
+                  <c:v>10.049999999999999</c:v>
+                </c:pt>
+                <c:pt idx="40">
+                  <c:v>12.26</c:v>
+                </c:pt>
+                <c:pt idx="60">
+                  <c:v>15.545000000000002</c:v>
+                </c:pt>
+                <c:pt idx="80">
+                  <c:v>18.331249999999997</c:v>
+                </c:pt>
+                <c:pt idx="100">
+                  <c:v>22.012499999999996</c:v>
+                </c:pt>
+                <c:pt idx="120">
+                  <c:v>25.099999999999998</c:v>
+                </c:pt>
+                <c:pt idx="140">
+                  <c:v>27.266666666666666</c:v>
+                </c:pt>
+                <c:pt idx="160">
+                  <c:v>27.65</c:v>
+                </c:pt>
+                <c:pt idx="180">
+                  <c:v>27.85</c:v>
+                </c:pt>
+              </c:numCache>
+            </c:numRef>
+          </c:yVal>
+          <c:smooth val="0"/>
+          <c:extLst>
+            <c:ext xmlns:c16="http://schemas.microsoft.com/office/drawing/2014/chart" uri="{C3380CC4-5D6E-409C-BE32-E72D297353CC}">
+              <c16:uniqueId val="{00000003-A450-4E4D-B68E-5E81A90C8F91}"/>
+            </c:ext>
+          </c:extLst>
+        </c:ser>
+        <c:dLbls>
+          <c:dLblPos val="t"/>
+          <c:showLegendKey val="0"/>
+          <c:showVal val="1"/>
+          <c:showCatName val="0"/>
+          <c:showSerName val="0"/>
+          <c:showPercent val="0"/>
+          <c:showBubbleSize val="0"/>
+        </c:dLbls>
+        <c:axId val="347595008"/>
+        <c:axId val="337294752"/>
+      </c:scatterChart>
+      <c:valAx>
+        <c:axId val="347595008"/>
+        <c:scaling>
+          <c:orientation val="minMax"/>
+        </c:scaling>
+        <c:delete val="0"/>
+        <c:axPos val="b"/>
+        <c:majorGridlines>
+          <c:spPr>
+            <a:ln w="9525" cap="flat" cmpd="sng" algn="ctr">
+              <a:solidFill>
+                <a:schemeClr val="tx1">
+                  <a:lumMod val="15000"/>
+                  <a:lumOff val="85000"/>
+                </a:schemeClr>
+              </a:solidFill>
+              <a:round/>
+            </a:ln>
+            <a:effectLst/>
+          </c:spPr>
+        </c:majorGridlines>
+        <c:title>
+          <c:tx>
+            <c:rich>
+              <a:bodyPr rot="0" spcFirstLastPara="1" vertOverflow="ellipsis" vert="horz" wrap="square" anchor="ctr" anchorCtr="1"/>
+              <a:lstStyle/>
+              <a:p>
+                <a:pPr>
+                  <a:defRPr sz="1000" b="0" i="0" u="none" strike="noStrike" kern="1200" baseline="0">
+                    <a:solidFill>
+                      <a:schemeClr val="tx1">
+                        <a:lumMod val="65000"/>
+                        <a:lumOff val="35000"/>
+                      </a:schemeClr>
+                    </a:solidFill>
+                    <a:latin typeface="+mn-lt"/>
+                    <a:ea typeface="+mn-ea"/>
+                    <a:cs typeface="+mn-cs"/>
+                  </a:defRPr>
+                </a:pPr>
+                <a:r>
+                  <a:rPr lang="en-US" sz="1800" b="0" i="0" baseline="0">
+                    <a:effectLst/>
+                  </a:rPr>
+                  <a:t>Iperf -b (Mbps)</a:t>
+                </a:r>
+                <a:endParaRPr lang="en-US">
+                  <a:effectLst/>
+                </a:endParaRPr>
+              </a:p>
+            </c:rich>
+          </c:tx>
+          <c:layout>
+            <c:manualLayout>
+              <c:xMode val="edge"/>
+              <c:yMode val="edge"/>
+              <c:x val="0.39782783423698337"/>
+              <c:y val="0.83625443105087671"/>
+            </c:manualLayout>
+          </c:layout>
+          <c:overlay val="0"/>
+          <c:spPr>
+            <a:noFill/>
+            <a:ln>
+              <a:noFill/>
+            </a:ln>
+            <a:effectLst/>
+          </c:spPr>
+          <c:txPr>
+            <a:bodyPr rot="0" spcFirstLastPara="1" vertOverflow="ellipsis" vert="horz" wrap="square" anchor="ctr" anchorCtr="1"/>
+            <a:lstStyle/>
+            <a:p>
+              <a:pPr>
+                <a:defRPr sz="1000" b="0" i="0" u="none" strike="noStrike" kern="1200" baseline="0">
+                  <a:solidFill>
+                    <a:schemeClr val="tx1">
+                      <a:lumMod val="65000"/>
+                      <a:lumOff val="35000"/>
+                    </a:schemeClr>
+                  </a:solidFill>
+                  <a:latin typeface="+mn-lt"/>
+                  <a:ea typeface="+mn-ea"/>
+                  <a:cs typeface="+mn-cs"/>
+                </a:defRPr>
+              </a:pPr>
+              <a:endParaRPr lang="en-US"/>
+            </a:p>
+          </c:txPr>
+        </c:title>
+        <c:numFmt formatCode="General" sourceLinked="1"/>
+        <c:majorTickMark val="none"/>
+        <c:minorTickMark val="none"/>
+        <c:tickLblPos val="nextTo"/>
+        <c:spPr>
+          <a:noFill/>
+          <a:ln w="9525" cap="flat" cmpd="sng" algn="ctr">
+            <a:solidFill>
+              <a:schemeClr val="tx1">
+                <a:lumMod val="25000"/>
+                <a:lumOff val="75000"/>
+              </a:schemeClr>
+            </a:solidFill>
+            <a:round/>
+          </a:ln>
+          <a:effectLst/>
+        </c:spPr>
+        <c:txPr>
+          <a:bodyPr rot="-60000000" spcFirstLastPara="1" vertOverflow="ellipsis" vert="horz" wrap="square" anchor="ctr" anchorCtr="1"/>
+          <a:lstStyle/>
+          <a:p>
+            <a:pPr>
+              <a:defRPr sz="1100" b="0" i="0" u="none" strike="noStrike" kern="1200" baseline="0">
+                <a:solidFill>
+                  <a:schemeClr val="tx1">
+                    <a:lumMod val="65000"/>
+                    <a:lumOff val="35000"/>
+                  </a:schemeClr>
+                </a:solidFill>
+                <a:latin typeface="+mn-lt"/>
+                <a:ea typeface="+mn-ea"/>
+                <a:cs typeface="+mn-cs"/>
+              </a:defRPr>
+            </a:pPr>
+            <a:endParaRPr lang="en-US"/>
+          </a:p>
+        </c:txPr>
+        <c:crossAx val="337294752"/>
+        <c:crosses val="autoZero"/>
+        <c:crossBetween val="midCat"/>
+      </c:valAx>
+      <c:valAx>
+        <c:axId val="337294752"/>
+        <c:scaling>
+          <c:orientation val="minMax"/>
+        </c:scaling>
+        <c:delete val="0"/>
+        <c:axPos val="l"/>
+        <c:majorGridlines>
+          <c:spPr>
+            <a:ln w="9525" cap="flat" cmpd="sng" algn="ctr">
+              <a:solidFill>
+                <a:schemeClr val="tx1">
+                  <a:lumMod val="15000"/>
+                  <a:lumOff val="85000"/>
+                </a:schemeClr>
+              </a:solidFill>
+              <a:round/>
+            </a:ln>
+            <a:effectLst/>
+          </c:spPr>
+        </c:majorGridlines>
+        <c:title>
+          <c:tx>
+            <c:rich>
+              <a:bodyPr rot="-5400000" spcFirstLastPara="1" vertOverflow="ellipsis" vert="horz" wrap="square" anchor="ctr" anchorCtr="1"/>
+              <a:lstStyle/>
+              <a:p>
+                <a:pPr>
+                  <a:defRPr sz="1000" b="0" i="0" u="none" strike="noStrike" kern="1200" baseline="0">
+                    <a:solidFill>
+                      <a:schemeClr val="tx1">
+                        <a:lumMod val="65000"/>
+                        <a:lumOff val="35000"/>
+                      </a:schemeClr>
+                    </a:solidFill>
+                    <a:latin typeface="+mn-lt"/>
+                    <a:ea typeface="+mn-ea"/>
+                    <a:cs typeface="+mn-cs"/>
+                  </a:defRPr>
+                </a:pPr>
+                <a:r>
+                  <a:rPr lang="en-US" sz="1800" b="0" i="0" baseline="0">
+                    <a:effectLst/>
+                  </a:rPr>
+                  <a:t>%CPU usage</a:t>
+                </a:r>
+                <a:endParaRPr lang="en-US">
+                  <a:effectLst/>
+                </a:endParaRPr>
+              </a:p>
+            </c:rich>
+          </c:tx>
+          <c:overlay val="0"/>
+          <c:spPr>
+            <a:noFill/>
+            <a:ln>
+              <a:noFill/>
+            </a:ln>
+            <a:effectLst/>
+          </c:spPr>
+          <c:txPr>
+            <a:bodyPr rot="-5400000" spcFirstLastPara="1" vertOverflow="ellipsis" vert="horz" wrap="square" anchor="ctr" anchorCtr="1"/>
+            <a:lstStyle/>
+            <a:p>
+              <a:pPr>
+                <a:defRPr sz="1000" b="0" i="0" u="none" strike="noStrike" kern="1200" baseline="0">
+                  <a:solidFill>
+                    <a:schemeClr val="tx1">
+                      <a:lumMod val="65000"/>
+                      <a:lumOff val="35000"/>
+                    </a:schemeClr>
+                  </a:solidFill>
+                  <a:latin typeface="+mn-lt"/>
+                  <a:ea typeface="+mn-ea"/>
+                  <a:cs typeface="+mn-cs"/>
+                </a:defRPr>
+              </a:pPr>
+              <a:endParaRPr lang="en-US"/>
+            </a:p>
+          </c:txPr>
+        </c:title>
+        <c:numFmt formatCode="General" sourceLinked="1"/>
+        <c:majorTickMark val="none"/>
+        <c:minorTickMark val="none"/>
+        <c:tickLblPos val="nextTo"/>
+        <c:spPr>
+          <a:noFill/>
+          <a:ln w="9525" cap="flat" cmpd="sng" algn="ctr">
+            <a:solidFill>
+              <a:schemeClr val="tx1">
+                <a:lumMod val="25000"/>
+                <a:lumOff val="75000"/>
+              </a:schemeClr>
+            </a:solidFill>
+            <a:round/>
+          </a:ln>
+          <a:effectLst/>
+        </c:spPr>
+        <c:txPr>
+          <a:bodyPr rot="-60000000" spcFirstLastPara="1" vertOverflow="ellipsis" vert="horz" wrap="square" anchor="ctr" anchorCtr="1"/>
+          <a:lstStyle/>
+          <a:p>
+            <a:pPr>
+              <a:defRPr sz="1100" b="0" i="0" u="none" strike="noStrike" kern="1200" baseline="0">
+                <a:solidFill>
+                  <a:schemeClr val="tx1">
+                    <a:lumMod val="65000"/>
+                    <a:lumOff val="35000"/>
+                  </a:schemeClr>
+                </a:solidFill>
+                <a:latin typeface="+mn-lt"/>
+                <a:ea typeface="+mn-ea"/>
+                <a:cs typeface="+mn-cs"/>
+              </a:defRPr>
+            </a:pPr>
+            <a:endParaRPr lang="en-US"/>
+          </a:p>
+        </c:txPr>
+        <c:crossAx val="347595008"/>
+        <c:crosses val="autoZero"/>
+        <c:crossBetween val="midCat"/>
+      </c:valAx>
+      <c:spPr>
+        <a:noFill/>
+        <a:ln>
+          <a:noFill/>
+        </a:ln>
+        <a:effectLst/>
+      </c:spPr>
+    </c:plotArea>
+    <c:legend>
+      <c:legendPos val="b"/>
+      <c:legendEntry>
+        <c:idx val="2"/>
+        <c:delete val="1"/>
+      </c:legendEntry>
+      <c:legendEntry>
+        <c:idx val="3"/>
+        <c:delete val="1"/>
+      </c:legendEntry>
+      <c:overlay val="0"/>
+      <c:spPr>
+        <a:noFill/>
+        <a:ln>
+          <a:noFill/>
+        </a:ln>
+        <a:effectLst/>
+      </c:spPr>
+      <c:txPr>
+        <a:bodyPr rot="0" spcFirstLastPara="1" vertOverflow="ellipsis" vert="horz" wrap="square" anchor="ctr" anchorCtr="1"/>
+        <a:lstStyle/>
+        <a:p>
+          <a:pPr>
+            <a:defRPr sz="1400" b="0" i="0" u="none" strike="noStrike" kern="1200" baseline="0">
+              <a:solidFill>
+                <a:schemeClr val="tx1">
+                  <a:lumMod val="65000"/>
+                  <a:lumOff val="35000"/>
+                </a:schemeClr>
+              </a:solidFill>
+              <a:latin typeface="+mn-lt"/>
+              <a:ea typeface="+mn-ea"/>
+              <a:cs typeface="+mn-cs"/>
+            </a:defRPr>
+          </a:pPr>
+          <a:endParaRPr lang="en-US"/>
+        </a:p>
+      </c:txPr>
+    </c:legend>
+    <c:plotVisOnly val="1"/>
+    <c:dispBlanksAs val="gap"/>
+    <c:extLst>
+      <c:ext xmlns:c16r3="http://schemas.microsoft.com/office/drawing/2017/03/chart" uri="{56B9EC1D-385E-4148-901F-78D8002777C0}">
+        <c16r3:dataDisplayOptions16>
+          <c16r3:dispNaAsBlank val="1"/>
+        </c16r3:dataDisplayOptions16>
+      </c:ext>
+    </c:extLst>
+    <c:showDLblsOverMax val="0"/>
+  </c:chart>
+  <c:spPr>
+    <a:noFill/>
+    <a:ln>
+      <a:noFill/>
+    </a:ln>
+    <a:effectLst/>
+  </c:spPr>
+  <c:txPr>
+    <a:bodyPr/>
+    <a:lstStyle/>
+    <a:p>
+      <a:pPr>
+        <a:defRPr/>
+      </a:pPr>
+      <a:endParaRPr lang="en-US"/>
+    </a:p>
+  </c:txPr>
+  <c:externalData r:id="rId3">
+    <c:autoUpdate val="0"/>
+  </c:externalData>
+</c:chartSpace>
+</file>
+
+<file path=ppt/charts/chart8.xml><?xml version="1.0" encoding="utf-8"?>
+<c:chartSpace xmlns:c="http://schemas.openxmlformats.org/drawingml/2006/chart" xmlns:a="http://schemas.openxmlformats.org/drawingml/2006/main" xmlns:r="http://schemas.openxmlformats.org/officeDocument/2006/relationships" xmlns:c16r2="http://schemas.microsoft.com/office/drawing/2015/06/chart">
+  <c:date1904 val="0"/>
+  <c:lang val="th-TH"/>
+  <c:roundedCorners val="0"/>
+  <mc:AlternateContent xmlns:mc="http://schemas.openxmlformats.org/markup-compatibility/2006">
+    <mc:Choice xmlns:c14="http://schemas.microsoft.com/office/drawing/2007/8/2/chart" Requires="c14">
+      <c14:style val="102"/>
+    </mc:Choice>
+    <mc:Fallback>
+      <c:style val="2"/>
+    </mc:Fallback>
+  </mc:AlternateContent>
+  <c:chart>
+    <c:title>
+      <c:tx>
+        <c:rich>
+          <a:bodyPr rot="0" spcFirstLastPara="1" vertOverflow="ellipsis" vert="horz" wrap="square" anchor="ctr" anchorCtr="1"/>
+          <a:lstStyle/>
+          <a:p>
+            <a:pPr>
+              <a:defRPr sz="1400" b="0" i="0" u="none" strike="noStrike" kern="1200" spc="0" baseline="0">
+                <a:solidFill>
+                  <a:schemeClr val="tx1">
+                    <a:lumMod val="65000"/>
+                    <a:lumOff val="35000"/>
+                  </a:schemeClr>
+                </a:solidFill>
+                <a:latin typeface="+mn-lt"/>
+                <a:ea typeface="+mn-ea"/>
+                <a:cs typeface="+mn-cs"/>
+              </a:defRPr>
+            </a:pPr>
+            <a:r>
+              <a:rPr lang="en-US"/>
+              <a:t>Iperf Log (Fixed</a:t>
+            </a:r>
+            <a:r>
+              <a:rPr lang="en-US" baseline="0"/>
+              <a:t> Edge1 as 15Mbps)</a:t>
+            </a:r>
+            <a:r>
+              <a:rPr lang="en-US"/>
+              <a:t> </a:t>
+            </a:r>
+            <a:endParaRPr lang="th-TH"/>
+          </a:p>
+        </c:rich>
+      </c:tx>
+      <c:overlay val="0"/>
+      <c:spPr>
+        <a:noFill/>
+        <a:ln>
+          <a:noFill/>
+        </a:ln>
+        <a:effectLst/>
+      </c:spPr>
+      <c:txPr>
+        <a:bodyPr rot="0" spcFirstLastPara="1" vertOverflow="ellipsis" vert="horz" wrap="square" anchor="ctr" anchorCtr="1"/>
+        <a:lstStyle/>
+        <a:p>
+          <a:pPr>
+            <a:defRPr sz="1400" b="0" i="0" u="none" strike="noStrike" kern="1200" spc="0" baseline="0">
+              <a:solidFill>
+                <a:schemeClr val="tx1">
+                  <a:lumMod val="65000"/>
+                  <a:lumOff val="35000"/>
+                </a:schemeClr>
+              </a:solidFill>
+              <a:latin typeface="+mn-lt"/>
+              <a:ea typeface="+mn-ea"/>
+              <a:cs typeface="+mn-cs"/>
+            </a:defRPr>
+          </a:pPr>
+          <a:endParaRPr lang="en-US"/>
+        </a:p>
+      </c:txPr>
+    </c:title>
+    <c:autoTitleDeleted val="0"/>
+    <c:plotArea>
+      <c:layout/>
+      <c:scatterChart>
+        <c:scatterStyle val="lineMarker"/>
+        <c:varyColors val="0"/>
+        <c:ser>
+          <c:idx val="0"/>
+          <c:order val="0"/>
+          <c:tx>
+            <c:v>Superedge (Received from Edge1)</c:v>
+          </c:tx>
+          <c:spPr>
+            <a:ln w="19050" cap="rnd">
+              <a:noFill/>
+              <a:round/>
+            </a:ln>
+            <a:effectLst/>
+          </c:spPr>
+          <c:marker>
+            <c:symbol val="circle"/>
+            <c:size val="5"/>
+            <c:spPr>
+              <a:solidFill>
+                <a:schemeClr val="accent1"/>
+              </a:solidFill>
+              <a:ln w="9525">
+                <a:solidFill>
+                  <a:schemeClr val="accent1"/>
+                </a:solidFill>
+              </a:ln>
+              <a:effectLst/>
+            </c:spPr>
+          </c:marker>
+          <c:trendline>
+            <c:spPr>
+              <a:ln w="19050" cap="rnd">
+                <a:solidFill>
+                  <a:schemeClr val="accent1"/>
+                </a:solidFill>
+                <a:prstDash val="sysDot"/>
+              </a:ln>
+              <a:effectLst/>
+            </c:spPr>
+            <c:trendlineType val="movingAvg"/>
+            <c:period val="2"/>
+            <c:dispRSqr val="0"/>
+            <c:dispEq val="0"/>
+          </c:trendline>
+          <c:trendline>
+            <c:spPr>
+              <a:ln w="19050" cap="rnd">
+                <a:solidFill>
+                  <a:schemeClr val="accent1"/>
+                </a:solidFill>
+                <a:prstDash val="sysDot"/>
+              </a:ln>
+              <a:effectLst/>
+            </c:spPr>
+            <c:trendlineType val="movingAvg"/>
+            <c:period val="2"/>
+            <c:dispRSqr val="0"/>
+            <c:dispEq val="0"/>
+          </c:trendline>
+          <c:xVal>
+            <c:numRef>
+              <c:f>Sheet1!$E$3:$E$12</c:f>
+              <c:numCache>
+                <c:formatCode>General</c:formatCode>
+                <c:ptCount val="10"/>
+                <c:pt idx="0">
+                  <c:v>2</c:v>
+                </c:pt>
+                <c:pt idx="1">
+                  <c:v>4</c:v>
+                </c:pt>
+                <c:pt idx="2">
+                  <c:v>6</c:v>
+                </c:pt>
+                <c:pt idx="3">
+                  <c:v>8</c:v>
+                </c:pt>
+                <c:pt idx="4">
+                  <c:v>10</c:v>
+                </c:pt>
+                <c:pt idx="5">
+                  <c:v>12</c:v>
+                </c:pt>
+                <c:pt idx="6">
+                  <c:v>14</c:v>
+                </c:pt>
+                <c:pt idx="7">
+                  <c:v>16</c:v>
+                </c:pt>
+                <c:pt idx="8">
+                  <c:v>18</c:v>
+                </c:pt>
+                <c:pt idx="9">
+                  <c:v>20</c:v>
+                </c:pt>
+              </c:numCache>
+            </c:numRef>
+          </c:xVal>
+          <c:yVal>
+            <c:numRef>
+              <c:f>Sheet1!$G$3:$G$12</c:f>
+              <c:numCache>
+                <c:formatCode>General</c:formatCode>
+                <c:ptCount val="10"/>
+                <c:pt idx="0">
+                  <c:v>15.7</c:v>
+                </c:pt>
+                <c:pt idx="1">
+                  <c:v>15.7</c:v>
+                </c:pt>
+                <c:pt idx="2">
+                  <c:v>15.7</c:v>
+                </c:pt>
+                <c:pt idx="3">
+                  <c:v>13.6</c:v>
+                </c:pt>
+                <c:pt idx="4">
+                  <c:v>12.2</c:v>
+                </c:pt>
+                <c:pt idx="5">
+                  <c:v>10.6</c:v>
+                </c:pt>
+                <c:pt idx="6">
+                  <c:v>8.57</c:v>
+                </c:pt>
+                <c:pt idx="7">
+                  <c:v>7.64</c:v>
+                </c:pt>
+                <c:pt idx="8">
+                  <c:v>7.17</c:v>
+                </c:pt>
+                <c:pt idx="9">
+                  <c:v>7.35</c:v>
+                </c:pt>
+              </c:numCache>
+            </c:numRef>
+          </c:yVal>
+          <c:smooth val="0"/>
+          <c:extLst>
+            <c:ext xmlns:c16="http://schemas.microsoft.com/office/drawing/2014/chart" uri="{C3380CC4-5D6E-409C-BE32-E72D297353CC}">
+              <c16:uniqueId val="{00000002-9461-49E1-B24E-D1E0892243C6}"/>
+            </c:ext>
+          </c:extLst>
+        </c:ser>
+        <c:ser>
+          <c:idx val="1"/>
+          <c:order val="1"/>
+          <c:tx>
+            <c:v>Superedge (Received from Edge4)</c:v>
+          </c:tx>
+          <c:spPr>
+            <a:ln w="19050" cap="rnd">
+              <a:noFill/>
+              <a:round/>
+            </a:ln>
+            <a:effectLst/>
+          </c:spPr>
+          <c:marker>
+            <c:symbol val="circle"/>
+            <c:size val="5"/>
+            <c:spPr>
+              <a:solidFill>
+                <a:schemeClr val="accent2"/>
+              </a:solidFill>
+              <a:ln w="9525">
+                <a:solidFill>
+                  <a:schemeClr val="accent2"/>
+                </a:solidFill>
+              </a:ln>
+              <a:effectLst/>
+            </c:spPr>
+          </c:marker>
+          <c:trendline>
+            <c:spPr>
+              <a:ln w="19050" cap="rnd">
+                <a:solidFill>
+                  <a:schemeClr val="accent2"/>
+                </a:solidFill>
+                <a:prstDash val="sysDot"/>
+              </a:ln>
+              <a:effectLst/>
+            </c:spPr>
+            <c:trendlineType val="movingAvg"/>
+            <c:period val="2"/>
+            <c:dispRSqr val="0"/>
+            <c:dispEq val="0"/>
+          </c:trendline>
+          <c:xVal>
+            <c:numRef>
+              <c:f>Sheet1!$E$3:$E$12</c:f>
+              <c:numCache>
+                <c:formatCode>General</c:formatCode>
+                <c:ptCount val="10"/>
+                <c:pt idx="0">
+                  <c:v>2</c:v>
+                </c:pt>
+                <c:pt idx="1">
+                  <c:v>4</c:v>
+                </c:pt>
+                <c:pt idx="2">
+                  <c:v>6</c:v>
+                </c:pt>
+                <c:pt idx="3">
+                  <c:v>8</c:v>
+                </c:pt>
+                <c:pt idx="4">
+                  <c:v>10</c:v>
+                </c:pt>
+                <c:pt idx="5">
+                  <c:v>12</c:v>
+                </c:pt>
+                <c:pt idx="6">
+                  <c:v>14</c:v>
+                </c:pt>
+                <c:pt idx="7">
+                  <c:v>16</c:v>
+                </c:pt>
+                <c:pt idx="8">
+                  <c:v>18</c:v>
+                </c:pt>
+                <c:pt idx="9">
+                  <c:v>20</c:v>
+                </c:pt>
+              </c:numCache>
+            </c:numRef>
+          </c:xVal>
+          <c:yVal>
+            <c:numRef>
+              <c:f>Sheet1!$G$16:$G$25</c:f>
+              <c:numCache>
+                <c:formatCode>General</c:formatCode>
+                <c:ptCount val="10"/>
+                <c:pt idx="0">
+                  <c:v>2.1</c:v>
+                </c:pt>
+                <c:pt idx="1">
+                  <c:v>4.1900000000000004</c:v>
+                </c:pt>
+                <c:pt idx="2">
+                  <c:v>6.29</c:v>
+                </c:pt>
+                <c:pt idx="3">
+                  <c:v>7.1</c:v>
+                </c:pt>
+                <c:pt idx="4">
+                  <c:v>7.74</c:v>
+                </c:pt>
+                <c:pt idx="5">
+                  <c:v>7.7</c:v>
+                </c:pt>
+                <c:pt idx="6">
+                  <c:v>7.39</c:v>
+                </c:pt>
+                <c:pt idx="7">
+                  <c:v>7.43</c:v>
+                </c:pt>
+                <c:pt idx="8">
+                  <c:v>7.34</c:v>
+                </c:pt>
+                <c:pt idx="9">
+                  <c:v>7.41</c:v>
+                </c:pt>
+              </c:numCache>
+            </c:numRef>
+          </c:yVal>
+          <c:smooth val="0"/>
+          <c:extLst>
+            <c:ext xmlns:c16="http://schemas.microsoft.com/office/drawing/2014/chart" uri="{C3380CC4-5D6E-409C-BE32-E72D297353CC}">
+              <c16:uniqueId val="{00000004-9461-49E1-B24E-D1E0892243C6}"/>
+            </c:ext>
+          </c:extLst>
+        </c:ser>
+        <c:ser>
+          <c:idx val="2"/>
+          <c:order val="2"/>
+          <c:tx>
+            <c:v>edge1 (sender)</c:v>
+          </c:tx>
+          <c:spPr>
+            <a:ln w="25400" cap="rnd">
+              <a:noFill/>
+              <a:round/>
+            </a:ln>
+            <a:effectLst/>
+          </c:spPr>
+          <c:marker>
+            <c:symbol val="circle"/>
+            <c:size val="5"/>
+            <c:spPr>
+              <a:solidFill>
+                <a:schemeClr val="accent3"/>
+              </a:solidFill>
+              <a:ln w="9525">
+                <a:solidFill>
+                  <a:schemeClr val="accent3"/>
+                </a:solidFill>
+              </a:ln>
+              <a:effectLst/>
+            </c:spPr>
+          </c:marker>
+          <c:trendline>
+            <c:spPr>
+              <a:ln w="19050" cap="rnd">
+                <a:solidFill>
+                  <a:schemeClr val="accent3"/>
+                </a:solidFill>
+                <a:prstDash val="sysDot"/>
+              </a:ln>
+              <a:effectLst/>
+            </c:spPr>
+            <c:trendlineType val="movingAvg"/>
+            <c:period val="2"/>
+            <c:dispRSqr val="0"/>
+            <c:dispEq val="0"/>
+          </c:trendline>
+          <c:xVal>
+            <c:numRef>
+              <c:f>Sheet1!$R$3:$R$12</c:f>
+              <c:numCache>
+                <c:formatCode>General</c:formatCode>
+                <c:ptCount val="10"/>
+                <c:pt idx="0">
+                  <c:v>2</c:v>
+                </c:pt>
+                <c:pt idx="1">
+                  <c:v>4</c:v>
+                </c:pt>
+                <c:pt idx="2">
+                  <c:v>6</c:v>
+                </c:pt>
+                <c:pt idx="3">
+                  <c:v>8</c:v>
+                </c:pt>
+                <c:pt idx="4">
+                  <c:v>10</c:v>
+                </c:pt>
+                <c:pt idx="5">
+                  <c:v>12</c:v>
+                </c:pt>
+                <c:pt idx="6">
+                  <c:v>14</c:v>
+                </c:pt>
+                <c:pt idx="7">
+                  <c:v>16</c:v>
+                </c:pt>
+                <c:pt idx="8">
+                  <c:v>18</c:v>
+                </c:pt>
+                <c:pt idx="9">
+                  <c:v>20</c:v>
+                </c:pt>
+              </c:numCache>
+            </c:numRef>
+          </c:xVal>
+          <c:yVal>
+            <c:numRef>
+              <c:f>Sheet1!$T$3:$T$12</c:f>
+              <c:numCache>
+                <c:formatCode>General</c:formatCode>
+                <c:ptCount val="10"/>
+                <c:pt idx="0">
+                  <c:v>15.7</c:v>
+                </c:pt>
+                <c:pt idx="1">
+                  <c:v>15.7</c:v>
+                </c:pt>
+                <c:pt idx="2">
+                  <c:v>15.7</c:v>
+                </c:pt>
+                <c:pt idx="3">
+                  <c:v>15.7</c:v>
+                </c:pt>
+                <c:pt idx="4">
+                  <c:v>15.7</c:v>
+                </c:pt>
+                <c:pt idx="5">
+                  <c:v>15.7</c:v>
+                </c:pt>
+                <c:pt idx="6">
+                  <c:v>15.7</c:v>
+                </c:pt>
+                <c:pt idx="7">
+                  <c:v>15.7</c:v>
+                </c:pt>
+                <c:pt idx="8">
+                  <c:v>15.7</c:v>
+                </c:pt>
+                <c:pt idx="9">
+                  <c:v>15.7</c:v>
+                </c:pt>
+              </c:numCache>
+            </c:numRef>
+          </c:yVal>
+          <c:smooth val="0"/>
+          <c:extLst>
+            <c:ext xmlns:c16="http://schemas.microsoft.com/office/drawing/2014/chart" uri="{C3380CC4-5D6E-409C-BE32-E72D297353CC}">
+              <c16:uniqueId val="{00000006-9461-49E1-B24E-D1E0892243C6}"/>
+            </c:ext>
+          </c:extLst>
+        </c:ser>
+        <c:ser>
+          <c:idx val="3"/>
+          <c:order val="3"/>
+          <c:tx>
+            <c:v>edge4 (sender)</c:v>
+          </c:tx>
+          <c:spPr>
+            <a:ln w="25400" cap="rnd">
+              <a:noFill/>
+              <a:round/>
+            </a:ln>
+            <a:effectLst/>
+          </c:spPr>
+          <c:marker>
+            <c:symbol val="circle"/>
+            <c:size val="5"/>
+            <c:spPr>
+              <a:solidFill>
+                <a:schemeClr val="accent4"/>
+              </a:solidFill>
+              <a:ln w="9525">
+                <a:solidFill>
+                  <a:schemeClr val="accent4"/>
+                </a:solidFill>
+              </a:ln>
+              <a:effectLst/>
+            </c:spPr>
+          </c:marker>
+          <c:trendline>
+            <c:spPr>
+              <a:ln w="19050" cap="rnd">
+                <a:solidFill>
+                  <a:schemeClr val="accent4"/>
+                </a:solidFill>
+                <a:prstDash val="sysDot"/>
+              </a:ln>
+              <a:effectLst/>
+            </c:spPr>
+            <c:trendlineType val="linear"/>
+            <c:forward val="2"/>
+            <c:dispRSqr val="0"/>
+            <c:dispEq val="0"/>
+          </c:trendline>
+          <c:xVal>
+            <c:numRef>
+              <c:f>Sheet1!$R$16:$R$25</c:f>
+              <c:numCache>
+                <c:formatCode>General</c:formatCode>
+                <c:ptCount val="10"/>
+                <c:pt idx="0">
+                  <c:v>2</c:v>
+                </c:pt>
+                <c:pt idx="1">
+                  <c:v>4</c:v>
+                </c:pt>
+                <c:pt idx="2">
+                  <c:v>6</c:v>
+                </c:pt>
+                <c:pt idx="3">
+                  <c:v>8</c:v>
+                </c:pt>
+                <c:pt idx="4">
+                  <c:v>10</c:v>
+                </c:pt>
+                <c:pt idx="5">
+                  <c:v>12</c:v>
+                </c:pt>
+                <c:pt idx="6">
+                  <c:v>14</c:v>
+                </c:pt>
+                <c:pt idx="7">
+                  <c:v>16</c:v>
+                </c:pt>
+                <c:pt idx="8">
+                  <c:v>18</c:v>
+                </c:pt>
+                <c:pt idx="9">
+                  <c:v>20</c:v>
+                </c:pt>
+              </c:numCache>
+            </c:numRef>
+          </c:xVal>
+          <c:yVal>
+            <c:numRef>
+              <c:f>Sheet1!$T$16:$T$25</c:f>
+              <c:numCache>
+                <c:formatCode>General</c:formatCode>
+                <c:ptCount val="10"/>
+                <c:pt idx="0">
+                  <c:v>2.1</c:v>
+                </c:pt>
+                <c:pt idx="1">
+                  <c:v>4.1900000000000004</c:v>
+                </c:pt>
+                <c:pt idx="2">
+                  <c:v>6.29</c:v>
+                </c:pt>
+                <c:pt idx="3">
+                  <c:v>8.39</c:v>
+                </c:pt>
+                <c:pt idx="4">
+                  <c:v>10.5</c:v>
+                </c:pt>
+                <c:pt idx="5">
+                  <c:v>12.6</c:v>
+                </c:pt>
+                <c:pt idx="6">
+                  <c:v>14.7</c:v>
+                </c:pt>
+                <c:pt idx="7">
+                  <c:v>16.8</c:v>
+                </c:pt>
+                <c:pt idx="8">
+                  <c:v>18.899999999999999</c:v>
+                </c:pt>
+                <c:pt idx="9">
+                  <c:v>21</c:v>
+                </c:pt>
+              </c:numCache>
+            </c:numRef>
+          </c:yVal>
+          <c:smooth val="0"/>
+          <c:extLst>
+            <c:ext xmlns:c16="http://schemas.microsoft.com/office/drawing/2014/chart" uri="{C3380CC4-5D6E-409C-BE32-E72D297353CC}">
+              <c16:uniqueId val="{00000008-9461-49E1-B24E-D1E0892243C6}"/>
+            </c:ext>
+          </c:extLst>
+        </c:ser>
+        <c:dLbls>
+          <c:showLegendKey val="0"/>
+          <c:showVal val="0"/>
+          <c:showCatName val="0"/>
+          <c:showSerName val="0"/>
+          <c:showPercent val="0"/>
+          <c:showBubbleSize val="0"/>
+        </c:dLbls>
+        <c:axId val="231111871"/>
+        <c:axId val="229349871"/>
+      </c:scatterChart>
+      <c:valAx>
+        <c:axId val="231111871"/>
+        <c:scaling>
+          <c:orientation val="minMax"/>
+        </c:scaling>
+        <c:delete val="0"/>
+        <c:axPos val="b"/>
+        <c:majorGridlines>
+          <c:spPr>
+            <a:ln w="9525" cap="flat" cmpd="sng" algn="ctr">
+              <a:solidFill>
+                <a:schemeClr val="tx1">
+                  <a:lumMod val="15000"/>
+                  <a:lumOff val="85000"/>
+                </a:schemeClr>
+              </a:solidFill>
+              <a:round/>
+            </a:ln>
+            <a:effectLst/>
+          </c:spPr>
+        </c:majorGridlines>
+        <c:title>
+          <c:tx>
+            <c:rich>
+              <a:bodyPr rot="0" spcFirstLastPara="1" vertOverflow="ellipsis" vert="horz" wrap="square" anchor="ctr" anchorCtr="1"/>
+              <a:lstStyle/>
+              <a:p>
+                <a:pPr>
+                  <a:defRPr sz="1400" b="0" i="0" u="none" strike="noStrike" kern="1200" baseline="0">
+                    <a:solidFill>
+                      <a:schemeClr val="tx1">
+                        <a:lumMod val="65000"/>
+                        <a:lumOff val="35000"/>
+                      </a:schemeClr>
+                    </a:solidFill>
+                    <a:latin typeface="+mn-lt"/>
+                    <a:ea typeface="+mn-ea"/>
+                    <a:cs typeface="+mn-cs"/>
+                  </a:defRPr>
+                </a:pPr>
+                <a:r>
+                  <a:rPr lang="en-US" sz="1400"/>
+                  <a:t>Iperf</a:t>
+                </a:r>
+                <a:r>
+                  <a:rPr lang="en-US" sz="1400" baseline="0"/>
+                  <a:t> -b (Mbps)</a:t>
+                </a:r>
+              </a:p>
+            </c:rich>
+          </c:tx>
+          <c:overlay val="0"/>
+          <c:spPr>
+            <a:noFill/>
+            <a:ln>
+              <a:noFill/>
+            </a:ln>
+            <a:effectLst/>
+          </c:spPr>
+          <c:txPr>
+            <a:bodyPr rot="0" spcFirstLastPara="1" vertOverflow="ellipsis" vert="horz" wrap="square" anchor="ctr" anchorCtr="1"/>
+            <a:lstStyle/>
+            <a:p>
+              <a:pPr>
+                <a:defRPr sz="1400" b="0" i="0" u="none" strike="noStrike" kern="1200" baseline="0">
+                  <a:solidFill>
+                    <a:schemeClr val="tx1">
+                      <a:lumMod val="65000"/>
+                      <a:lumOff val="35000"/>
+                    </a:schemeClr>
+                  </a:solidFill>
+                  <a:latin typeface="+mn-lt"/>
+                  <a:ea typeface="+mn-ea"/>
+                  <a:cs typeface="+mn-cs"/>
+                </a:defRPr>
+              </a:pPr>
+              <a:endParaRPr lang="en-US"/>
+            </a:p>
+          </c:txPr>
+        </c:title>
+        <c:numFmt formatCode="General" sourceLinked="1"/>
+        <c:majorTickMark val="none"/>
+        <c:minorTickMark val="none"/>
+        <c:tickLblPos val="nextTo"/>
+        <c:spPr>
+          <a:noFill/>
+          <a:ln w="9525" cap="flat" cmpd="sng" algn="ctr">
+            <a:solidFill>
+              <a:schemeClr val="tx1">
+                <a:lumMod val="25000"/>
+                <a:lumOff val="75000"/>
+              </a:schemeClr>
+            </a:solidFill>
+            <a:round/>
+          </a:ln>
+          <a:effectLst/>
+        </c:spPr>
+        <c:txPr>
+          <a:bodyPr rot="-60000000" spcFirstLastPara="1" vertOverflow="ellipsis" vert="horz" wrap="square" anchor="ctr" anchorCtr="1"/>
+          <a:lstStyle/>
+          <a:p>
+            <a:pPr>
+              <a:defRPr sz="900" b="0" i="0" u="none" strike="noStrike" kern="1200" baseline="0">
+                <a:solidFill>
+                  <a:schemeClr val="tx1">
+                    <a:lumMod val="65000"/>
+                    <a:lumOff val="35000"/>
+                  </a:schemeClr>
+                </a:solidFill>
+                <a:latin typeface="+mn-lt"/>
+                <a:ea typeface="+mn-ea"/>
+                <a:cs typeface="+mn-cs"/>
+              </a:defRPr>
+            </a:pPr>
+            <a:endParaRPr lang="en-US"/>
+          </a:p>
+        </c:txPr>
+        <c:crossAx val="229349871"/>
+        <c:crosses val="autoZero"/>
+        <c:crossBetween val="midCat"/>
+      </c:valAx>
+      <c:valAx>
+        <c:axId val="229349871"/>
+        <c:scaling>
+          <c:orientation val="minMax"/>
+        </c:scaling>
+        <c:delete val="0"/>
+        <c:axPos val="l"/>
+        <c:majorGridlines>
+          <c:spPr>
+            <a:ln w="9525" cap="flat" cmpd="sng" algn="ctr">
+              <a:solidFill>
+                <a:schemeClr val="tx1">
+                  <a:lumMod val="15000"/>
+                  <a:lumOff val="85000"/>
+                </a:schemeClr>
+              </a:solidFill>
+              <a:round/>
+            </a:ln>
+            <a:effectLst/>
+          </c:spPr>
+        </c:majorGridlines>
+        <c:title>
+          <c:tx>
+            <c:rich>
+              <a:bodyPr rot="-5400000" spcFirstLastPara="1" vertOverflow="ellipsis" vert="horz" wrap="square" anchor="ctr" anchorCtr="1"/>
+              <a:lstStyle/>
+              <a:p>
+                <a:pPr>
+                  <a:defRPr sz="1100" b="0" i="0" u="none" strike="noStrike" kern="1200" baseline="0">
+                    <a:solidFill>
+                      <a:schemeClr val="tx1">
+                        <a:lumMod val="65000"/>
+                        <a:lumOff val="35000"/>
+                      </a:schemeClr>
+                    </a:solidFill>
+                    <a:latin typeface="+mn-lt"/>
+                    <a:ea typeface="+mn-ea"/>
+                    <a:cs typeface="+mn-cs"/>
+                  </a:defRPr>
+                </a:pPr>
+                <a:r>
+                  <a:rPr lang="en-US" sz="1100"/>
+                  <a:t>Measured Bitrate</a:t>
+                </a:r>
+                <a:r>
+                  <a:rPr lang="en-US" sz="1100" baseline="0"/>
+                  <a:t> (Mbps)</a:t>
+                </a:r>
+                <a:endParaRPr lang="en-US" sz="1100"/>
+              </a:p>
+            </c:rich>
+          </c:tx>
+          <c:overlay val="0"/>
+          <c:spPr>
+            <a:noFill/>
+            <a:ln>
+              <a:noFill/>
+            </a:ln>
+            <a:effectLst/>
+          </c:spPr>
+          <c:txPr>
+            <a:bodyPr rot="-5400000" spcFirstLastPara="1" vertOverflow="ellipsis" vert="horz" wrap="square" anchor="ctr" anchorCtr="1"/>
+            <a:lstStyle/>
+            <a:p>
+              <a:pPr>
+                <a:defRPr sz="1100" b="0" i="0" u="none" strike="noStrike" kern="1200" baseline="0">
+                  <a:solidFill>
+                    <a:schemeClr val="tx1">
+                      <a:lumMod val="65000"/>
+                      <a:lumOff val="35000"/>
+                    </a:schemeClr>
+                  </a:solidFill>
+                  <a:latin typeface="+mn-lt"/>
+                  <a:ea typeface="+mn-ea"/>
+                  <a:cs typeface="+mn-cs"/>
+                </a:defRPr>
+              </a:pPr>
+              <a:endParaRPr lang="en-US"/>
+            </a:p>
+          </c:txPr>
+        </c:title>
+        <c:numFmt formatCode="General" sourceLinked="1"/>
+        <c:majorTickMark val="none"/>
+        <c:minorTickMark val="none"/>
+        <c:tickLblPos val="nextTo"/>
+        <c:spPr>
+          <a:noFill/>
+          <a:ln w="9525" cap="flat" cmpd="sng" algn="ctr">
+            <a:solidFill>
+              <a:schemeClr val="tx1">
+                <a:lumMod val="25000"/>
+                <a:lumOff val="75000"/>
+              </a:schemeClr>
+            </a:solidFill>
+            <a:round/>
+          </a:ln>
+          <a:effectLst/>
+        </c:spPr>
+        <c:txPr>
+          <a:bodyPr rot="-60000000" spcFirstLastPara="1" vertOverflow="ellipsis" vert="horz" wrap="square" anchor="ctr" anchorCtr="1"/>
+          <a:lstStyle/>
+          <a:p>
+            <a:pPr>
+              <a:defRPr sz="900" b="0" i="0" u="none" strike="noStrike" kern="1200" baseline="0">
+                <a:solidFill>
+                  <a:schemeClr val="tx1">
+                    <a:lumMod val="65000"/>
+                    <a:lumOff val="35000"/>
+                  </a:schemeClr>
+                </a:solidFill>
+                <a:latin typeface="+mn-lt"/>
+                <a:ea typeface="+mn-ea"/>
+                <a:cs typeface="+mn-cs"/>
+              </a:defRPr>
+            </a:pPr>
+            <a:endParaRPr lang="en-US"/>
+          </a:p>
+        </c:txPr>
+        <c:crossAx val="231111871"/>
+        <c:crosses val="autoZero"/>
+        <c:crossBetween val="midCat"/>
+      </c:valAx>
+      <c:spPr>
+        <a:noFill/>
+        <a:ln>
+          <a:noFill/>
+        </a:ln>
+        <a:effectLst/>
+      </c:spPr>
+    </c:plotArea>
+    <c:legend>
+      <c:legendPos val="b"/>
+      <c:legendEntry>
+        <c:idx val="4"/>
+        <c:delete val="1"/>
+      </c:legendEntry>
+      <c:legendEntry>
+        <c:idx val="5"/>
+        <c:delete val="1"/>
+      </c:legendEntry>
+      <c:legendEntry>
+        <c:idx val="6"/>
+        <c:delete val="1"/>
+      </c:legendEntry>
+      <c:legendEntry>
+        <c:idx val="7"/>
+        <c:delete val="1"/>
+      </c:legendEntry>
+      <c:legendEntry>
+        <c:idx val="8"/>
+        <c:delete val="1"/>
+      </c:legendEntry>
+      <c:overlay val="0"/>
+      <c:spPr>
+        <a:noFill/>
+        <a:ln>
+          <a:noFill/>
+        </a:ln>
+        <a:effectLst/>
+      </c:spPr>
+      <c:txPr>
+        <a:bodyPr rot="0" spcFirstLastPara="1" vertOverflow="ellipsis" vert="horz" wrap="square" anchor="ctr" anchorCtr="1"/>
+        <a:lstStyle/>
+        <a:p>
+          <a:pPr>
+            <a:defRPr sz="1400" b="0" i="0" u="none" strike="noStrike" kern="1200" baseline="0">
+              <a:solidFill>
+                <a:schemeClr val="tx1">
+                  <a:lumMod val="65000"/>
+                  <a:lumOff val="35000"/>
+                </a:schemeClr>
+              </a:solidFill>
+              <a:latin typeface="+mn-lt"/>
+              <a:ea typeface="+mn-ea"/>
+              <a:cs typeface="+mn-cs"/>
+            </a:defRPr>
+          </a:pPr>
+          <a:endParaRPr lang="en-US"/>
+        </a:p>
+      </c:txPr>
+    </c:legend>
+    <c:plotVisOnly val="1"/>
+    <c:dispBlanksAs val="gap"/>
+    <c:extLst>
+      <c:ext xmlns:c16r3="http://schemas.microsoft.com/office/drawing/2017/03/chart" uri="{56B9EC1D-385E-4148-901F-78D8002777C0}">
+        <c16r3:dataDisplayOptions16>
+          <c16r3:dispNaAsBlank val="1"/>
+        </c16r3:dataDisplayOptions16>
+      </c:ext>
+    </c:extLst>
+    <c:showDLblsOverMax val="0"/>
+  </c:chart>
+  <c:spPr>
+    <a:noFill/>
+    <a:ln>
+      <a:noFill/>
+    </a:ln>
+    <a:effectLst/>
+  </c:spPr>
+  <c:txPr>
+    <a:bodyPr/>
+    <a:lstStyle/>
+    <a:p>
+      <a:pPr>
+        <a:defRPr/>
+      </a:pPr>
+      <a:endParaRPr lang="en-US"/>
+    </a:p>
+  </c:txPr>
+  <c:externalData r:id="rId3">
+    <c:autoUpdate val="0"/>
+  </c:externalData>
+</c:chartSpace>
+</file>
+
+<file path=ppt/charts/chart9.xml><?xml version="1.0" encoding="utf-8"?>
+<c:chartSpace xmlns:c="http://schemas.openxmlformats.org/drawingml/2006/chart" xmlns:a="http://schemas.openxmlformats.org/drawingml/2006/main" xmlns:r="http://schemas.openxmlformats.org/officeDocument/2006/relationships" xmlns:c16r2="http://schemas.microsoft.com/office/drawing/2015/06/chart">
+  <c:date1904 val="0"/>
+  <c:lang val="th-TH"/>
+  <c:roundedCorners val="0"/>
+  <mc:AlternateContent xmlns:mc="http://schemas.openxmlformats.org/markup-compatibility/2006">
+    <mc:Choice xmlns:c14="http://schemas.microsoft.com/office/drawing/2007/8/2/chart" Requires="c14">
+      <c14:style val="102"/>
+    </mc:Choice>
+    <mc:Fallback>
+      <c:style val="2"/>
+    </mc:Fallback>
+  </mc:AlternateContent>
+  <c:chart>
+    <c:title>
+      <c:tx>
+        <c:rich>
+          <a:bodyPr rot="0" spcFirstLastPara="1" vertOverflow="ellipsis" vert="horz" wrap="square" anchor="ctr" anchorCtr="1"/>
+          <a:lstStyle/>
+          <a:p>
+            <a:pPr>
+              <a:defRPr sz="1400" b="0" i="0" u="none" strike="noStrike" kern="1200" spc="0" baseline="0">
+                <a:solidFill>
+                  <a:schemeClr val="tx1">
+                    <a:lumMod val="65000"/>
+                    <a:lumOff val="35000"/>
+                  </a:schemeClr>
+                </a:solidFill>
+                <a:latin typeface="+mn-lt"/>
+                <a:ea typeface="+mn-ea"/>
+                <a:cs typeface="+mn-cs"/>
+              </a:defRPr>
+            </a:pPr>
+            <a:r>
+              <a:rPr lang="en-US"/>
+              <a:t>SUM Receiving</a:t>
+            </a:r>
+            <a:r>
+              <a:rPr lang="en-US" baseline="0"/>
+              <a:t> bitrate</a:t>
+            </a:r>
+            <a:r>
+              <a:rPr lang="en-US" sz="1400" b="0" i="0" u="none" strike="noStrike" baseline="0">
+                <a:effectLst/>
+              </a:rPr>
+              <a:t>2</a:t>
+            </a:r>
+            <a:r>
+              <a:rPr lang="en-US" sz="1400" b="0" i="0" u="none" strike="noStrike" baseline="0"/>
+              <a:t> </a:t>
+            </a:r>
+            <a:r>
+              <a:rPr lang="en-US" sz="1400" b="0" i="0" u="none" strike="noStrike" baseline="0">
+                <a:effectLst/>
+              </a:rPr>
+              <a:t>4</a:t>
+            </a:r>
+            <a:r>
+              <a:rPr lang="en-US" sz="1400" b="0" i="0" u="none" strike="noStrike" baseline="0"/>
+              <a:t> </a:t>
+            </a:r>
+            <a:r>
+              <a:rPr lang="en-US" sz="1400" b="0" i="0" u="none" strike="noStrike" baseline="0">
+                <a:effectLst/>
+              </a:rPr>
+              <a:t>6</a:t>
+            </a:r>
+            <a:r>
+              <a:rPr lang="en-US" sz="1400" b="0" i="0" u="none" strike="noStrike" baseline="0"/>
+              <a:t> </a:t>
+            </a:r>
+            <a:r>
+              <a:rPr lang="en-US" sz="1400" b="0" i="0" u="none" strike="noStrike" baseline="0">
+                <a:effectLst/>
+              </a:rPr>
+              <a:t>8</a:t>
+            </a:r>
+            <a:r>
+              <a:rPr lang="en-US" sz="1400" b="0" i="0" u="none" strike="noStrike" baseline="0"/>
+              <a:t> </a:t>
+            </a:r>
+            <a:r>
+              <a:rPr lang="en-US" sz="1400" b="0" i="0" u="none" strike="noStrike" baseline="0">
+                <a:effectLst/>
+              </a:rPr>
+              <a:t>10</a:t>
+            </a:r>
+            <a:r>
+              <a:rPr lang="en-US" sz="1400" b="0" i="0" u="none" strike="noStrike" baseline="0"/>
+              <a:t> </a:t>
+            </a:r>
+            <a:r>
+              <a:rPr lang="en-US" sz="1400" b="0" i="0" u="none" strike="noStrike" baseline="0">
+                <a:effectLst/>
+              </a:rPr>
+              <a:t>12</a:t>
+            </a:r>
+            <a:r>
+              <a:rPr lang="en-US" sz="1400" b="0" i="0" u="none" strike="noStrike" baseline="0"/>
+              <a:t> </a:t>
+            </a:r>
+            <a:r>
+              <a:rPr lang="en-US" sz="1400" b="0" i="0" u="none" strike="noStrike" baseline="0">
+                <a:effectLst/>
+              </a:rPr>
+              <a:t>14</a:t>
+            </a:r>
+            <a:r>
+              <a:rPr lang="en-US" sz="1400" b="0" i="0" u="none" strike="noStrike" baseline="0"/>
+              <a:t> </a:t>
+            </a:r>
+            <a:r>
+              <a:rPr lang="en-US" sz="1400" b="0" i="0" u="none" strike="noStrike" baseline="0">
+                <a:effectLst/>
+              </a:rPr>
+              <a:t>16</a:t>
+            </a:r>
+            <a:r>
+              <a:rPr lang="en-US" sz="1400" b="0" i="0" u="none" strike="noStrike" baseline="0"/>
+              <a:t> </a:t>
+            </a:r>
+            <a:r>
+              <a:rPr lang="en-US" sz="1400" b="0" i="0" u="none" strike="noStrike" baseline="0">
+                <a:effectLst/>
+              </a:rPr>
+              <a:t>18</a:t>
+            </a:r>
+            <a:r>
+              <a:rPr lang="en-US" sz="1400" b="0" i="0" u="none" strike="noStrike" baseline="0"/>
+              <a:t> </a:t>
+            </a:r>
+            <a:r>
+              <a:rPr lang="en-US" sz="1400" b="0" i="0" u="none" strike="noStrike" baseline="0">
+                <a:effectLst/>
+              </a:rPr>
+              <a:t>20</a:t>
+            </a:r>
+            <a:r>
+              <a:rPr lang="en-US" sz="1400" b="0" i="0" u="none" strike="noStrike" baseline="0"/>
+              <a:t> </a:t>
+            </a:r>
+            <a:endParaRPr lang="th-TH"/>
+          </a:p>
+        </c:rich>
+      </c:tx>
+      <c:overlay val="0"/>
+      <c:spPr>
+        <a:noFill/>
+        <a:ln>
+          <a:noFill/>
+        </a:ln>
+        <a:effectLst/>
+      </c:spPr>
+      <c:txPr>
+        <a:bodyPr rot="0" spcFirstLastPara="1" vertOverflow="ellipsis" vert="horz" wrap="square" anchor="ctr" anchorCtr="1"/>
+        <a:lstStyle/>
+        <a:p>
+          <a:pPr>
+            <a:defRPr sz="1400" b="0" i="0" u="none" strike="noStrike" kern="1200" spc="0" baseline="0">
+              <a:solidFill>
+                <a:schemeClr val="tx1">
+                  <a:lumMod val="65000"/>
+                  <a:lumOff val="35000"/>
+                </a:schemeClr>
+              </a:solidFill>
+              <a:latin typeface="+mn-lt"/>
+              <a:ea typeface="+mn-ea"/>
+              <a:cs typeface="+mn-cs"/>
+            </a:defRPr>
+          </a:pPr>
+          <a:endParaRPr lang="en-US"/>
+        </a:p>
+      </c:txPr>
+    </c:title>
+    <c:autoTitleDeleted val="0"/>
+    <c:plotArea>
+      <c:layout/>
+      <c:scatterChart>
+        <c:scatterStyle val="lineMarker"/>
+        <c:varyColors val="0"/>
+        <c:ser>
+          <c:idx val="0"/>
+          <c:order val="0"/>
+          <c:spPr>
+            <a:ln w="19050" cap="rnd">
+              <a:noFill/>
+              <a:round/>
+            </a:ln>
+            <a:effectLst/>
+          </c:spPr>
+          <c:marker>
+            <c:symbol val="circle"/>
+            <c:size val="5"/>
+            <c:spPr>
+              <a:solidFill>
+                <a:schemeClr val="accent1"/>
+              </a:solidFill>
+              <a:ln w="9525">
+                <a:solidFill>
+                  <a:schemeClr val="accent1"/>
+                </a:solidFill>
+              </a:ln>
+              <a:effectLst/>
+            </c:spPr>
+          </c:marker>
+          <c:xVal>
+            <c:numRef>
+              <c:f>Sheet1!$F$31:$F$40</c:f>
+              <c:numCache>
+                <c:formatCode>General</c:formatCode>
+                <c:ptCount val="10"/>
+                <c:pt idx="0">
+                  <c:v>2</c:v>
+                </c:pt>
+                <c:pt idx="1">
+                  <c:v>4</c:v>
+                </c:pt>
+                <c:pt idx="2">
+                  <c:v>6</c:v>
+                </c:pt>
+                <c:pt idx="3">
+                  <c:v>8</c:v>
+                </c:pt>
+                <c:pt idx="4">
+                  <c:v>10</c:v>
+                </c:pt>
+                <c:pt idx="5">
+                  <c:v>12</c:v>
+                </c:pt>
+                <c:pt idx="6">
+                  <c:v>14</c:v>
+                </c:pt>
+                <c:pt idx="7">
+                  <c:v>16</c:v>
+                </c:pt>
+                <c:pt idx="8">
+                  <c:v>18</c:v>
+                </c:pt>
+                <c:pt idx="9">
+                  <c:v>20</c:v>
+                </c:pt>
+              </c:numCache>
+            </c:numRef>
+          </c:xVal>
+          <c:yVal>
+            <c:numRef>
+              <c:f>Sheet1!$G$31:$G$40</c:f>
+              <c:numCache>
+                <c:formatCode>General</c:formatCode>
+                <c:ptCount val="10"/>
+                <c:pt idx="0">
+                  <c:v>17.8</c:v>
+                </c:pt>
+                <c:pt idx="1">
+                  <c:v>19.89</c:v>
+                </c:pt>
+                <c:pt idx="2">
+                  <c:v>21.99</c:v>
+                </c:pt>
+                <c:pt idx="3">
+                  <c:v>20.7</c:v>
+                </c:pt>
+                <c:pt idx="4">
+                  <c:v>19.939999999999998</c:v>
+                </c:pt>
+                <c:pt idx="5">
+                  <c:v>18.3</c:v>
+                </c:pt>
+                <c:pt idx="6">
+                  <c:v>15.96</c:v>
+                </c:pt>
+                <c:pt idx="7">
+                  <c:v>15.07</c:v>
+                </c:pt>
+                <c:pt idx="8">
+                  <c:v>14.51</c:v>
+                </c:pt>
+                <c:pt idx="9">
+                  <c:v>14.76</c:v>
+                </c:pt>
+              </c:numCache>
+            </c:numRef>
+          </c:yVal>
+          <c:smooth val="0"/>
+          <c:extLst>
+            <c:ext xmlns:c16="http://schemas.microsoft.com/office/drawing/2014/chart" uri="{C3380CC4-5D6E-409C-BE32-E72D297353CC}">
+              <c16:uniqueId val="{00000000-84D0-4A32-87E1-C248F52E8AD9}"/>
+            </c:ext>
+          </c:extLst>
+        </c:ser>
+        <c:dLbls>
+          <c:showLegendKey val="0"/>
+          <c:showVal val="0"/>
+          <c:showCatName val="0"/>
+          <c:showSerName val="0"/>
+          <c:showPercent val="0"/>
+          <c:showBubbleSize val="0"/>
+        </c:dLbls>
+        <c:axId val="424475103"/>
+        <c:axId val="424473855"/>
+      </c:scatterChart>
+      <c:valAx>
+        <c:axId val="424475103"/>
+        <c:scaling>
+          <c:orientation val="minMax"/>
+        </c:scaling>
+        <c:delete val="0"/>
+        <c:axPos val="b"/>
+        <c:majorGridlines>
+          <c:spPr>
+            <a:ln w="9525" cap="flat" cmpd="sng" algn="ctr">
+              <a:solidFill>
+                <a:schemeClr val="tx1">
+                  <a:lumMod val="15000"/>
+                  <a:lumOff val="85000"/>
+                </a:schemeClr>
+              </a:solidFill>
+              <a:round/>
+            </a:ln>
+            <a:effectLst/>
+          </c:spPr>
+        </c:majorGridlines>
+        <c:numFmt formatCode="General" sourceLinked="1"/>
+        <c:majorTickMark val="none"/>
+        <c:minorTickMark val="none"/>
+        <c:tickLblPos val="nextTo"/>
+        <c:spPr>
+          <a:noFill/>
+          <a:ln w="9525" cap="flat" cmpd="sng" algn="ctr">
+            <a:solidFill>
+              <a:schemeClr val="tx1">
+                <a:lumMod val="25000"/>
+                <a:lumOff val="75000"/>
+              </a:schemeClr>
+            </a:solidFill>
+            <a:round/>
+          </a:ln>
+          <a:effectLst/>
+        </c:spPr>
+        <c:txPr>
+          <a:bodyPr rot="-60000000" spcFirstLastPara="1" vertOverflow="ellipsis" vert="horz" wrap="square" anchor="ctr" anchorCtr="1"/>
+          <a:lstStyle/>
+          <a:p>
+            <a:pPr>
+              <a:defRPr sz="2000" b="0" i="0" u="none" strike="noStrike" kern="1200" baseline="0">
+                <a:solidFill>
+                  <a:schemeClr val="tx1">
+                    <a:lumMod val="65000"/>
+                    <a:lumOff val="35000"/>
+                  </a:schemeClr>
+                </a:solidFill>
+                <a:latin typeface="+mn-lt"/>
+                <a:ea typeface="+mn-ea"/>
+                <a:cs typeface="+mn-cs"/>
+              </a:defRPr>
+            </a:pPr>
+            <a:endParaRPr lang="en-US"/>
+          </a:p>
+        </c:txPr>
+        <c:crossAx val="424473855"/>
+        <c:crosses val="autoZero"/>
+        <c:crossBetween val="midCat"/>
+      </c:valAx>
+      <c:valAx>
+        <c:axId val="424473855"/>
+        <c:scaling>
+          <c:orientation val="minMax"/>
+        </c:scaling>
+        <c:delete val="0"/>
+        <c:axPos val="l"/>
+        <c:majorGridlines>
+          <c:spPr>
+            <a:ln w="9525" cap="flat" cmpd="sng" algn="ctr">
+              <a:solidFill>
+                <a:schemeClr val="tx1">
+                  <a:lumMod val="15000"/>
+                  <a:lumOff val="85000"/>
+                </a:schemeClr>
+              </a:solidFill>
+              <a:round/>
+            </a:ln>
+            <a:effectLst/>
+          </c:spPr>
+        </c:majorGridlines>
+        <c:numFmt formatCode="General" sourceLinked="1"/>
+        <c:majorTickMark val="none"/>
+        <c:minorTickMark val="none"/>
+        <c:tickLblPos val="nextTo"/>
+        <c:spPr>
+          <a:noFill/>
+          <a:ln w="9525" cap="flat" cmpd="sng" algn="ctr">
+            <a:solidFill>
+              <a:schemeClr val="tx1">
+                <a:lumMod val="25000"/>
+                <a:lumOff val="75000"/>
+              </a:schemeClr>
+            </a:solidFill>
+            <a:round/>
+          </a:ln>
+          <a:effectLst/>
+        </c:spPr>
+        <c:txPr>
+          <a:bodyPr rot="-60000000" spcFirstLastPara="1" vertOverflow="ellipsis" vert="horz" wrap="square" anchor="ctr" anchorCtr="1"/>
+          <a:lstStyle/>
+          <a:p>
+            <a:pPr>
+              <a:defRPr sz="1400" b="0" i="0" u="none" strike="noStrike" kern="1200" baseline="0">
+                <a:solidFill>
+                  <a:schemeClr val="tx1">
+                    <a:lumMod val="65000"/>
+                    <a:lumOff val="35000"/>
+                  </a:schemeClr>
+                </a:solidFill>
+                <a:latin typeface="+mn-lt"/>
+                <a:ea typeface="+mn-ea"/>
+                <a:cs typeface="+mn-cs"/>
+              </a:defRPr>
+            </a:pPr>
+            <a:endParaRPr lang="en-US"/>
+          </a:p>
+        </c:txPr>
+        <c:crossAx val="424475103"/>
+        <c:crosses val="autoZero"/>
+        <c:crossBetween val="midCat"/>
+      </c:valAx>
+      <c:spPr>
+        <a:noFill/>
+        <a:ln>
+          <a:noFill/>
+        </a:ln>
+        <a:effectLst/>
+      </c:spPr>
+    </c:plotArea>
+    <c:plotVisOnly val="1"/>
+    <c:dispBlanksAs val="gap"/>
+    <c:extLst>
+      <c:ext xmlns:c16r3="http://schemas.microsoft.com/office/drawing/2017/03/chart" uri="{56B9EC1D-385E-4148-901F-78D8002777C0}">
+        <c16r3:dataDisplayOptions16>
+          <c16r3:dispNaAsBlank val="1"/>
+        </c16r3:dataDisplayOptions16>
+      </c:ext>
+    </c:extLst>
+    <c:showDLblsOverMax val="0"/>
+  </c:chart>
+  <c:spPr>
+    <a:noFill/>
+    <a:ln>
+      <a:noFill/>
+    </a:ln>
+    <a:effectLst/>
+  </c:spPr>
+  <c:txPr>
+    <a:bodyPr/>
+    <a:lstStyle/>
+    <a:p>
+      <a:pPr>
+        <a:defRPr/>
+      </a:pPr>
+      <a:endParaRPr lang="en-US"/>
+    </a:p>
+  </c:txPr>
+  <c:externalData r:id="rId3">
+    <c:autoUpdate val="0"/>
+  </c:externalData>
+</c:chartSpace>
+</file>
+
 <file path=ppt/charts/colors1.xml><?xml version="1.0" encoding="utf-8"?>
 <cs:colorStyle xmlns:cs="http://schemas.microsoft.com/office/drawing/2012/chartStyle" xmlns:a="http://schemas.openxmlformats.org/drawingml/2006/main" meth="cycle" id="10">
   <a:schemeClr val="accent1"/>
@@ -6074,6 +8312,97 @@
 </cs:colorStyle>
 </file>
 
+<file path=ppt/charts/colors7.xml><?xml version="1.0" encoding="utf-8"?>
+<cs:colorStyle xmlns:cs="http://schemas.microsoft.com/office/drawing/2012/chartStyle" xmlns:a="http://schemas.openxmlformats.org/drawingml/2006/main" meth="cycle" id="10">
+  <a:schemeClr val="accent1"/>
+  <a:schemeClr val="accent2"/>
+  <a:schemeClr val="accent3"/>
+  <a:schemeClr val="accent4"/>
+  <a:schemeClr val="accent5"/>
+  <a:schemeClr val="accent6"/>
+  <cs:variation/>
+  <cs:variation>
+    <a:lumMod val="60000"/>
+  </cs:variation>
+  <cs:variation>
+    <a:lumMod val="80000"/>
+    <a:lumOff val="20000"/>
+  </cs:variation>
+  <cs:variation>
+    <a:lumMod val="80000"/>
+  </cs:variation>
+  <cs:variation>
+    <a:lumMod val="60000"/>
+    <a:lumOff val="40000"/>
+  </cs:variation>
+  <cs:variation>
+    <a:lumMod val="50000"/>
+  </cs:variation>
+  <cs:variation>
+    <a:lumMod val="70000"/>
+    <a:lumOff val="30000"/>
+  </cs:variation>
+  <cs:variation>
+    <a:lumMod val="70000"/>
+  </cs:variation>
+  <cs:variation>
+    <a:lumMod val="50000"/>
+    <a:lumOff val="50000"/>
+  </cs:variation>
+</cs:colorStyle>
+</file>
+
+<file path=ppt/charts/colors8.xml><?xml version="1.0" encoding="utf-8"?>
+<cs:colorStyle xmlns:cs="http://schemas.microsoft.com/office/drawing/2012/chartStyle" xmlns:a="http://schemas.openxmlformats.org/drawingml/2006/main" meth="cycle" id="10">
+  <a:schemeClr val="accent1"/>
+  <a:schemeClr val="accent2"/>
+  <a:schemeClr val="accent3"/>
+  <a:schemeClr val="accent4"/>
+  <a:schemeClr val="accent5"/>
+  <a:schemeClr val="accent6"/>
+  <cs:variation/>
+  <cs:variation>
+    <a:lumMod val="60000"/>
+  </cs:variation>
+  <cs:variation>
+    <a:lumMod val="80000"/>
+    <a:lumOff val="20000"/>
+  </cs:variation>
+  <cs:variation>
+    <a:lumMod val="80000"/>
+  </cs:variation>
+  <cs:variation>
+    <a:lumMod val="60000"/>
+    <a:lumOff val="40000"/>
+  </cs:variation>
+  <cs:variation>
+    <a:lumMod val="50000"/>
+  </cs:variation>
+  <cs:variation>
+    <a:lumMod val="70000"/>
+    <a:lumOff val="30000"/>
+  </cs:variation>
+  <cs:variation>
+    <a:lumMod val="70000"/>
+  </cs:variation>
+  <cs:variation>
+    <a:lumMod val="50000"/>
+    <a:lumOff val="50000"/>
+  </cs:variation>
+</cs:colorStyle>
+</file>
+
+<file path=ppt/charts/colors9.xml><?xml version="1.0" encoding="utf-8"?>
+<cs:colorStyle xmlns:cs="http://schemas.microsoft.com/office/drawing/2012/chartStyle" xmlns:a="http://schemas.openxmlformats.org/drawingml/2006/main" meth="acrossLinear" id="2">
+  <a:schemeClr val="accent1"/>
+  <a:schemeClr val="accent2"/>
+  <a:schemeClr val="accent3"/>
+  <a:schemeClr val="accent4"/>
+  <a:schemeClr val="accent5"/>
+  <a:schemeClr val="accent6"/>
+</cs:colorStyle>
+</file>
+
 <file path=ppt/charts/style1.xml><?xml version="1.0" encoding="utf-8"?>
 <cs:chartStyle xmlns:cs="http://schemas.microsoft.com/office/drawing/2012/chartStyle" xmlns:a="http://schemas.openxmlformats.org/drawingml/2006/main" id="240">
   <cs:axisTitle>
@@ -8655,6 +10984,1554 @@
 </file>
 
 <file path=ppt/charts/style6.xml><?xml version="1.0" encoding="utf-8"?>
+<cs:chartStyle xmlns:cs="http://schemas.microsoft.com/office/drawing/2012/chartStyle" xmlns:a="http://schemas.openxmlformats.org/drawingml/2006/main" id="240">
+  <cs:axisTitle>
+    <cs:lnRef idx="0"/>
+    <cs:fillRef idx="0"/>
+    <cs:effectRef idx="0"/>
+    <cs:fontRef idx="minor">
+      <a:schemeClr val="tx1">
+        <a:lumMod val="65000"/>
+        <a:lumOff val="35000"/>
+      </a:schemeClr>
+    </cs:fontRef>
+    <cs:defRPr sz="1000" kern="1200"/>
+  </cs:axisTitle>
+  <cs:categoryAxis>
+    <cs:lnRef idx="0"/>
+    <cs:fillRef idx="0"/>
+    <cs:effectRef idx="0"/>
+    <cs:fontRef idx="minor">
+      <a:schemeClr val="tx1">
+        <a:lumMod val="65000"/>
+        <a:lumOff val="35000"/>
+      </a:schemeClr>
+    </cs:fontRef>
+    <cs:spPr>
+      <a:ln w="9525" cap="flat" cmpd="sng" algn="ctr">
+        <a:solidFill>
+          <a:schemeClr val="tx1">
+            <a:lumMod val="25000"/>
+            <a:lumOff val="75000"/>
+          </a:schemeClr>
+        </a:solidFill>
+        <a:round/>
+      </a:ln>
+    </cs:spPr>
+    <cs:defRPr sz="900" kern="1200"/>
+  </cs:categoryAxis>
+  <cs:chartArea mods="allowNoFillOverride allowNoLineOverride">
+    <cs:lnRef idx="0"/>
+    <cs:fillRef idx="0"/>
+    <cs:effectRef idx="0"/>
+    <cs:fontRef idx="minor">
+      <a:schemeClr val="tx1"/>
+    </cs:fontRef>
+    <cs:spPr>
+      <a:solidFill>
+        <a:schemeClr val="bg1"/>
+      </a:solidFill>
+      <a:ln w="9525" cap="flat" cmpd="sng" algn="ctr">
+        <a:solidFill>
+          <a:schemeClr val="tx1">
+            <a:lumMod val="15000"/>
+            <a:lumOff val="85000"/>
+          </a:schemeClr>
+        </a:solidFill>
+        <a:round/>
+      </a:ln>
+    </cs:spPr>
+    <cs:defRPr sz="1000" kern="1200"/>
+  </cs:chartArea>
+  <cs:dataLabel>
+    <cs:lnRef idx="0"/>
+    <cs:fillRef idx="0"/>
+    <cs:effectRef idx="0"/>
+    <cs:fontRef idx="minor">
+      <a:schemeClr val="tx1">
+        <a:lumMod val="75000"/>
+        <a:lumOff val="25000"/>
+      </a:schemeClr>
+    </cs:fontRef>
+    <cs:defRPr sz="900" kern="1200"/>
+  </cs:dataLabel>
+  <cs:dataLabelCallout>
+    <cs:lnRef idx="0"/>
+    <cs:fillRef idx="0"/>
+    <cs:effectRef idx="0"/>
+    <cs:fontRef idx="minor">
+      <a:schemeClr val="dk1">
+        <a:lumMod val="65000"/>
+        <a:lumOff val="35000"/>
+      </a:schemeClr>
+    </cs:fontRef>
+    <cs:spPr>
+      <a:solidFill>
+        <a:schemeClr val="lt1"/>
+      </a:solidFill>
+      <a:ln>
+        <a:solidFill>
+          <a:schemeClr val="dk1">
+            <a:lumMod val="25000"/>
+            <a:lumOff val="75000"/>
+          </a:schemeClr>
+        </a:solidFill>
+      </a:ln>
+    </cs:spPr>
+    <cs:defRPr sz="900" kern="1200"/>
+    <cs:bodyPr rot="0" spcFirstLastPara="1" vertOverflow="clip" horzOverflow="clip" vert="horz" wrap="square" lIns="36576" tIns="18288" rIns="36576" bIns="18288" anchor="ctr" anchorCtr="1">
+      <a:spAutoFit/>
+    </cs:bodyPr>
+  </cs:dataLabelCallout>
+  <cs:dataPoint>
+    <cs:lnRef idx="0"/>
+    <cs:fillRef idx="1">
+      <cs:styleClr val="auto"/>
+    </cs:fillRef>
+    <cs:effectRef idx="0"/>
+    <cs:fontRef idx="minor">
+      <a:schemeClr val="tx1"/>
+    </cs:fontRef>
+  </cs:dataPoint>
+  <cs:dataPoint3D>
+    <cs:lnRef idx="0"/>
+    <cs:fillRef idx="1">
+      <cs:styleClr val="auto"/>
+    </cs:fillRef>
+    <cs:effectRef idx="0"/>
+    <cs:fontRef idx="minor">
+      <a:schemeClr val="tx1"/>
+    </cs:fontRef>
+  </cs:dataPoint3D>
+  <cs:dataPointLine>
+    <cs:lnRef idx="0">
+      <cs:styleClr val="auto"/>
+    </cs:lnRef>
+    <cs:fillRef idx="1"/>
+    <cs:effectRef idx="0"/>
+    <cs:fontRef idx="minor">
+      <a:schemeClr val="tx1"/>
+    </cs:fontRef>
+    <cs:spPr>
+      <a:ln w="19050" cap="rnd">
+        <a:solidFill>
+          <a:schemeClr val="phClr"/>
+        </a:solidFill>
+        <a:round/>
+      </a:ln>
+    </cs:spPr>
+  </cs:dataPointLine>
+  <cs:dataPointMarker>
+    <cs:lnRef idx="0">
+      <cs:styleClr val="auto"/>
+    </cs:lnRef>
+    <cs:fillRef idx="1">
+      <cs:styleClr val="auto"/>
+    </cs:fillRef>
+    <cs:effectRef idx="0"/>
+    <cs:fontRef idx="minor">
+      <a:schemeClr val="tx1"/>
+    </cs:fontRef>
+    <cs:spPr>
+      <a:ln w="9525">
+        <a:solidFill>
+          <a:schemeClr val="phClr"/>
+        </a:solidFill>
+      </a:ln>
+    </cs:spPr>
+  </cs:dataPointMarker>
+  <cs:dataPointMarkerLayout symbol="circle" size="5"/>
+  <cs:dataPointWireframe>
+    <cs:lnRef idx="0">
+      <cs:styleClr val="auto"/>
+    </cs:lnRef>
+    <cs:fillRef idx="0"/>
+    <cs:effectRef idx="0"/>
+    <cs:fontRef idx="minor">
+      <a:schemeClr val="dk1"/>
+    </cs:fontRef>
+    <cs:spPr>
+      <a:ln w="9525" cap="rnd">
+        <a:solidFill>
+          <a:schemeClr val="phClr"/>
+        </a:solidFill>
+        <a:round/>
+      </a:ln>
+    </cs:spPr>
+  </cs:dataPointWireframe>
+  <cs:dataTable>
+    <cs:lnRef idx="0"/>
+    <cs:fillRef idx="0"/>
+    <cs:effectRef idx="0"/>
+    <cs:fontRef idx="minor">
+      <a:schemeClr val="tx1">
+        <a:lumMod val="65000"/>
+        <a:lumOff val="35000"/>
+      </a:schemeClr>
+    </cs:fontRef>
+    <cs:spPr>
+      <a:noFill/>
+      <a:ln w="9525" cap="flat" cmpd="sng" algn="ctr">
+        <a:solidFill>
+          <a:schemeClr val="tx1">
+            <a:lumMod val="15000"/>
+            <a:lumOff val="85000"/>
+          </a:schemeClr>
+        </a:solidFill>
+        <a:round/>
+      </a:ln>
+    </cs:spPr>
+    <cs:defRPr sz="900" kern="1200"/>
+  </cs:dataTable>
+  <cs:downBar>
+    <cs:lnRef idx="0"/>
+    <cs:fillRef idx="0"/>
+    <cs:effectRef idx="0"/>
+    <cs:fontRef idx="minor">
+      <a:schemeClr val="tx1"/>
+    </cs:fontRef>
+    <cs:spPr>
+      <a:solidFill>
+        <a:schemeClr val="dk1">
+          <a:lumMod val="75000"/>
+          <a:lumOff val="25000"/>
+        </a:schemeClr>
+      </a:solidFill>
+      <a:ln w="9525" cap="flat" cmpd="sng" algn="ctr">
+        <a:solidFill>
+          <a:schemeClr val="tx1">
+            <a:lumMod val="65000"/>
+            <a:lumOff val="35000"/>
+          </a:schemeClr>
+        </a:solidFill>
+        <a:round/>
+      </a:ln>
+    </cs:spPr>
+  </cs:downBar>
+  <cs:dropLine>
+    <cs:lnRef idx="0"/>
+    <cs:fillRef idx="0"/>
+    <cs:effectRef idx="0"/>
+    <cs:fontRef idx="minor">
+      <a:schemeClr val="tx1"/>
+    </cs:fontRef>
+    <cs:spPr>
+      <a:ln w="9525" cap="flat" cmpd="sng" algn="ctr">
+        <a:solidFill>
+          <a:schemeClr val="tx1">
+            <a:lumMod val="35000"/>
+            <a:lumOff val="65000"/>
+          </a:schemeClr>
+        </a:solidFill>
+        <a:round/>
+      </a:ln>
+    </cs:spPr>
+  </cs:dropLine>
+  <cs:errorBar>
+    <cs:lnRef idx="0"/>
+    <cs:fillRef idx="0"/>
+    <cs:effectRef idx="0"/>
+    <cs:fontRef idx="minor">
+      <a:schemeClr val="tx1"/>
+    </cs:fontRef>
+    <cs:spPr>
+      <a:ln w="9525" cap="flat" cmpd="sng" algn="ctr">
+        <a:solidFill>
+          <a:schemeClr val="tx1">
+            <a:lumMod val="65000"/>
+            <a:lumOff val="35000"/>
+          </a:schemeClr>
+        </a:solidFill>
+        <a:round/>
+      </a:ln>
+    </cs:spPr>
+  </cs:errorBar>
+  <cs:floor>
+    <cs:lnRef idx="0"/>
+    <cs:fillRef idx="0"/>
+    <cs:effectRef idx="0"/>
+    <cs:fontRef idx="minor">
+      <a:schemeClr val="tx1"/>
+    </cs:fontRef>
+    <cs:spPr>
+      <a:noFill/>
+      <a:ln>
+        <a:noFill/>
+      </a:ln>
+    </cs:spPr>
+  </cs:floor>
+  <cs:gridlineMajor>
+    <cs:lnRef idx="0"/>
+    <cs:fillRef idx="0"/>
+    <cs:effectRef idx="0"/>
+    <cs:fontRef idx="minor">
+      <a:schemeClr val="tx1"/>
+    </cs:fontRef>
+    <cs:spPr>
+      <a:ln w="9525" cap="flat" cmpd="sng" algn="ctr">
+        <a:solidFill>
+          <a:schemeClr val="tx1">
+            <a:lumMod val="15000"/>
+            <a:lumOff val="85000"/>
+          </a:schemeClr>
+        </a:solidFill>
+        <a:round/>
+      </a:ln>
+    </cs:spPr>
+  </cs:gridlineMajor>
+  <cs:gridlineMinor>
+    <cs:lnRef idx="0"/>
+    <cs:fillRef idx="0"/>
+    <cs:effectRef idx="0"/>
+    <cs:fontRef idx="minor">
+      <a:schemeClr val="tx1"/>
+    </cs:fontRef>
+    <cs:spPr>
+      <a:ln w="9525" cap="flat" cmpd="sng" algn="ctr">
+        <a:solidFill>
+          <a:schemeClr val="tx1">
+            <a:lumMod val="5000"/>
+            <a:lumOff val="95000"/>
+          </a:schemeClr>
+        </a:solidFill>
+        <a:round/>
+      </a:ln>
+    </cs:spPr>
+  </cs:gridlineMinor>
+  <cs:hiLoLine>
+    <cs:lnRef idx="0"/>
+    <cs:fillRef idx="0"/>
+    <cs:effectRef idx="0"/>
+    <cs:fontRef idx="minor">
+      <a:schemeClr val="tx1"/>
+    </cs:fontRef>
+    <cs:spPr>
+      <a:ln w="9525" cap="flat" cmpd="sng" algn="ctr">
+        <a:solidFill>
+          <a:schemeClr val="tx1">
+            <a:lumMod val="50000"/>
+            <a:lumOff val="50000"/>
+          </a:schemeClr>
+        </a:solidFill>
+        <a:round/>
+      </a:ln>
+    </cs:spPr>
+  </cs:hiLoLine>
+  <cs:leaderLine>
+    <cs:lnRef idx="0"/>
+    <cs:fillRef idx="0"/>
+    <cs:effectRef idx="0"/>
+    <cs:fontRef idx="minor">
+      <a:schemeClr val="tx1"/>
+    </cs:fontRef>
+    <cs:spPr>
+      <a:ln w="9525" cap="flat" cmpd="sng" algn="ctr">
+        <a:solidFill>
+          <a:schemeClr val="tx1">
+            <a:lumMod val="35000"/>
+            <a:lumOff val="65000"/>
+          </a:schemeClr>
+        </a:solidFill>
+        <a:round/>
+      </a:ln>
+    </cs:spPr>
+  </cs:leaderLine>
+  <cs:legend>
+    <cs:lnRef idx="0"/>
+    <cs:fillRef idx="0"/>
+    <cs:effectRef idx="0"/>
+    <cs:fontRef idx="minor">
+      <a:schemeClr val="tx1">
+        <a:lumMod val="65000"/>
+        <a:lumOff val="35000"/>
+      </a:schemeClr>
+    </cs:fontRef>
+    <cs:defRPr sz="900" kern="1200"/>
+  </cs:legend>
+  <cs:plotArea mods="allowNoFillOverride allowNoLineOverride">
+    <cs:lnRef idx="0"/>
+    <cs:fillRef idx="0"/>
+    <cs:effectRef idx="0"/>
+    <cs:fontRef idx="minor">
+      <a:schemeClr val="tx1"/>
+    </cs:fontRef>
+  </cs:plotArea>
+  <cs:plotArea3D mods="allowNoFillOverride allowNoLineOverride">
+    <cs:lnRef idx="0"/>
+    <cs:fillRef idx="0"/>
+    <cs:effectRef idx="0"/>
+    <cs:fontRef idx="minor">
+      <a:schemeClr val="tx1"/>
+    </cs:fontRef>
+  </cs:plotArea3D>
+  <cs:seriesAxis>
+    <cs:lnRef idx="0"/>
+    <cs:fillRef idx="0"/>
+    <cs:effectRef idx="0"/>
+    <cs:fontRef idx="minor">
+      <a:schemeClr val="tx1">
+        <a:lumMod val="65000"/>
+        <a:lumOff val="35000"/>
+      </a:schemeClr>
+    </cs:fontRef>
+    <cs:defRPr sz="900" kern="1200"/>
+  </cs:seriesAxis>
+  <cs:seriesLine>
+    <cs:lnRef idx="0"/>
+    <cs:fillRef idx="0"/>
+    <cs:effectRef idx="0"/>
+    <cs:fontRef idx="minor">
+      <a:schemeClr val="tx1"/>
+    </cs:fontRef>
+    <cs:spPr>
+      <a:ln w="9525" cap="flat" cmpd="sng" algn="ctr">
+        <a:solidFill>
+          <a:schemeClr val="tx1">
+            <a:lumMod val="35000"/>
+            <a:lumOff val="65000"/>
+          </a:schemeClr>
+        </a:solidFill>
+        <a:round/>
+      </a:ln>
+    </cs:spPr>
+  </cs:seriesLine>
+  <cs:title>
+    <cs:lnRef idx="0"/>
+    <cs:fillRef idx="0"/>
+    <cs:effectRef idx="0"/>
+    <cs:fontRef idx="minor">
+      <a:schemeClr val="tx1">
+        <a:lumMod val="65000"/>
+        <a:lumOff val="35000"/>
+      </a:schemeClr>
+    </cs:fontRef>
+    <cs:defRPr sz="1400" b="0" kern="1200" spc="0" baseline="0"/>
+  </cs:title>
+  <cs:trendline>
+    <cs:lnRef idx="0">
+      <cs:styleClr val="auto"/>
+    </cs:lnRef>
+    <cs:fillRef idx="0"/>
+    <cs:effectRef idx="0"/>
+    <cs:fontRef idx="minor">
+      <a:schemeClr val="tx1"/>
+    </cs:fontRef>
+    <cs:spPr>
+      <a:ln w="19050" cap="rnd">
+        <a:solidFill>
+          <a:schemeClr val="phClr"/>
+        </a:solidFill>
+        <a:prstDash val="sysDot"/>
+      </a:ln>
+    </cs:spPr>
+  </cs:trendline>
+  <cs:trendlineLabel>
+    <cs:lnRef idx="0"/>
+    <cs:fillRef idx="0"/>
+    <cs:effectRef idx="0"/>
+    <cs:fontRef idx="minor">
+      <a:schemeClr val="tx1">
+        <a:lumMod val="65000"/>
+        <a:lumOff val="35000"/>
+      </a:schemeClr>
+    </cs:fontRef>
+    <cs:defRPr sz="900" kern="1200"/>
+  </cs:trendlineLabel>
+  <cs:upBar>
+    <cs:lnRef idx="0"/>
+    <cs:fillRef idx="0"/>
+    <cs:effectRef idx="0"/>
+    <cs:fontRef idx="minor">
+      <a:schemeClr val="tx1"/>
+    </cs:fontRef>
+    <cs:spPr>
+      <a:solidFill>
+        <a:schemeClr val="lt1"/>
+      </a:solidFill>
+      <a:ln w="9525" cap="flat" cmpd="sng" algn="ctr">
+        <a:solidFill>
+          <a:schemeClr val="tx1">
+            <a:lumMod val="65000"/>
+            <a:lumOff val="35000"/>
+          </a:schemeClr>
+        </a:solidFill>
+        <a:round/>
+      </a:ln>
+    </cs:spPr>
+  </cs:upBar>
+  <cs:valueAxis>
+    <cs:lnRef idx="0"/>
+    <cs:fillRef idx="0"/>
+    <cs:effectRef idx="0"/>
+    <cs:fontRef idx="minor">
+      <a:schemeClr val="tx1">
+        <a:lumMod val="65000"/>
+        <a:lumOff val="35000"/>
+      </a:schemeClr>
+    </cs:fontRef>
+    <cs:spPr>
+      <a:ln w="9525" cap="flat" cmpd="sng" algn="ctr">
+        <a:solidFill>
+          <a:schemeClr val="tx1">
+            <a:lumMod val="25000"/>
+            <a:lumOff val="75000"/>
+          </a:schemeClr>
+        </a:solidFill>
+        <a:round/>
+      </a:ln>
+    </cs:spPr>
+    <cs:defRPr sz="900" kern="1200"/>
+  </cs:valueAxis>
+  <cs:wall>
+    <cs:lnRef idx="0"/>
+    <cs:fillRef idx="0"/>
+    <cs:effectRef idx="0"/>
+    <cs:fontRef idx="minor">
+      <a:schemeClr val="tx1"/>
+    </cs:fontRef>
+    <cs:spPr>
+      <a:noFill/>
+      <a:ln>
+        <a:noFill/>
+      </a:ln>
+    </cs:spPr>
+  </cs:wall>
+</cs:chartStyle>
+</file>
+
+<file path=ppt/charts/style7.xml><?xml version="1.0" encoding="utf-8"?>
+<cs:chartStyle xmlns:cs="http://schemas.microsoft.com/office/drawing/2012/chartStyle" xmlns:a="http://schemas.openxmlformats.org/drawingml/2006/main" id="240">
+  <cs:axisTitle>
+    <cs:lnRef idx="0"/>
+    <cs:fillRef idx="0"/>
+    <cs:effectRef idx="0"/>
+    <cs:fontRef idx="minor">
+      <a:schemeClr val="tx1">
+        <a:lumMod val="65000"/>
+        <a:lumOff val="35000"/>
+      </a:schemeClr>
+    </cs:fontRef>
+    <cs:defRPr sz="1000" kern="1200"/>
+  </cs:axisTitle>
+  <cs:categoryAxis>
+    <cs:lnRef idx="0"/>
+    <cs:fillRef idx="0"/>
+    <cs:effectRef idx="0"/>
+    <cs:fontRef idx="minor">
+      <a:schemeClr val="tx1">
+        <a:lumMod val="65000"/>
+        <a:lumOff val="35000"/>
+      </a:schemeClr>
+    </cs:fontRef>
+    <cs:spPr>
+      <a:ln w="9525" cap="flat" cmpd="sng" algn="ctr">
+        <a:solidFill>
+          <a:schemeClr val="tx1">
+            <a:lumMod val="25000"/>
+            <a:lumOff val="75000"/>
+          </a:schemeClr>
+        </a:solidFill>
+        <a:round/>
+      </a:ln>
+    </cs:spPr>
+    <cs:defRPr sz="900" kern="1200"/>
+  </cs:categoryAxis>
+  <cs:chartArea mods="allowNoFillOverride allowNoLineOverride">
+    <cs:lnRef idx="0"/>
+    <cs:fillRef idx="0"/>
+    <cs:effectRef idx="0"/>
+    <cs:fontRef idx="minor">
+      <a:schemeClr val="tx1"/>
+    </cs:fontRef>
+    <cs:spPr>
+      <a:solidFill>
+        <a:schemeClr val="bg1"/>
+      </a:solidFill>
+      <a:ln w="9525" cap="flat" cmpd="sng" algn="ctr">
+        <a:solidFill>
+          <a:schemeClr val="tx1">
+            <a:lumMod val="15000"/>
+            <a:lumOff val="85000"/>
+          </a:schemeClr>
+        </a:solidFill>
+        <a:round/>
+      </a:ln>
+    </cs:spPr>
+    <cs:defRPr sz="1000" kern="1200"/>
+  </cs:chartArea>
+  <cs:dataLabel>
+    <cs:lnRef idx="0"/>
+    <cs:fillRef idx="0"/>
+    <cs:effectRef idx="0"/>
+    <cs:fontRef idx="minor">
+      <a:schemeClr val="tx1">
+        <a:lumMod val="75000"/>
+        <a:lumOff val="25000"/>
+      </a:schemeClr>
+    </cs:fontRef>
+    <cs:defRPr sz="900" kern="1200"/>
+  </cs:dataLabel>
+  <cs:dataLabelCallout>
+    <cs:lnRef idx="0"/>
+    <cs:fillRef idx="0"/>
+    <cs:effectRef idx="0"/>
+    <cs:fontRef idx="minor">
+      <a:schemeClr val="dk1">
+        <a:lumMod val="65000"/>
+        <a:lumOff val="35000"/>
+      </a:schemeClr>
+    </cs:fontRef>
+    <cs:spPr>
+      <a:solidFill>
+        <a:schemeClr val="lt1"/>
+      </a:solidFill>
+      <a:ln>
+        <a:solidFill>
+          <a:schemeClr val="dk1">
+            <a:lumMod val="25000"/>
+            <a:lumOff val="75000"/>
+          </a:schemeClr>
+        </a:solidFill>
+      </a:ln>
+    </cs:spPr>
+    <cs:defRPr sz="900" kern="1200"/>
+    <cs:bodyPr rot="0" spcFirstLastPara="1" vertOverflow="clip" horzOverflow="clip" vert="horz" wrap="square" lIns="36576" tIns="18288" rIns="36576" bIns="18288" anchor="ctr" anchorCtr="1">
+      <a:spAutoFit/>
+    </cs:bodyPr>
+  </cs:dataLabelCallout>
+  <cs:dataPoint>
+    <cs:lnRef idx="0"/>
+    <cs:fillRef idx="1">
+      <cs:styleClr val="auto"/>
+    </cs:fillRef>
+    <cs:effectRef idx="0"/>
+    <cs:fontRef idx="minor">
+      <a:schemeClr val="tx1"/>
+    </cs:fontRef>
+  </cs:dataPoint>
+  <cs:dataPoint3D>
+    <cs:lnRef idx="0"/>
+    <cs:fillRef idx="1">
+      <cs:styleClr val="auto"/>
+    </cs:fillRef>
+    <cs:effectRef idx="0"/>
+    <cs:fontRef idx="minor">
+      <a:schemeClr val="tx1"/>
+    </cs:fontRef>
+  </cs:dataPoint3D>
+  <cs:dataPointLine>
+    <cs:lnRef idx="0">
+      <cs:styleClr val="auto"/>
+    </cs:lnRef>
+    <cs:fillRef idx="1"/>
+    <cs:effectRef idx="0"/>
+    <cs:fontRef idx="minor">
+      <a:schemeClr val="tx1"/>
+    </cs:fontRef>
+    <cs:spPr>
+      <a:ln w="19050" cap="rnd">
+        <a:solidFill>
+          <a:schemeClr val="phClr"/>
+        </a:solidFill>
+        <a:round/>
+      </a:ln>
+    </cs:spPr>
+  </cs:dataPointLine>
+  <cs:dataPointMarker>
+    <cs:lnRef idx="0">
+      <cs:styleClr val="auto"/>
+    </cs:lnRef>
+    <cs:fillRef idx="1">
+      <cs:styleClr val="auto"/>
+    </cs:fillRef>
+    <cs:effectRef idx="0"/>
+    <cs:fontRef idx="minor">
+      <a:schemeClr val="tx1"/>
+    </cs:fontRef>
+    <cs:spPr>
+      <a:ln w="9525">
+        <a:solidFill>
+          <a:schemeClr val="phClr"/>
+        </a:solidFill>
+      </a:ln>
+    </cs:spPr>
+  </cs:dataPointMarker>
+  <cs:dataPointMarkerLayout symbol="circle" size="5"/>
+  <cs:dataPointWireframe>
+    <cs:lnRef idx="0">
+      <cs:styleClr val="auto"/>
+    </cs:lnRef>
+    <cs:fillRef idx="0"/>
+    <cs:effectRef idx="0"/>
+    <cs:fontRef idx="minor">
+      <a:schemeClr val="dk1"/>
+    </cs:fontRef>
+    <cs:spPr>
+      <a:ln w="9525" cap="rnd">
+        <a:solidFill>
+          <a:schemeClr val="phClr"/>
+        </a:solidFill>
+        <a:round/>
+      </a:ln>
+    </cs:spPr>
+  </cs:dataPointWireframe>
+  <cs:dataTable>
+    <cs:lnRef idx="0"/>
+    <cs:fillRef idx="0"/>
+    <cs:effectRef idx="0"/>
+    <cs:fontRef idx="minor">
+      <a:schemeClr val="tx1">
+        <a:lumMod val="65000"/>
+        <a:lumOff val="35000"/>
+      </a:schemeClr>
+    </cs:fontRef>
+    <cs:spPr>
+      <a:noFill/>
+      <a:ln w="9525" cap="flat" cmpd="sng" algn="ctr">
+        <a:solidFill>
+          <a:schemeClr val="tx1">
+            <a:lumMod val="15000"/>
+            <a:lumOff val="85000"/>
+          </a:schemeClr>
+        </a:solidFill>
+        <a:round/>
+      </a:ln>
+    </cs:spPr>
+    <cs:defRPr sz="900" kern="1200"/>
+  </cs:dataTable>
+  <cs:downBar>
+    <cs:lnRef idx="0"/>
+    <cs:fillRef idx="0"/>
+    <cs:effectRef idx="0"/>
+    <cs:fontRef idx="minor">
+      <a:schemeClr val="tx1"/>
+    </cs:fontRef>
+    <cs:spPr>
+      <a:solidFill>
+        <a:schemeClr val="dk1">
+          <a:lumMod val="75000"/>
+          <a:lumOff val="25000"/>
+        </a:schemeClr>
+      </a:solidFill>
+      <a:ln w="9525" cap="flat" cmpd="sng" algn="ctr">
+        <a:solidFill>
+          <a:schemeClr val="tx1">
+            <a:lumMod val="65000"/>
+            <a:lumOff val="35000"/>
+          </a:schemeClr>
+        </a:solidFill>
+        <a:round/>
+      </a:ln>
+    </cs:spPr>
+  </cs:downBar>
+  <cs:dropLine>
+    <cs:lnRef idx="0"/>
+    <cs:fillRef idx="0"/>
+    <cs:effectRef idx="0"/>
+    <cs:fontRef idx="minor">
+      <a:schemeClr val="tx1"/>
+    </cs:fontRef>
+    <cs:spPr>
+      <a:ln w="9525" cap="flat" cmpd="sng" algn="ctr">
+        <a:solidFill>
+          <a:schemeClr val="tx1">
+            <a:lumMod val="35000"/>
+            <a:lumOff val="65000"/>
+          </a:schemeClr>
+        </a:solidFill>
+        <a:round/>
+      </a:ln>
+    </cs:spPr>
+  </cs:dropLine>
+  <cs:errorBar>
+    <cs:lnRef idx="0"/>
+    <cs:fillRef idx="0"/>
+    <cs:effectRef idx="0"/>
+    <cs:fontRef idx="minor">
+      <a:schemeClr val="tx1"/>
+    </cs:fontRef>
+    <cs:spPr>
+      <a:ln w="9525" cap="flat" cmpd="sng" algn="ctr">
+        <a:solidFill>
+          <a:schemeClr val="tx1">
+            <a:lumMod val="65000"/>
+            <a:lumOff val="35000"/>
+          </a:schemeClr>
+        </a:solidFill>
+        <a:round/>
+      </a:ln>
+    </cs:spPr>
+  </cs:errorBar>
+  <cs:floor>
+    <cs:lnRef idx="0"/>
+    <cs:fillRef idx="0"/>
+    <cs:effectRef idx="0"/>
+    <cs:fontRef idx="minor">
+      <a:schemeClr val="tx1"/>
+    </cs:fontRef>
+    <cs:spPr>
+      <a:noFill/>
+      <a:ln>
+        <a:noFill/>
+      </a:ln>
+    </cs:spPr>
+  </cs:floor>
+  <cs:gridlineMajor>
+    <cs:lnRef idx="0"/>
+    <cs:fillRef idx="0"/>
+    <cs:effectRef idx="0"/>
+    <cs:fontRef idx="minor">
+      <a:schemeClr val="tx1"/>
+    </cs:fontRef>
+    <cs:spPr>
+      <a:ln w="9525" cap="flat" cmpd="sng" algn="ctr">
+        <a:solidFill>
+          <a:schemeClr val="tx1">
+            <a:lumMod val="15000"/>
+            <a:lumOff val="85000"/>
+          </a:schemeClr>
+        </a:solidFill>
+        <a:round/>
+      </a:ln>
+    </cs:spPr>
+  </cs:gridlineMajor>
+  <cs:gridlineMinor>
+    <cs:lnRef idx="0"/>
+    <cs:fillRef idx="0"/>
+    <cs:effectRef idx="0"/>
+    <cs:fontRef idx="minor">
+      <a:schemeClr val="tx1"/>
+    </cs:fontRef>
+    <cs:spPr>
+      <a:ln w="9525" cap="flat" cmpd="sng" algn="ctr">
+        <a:solidFill>
+          <a:schemeClr val="tx1">
+            <a:lumMod val="5000"/>
+            <a:lumOff val="95000"/>
+          </a:schemeClr>
+        </a:solidFill>
+        <a:round/>
+      </a:ln>
+    </cs:spPr>
+  </cs:gridlineMinor>
+  <cs:hiLoLine>
+    <cs:lnRef idx="0"/>
+    <cs:fillRef idx="0"/>
+    <cs:effectRef idx="0"/>
+    <cs:fontRef idx="minor">
+      <a:schemeClr val="tx1"/>
+    </cs:fontRef>
+    <cs:spPr>
+      <a:ln w="9525" cap="flat" cmpd="sng" algn="ctr">
+        <a:solidFill>
+          <a:schemeClr val="tx1">
+            <a:lumMod val="50000"/>
+            <a:lumOff val="50000"/>
+          </a:schemeClr>
+        </a:solidFill>
+        <a:round/>
+      </a:ln>
+    </cs:spPr>
+  </cs:hiLoLine>
+  <cs:leaderLine>
+    <cs:lnRef idx="0"/>
+    <cs:fillRef idx="0"/>
+    <cs:effectRef idx="0"/>
+    <cs:fontRef idx="minor">
+      <a:schemeClr val="tx1"/>
+    </cs:fontRef>
+    <cs:spPr>
+      <a:ln w="9525" cap="flat" cmpd="sng" algn="ctr">
+        <a:solidFill>
+          <a:schemeClr val="tx1">
+            <a:lumMod val="35000"/>
+            <a:lumOff val="65000"/>
+          </a:schemeClr>
+        </a:solidFill>
+        <a:round/>
+      </a:ln>
+    </cs:spPr>
+  </cs:leaderLine>
+  <cs:legend>
+    <cs:lnRef idx="0"/>
+    <cs:fillRef idx="0"/>
+    <cs:effectRef idx="0"/>
+    <cs:fontRef idx="minor">
+      <a:schemeClr val="tx1">
+        <a:lumMod val="65000"/>
+        <a:lumOff val="35000"/>
+      </a:schemeClr>
+    </cs:fontRef>
+    <cs:defRPr sz="900" kern="1200"/>
+  </cs:legend>
+  <cs:plotArea mods="allowNoFillOverride allowNoLineOverride">
+    <cs:lnRef idx="0"/>
+    <cs:fillRef idx="0"/>
+    <cs:effectRef idx="0"/>
+    <cs:fontRef idx="minor">
+      <a:schemeClr val="tx1"/>
+    </cs:fontRef>
+  </cs:plotArea>
+  <cs:plotArea3D mods="allowNoFillOverride allowNoLineOverride">
+    <cs:lnRef idx="0"/>
+    <cs:fillRef idx="0"/>
+    <cs:effectRef idx="0"/>
+    <cs:fontRef idx="minor">
+      <a:schemeClr val="tx1"/>
+    </cs:fontRef>
+  </cs:plotArea3D>
+  <cs:seriesAxis>
+    <cs:lnRef idx="0"/>
+    <cs:fillRef idx="0"/>
+    <cs:effectRef idx="0"/>
+    <cs:fontRef idx="minor">
+      <a:schemeClr val="tx1">
+        <a:lumMod val="65000"/>
+        <a:lumOff val="35000"/>
+      </a:schemeClr>
+    </cs:fontRef>
+    <cs:defRPr sz="900" kern="1200"/>
+  </cs:seriesAxis>
+  <cs:seriesLine>
+    <cs:lnRef idx="0"/>
+    <cs:fillRef idx="0"/>
+    <cs:effectRef idx="0"/>
+    <cs:fontRef idx="minor">
+      <a:schemeClr val="tx1"/>
+    </cs:fontRef>
+    <cs:spPr>
+      <a:ln w="9525" cap="flat" cmpd="sng" algn="ctr">
+        <a:solidFill>
+          <a:schemeClr val="tx1">
+            <a:lumMod val="35000"/>
+            <a:lumOff val="65000"/>
+          </a:schemeClr>
+        </a:solidFill>
+        <a:round/>
+      </a:ln>
+    </cs:spPr>
+  </cs:seriesLine>
+  <cs:title>
+    <cs:lnRef idx="0"/>
+    <cs:fillRef idx="0"/>
+    <cs:effectRef idx="0"/>
+    <cs:fontRef idx="minor">
+      <a:schemeClr val="tx1">
+        <a:lumMod val="65000"/>
+        <a:lumOff val="35000"/>
+      </a:schemeClr>
+    </cs:fontRef>
+    <cs:defRPr sz="1400" b="0" kern="1200" spc="0" baseline="0"/>
+  </cs:title>
+  <cs:trendline>
+    <cs:lnRef idx="0">
+      <cs:styleClr val="auto"/>
+    </cs:lnRef>
+    <cs:fillRef idx="0"/>
+    <cs:effectRef idx="0"/>
+    <cs:fontRef idx="minor">
+      <a:schemeClr val="tx1"/>
+    </cs:fontRef>
+    <cs:spPr>
+      <a:ln w="19050" cap="rnd">
+        <a:solidFill>
+          <a:schemeClr val="phClr"/>
+        </a:solidFill>
+        <a:prstDash val="sysDot"/>
+      </a:ln>
+    </cs:spPr>
+  </cs:trendline>
+  <cs:trendlineLabel>
+    <cs:lnRef idx="0"/>
+    <cs:fillRef idx="0"/>
+    <cs:effectRef idx="0"/>
+    <cs:fontRef idx="minor">
+      <a:schemeClr val="tx1">
+        <a:lumMod val="65000"/>
+        <a:lumOff val="35000"/>
+      </a:schemeClr>
+    </cs:fontRef>
+    <cs:defRPr sz="900" kern="1200"/>
+  </cs:trendlineLabel>
+  <cs:upBar>
+    <cs:lnRef idx="0"/>
+    <cs:fillRef idx="0"/>
+    <cs:effectRef idx="0"/>
+    <cs:fontRef idx="minor">
+      <a:schemeClr val="tx1"/>
+    </cs:fontRef>
+    <cs:spPr>
+      <a:solidFill>
+        <a:schemeClr val="lt1"/>
+      </a:solidFill>
+      <a:ln w="9525" cap="flat" cmpd="sng" algn="ctr">
+        <a:solidFill>
+          <a:schemeClr val="tx1">
+            <a:lumMod val="65000"/>
+            <a:lumOff val="35000"/>
+          </a:schemeClr>
+        </a:solidFill>
+        <a:round/>
+      </a:ln>
+    </cs:spPr>
+  </cs:upBar>
+  <cs:valueAxis>
+    <cs:lnRef idx="0"/>
+    <cs:fillRef idx="0"/>
+    <cs:effectRef idx="0"/>
+    <cs:fontRef idx="minor">
+      <a:schemeClr val="tx1">
+        <a:lumMod val="65000"/>
+        <a:lumOff val="35000"/>
+      </a:schemeClr>
+    </cs:fontRef>
+    <cs:spPr>
+      <a:ln w="9525" cap="flat" cmpd="sng" algn="ctr">
+        <a:solidFill>
+          <a:schemeClr val="tx1">
+            <a:lumMod val="25000"/>
+            <a:lumOff val="75000"/>
+          </a:schemeClr>
+        </a:solidFill>
+        <a:round/>
+      </a:ln>
+    </cs:spPr>
+    <cs:defRPr sz="900" kern="1200"/>
+  </cs:valueAxis>
+  <cs:wall>
+    <cs:lnRef idx="0"/>
+    <cs:fillRef idx="0"/>
+    <cs:effectRef idx="0"/>
+    <cs:fontRef idx="minor">
+      <a:schemeClr val="tx1"/>
+    </cs:fontRef>
+    <cs:spPr>
+      <a:noFill/>
+      <a:ln>
+        <a:noFill/>
+      </a:ln>
+    </cs:spPr>
+  </cs:wall>
+</cs:chartStyle>
+</file>
+
+<file path=ppt/charts/style8.xml><?xml version="1.0" encoding="utf-8"?>
+<cs:chartStyle xmlns:cs="http://schemas.microsoft.com/office/drawing/2012/chartStyle" xmlns:a="http://schemas.openxmlformats.org/drawingml/2006/main" id="240">
+  <cs:axisTitle>
+    <cs:lnRef idx="0"/>
+    <cs:fillRef idx="0"/>
+    <cs:effectRef idx="0"/>
+    <cs:fontRef idx="minor">
+      <a:schemeClr val="tx1">
+        <a:lumMod val="65000"/>
+        <a:lumOff val="35000"/>
+      </a:schemeClr>
+    </cs:fontRef>
+    <cs:defRPr sz="1000" kern="1200"/>
+  </cs:axisTitle>
+  <cs:categoryAxis>
+    <cs:lnRef idx="0"/>
+    <cs:fillRef idx="0"/>
+    <cs:effectRef idx="0"/>
+    <cs:fontRef idx="minor">
+      <a:schemeClr val="tx1">
+        <a:lumMod val="65000"/>
+        <a:lumOff val="35000"/>
+      </a:schemeClr>
+    </cs:fontRef>
+    <cs:spPr>
+      <a:ln w="9525" cap="flat" cmpd="sng" algn="ctr">
+        <a:solidFill>
+          <a:schemeClr val="tx1">
+            <a:lumMod val="25000"/>
+            <a:lumOff val="75000"/>
+          </a:schemeClr>
+        </a:solidFill>
+        <a:round/>
+      </a:ln>
+    </cs:spPr>
+    <cs:defRPr sz="900" kern="1200"/>
+  </cs:categoryAxis>
+  <cs:chartArea mods="allowNoFillOverride allowNoLineOverride">
+    <cs:lnRef idx="0"/>
+    <cs:fillRef idx="0"/>
+    <cs:effectRef idx="0"/>
+    <cs:fontRef idx="minor">
+      <a:schemeClr val="tx1"/>
+    </cs:fontRef>
+    <cs:spPr>
+      <a:solidFill>
+        <a:schemeClr val="bg1"/>
+      </a:solidFill>
+      <a:ln w="9525" cap="flat" cmpd="sng" algn="ctr">
+        <a:solidFill>
+          <a:schemeClr val="tx1">
+            <a:lumMod val="15000"/>
+            <a:lumOff val="85000"/>
+          </a:schemeClr>
+        </a:solidFill>
+        <a:round/>
+      </a:ln>
+    </cs:spPr>
+    <cs:defRPr sz="1000" kern="1200"/>
+  </cs:chartArea>
+  <cs:dataLabel>
+    <cs:lnRef idx="0"/>
+    <cs:fillRef idx="0"/>
+    <cs:effectRef idx="0"/>
+    <cs:fontRef idx="minor">
+      <a:schemeClr val="tx1">
+        <a:lumMod val="75000"/>
+        <a:lumOff val="25000"/>
+      </a:schemeClr>
+    </cs:fontRef>
+    <cs:defRPr sz="900" kern="1200"/>
+  </cs:dataLabel>
+  <cs:dataLabelCallout>
+    <cs:lnRef idx="0"/>
+    <cs:fillRef idx="0"/>
+    <cs:effectRef idx="0"/>
+    <cs:fontRef idx="minor">
+      <a:schemeClr val="dk1">
+        <a:lumMod val="65000"/>
+        <a:lumOff val="35000"/>
+      </a:schemeClr>
+    </cs:fontRef>
+    <cs:spPr>
+      <a:solidFill>
+        <a:schemeClr val="lt1"/>
+      </a:solidFill>
+      <a:ln>
+        <a:solidFill>
+          <a:schemeClr val="dk1">
+            <a:lumMod val="25000"/>
+            <a:lumOff val="75000"/>
+          </a:schemeClr>
+        </a:solidFill>
+      </a:ln>
+    </cs:spPr>
+    <cs:defRPr sz="900" kern="1200"/>
+    <cs:bodyPr rot="0" spcFirstLastPara="1" vertOverflow="clip" horzOverflow="clip" vert="horz" wrap="square" lIns="36576" tIns="18288" rIns="36576" bIns="18288" anchor="ctr" anchorCtr="1">
+      <a:spAutoFit/>
+    </cs:bodyPr>
+  </cs:dataLabelCallout>
+  <cs:dataPoint>
+    <cs:lnRef idx="0"/>
+    <cs:fillRef idx="1">
+      <cs:styleClr val="auto"/>
+    </cs:fillRef>
+    <cs:effectRef idx="0"/>
+    <cs:fontRef idx="minor">
+      <a:schemeClr val="tx1"/>
+    </cs:fontRef>
+  </cs:dataPoint>
+  <cs:dataPoint3D>
+    <cs:lnRef idx="0"/>
+    <cs:fillRef idx="1">
+      <cs:styleClr val="auto"/>
+    </cs:fillRef>
+    <cs:effectRef idx="0"/>
+    <cs:fontRef idx="minor">
+      <a:schemeClr val="tx1"/>
+    </cs:fontRef>
+  </cs:dataPoint3D>
+  <cs:dataPointLine>
+    <cs:lnRef idx="0">
+      <cs:styleClr val="auto"/>
+    </cs:lnRef>
+    <cs:fillRef idx="1"/>
+    <cs:effectRef idx="0"/>
+    <cs:fontRef idx="minor">
+      <a:schemeClr val="tx1"/>
+    </cs:fontRef>
+    <cs:spPr>
+      <a:ln w="19050" cap="rnd">
+        <a:solidFill>
+          <a:schemeClr val="phClr"/>
+        </a:solidFill>
+        <a:round/>
+      </a:ln>
+    </cs:spPr>
+  </cs:dataPointLine>
+  <cs:dataPointMarker>
+    <cs:lnRef idx="0">
+      <cs:styleClr val="auto"/>
+    </cs:lnRef>
+    <cs:fillRef idx="1">
+      <cs:styleClr val="auto"/>
+    </cs:fillRef>
+    <cs:effectRef idx="0"/>
+    <cs:fontRef idx="minor">
+      <a:schemeClr val="tx1"/>
+    </cs:fontRef>
+    <cs:spPr>
+      <a:ln w="9525">
+        <a:solidFill>
+          <a:schemeClr val="phClr"/>
+        </a:solidFill>
+      </a:ln>
+    </cs:spPr>
+  </cs:dataPointMarker>
+  <cs:dataPointMarkerLayout symbol="circle" size="5"/>
+  <cs:dataPointWireframe>
+    <cs:lnRef idx="0">
+      <cs:styleClr val="auto"/>
+    </cs:lnRef>
+    <cs:fillRef idx="0"/>
+    <cs:effectRef idx="0"/>
+    <cs:fontRef idx="minor">
+      <a:schemeClr val="dk1"/>
+    </cs:fontRef>
+    <cs:spPr>
+      <a:ln w="9525" cap="rnd">
+        <a:solidFill>
+          <a:schemeClr val="phClr"/>
+        </a:solidFill>
+        <a:round/>
+      </a:ln>
+    </cs:spPr>
+  </cs:dataPointWireframe>
+  <cs:dataTable>
+    <cs:lnRef idx="0"/>
+    <cs:fillRef idx="0"/>
+    <cs:effectRef idx="0"/>
+    <cs:fontRef idx="minor">
+      <a:schemeClr val="tx1">
+        <a:lumMod val="65000"/>
+        <a:lumOff val="35000"/>
+      </a:schemeClr>
+    </cs:fontRef>
+    <cs:spPr>
+      <a:noFill/>
+      <a:ln w="9525" cap="flat" cmpd="sng" algn="ctr">
+        <a:solidFill>
+          <a:schemeClr val="tx1">
+            <a:lumMod val="15000"/>
+            <a:lumOff val="85000"/>
+          </a:schemeClr>
+        </a:solidFill>
+        <a:round/>
+      </a:ln>
+    </cs:spPr>
+    <cs:defRPr sz="900" kern="1200"/>
+  </cs:dataTable>
+  <cs:downBar>
+    <cs:lnRef idx="0"/>
+    <cs:fillRef idx="0"/>
+    <cs:effectRef idx="0"/>
+    <cs:fontRef idx="minor">
+      <a:schemeClr val="tx1"/>
+    </cs:fontRef>
+    <cs:spPr>
+      <a:solidFill>
+        <a:schemeClr val="dk1">
+          <a:lumMod val="75000"/>
+          <a:lumOff val="25000"/>
+        </a:schemeClr>
+      </a:solidFill>
+      <a:ln w="9525" cap="flat" cmpd="sng" algn="ctr">
+        <a:solidFill>
+          <a:schemeClr val="tx1">
+            <a:lumMod val="65000"/>
+            <a:lumOff val="35000"/>
+          </a:schemeClr>
+        </a:solidFill>
+        <a:round/>
+      </a:ln>
+    </cs:spPr>
+  </cs:downBar>
+  <cs:dropLine>
+    <cs:lnRef idx="0"/>
+    <cs:fillRef idx="0"/>
+    <cs:effectRef idx="0"/>
+    <cs:fontRef idx="minor">
+      <a:schemeClr val="tx1"/>
+    </cs:fontRef>
+    <cs:spPr>
+      <a:ln w="9525" cap="flat" cmpd="sng" algn="ctr">
+        <a:solidFill>
+          <a:schemeClr val="tx1">
+            <a:lumMod val="35000"/>
+            <a:lumOff val="65000"/>
+          </a:schemeClr>
+        </a:solidFill>
+        <a:round/>
+      </a:ln>
+    </cs:spPr>
+  </cs:dropLine>
+  <cs:errorBar>
+    <cs:lnRef idx="0"/>
+    <cs:fillRef idx="0"/>
+    <cs:effectRef idx="0"/>
+    <cs:fontRef idx="minor">
+      <a:schemeClr val="tx1"/>
+    </cs:fontRef>
+    <cs:spPr>
+      <a:ln w="9525" cap="flat" cmpd="sng" algn="ctr">
+        <a:solidFill>
+          <a:schemeClr val="tx1">
+            <a:lumMod val="65000"/>
+            <a:lumOff val="35000"/>
+          </a:schemeClr>
+        </a:solidFill>
+        <a:round/>
+      </a:ln>
+    </cs:spPr>
+  </cs:errorBar>
+  <cs:floor>
+    <cs:lnRef idx="0"/>
+    <cs:fillRef idx="0"/>
+    <cs:effectRef idx="0"/>
+    <cs:fontRef idx="minor">
+      <a:schemeClr val="tx1"/>
+    </cs:fontRef>
+    <cs:spPr>
+      <a:noFill/>
+      <a:ln>
+        <a:noFill/>
+      </a:ln>
+    </cs:spPr>
+  </cs:floor>
+  <cs:gridlineMajor>
+    <cs:lnRef idx="0"/>
+    <cs:fillRef idx="0"/>
+    <cs:effectRef idx="0"/>
+    <cs:fontRef idx="minor">
+      <a:schemeClr val="tx1"/>
+    </cs:fontRef>
+    <cs:spPr>
+      <a:ln w="9525" cap="flat" cmpd="sng" algn="ctr">
+        <a:solidFill>
+          <a:schemeClr val="tx1">
+            <a:lumMod val="15000"/>
+            <a:lumOff val="85000"/>
+          </a:schemeClr>
+        </a:solidFill>
+        <a:round/>
+      </a:ln>
+    </cs:spPr>
+  </cs:gridlineMajor>
+  <cs:gridlineMinor>
+    <cs:lnRef idx="0"/>
+    <cs:fillRef idx="0"/>
+    <cs:effectRef idx="0"/>
+    <cs:fontRef idx="minor">
+      <a:schemeClr val="tx1"/>
+    </cs:fontRef>
+    <cs:spPr>
+      <a:ln w="9525" cap="flat" cmpd="sng" algn="ctr">
+        <a:solidFill>
+          <a:schemeClr val="tx1">
+            <a:lumMod val="5000"/>
+            <a:lumOff val="95000"/>
+          </a:schemeClr>
+        </a:solidFill>
+        <a:round/>
+      </a:ln>
+    </cs:spPr>
+  </cs:gridlineMinor>
+  <cs:hiLoLine>
+    <cs:lnRef idx="0"/>
+    <cs:fillRef idx="0"/>
+    <cs:effectRef idx="0"/>
+    <cs:fontRef idx="minor">
+      <a:schemeClr val="tx1"/>
+    </cs:fontRef>
+    <cs:spPr>
+      <a:ln w="9525" cap="flat" cmpd="sng" algn="ctr">
+        <a:solidFill>
+          <a:schemeClr val="tx1">
+            <a:lumMod val="50000"/>
+            <a:lumOff val="50000"/>
+          </a:schemeClr>
+        </a:solidFill>
+        <a:round/>
+      </a:ln>
+    </cs:spPr>
+  </cs:hiLoLine>
+  <cs:leaderLine>
+    <cs:lnRef idx="0"/>
+    <cs:fillRef idx="0"/>
+    <cs:effectRef idx="0"/>
+    <cs:fontRef idx="minor">
+      <a:schemeClr val="tx1"/>
+    </cs:fontRef>
+    <cs:spPr>
+      <a:ln w="9525" cap="flat" cmpd="sng" algn="ctr">
+        <a:solidFill>
+          <a:schemeClr val="tx1">
+            <a:lumMod val="35000"/>
+            <a:lumOff val="65000"/>
+          </a:schemeClr>
+        </a:solidFill>
+        <a:round/>
+      </a:ln>
+    </cs:spPr>
+  </cs:leaderLine>
+  <cs:legend>
+    <cs:lnRef idx="0"/>
+    <cs:fillRef idx="0"/>
+    <cs:effectRef idx="0"/>
+    <cs:fontRef idx="minor">
+      <a:schemeClr val="tx1">
+        <a:lumMod val="65000"/>
+        <a:lumOff val="35000"/>
+      </a:schemeClr>
+    </cs:fontRef>
+    <cs:defRPr sz="900" kern="1200"/>
+  </cs:legend>
+  <cs:plotArea mods="allowNoFillOverride allowNoLineOverride">
+    <cs:lnRef idx="0"/>
+    <cs:fillRef idx="0"/>
+    <cs:effectRef idx="0"/>
+    <cs:fontRef idx="minor">
+      <a:schemeClr val="tx1"/>
+    </cs:fontRef>
+  </cs:plotArea>
+  <cs:plotArea3D mods="allowNoFillOverride allowNoLineOverride">
+    <cs:lnRef idx="0"/>
+    <cs:fillRef idx="0"/>
+    <cs:effectRef idx="0"/>
+    <cs:fontRef idx="minor">
+      <a:schemeClr val="tx1"/>
+    </cs:fontRef>
+  </cs:plotArea3D>
+  <cs:seriesAxis>
+    <cs:lnRef idx="0"/>
+    <cs:fillRef idx="0"/>
+    <cs:effectRef idx="0"/>
+    <cs:fontRef idx="minor">
+      <a:schemeClr val="tx1">
+        <a:lumMod val="65000"/>
+        <a:lumOff val="35000"/>
+      </a:schemeClr>
+    </cs:fontRef>
+    <cs:defRPr sz="900" kern="1200"/>
+  </cs:seriesAxis>
+  <cs:seriesLine>
+    <cs:lnRef idx="0"/>
+    <cs:fillRef idx="0"/>
+    <cs:effectRef idx="0"/>
+    <cs:fontRef idx="minor">
+      <a:schemeClr val="tx1"/>
+    </cs:fontRef>
+    <cs:spPr>
+      <a:ln w="9525" cap="flat" cmpd="sng" algn="ctr">
+        <a:solidFill>
+          <a:schemeClr val="tx1">
+            <a:lumMod val="35000"/>
+            <a:lumOff val="65000"/>
+          </a:schemeClr>
+        </a:solidFill>
+        <a:round/>
+      </a:ln>
+    </cs:spPr>
+  </cs:seriesLine>
+  <cs:title>
+    <cs:lnRef idx="0"/>
+    <cs:fillRef idx="0"/>
+    <cs:effectRef idx="0"/>
+    <cs:fontRef idx="minor">
+      <a:schemeClr val="tx1">
+        <a:lumMod val="65000"/>
+        <a:lumOff val="35000"/>
+      </a:schemeClr>
+    </cs:fontRef>
+    <cs:defRPr sz="1400" b="0" kern="1200" spc="0" baseline="0"/>
+  </cs:title>
+  <cs:trendline>
+    <cs:lnRef idx="0">
+      <cs:styleClr val="auto"/>
+    </cs:lnRef>
+    <cs:fillRef idx="0"/>
+    <cs:effectRef idx="0"/>
+    <cs:fontRef idx="minor">
+      <a:schemeClr val="tx1"/>
+    </cs:fontRef>
+    <cs:spPr>
+      <a:ln w="19050" cap="rnd">
+        <a:solidFill>
+          <a:schemeClr val="phClr"/>
+        </a:solidFill>
+        <a:prstDash val="sysDot"/>
+      </a:ln>
+    </cs:spPr>
+  </cs:trendline>
+  <cs:trendlineLabel>
+    <cs:lnRef idx="0"/>
+    <cs:fillRef idx="0"/>
+    <cs:effectRef idx="0"/>
+    <cs:fontRef idx="minor">
+      <a:schemeClr val="tx1">
+        <a:lumMod val="65000"/>
+        <a:lumOff val="35000"/>
+      </a:schemeClr>
+    </cs:fontRef>
+    <cs:defRPr sz="900" kern="1200"/>
+  </cs:trendlineLabel>
+  <cs:upBar>
+    <cs:lnRef idx="0"/>
+    <cs:fillRef idx="0"/>
+    <cs:effectRef idx="0"/>
+    <cs:fontRef idx="minor">
+      <a:schemeClr val="tx1"/>
+    </cs:fontRef>
+    <cs:spPr>
+      <a:solidFill>
+        <a:schemeClr val="lt1"/>
+      </a:solidFill>
+      <a:ln w="9525" cap="flat" cmpd="sng" algn="ctr">
+        <a:solidFill>
+          <a:schemeClr val="tx1">
+            <a:lumMod val="65000"/>
+            <a:lumOff val="35000"/>
+          </a:schemeClr>
+        </a:solidFill>
+        <a:round/>
+      </a:ln>
+    </cs:spPr>
+  </cs:upBar>
+  <cs:valueAxis>
+    <cs:lnRef idx="0"/>
+    <cs:fillRef idx="0"/>
+    <cs:effectRef idx="0"/>
+    <cs:fontRef idx="minor">
+      <a:schemeClr val="tx1">
+        <a:lumMod val="65000"/>
+        <a:lumOff val="35000"/>
+      </a:schemeClr>
+    </cs:fontRef>
+    <cs:spPr>
+      <a:ln w="9525" cap="flat" cmpd="sng" algn="ctr">
+        <a:solidFill>
+          <a:schemeClr val="tx1">
+            <a:lumMod val="25000"/>
+            <a:lumOff val="75000"/>
+          </a:schemeClr>
+        </a:solidFill>
+        <a:round/>
+      </a:ln>
+    </cs:spPr>
+    <cs:defRPr sz="900" kern="1200"/>
+  </cs:valueAxis>
+  <cs:wall>
+    <cs:lnRef idx="0"/>
+    <cs:fillRef idx="0"/>
+    <cs:effectRef idx="0"/>
+    <cs:fontRef idx="minor">
+      <a:schemeClr val="tx1"/>
+    </cs:fontRef>
+    <cs:spPr>
+      <a:noFill/>
+      <a:ln>
+        <a:noFill/>
+      </a:ln>
+    </cs:spPr>
+  </cs:wall>
+</cs:chartStyle>
+</file>
+
+<file path=ppt/charts/style9.xml><?xml version="1.0" encoding="utf-8"?>
 <cs:chartStyle xmlns:cs="http://schemas.microsoft.com/office/drawing/2012/chartStyle" xmlns:a="http://schemas.openxmlformats.org/drawingml/2006/main" id="240">
   <cs:axisTitle>
     <cs:lnRef idx="0"/>
@@ -9319,7 +13196,7 @@
           <a:p>
             <a:fld id="{20AC10D8-FB45-43F6-9D8D-A38FB736CD79}" type="datetimeFigureOut">
               <a:rPr lang="en-US" smtClean="0"/>
-              <a:t>19/9/2021</a:t>
+              <a:t>24/9/2021</a:t>
             </a:fld>
             <a:endParaRPr lang="en-US"/>
           </a:p>
@@ -9519,7 +13396,7 @@
           <a:p>
             <a:fld id="{20AC10D8-FB45-43F6-9D8D-A38FB736CD79}" type="datetimeFigureOut">
               <a:rPr lang="en-US" smtClean="0"/>
-              <a:t>19/9/2021</a:t>
+              <a:t>24/9/2021</a:t>
             </a:fld>
             <a:endParaRPr lang="en-US"/>
           </a:p>
@@ -9729,7 +13606,7 @@
           <a:p>
             <a:fld id="{20AC10D8-FB45-43F6-9D8D-A38FB736CD79}" type="datetimeFigureOut">
               <a:rPr lang="en-US" smtClean="0"/>
-              <a:t>19/9/2021</a:t>
+              <a:t>24/9/2021</a:t>
             </a:fld>
             <a:endParaRPr lang="en-US"/>
           </a:p>
@@ -9929,7 +13806,7 @@
           <a:p>
             <a:fld id="{20AC10D8-FB45-43F6-9D8D-A38FB736CD79}" type="datetimeFigureOut">
               <a:rPr lang="en-US" smtClean="0"/>
-              <a:t>19/9/2021</a:t>
+              <a:t>24/9/2021</a:t>
             </a:fld>
             <a:endParaRPr lang="en-US"/>
           </a:p>
@@ -10205,7 +14082,7 @@
           <a:p>
             <a:fld id="{20AC10D8-FB45-43F6-9D8D-A38FB736CD79}" type="datetimeFigureOut">
               <a:rPr lang="en-US" smtClean="0"/>
-              <a:t>19/9/2021</a:t>
+              <a:t>24/9/2021</a:t>
             </a:fld>
             <a:endParaRPr lang="en-US"/>
           </a:p>
@@ -10473,7 +14350,7 @@
           <a:p>
             <a:fld id="{20AC10D8-FB45-43F6-9D8D-A38FB736CD79}" type="datetimeFigureOut">
               <a:rPr lang="en-US" smtClean="0"/>
-              <a:t>19/9/2021</a:t>
+              <a:t>24/9/2021</a:t>
             </a:fld>
             <a:endParaRPr lang="en-US"/>
           </a:p>
@@ -10888,7 +14765,7 @@
           <a:p>
             <a:fld id="{20AC10D8-FB45-43F6-9D8D-A38FB736CD79}" type="datetimeFigureOut">
               <a:rPr lang="en-US" smtClean="0"/>
-              <a:t>19/9/2021</a:t>
+              <a:t>24/9/2021</a:t>
             </a:fld>
             <a:endParaRPr lang="en-US"/>
           </a:p>
@@ -11030,7 +14907,7 @@
           <a:p>
             <a:fld id="{20AC10D8-FB45-43F6-9D8D-A38FB736CD79}" type="datetimeFigureOut">
               <a:rPr lang="en-US" smtClean="0"/>
-              <a:t>19/9/2021</a:t>
+              <a:t>24/9/2021</a:t>
             </a:fld>
             <a:endParaRPr lang="en-US"/>
           </a:p>
@@ -11143,7 +15020,7 @@
           <a:p>
             <a:fld id="{20AC10D8-FB45-43F6-9D8D-A38FB736CD79}" type="datetimeFigureOut">
               <a:rPr lang="en-US" smtClean="0"/>
-              <a:t>19/9/2021</a:t>
+              <a:t>24/9/2021</a:t>
             </a:fld>
             <a:endParaRPr lang="en-US"/>
           </a:p>
@@ -11456,7 +15333,7 @@
           <a:p>
             <a:fld id="{20AC10D8-FB45-43F6-9D8D-A38FB736CD79}" type="datetimeFigureOut">
               <a:rPr lang="en-US" smtClean="0"/>
-              <a:t>19/9/2021</a:t>
+              <a:t>24/9/2021</a:t>
             </a:fld>
             <a:endParaRPr lang="en-US"/>
           </a:p>
@@ -11745,7 +15622,7 @@
           <a:p>
             <a:fld id="{20AC10D8-FB45-43F6-9D8D-A38FB736CD79}" type="datetimeFigureOut">
               <a:rPr lang="en-US" smtClean="0"/>
-              <a:t>19/9/2021</a:t>
+              <a:t>24/9/2021</a:t>
             </a:fld>
             <a:endParaRPr lang="en-US"/>
           </a:p>
@@ -11988,7 +15865,7 @@
           <a:p>
             <a:fld id="{20AC10D8-FB45-43F6-9D8D-A38FB736CD79}" type="datetimeFigureOut">
               <a:rPr lang="en-US" smtClean="0"/>
-              <a:t>19/9/2021</a:t>
+              <a:t>24/9/2021</a:t>
             </a:fld>
             <a:endParaRPr lang="en-US"/>
           </a:p>
@@ -12698,6 +16575,1440 @@
     <p:extLst>
       <p:ext uri="{BB962C8B-B14F-4D97-AF65-F5344CB8AC3E}">
         <p14:creationId xmlns:p14="http://schemas.microsoft.com/office/powerpoint/2010/main" val="2599186514"/>
+      </p:ext>
+    </p:extLst>
+  </p:cSld>
+  <p:clrMapOvr>
+    <a:masterClrMapping/>
+  </p:clrMapOvr>
+</p:sld>
+</file>
+
+<file path=ppt/slides/slide12.xml><?xml version="1.0" encoding="utf-8"?>
+<p:sld xmlns:a="http://schemas.openxmlformats.org/drawingml/2006/main" xmlns:r="http://schemas.openxmlformats.org/officeDocument/2006/relationships" xmlns:p="http://schemas.openxmlformats.org/presentationml/2006/main">
+  <p:cSld>
+    <p:spTree>
+      <p:nvGrpSpPr>
+        <p:cNvPr id="1" name=""/>
+        <p:cNvGrpSpPr/>
+        <p:nvPr/>
+      </p:nvGrpSpPr>
+      <p:grpSpPr>
+        <a:xfrm>
+          <a:off x="0" y="0"/>
+          <a:ext cx="0" cy="0"/>
+          <a:chOff x="0" y="0"/>
+          <a:chExt cx="0" cy="0"/>
+        </a:xfrm>
+      </p:grpSpPr>
+      <p:cxnSp>
+        <p:nvCxnSpPr>
+          <p:cNvPr id="49" name="ลูกศรเชื่อมต่อแบบตรง 48">
+            <a:extLst>
+              <a:ext uri="{FF2B5EF4-FFF2-40B4-BE49-F238E27FC236}">
+                <a16:creationId xmlns:a16="http://schemas.microsoft.com/office/drawing/2014/main" id="{71DA64EC-C5AC-4B04-AFFC-36013009F54C}"/>
+              </a:ext>
+            </a:extLst>
+          </p:cNvPr>
+          <p:cNvCxnSpPr>
+            <a:cxnSpLocks/>
+            <a:stCxn id="28" idx="0"/>
+            <a:endCxn id="3" idx="2"/>
+          </p:cNvCxnSpPr>
+          <p:nvPr/>
+        </p:nvCxnSpPr>
+        <p:spPr>
+          <a:xfrm flipV="1">
+            <a:off x="1436795" y="2118808"/>
+            <a:ext cx="4659205" cy="2606075"/>
+          </a:xfrm>
+          <a:prstGeom prst="straightConnector1">
+            <a:avLst/>
+          </a:prstGeom>
+          <a:ln w="28575">
+            <a:solidFill>
+              <a:srgbClr val="FF0000"/>
+            </a:solidFill>
+            <a:prstDash val="dash"/>
+            <a:tailEnd type="triangle"/>
+          </a:ln>
+        </p:spPr>
+        <p:style>
+          <a:lnRef idx="1">
+            <a:schemeClr val="accent1"/>
+          </a:lnRef>
+          <a:fillRef idx="0">
+            <a:schemeClr val="accent1"/>
+          </a:fillRef>
+          <a:effectRef idx="0">
+            <a:schemeClr val="accent1"/>
+          </a:effectRef>
+          <a:fontRef idx="minor">
+            <a:schemeClr val="tx1"/>
+          </a:fontRef>
+        </p:style>
+      </p:cxnSp>
+      <p:sp>
+        <p:nvSpPr>
+          <p:cNvPr id="37" name="สี่เหลี่ยมผืนผ้า: มุมมน 36">
+            <a:extLst>
+              <a:ext uri="{FF2B5EF4-FFF2-40B4-BE49-F238E27FC236}">
+                <a16:creationId xmlns:a16="http://schemas.microsoft.com/office/drawing/2014/main" id="{E71184CC-95B7-4BF8-BC66-B3DB4C3C3E3F}"/>
+              </a:ext>
+            </a:extLst>
+          </p:cNvPr>
+          <p:cNvSpPr/>
+          <p:nvPr/>
+        </p:nvSpPr>
+        <p:spPr>
+          <a:xfrm>
+            <a:off x="8495712" y="407768"/>
+            <a:ext cx="3675979" cy="811784"/>
+          </a:xfrm>
+          <a:prstGeom prst="roundRect">
+            <a:avLst/>
+          </a:prstGeom>
+          <a:solidFill>
+            <a:schemeClr val="bg1">
+              <a:lumMod val="95000"/>
+            </a:schemeClr>
+          </a:solidFill>
+        </p:spPr>
+        <p:style>
+          <a:lnRef idx="2">
+            <a:schemeClr val="accent1">
+              <a:shade val="50000"/>
+            </a:schemeClr>
+          </a:lnRef>
+          <a:fillRef idx="1">
+            <a:schemeClr val="accent1"/>
+          </a:fillRef>
+          <a:effectRef idx="0">
+            <a:schemeClr val="accent1"/>
+          </a:effectRef>
+          <a:fontRef idx="minor">
+            <a:schemeClr val="lt1"/>
+          </a:fontRef>
+        </p:style>
+        <p:txBody>
+          <a:bodyPr rtlCol="0" anchor="ctr"/>
+          <a:lstStyle/>
+          <a:p>
+            <a:pPr algn="ctr"/>
+            <a:endParaRPr lang="en-US"/>
+          </a:p>
+        </p:txBody>
+      </p:sp>
+      <p:sp>
+        <p:nvSpPr>
+          <p:cNvPr id="35" name="วงรี 34">
+            <a:extLst>
+              <a:ext uri="{FF2B5EF4-FFF2-40B4-BE49-F238E27FC236}">
+                <a16:creationId xmlns:a16="http://schemas.microsoft.com/office/drawing/2014/main" id="{A29CC577-BFAD-49E9-B230-E05F7B234F53}"/>
+              </a:ext>
+            </a:extLst>
+          </p:cNvPr>
+          <p:cNvSpPr/>
+          <p:nvPr/>
+        </p:nvSpPr>
+        <p:spPr>
+          <a:xfrm>
+            <a:off x="9349191" y="4876449"/>
+            <a:ext cx="2939846" cy="1950205"/>
+          </a:xfrm>
+          <a:prstGeom prst="ellipse">
+            <a:avLst/>
+          </a:prstGeom>
+          <a:solidFill>
+            <a:schemeClr val="accent6">
+              <a:lumMod val="20000"/>
+              <a:lumOff val="80000"/>
+            </a:schemeClr>
+          </a:solidFill>
+        </p:spPr>
+        <p:style>
+          <a:lnRef idx="2">
+            <a:schemeClr val="accent1">
+              <a:shade val="50000"/>
+            </a:schemeClr>
+          </a:lnRef>
+          <a:fillRef idx="1">
+            <a:schemeClr val="accent1"/>
+          </a:fillRef>
+          <a:effectRef idx="0">
+            <a:schemeClr val="accent1"/>
+          </a:effectRef>
+          <a:fontRef idx="minor">
+            <a:schemeClr val="lt1"/>
+          </a:fontRef>
+        </p:style>
+        <p:txBody>
+          <a:bodyPr rtlCol="0" anchor="ctr"/>
+          <a:lstStyle/>
+          <a:p>
+            <a:pPr algn="ctr"/>
+            <a:endParaRPr lang="en-US"/>
+          </a:p>
+        </p:txBody>
+      </p:sp>
+      <p:sp>
+        <p:nvSpPr>
+          <p:cNvPr id="29" name="วงรี 28">
+            <a:extLst>
+              <a:ext uri="{FF2B5EF4-FFF2-40B4-BE49-F238E27FC236}">
+                <a16:creationId xmlns:a16="http://schemas.microsoft.com/office/drawing/2014/main" id="{89D75DB7-CBBC-44C6-8935-520878B0171F}"/>
+              </a:ext>
+            </a:extLst>
+          </p:cNvPr>
+          <p:cNvSpPr/>
+          <p:nvPr/>
+        </p:nvSpPr>
+        <p:spPr>
+          <a:xfrm>
+            <a:off x="1081548" y="1078129"/>
+            <a:ext cx="4119717" cy="1950205"/>
+          </a:xfrm>
+          <a:prstGeom prst="ellipse">
+            <a:avLst/>
+          </a:prstGeom>
+          <a:solidFill>
+            <a:schemeClr val="accent4">
+              <a:lumMod val="20000"/>
+              <a:lumOff val="80000"/>
+            </a:schemeClr>
+          </a:solidFill>
+        </p:spPr>
+        <p:style>
+          <a:lnRef idx="2">
+            <a:schemeClr val="accent1">
+              <a:shade val="50000"/>
+            </a:schemeClr>
+          </a:lnRef>
+          <a:fillRef idx="1">
+            <a:schemeClr val="accent1"/>
+          </a:fillRef>
+          <a:effectRef idx="0">
+            <a:schemeClr val="accent1"/>
+          </a:effectRef>
+          <a:fontRef idx="minor">
+            <a:schemeClr val="lt1"/>
+          </a:fontRef>
+        </p:style>
+        <p:txBody>
+          <a:bodyPr rtlCol="0" anchor="ctr"/>
+          <a:lstStyle/>
+          <a:p>
+            <a:pPr algn="ctr"/>
+            <a:endParaRPr lang="en-US"/>
+          </a:p>
+        </p:txBody>
+      </p:sp>
+      <p:sp>
+        <p:nvSpPr>
+          <p:cNvPr id="3" name="สี่เหลี่ยมผืนผ้า 2">
+            <a:extLst>
+              <a:ext uri="{FF2B5EF4-FFF2-40B4-BE49-F238E27FC236}">
+                <a16:creationId xmlns:a16="http://schemas.microsoft.com/office/drawing/2014/main" id="{1BA0116E-6CE6-42DD-8EAC-7210B92161AE}"/>
+              </a:ext>
+            </a:extLst>
+          </p:cNvPr>
+          <p:cNvSpPr/>
+          <p:nvPr/>
+        </p:nvSpPr>
+        <p:spPr>
+          <a:xfrm>
+            <a:off x="4773561" y="1233905"/>
+            <a:ext cx="2644877" cy="884903"/>
+          </a:xfrm>
+          <a:prstGeom prst="rect">
+            <a:avLst/>
+          </a:prstGeom>
+        </p:spPr>
+        <p:style>
+          <a:lnRef idx="2">
+            <a:schemeClr val="accent4">
+              <a:shade val="50000"/>
+            </a:schemeClr>
+          </a:lnRef>
+          <a:fillRef idx="1">
+            <a:schemeClr val="accent4"/>
+          </a:fillRef>
+          <a:effectRef idx="0">
+            <a:schemeClr val="accent4"/>
+          </a:effectRef>
+          <a:fontRef idx="minor">
+            <a:schemeClr val="lt1"/>
+          </a:fontRef>
+        </p:style>
+        <p:txBody>
+          <a:bodyPr rtlCol="0" anchor="ctr"/>
+          <a:lstStyle/>
+          <a:p>
+            <a:pPr algn="ctr"/>
+            <a:r>
+              <a:rPr lang="en-US" sz="3200" dirty="0"/>
+              <a:t>Super Edge</a:t>
+            </a:r>
+          </a:p>
+        </p:txBody>
+      </p:sp>
+      <p:sp>
+        <p:nvSpPr>
+          <p:cNvPr id="5" name="สี่เหลี่ยมผืนผ้า 4">
+            <a:extLst>
+              <a:ext uri="{FF2B5EF4-FFF2-40B4-BE49-F238E27FC236}">
+                <a16:creationId xmlns:a16="http://schemas.microsoft.com/office/drawing/2014/main" id="{2DEAC9B8-AFC2-4122-9794-9786EAC8EBFF}"/>
+              </a:ext>
+            </a:extLst>
+          </p:cNvPr>
+          <p:cNvSpPr/>
+          <p:nvPr/>
+        </p:nvSpPr>
+        <p:spPr>
+          <a:xfrm>
+            <a:off x="8195187" y="4894968"/>
+            <a:ext cx="2644877" cy="884903"/>
+          </a:xfrm>
+          <a:prstGeom prst="rect">
+            <a:avLst/>
+          </a:prstGeom>
+          <a:solidFill>
+            <a:srgbClr val="92D050"/>
+          </a:solidFill>
+        </p:spPr>
+        <p:style>
+          <a:lnRef idx="1">
+            <a:schemeClr val="accent6"/>
+          </a:lnRef>
+          <a:fillRef idx="2">
+            <a:schemeClr val="accent6"/>
+          </a:fillRef>
+          <a:effectRef idx="1">
+            <a:schemeClr val="accent6"/>
+          </a:effectRef>
+          <a:fontRef idx="minor">
+            <a:schemeClr val="dk1"/>
+          </a:fontRef>
+        </p:style>
+        <p:txBody>
+          <a:bodyPr rtlCol="0" anchor="ctr"/>
+          <a:lstStyle/>
+          <a:p>
+            <a:pPr algn="ctr"/>
+            <a:r>
+              <a:rPr lang="en-US" sz="2400" dirty="0"/>
+              <a:t>Edge1</a:t>
+            </a:r>
+          </a:p>
+          <a:p>
+            <a:pPr algn="ctr"/>
+            <a:r>
+              <a:rPr lang="en-US" sz="2400" dirty="0"/>
+              <a:t>(Client)</a:t>
+            </a:r>
+          </a:p>
+        </p:txBody>
+      </p:sp>
+      <p:cxnSp>
+        <p:nvCxnSpPr>
+          <p:cNvPr id="17" name="ลูกศรเชื่อมต่อแบบตรง 16">
+            <a:extLst>
+              <a:ext uri="{FF2B5EF4-FFF2-40B4-BE49-F238E27FC236}">
+                <a16:creationId xmlns:a16="http://schemas.microsoft.com/office/drawing/2014/main" id="{D0FBD180-B416-4603-8720-24A665CAED57}"/>
+              </a:ext>
+            </a:extLst>
+          </p:cNvPr>
+          <p:cNvCxnSpPr>
+            <a:cxnSpLocks/>
+            <a:stCxn id="5" idx="0"/>
+            <a:endCxn id="3" idx="2"/>
+          </p:cNvCxnSpPr>
+          <p:nvPr/>
+        </p:nvCxnSpPr>
+        <p:spPr>
+          <a:xfrm flipH="1" flipV="1">
+            <a:off x="6096000" y="2118808"/>
+            <a:ext cx="3421626" cy="2776160"/>
+          </a:xfrm>
+          <a:prstGeom prst="straightConnector1">
+            <a:avLst/>
+          </a:prstGeom>
+          <a:ln w="28575">
+            <a:solidFill>
+              <a:srgbClr val="FF0000"/>
+            </a:solidFill>
+            <a:prstDash val="dash"/>
+            <a:tailEnd type="triangle"/>
+          </a:ln>
+        </p:spPr>
+        <p:style>
+          <a:lnRef idx="1">
+            <a:schemeClr val="accent1"/>
+          </a:lnRef>
+          <a:fillRef idx="0">
+            <a:schemeClr val="accent1"/>
+          </a:fillRef>
+          <a:effectRef idx="0">
+            <a:schemeClr val="accent1"/>
+          </a:effectRef>
+          <a:fontRef idx="minor">
+            <a:schemeClr val="tx1"/>
+          </a:fontRef>
+        </p:style>
+      </p:cxnSp>
+      <p:cxnSp>
+        <p:nvCxnSpPr>
+          <p:cNvPr id="20" name="ลูกศรเชื่อมต่อแบบตรง 19">
+            <a:extLst>
+              <a:ext uri="{FF2B5EF4-FFF2-40B4-BE49-F238E27FC236}">
+                <a16:creationId xmlns:a16="http://schemas.microsoft.com/office/drawing/2014/main" id="{174B6690-EDCE-4623-8F46-4C6452E9AF5F}"/>
+              </a:ext>
+            </a:extLst>
+          </p:cNvPr>
+          <p:cNvCxnSpPr>
+            <a:cxnSpLocks/>
+          </p:cNvCxnSpPr>
+          <p:nvPr/>
+        </p:nvCxnSpPr>
+        <p:spPr>
+          <a:xfrm flipH="1">
+            <a:off x="9193161" y="609599"/>
+            <a:ext cx="1140541" cy="1"/>
+          </a:xfrm>
+          <a:prstGeom prst="straightConnector1">
+            <a:avLst/>
+          </a:prstGeom>
+          <a:ln w="28575">
+            <a:solidFill>
+              <a:srgbClr val="FF0000"/>
+            </a:solidFill>
+            <a:prstDash val="dash"/>
+            <a:tailEnd type="triangle"/>
+          </a:ln>
+        </p:spPr>
+        <p:style>
+          <a:lnRef idx="1">
+            <a:schemeClr val="accent1"/>
+          </a:lnRef>
+          <a:fillRef idx="0">
+            <a:schemeClr val="accent1"/>
+          </a:fillRef>
+          <a:effectRef idx="0">
+            <a:schemeClr val="accent1"/>
+          </a:effectRef>
+          <a:fontRef idx="minor">
+            <a:schemeClr val="tx1"/>
+          </a:fontRef>
+        </p:style>
+      </p:cxnSp>
+      <p:cxnSp>
+        <p:nvCxnSpPr>
+          <p:cNvPr id="23" name="ลูกศรเชื่อมต่อแบบตรง 22">
+            <a:extLst>
+              <a:ext uri="{FF2B5EF4-FFF2-40B4-BE49-F238E27FC236}">
+                <a16:creationId xmlns:a16="http://schemas.microsoft.com/office/drawing/2014/main" id="{EEA5B526-D052-4024-96B9-C9B37BA1A166}"/>
+              </a:ext>
+            </a:extLst>
+          </p:cNvPr>
+          <p:cNvCxnSpPr>
+            <a:cxnSpLocks/>
+          </p:cNvCxnSpPr>
+          <p:nvPr/>
+        </p:nvCxnSpPr>
+        <p:spPr>
+          <a:xfrm>
+            <a:off x="9270089" y="1034885"/>
+            <a:ext cx="1140542" cy="0"/>
+          </a:xfrm>
+          <a:prstGeom prst="straightConnector1">
+            <a:avLst/>
+          </a:prstGeom>
+          <a:ln>
+            <a:solidFill>
+              <a:srgbClr val="0070C0"/>
+            </a:solidFill>
+            <a:headEnd type="triangle"/>
+            <a:tailEnd type="triangle"/>
+          </a:ln>
+        </p:spPr>
+        <p:style>
+          <a:lnRef idx="3">
+            <a:schemeClr val="accent1"/>
+          </a:lnRef>
+          <a:fillRef idx="0">
+            <a:schemeClr val="accent1"/>
+          </a:fillRef>
+          <a:effectRef idx="2">
+            <a:schemeClr val="accent1"/>
+          </a:effectRef>
+          <a:fontRef idx="minor">
+            <a:schemeClr val="tx1"/>
+          </a:fontRef>
+        </p:style>
+      </p:cxnSp>
+      <p:pic>
+        <p:nvPicPr>
+          <p:cNvPr id="1026" name="Picture 2">
+            <a:extLst>
+              <a:ext uri="{FF2B5EF4-FFF2-40B4-BE49-F238E27FC236}">
+                <a16:creationId xmlns:a16="http://schemas.microsoft.com/office/drawing/2014/main" id="{994730F0-9C03-4DC7-B58A-B1780D68728C}"/>
+              </a:ext>
+            </a:extLst>
+          </p:cNvPr>
+          <p:cNvPicPr>
+            <a:picLocks noChangeAspect="1" noChangeArrowheads="1"/>
+          </p:cNvPicPr>
+          <p:nvPr/>
+        </p:nvPicPr>
+        <p:blipFill>
+          <a:blip r:embed="rId2">
+            <a:extLst>
+              <a:ext uri="{28A0092B-C50C-407E-A947-70E740481C1C}">
+                <a14:useLocalDpi xmlns:a14="http://schemas.microsoft.com/office/drawing/2010/main" val="0"/>
+              </a:ext>
+            </a:extLst>
+          </a:blip>
+          <a:srcRect/>
+          <a:stretch>
+            <a:fillRect/>
+          </a:stretch>
+        </p:blipFill>
+        <p:spPr bwMode="auto">
+          <a:xfrm>
+            <a:off x="2674373" y="1416015"/>
+            <a:ext cx="931607" cy="931607"/>
+          </a:xfrm>
+          <a:prstGeom prst="rect">
+            <a:avLst/>
+          </a:prstGeom>
+          <a:noFill/>
+          <a:extLst>
+            <a:ext uri="{909E8E84-426E-40DD-AFC4-6F175D3DCCD1}">
+              <a14:hiddenFill xmlns:a14="http://schemas.microsoft.com/office/drawing/2010/main">
+                <a:solidFill>
+                  <a:srgbClr val="FFFFFF"/>
+                </a:solidFill>
+              </a14:hiddenFill>
+            </a:ext>
+          </a:extLst>
+        </p:spPr>
+      </p:pic>
+      <p:sp>
+        <p:nvSpPr>
+          <p:cNvPr id="27" name="กล่องข้อความ 26">
+            <a:extLst>
+              <a:ext uri="{FF2B5EF4-FFF2-40B4-BE49-F238E27FC236}">
+                <a16:creationId xmlns:a16="http://schemas.microsoft.com/office/drawing/2014/main" id="{ECF044D1-0A47-4907-984A-07E2141D0435}"/>
+              </a:ext>
+            </a:extLst>
+          </p:cNvPr>
+          <p:cNvSpPr txBox="1"/>
+          <p:nvPr/>
+        </p:nvSpPr>
+        <p:spPr>
+          <a:xfrm>
+            <a:off x="1715829" y="2210887"/>
+            <a:ext cx="2775055" cy="369332"/>
+          </a:xfrm>
+          <a:prstGeom prst="rect">
+            <a:avLst/>
+          </a:prstGeom>
+          <a:noFill/>
+        </p:spPr>
+        <p:txBody>
+          <a:bodyPr wrap="none" rtlCol="0">
+            <a:spAutoFit/>
+          </a:bodyPr>
+          <a:lstStyle/>
+          <a:p>
+            <a:r>
+              <a:rPr lang="en-US" dirty="0"/>
+              <a:t>CPU Utilization of Edge1 &amp;2</a:t>
+            </a:r>
+          </a:p>
+        </p:txBody>
+      </p:sp>
+      <p:pic>
+        <p:nvPicPr>
+          <p:cNvPr id="32" name="Picture 2">
+            <a:extLst>
+              <a:ext uri="{FF2B5EF4-FFF2-40B4-BE49-F238E27FC236}">
+                <a16:creationId xmlns:a16="http://schemas.microsoft.com/office/drawing/2014/main" id="{E6D24608-7D56-4081-9B72-36C1D87AAA78}"/>
+              </a:ext>
+            </a:extLst>
+          </p:cNvPr>
+          <p:cNvPicPr>
+            <a:picLocks noChangeAspect="1" noChangeArrowheads="1"/>
+          </p:cNvPicPr>
+          <p:nvPr/>
+        </p:nvPicPr>
+        <p:blipFill>
+          <a:blip r:embed="rId2">
+            <a:extLst>
+              <a:ext uri="{28A0092B-C50C-407E-A947-70E740481C1C}">
+                <a14:useLocalDpi xmlns:a14="http://schemas.microsoft.com/office/drawing/2010/main" val="0"/>
+              </a:ext>
+            </a:extLst>
+          </a:blip>
+          <a:srcRect/>
+          <a:stretch>
+            <a:fillRect/>
+          </a:stretch>
+        </p:blipFill>
+        <p:spPr bwMode="auto">
+          <a:xfrm>
+            <a:off x="10994922" y="5244012"/>
+            <a:ext cx="931607" cy="931607"/>
+          </a:xfrm>
+          <a:prstGeom prst="rect">
+            <a:avLst/>
+          </a:prstGeom>
+          <a:noFill/>
+          <a:extLst>
+            <a:ext uri="{909E8E84-426E-40DD-AFC4-6F175D3DCCD1}">
+              <a14:hiddenFill xmlns:a14="http://schemas.microsoft.com/office/drawing/2010/main">
+                <a:solidFill>
+                  <a:srgbClr val="FFFFFF"/>
+                </a:solidFill>
+              </a14:hiddenFill>
+            </a:ext>
+          </a:extLst>
+        </p:spPr>
+      </p:pic>
+      <p:sp>
+        <p:nvSpPr>
+          <p:cNvPr id="36" name="กล่องข้อความ 35">
+            <a:extLst>
+              <a:ext uri="{FF2B5EF4-FFF2-40B4-BE49-F238E27FC236}">
+                <a16:creationId xmlns:a16="http://schemas.microsoft.com/office/drawing/2014/main" id="{3C40958D-2951-4D65-85B5-0B30EF4F4ADA}"/>
+              </a:ext>
+            </a:extLst>
+          </p:cNvPr>
+          <p:cNvSpPr txBox="1"/>
+          <p:nvPr/>
+        </p:nvSpPr>
+        <p:spPr>
+          <a:xfrm>
+            <a:off x="9910971" y="5888026"/>
+            <a:ext cx="1083951" cy="646331"/>
+          </a:xfrm>
+          <a:prstGeom prst="rect">
+            <a:avLst/>
+          </a:prstGeom>
+          <a:noFill/>
+        </p:spPr>
+        <p:txBody>
+          <a:bodyPr wrap="none" rtlCol="0">
+            <a:spAutoFit/>
+          </a:bodyPr>
+          <a:lstStyle/>
+          <a:p>
+            <a:r>
+              <a:rPr lang="en-US" dirty="0"/>
+              <a:t>Iperf3 log</a:t>
+            </a:r>
+          </a:p>
+          <a:p>
+            <a:r>
+              <a:rPr lang="en-US" dirty="0"/>
+              <a:t>edge1</a:t>
+            </a:r>
+          </a:p>
+        </p:txBody>
+      </p:sp>
+      <p:sp>
+        <p:nvSpPr>
+          <p:cNvPr id="30" name="กล่องข้อความ 29">
+            <a:extLst>
+              <a:ext uri="{FF2B5EF4-FFF2-40B4-BE49-F238E27FC236}">
+                <a16:creationId xmlns:a16="http://schemas.microsoft.com/office/drawing/2014/main" id="{74CA634C-ECE5-48B3-A107-4A2D0906318F}"/>
+              </a:ext>
+            </a:extLst>
+          </p:cNvPr>
+          <p:cNvSpPr txBox="1"/>
+          <p:nvPr/>
+        </p:nvSpPr>
+        <p:spPr>
+          <a:xfrm>
+            <a:off x="10512435" y="850219"/>
+            <a:ext cx="1196033" cy="369332"/>
+          </a:xfrm>
+          <a:prstGeom prst="rect">
+            <a:avLst/>
+          </a:prstGeom>
+          <a:noFill/>
+        </p:spPr>
+        <p:txBody>
+          <a:bodyPr wrap="none" rtlCol="0">
+            <a:spAutoFit/>
+          </a:bodyPr>
+          <a:lstStyle/>
+          <a:p>
+            <a:r>
+              <a:rPr lang="en-US" dirty="0"/>
+              <a:t>Data plane</a:t>
+            </a:r>
+          </a:p>
+        </p:txBody>
+      </p:sp>
+      <p:sp>
+        <p:nvSpPr>
+          <p:cNvPr id="38" name="กล่องข้อความ 37">
+            <a:extLst>
+              <a:ext uri="{FF2B5EF4-FFF2-40B4-BE49-F238E27FC236}">
+                <a16:creationId xmlns:a16="http://schemas.microsoft.com/office/drawing/2014/main" id="{AD86B326-AA62-47BD-8F39-A07B4ED68F11}"/>
+              </a:ext>
+            </a:extLst>
+          </p:cNvPr>
+          <p:cNvSpPr txBox="1"/>
+          <p:nvPr/>
+        </p:nvSpPr>
+        <p:spPr>
+          <a:xfrm>
+            <a:off x="10410631" y="407768"/>
+            <a:ext cx="1453218" cy="369332"/>
+          </a:xfrm>
+          <a:prstGeom prst="rect">
+            <a:avLst/>
+          </a:prstGeom>
+          <a:noFill/>
+        </p:spPr>
+        <p:txBody>
+          <a:bodyPr wrap="none" rtlCol="0">
+            <a:spAutoFit/>
+          </a:bodyPr>
+          <a:lstStyle/>
+          <a:p>
+            <a:r>
+              <a:rPr lang="en-US" dirty="0"/>
+              <a:t>Control plane</a:t>
+            </a:r>
+          </a:p>
+        </p:txBody>
+      </p:sp>
+      <p:sp>
+        <p:nvSpPr>
+          <p:cNvPr id="41" name="กล่องข้อความ 40">
+            <a:extLst>
+              <a:ext uri="{FF2B5EF4-FFF2-40B4-BE49-F238E27FC236}">
+                <a16:creationId xmlns:a16="http://schemas.microsoft.com/office/drawing/2014/main" id="{1B5A6E81-80B5-4517-A025-FE1C8761DB49}"/>
+              </a:ext>
+            </a:extLst>
+          </p:cNvPr>
+          <p:cNvSpPr txBox="1"/>
+          <p:nvPr/>
+        </p:nvSpPr>
+        <p:spPr>
+          <a:xfrm>
+            <a:off x="3809428" y="4127510"/>
+            <a:ext cx="4910014" cy="707886"/>
+          </a:xfrm>
+          <a:prstGeom prst="rect">
+            <a:avLst/>
+          </a:prstGeom>
+          <a:ln/>
+        </p:spPr>
+        <p:style>
+          <a:lnRef idx="2">
+            <a:schemeClr val="accent1"/>
+          </a:lnRef>
+          <a:fillRef idx="1">
+            <a:schemeClr val="lt1"/>
+          </a:fillRef>
+          <a:effectRef idx="0">
+            <a:schemeClr val="accent1"/>
+          </a:effectRef>
+          <a:fontRef idx="minor">
+            <a:schemeClr val="dk1"/>
+          </a:fontRef>
+        </p:style>
+        <p:txBody>
+          <a:bodyPr wrap="square" rtlCol="0">
+            <a:spAutoFit/>
+          </a:bodyPr>
+          <a:lstStyle/>
+          <a:p>
+            <a:pPr algn="ctr"/>
+            <a:r>
+              <a:rPr lang="en-US" sz="2000" dirty="0"/>
+              <a:t>UDP packets</a:t>
+            </a:r>
+          </a:p>
+          <a:p>
+            <a:pPr marL="342900" indent="-342900" algn="ctr">
+              <a:buFont typeface="Arial" panose="020B0604020202020204" pitchFamily="34" charset="0"/>
+              <a:buChar char="•"/>
+            </a:pPr>
+            <a:r>
+              <a:rPr lang="en-US" sz="2000" dirty="0"/>
+              <a:t> Iperf3 –u –b [2, 4 , 6 ,..., 20M] –t 90 or 75</a:t>
+            </a:r>
+          </a:p>
+        </p:txBody>
+      </p:sp>
+      <p:sp>
+        <p:nvSpPr>
+          <p:cNvPr id="43" name="กล่องข้อความ 42">
+            <a:extLst>
+              <a:ext uri="{FF2B5EF4-FFF2-40B4-BE49-F238E27FC236}">
+                <a16:creationId xmlns:a16="http://schemas.microsoft.com/office/drawing/2014/main" id="{AA1740FF-70E9-44EE-B529-78EAFF10D595}"/>
+              </a:ext>
+            </a:extLst>
+          </p:cNvPr>
+          <p:cNvSpPr txBox="1"/>
+          <p:nvPr/>
+        </p:nvSpPr>
+        <p:spPr>
+          <a:xfrm>
+            <a:off x="4363705" y="2945987"/>
+            <a:ext cx="3675979" cy="1015663"/>
+          </a:xfrm>
+          <a:prstGeom prst="rect">
+            <a:avLst/>
+          </a:prstGeom>
+          <a:ln>
+            <a:solidFill>
+              <a:srgbClr val="FF0000"/>
+            </a:solidFill>
+          </a:ln>
+        </p:spPr>
+        <p:style>
+          <a:lnRef idx="2">
+            <a:schemeClr val="accent1"/>
+          </a:lnRef>
+          <a:fillRef idx="1">
+            <a:schemeClr val="lt1"/>
+          </a:fillRef>
+          <a:effectRef idx="0">
+            <a:schemeClr val="accent1"/>
+          </a:effectRef>
+          <a:fontRef idx="minor">
+            <a:schemeClr val="dk1"/>
+          </a:fontRef>
+        </p:style>
+        <p:txBody>
+          <a:bodyPr wrap="square" rtlCol="0">
+            <a:spAutoFit/>
+          </a:bodyPr>
+          <a:lstStyle/>
+          <a:p>
+            <a:pPr marL="342900" indent="-342900">
+              <a:buFont typeface="Arial" panose="020B0604020202020204" pitchFamily="34" charset="0"/>
+              <a:buChar char="•"/>
+            </a:pPr>
+            <a:r>
+              <a:rPr lang="en-US" sz="2000" dirty="0"/>
+              <a:t>Streaming %CPU info 20 points for every bitrate parameters</a:t>
+            </a:r>
+          </a:p>
+        </p:txBody>
+      </p:sp>
+      <p:sp>
+        <p:nvSpPr>
+          <p:cNvPr id="26" name="วงรี 25">
+            <a:extLst>
+              <a:ext uri="{FF2B5EF4-FFF2-40B4-BE49-F238E27FC236}">
+                <a16:creationId xmlns:a16="http://schemas.microsoft.com/office/drawing/2014/main" id="{49C88A71-8CDC-4422-8F2A-64B7529A4FA4}"/>
+              </a:ext>
+            </a:extLst>
+          </p:cNvPr>
+          <p:cNvSpPr/>
+          <p:nvPr/>
+        </p:nvSpPr>
+        <p:spPr>
+          <a:xfrm>
+            <a:off x="613313" y="4894968"/>
+            <a:ext cx="2939846" cy="1950205"/>
+          </a:xfrm>
+          <a:prstGeom prst="ellipse">
+            <a:avLst/>
+          </a:prstGeom>
+          <a:solidFill>
+            <a:schemeClr val="accent6">
+              <a:lumMod val="20000"/>
+              <a:lumOff val="80000"/>
+            </a:schemeClr>
+          </a:solidFill>
+        </p:spPr>
+        <p:style>
+          <a:lnRef idx="2">
+            <a:schemeClr val="accent1">
+              <a:shade val="50000"/>
+            </a:schemeClr>
+          </a:lnRef>
+          <a:fillRef idx="1">
+            <a:schemeClr val="accent1"/>
+          </a:fillRef>
+          <a:effectRef idx="0">
+            <a:schemeClr val="accent1"/>
+          </a:effectRef>
+          <a:fontRef idx="minor">
+            <a:schemeClr val="lt1"/>
+          </a:fontRef>
+        </p:style>
+        <p:txBody>
+          <a:bodyPr rtlCol="0" anchor="ctr"/>
+          <a:lstStyle/>
+          <a:p>
+            <a:pPr algn="ctr"/>
+            <a:endParaRPr lang="en-US"/>
+          </a:p>
+        </p:txBody>
+      </p:sp>
+      <p:sp>
+        <p:nvSpPr>
+          <p:cNvPr id="28" name="สี่เหลี่ยมผืนผ้า 27">
+            <a:extLst>
+              <a:ext uri="{FF2B5EF4-FFF2-40B4-BE49-F238E27FC236}">
+                <a16:creationId xmlns:a16="http://schemas.microsoft.com/office/drawing/2014/main" id="{F85BDC75-946A-4643-88D0-15253036204F}"/>
+              </a:ext>
+            </a:extLst>
+          </p:cNvPr>
+          <p:cNvSpPr/>
+          <p:nvPr/>
+        </p:nvSpPr>
+        <p:spPr>
+          <a:xfrm>
+            <a:off x="114356" y="4724883"/>
+            <a:ext cx="2644877" cy="884903"/>
+          </a:xfrm>
+          <a:prstGeom prst="rect">
+            <a:avLst/>
+          </a:prstGeom>
+          <a:solidFill>
+            <a:srgbClr val="92D050"/>
+          </a:solidFill>
+        </p:spPr>
+        <p:style>
+          <a:lnRef idx="1">
+            <a:schemeClr val="accent6"/>
+          </a:lnRef>
+          <a:fillRef idx="2">
+            <a:schemeClr val="accent6"/>
+          </a:fillRef>
+          <a:effectRef idx="1">
+            <a:schemeClr val="accent6"/>
+          </a:effectRef>
+          <a:fontRef idx="minor">
+            <a:schemeClr val="dk1"/>
+          </a:fontRef>
+        </p:style>
+        <p:txBody>
+          <a:bodyPr rtlCol="0" anchor="ctr"/>
+          <a:lstStyle/>
+          <a:p>
+            <a:pPr algn="ctr"/>
+            <a:r>
+              <a:rPr lang="en-US" sz="3200" dirty="0"/>
+              <a:t>Edge4</a:t>
+            </a:r>
+          </a:p>
+          <a:p>
+            <a:pPr algn="ctr"/>
+            <a:r>
+              <a:rPr lang="en-US" sz="3200" dirty="0"/>
+              <a:t>(Client)</a:t>
+            </a:r>
+          </a:p>
+        </p:txBody>
+      </p:sp>
+      <p:sp>
+        <p:nvSpPr>
+          <p:cNvPr id="40" name="กล่องข้อความ 39">
+            <a:extLst>
+              <a:ext uri="{FF2B5EF4-FFF2-40B4-BE49-F238E27FC236}">
+                <a16:creationId xmlns:a16="http://schemas.microsoft.com/office/drawing/2014/main" id="{B7F9FAC4-09DB-4AB5-98FD-85FAFC05DBB0}"/>
+              </a:ext>
+            </a:extLst>
+          </p:cNvPr>
+          <p:cNvSpPr txBox="1"/>
+          <p:nvPr/>
+        </p:nvSpPr>
+        <p:spPr>
+          <a:xfrm>
+            <a:off x="1847410" y="5904314"/>
+            <a:ext cx="1083951" cy="646331"/>
+          </a:xfrm>
+          <a:prstGeom prst="rect">
+            <a:avLst/>
+          </a:prstGeom>
+          <a:noFill/>
+        </p:spPr>
+        <p:txBody>
+          <a:bodyPr wrap="none" rtlCol="0">
+            <a:spAutoFit/>
+          </a:bodyPr>
+          <a:lstStyle/>
+          <a:p>
+            <a:r>
+              <a:rPr lang="en-US" dirty="0"/>
+              <a:t>Iperf3 log</a:t>
+            </a:r>
+          </a:p>
+          <a:p>
+            <a:r>
+              <a:rPr lang="en-US" dirty="0"/>
+              <a:t>edge4</a:t>
+            </a:r>
+          </a:p>
+        </p:txBody>
+      </p:sp>
+      <p:pic>
+        <p:nvPicPr>
+          <p:cNvPr id="42" name="Picture 2">
+            <a:extLst>
+              <a:ext uri="{FF2B5EF4-FFF2-40B4-BE49-F238E27FC236}">
+                <a16:creationId xmlns:a16="http://schemas.microsoft.com/office/drawing/2014/main" id="{6EF28FAF-6ABB-4E90-AE8E-B49ED2124AF2}"/>
+              </a:ext>
+            </a:extLst>
+          </p:cNvPr>
+          <p:cNvPicPr>
+            <a:picLocks noChangeAspect="1" noChangeArrowheads="1"/>
+          </p:cNvPicPr>
+          <p:nvPr/>
+        </p:nvPicPr>
+        <p:blipFill>
+          <a:blip r:embed="rId2">
+            <a:extLst>
+              <a:ext uri="{28A0092B-C50C-407E-A947-70E740481C1C}">
+                <a14:useLocalDpi xmlns:a14="http://schemas.microsoft.com/office/drawing/2010/main" val="0"/>
+              </a:ext>
+            </a:extLst>
+          </a:blip>
+          <a:srcRect/>
+          <a:stretch>
+            <a:fillRect/>
+          </a:stretch>
+        </p:blipFill>
+        <p:spPr bwMode="auto">
+          <a:xfrm>
+            <a:off x="764558" y="5602750"/>
+            <a:ext cx="931607" cy="931607"/>
+          </a:xfrm>
+          <a:prstGeom prst="rect">
+            <a:avLst/>
+          </a:prstGeom>
+          <a:noFill/>
+          <a:extLst>
+            <a:ext uri="{909E8E84-426E-40DD-AFC4-6F175D3DCCD1}">
+              <a14:hiddenFill xmlns:a14="http://schemas.microsoft.com/office/drawing/2010/main">
+                <a:solidFill>
+                  <a:srgbClr val="FFFFFF"/>
+                </a:solidFill>
+              </a14:hiddenFill>
+            </a:ext>
+          </a:extLst>
+        </p:spPr>
+      </p:pic>
+      <p:cxnSp>
+        <p:nvCxnSpPr>
+          <p:cNvPr id="50" name="ลูกศรเชื่อมต่อแบบตรง 49">
+            <a:extLst>
+              <a:ext uri="{FF2B5EF4-FFF2-40B4-BE49-F238E27FC236}">
+                <a16:creationId xmlns:a16="http://schemas.microsoft.com/office/drawing/2014/main" id="{40551D1C-2D4D-48F3-BE3A-5B7A4BA6D6D6}"/>
+              </a:ext>
+            </a:extLst>
+          </p:cNvPr>
+          <p:cNvCxnSpPr>
+            <a:cxnSpLocks/>
+            <a:stCxn id="5" idx="0"/>
+            <a:endCxn id="3" idx="3"/>
+          </p:cNvCxnSpPr>
+          <p:nvPr/>
+        </p:nvCxnSpPr>
+        <p:spPr>
+          <a:xfrm flipH="1" flipV="1">
+            <a:off x="7418438" y="1676357"/>
+            <a:ext cx="2099188" cy="3218611"/>
+          </a:xfrm>
+          <a:prstGeom prst="straightConnector1">
+            <a:avLst/>
+          </a:prstGeom>
+          <a:ln>
+            <a:solidFill>
+              <a:srgbClr val="0070C0"/>
+            </a:solidFill>
+            <a:headEnd type="triangle"/>
+            <a:tailEnd type="triangle"/>
+          </a:ln>
+        </p:spPr>
+        <p:style>
+          <a:lnRef idx="3">
+            <a:schemeClr val="accent1"/>
+          </a:lnRef>
+          <a:fillRef idx="0">
+            <a:schemeClr val="accent1"/>
+          </a:fillRef>
+          <a:effectRef idx="2">
+            <a:schemeClr val="accent1"/>
+          </a:effectRef>
+          <a:fontRef idx="minor">
+            <a:schemeClr val="tx1"/>
+          </a:fontRef>
+        </p:style>
+      </p:cxnSp>
+      <p:cxnSp>
+        <p:nvCxnSpPr>
+          <p:cNvPr id="15" name="ลูกศรเชื่อมต่อแบบตรง 14">
+            <a:extLst>
+              <a:ext uri="{FF2B5EF4-FFF2-40B4-BE49-F238E27FC236}">
+                <a16:creationId xmlns:a16="http://schemas.microsoft.com/office/drawing/2014/main" id="{9563AE3E-B613-4C32-A263-F68A285BEF9C}"/>
+              </a:ext>
+            </a:extLst>
+          </p:cNvPr>
+          <p:cNvCxnSpPr>
+            <a:stCxn id="28" idx="3"/>
+          </p:cNvCxnSpPr>
+          <p:nvPr/>
+        </p:nvCxnSpPr>
+        <p:spPr>
+          <a:xfrm flipV="1">
+            <a:off x="2759233" y="5161935"/>
+            <a:ext cx="6433928" cy="5400"/>
+          </a:xfrm>
+          <a:prstGeom prst="straightConnector1">
+            <a:avLst/>
+          </a:prstGeom>
+          <a:ln>
+            <a:tailEnd type="triangle"/>
+          </a:ln>
+        </p:spPr>
+        <p:style>
+          <a:lnRef idx="1">
+            <a:schemeClr val="accent1"/>
+          </a:lnRef>
+          <a:fillRef idx="0">
+            <a:schemeClr val="accent1"/>
+          </a:fillRef>
+          <a:effectRef idx="0">
+            <a:schemeClr val="accent1"/>
+          </a:effectRef>
+          <a:fontRef idx="minor">
+            <a:schemeClr val="tx1"/>
+          </a:fontRef>
+        </p:style>
+      </p:cxnSp>
+      <p:cxnSp>
+        <p:nvCxnSpPr>
+          <p:cNvPr id="51" name="ลูกศรเชื่อมต่อแบบตรง 50">
+            <a:extLst>
+              <a:ext uri="{FF2B5EF4-FFF2-40B4-BE49-F238E27FC236}">
+                <a16:creationId xmlns:a16="http://schemas.microsoft.com/office/drawing/2014/main" id="{582BB28C-898F-4E36-BCCF-D9A271F2051F}"/>
+              </a:ext>
+            </a:extLst>
+          </p:cNvPr>
+          <p:cNvCxnSpPr>
+            <a:cxnSpLocks/>
+            <a:endCxn id="3" idx="3"/>
+          </p:cNvCxnSpPr>
+          <p:nvPr/>
+        </p:nvCxnSpPr>
+        <p:spPr>
+          <a:xfrm flipH="1" flipV="1">
+            <a:off x="7418438" y="1676357"/>
+            <a:ext cx="1705897" cy="3485578"/>
+          </a:xfrm>
+          <a:prstGeom prst="straightConnector1">
+            <a:avLst/>
+          </a:prstGeom>
+          <a:ln>
+            <a:tailEnd type="triangle"/>
+          </a:ln>
+        </p:spPr>
+        <p:style>
+          <a:lnRef idx="1">
+            <a:schemeClr val="accent1"/>
+          </a:lnRef>
+          <a:fillRef idx="0">
+            <a:schemeClr val="accent1"/>
+          </a:fillRef>
+          <a:effectRef idx="0">
+            <a:schemeClr val="accent1"/>
+          </a:effectRef>
+          <a:fontRef idx="minor">
+            <a:schemeClr val="tx1"/>
+          </a:fontRef>
+        </p:style>
+      </p:cxnSp>
+    </p:spTree>
+    <p:extLst>
+      <p:ext uri="{BB962C8B-B14F-4D97-AF65-F5344CB8AC3E}">
+        <p14:creationId xmlns:p14="http://schemas.microsoft.com/office/powerpoint/2010/main" val="2395044230"/>
+      </p:ext>
+    </p:extLst>
+  </p:cSld>
+  <p:clrMapOvr>
+    <a:masterClrMapping/>
+  </p:clrMapOvr>
+</p:sld>
+</file>
+
+<file path=ppt/slides/slide13.xml><?xml version="1.0" encoding="utf-8"?>
+<p:sld xmlns:a="http://schemas.openxmlformats.org/drawingml/2006/main" xmlns:r="http://schemas.openxmlformats.org/officeDocument/2006/relationships" xmlns:p="http://schemas.openxmlformats.org/presentationml/2006/main">
+  <p:cSld>
+    <p:spTree>
+      <p:nvGrpSpPr>
+        <p:cNvPr id="1" name=""/>
+        <p:cNvGrpSpPr/>
+        <p:nvPr/>
+      </p:nvGrpSpPr>
+      <p:grpSpPr>
+        <a:xfrm>
+          <a:off x="0" y="0"/>
+          <a:ext cx="0" cy="0"/>
+          <a:chOff x="0" y="0"/>
+          <a:chExt cx="0" cy="0"/>
+        </a:xfrm>
+      </p:grpSpPr>
+      <p:graphicFrame>
+        <p:nvGraphicFramePr>
+          <p:cNvPr id="4" name="แผนภูมิ 3">
+            <a:extLst>
+              <a:ext uri="{FF2B5EF4-FFF2-40B4-BE49-F238E27FC236}">
+                <a16:creationId xmlns:a16="http://schemas.microsoft.com/office/drawing/2014/main" id="{2327B33F-DA2F-410F-899D-FD78BD491865}"/>
+              </a:ext>
+            </a:extLst>
+          </p:cNvPr>
+          <p:cNvGraphicFramePr>
+            <a:graphicFrameLocks/>
+          </p:cNvGraphicFramePr>
+          <p:nvPr>
+            <p:extLst>
+              <p:ext uri="{D42A27DB-BD31-4B8C-83A1-F6EECF244321}">
+                <p14:modId xmlns:p14="http://schemas.microsoft.com/office/powerpoint/2010/main" val="3426218728"/>
+              </p:ext>
+            </p:extLst>
+          </p:nvPr>
+        </p:nvGraphicFramePr>
+        <p:xfrm>
+          <a:off x="1369599" y="1358426"/>
+          <a:ext cx="8803871" cy="4495107"/>
+        </p:xfrm>
+        <a:graphic>
+          <a:graphicData uri="http://schemas.openxmlformats.org/drawingml/2006/chart">
+            <c:chart xmlns:c="http://schemas.openxmlformats.org/drawingml/2006/chart" xmlns:r="http://schemas.openxmlformats.org/officeDocument/2006/relationships" r:id="rId2"/>
+          </a:graphicData>
+        </a:graphic>
+      </p:graphicFrame>
+    </p:spTree>
+    <p:extLst>
+      <p:ext uri="{BB962C8B-B14F-4D97-AF65-F5344CB8AC3E}">
+        <p14:creationId xmlns:p14="http://schemas.microsoft.com/office/powerpoint/2010/main" val="1913069605"/>
+      </p:ext>
+    </p:extLst>
+  </p:cSld>
+  <p:clrMapOvr>
+    <a:masterClrMapping/>
+  </p:clrMapOvr>
+</p:sld>
+</file>
+
+<file path=ppt/slides/slide14.xml><?xml version="1.0" encoding="utf-8"?>
+<p:sld xmlns:a="http://schemas.openxmlformats.org/drawingml/2006/main" xmlns:r="http://schemas.openxmlformats.org/officeDocument/2006/relationships" xmlns:p="http://schemas.openxmlformats.org/presentationml/2006/main">
+  <p:cSld>
+    <p:spTree>
+      <p:nvGrpSpPr>
+        <p:cNvPr id="1" name=""/>
+        <p:cNvGrpSpPr/>
+        <p:nvPr/>
+      </p:nvGrpSpPr>
+      <p:grpSpPr>
+        <a:xfrm>
+          <a:off x="0" y="0"/>
+          <a:ext cx="0" cy="0"/>
+          <a:chOff x="0" y="0"/>
+          <a:chExt cx="0" cy="0"/>
+        </a:xfrm>
+      </p:grpSpPr>
+      <p:graphicFrame>
+        <p:nvGraphicFramePr>
+          <p:cNvPr id="4" name="แผนภูมิ 3">
+            <a:extLst>
+              <a:ext uri="{FF2B5EF4-FFF2-40B4-BE49-F238E27FC236}">
+                <a16:creationId xmlns:a16="http://schemas.microsoft.com/office/drawing/2014/main" id="{A63F6788-E08A-4FA4-9289-981B6BA78A94}"/>
+              </a:ext>
+            </a:extLst>
+          </p:cNvPr>
+          <p:cNvGraphicFramePr>
+            <a:graphicFrameLocks/>
+          </p:cNvGraphicFramePr>
+          <p:nvPr/>
+        </p:nvGraphicFramePr>
+        <p:xfrm>
+          <a:off x="1512570" y="968828"/>
+          <a:ext cx="9166860" cy="4920343"/>
+        </p:xfrm>
+        <a:graphic>
+          <a:graphicData uri="http://schemas.openxmlformats.org/drawingml/2006/chart">
+            <c:chart xmlns:c="http://schemas.openxmlformats.org/drawingml/2006/chart" xmlns:r="http://schemas.openxmlformats.org/officeDocument/2006/relationships" r:id="rId2"/>
+          </a:graphicData>
+        </a:graphic>
+      </p:graphicFrame>
+    </p:spTree>
+    <p:extLst>
+      <p:ext uri="{BB962C8B-B14F-4D97-AF65-F5344CB8AC3E}">
+        <p14:creationId xmlns:p14="http://schemas.microsoft.com/office/powerpoint/2010/main" val="3246187854"/>
+      </p:ext>
+    </p:extLst>
+  </p:cSld>
+  <p:clrMapOvr>
+    <a:masterClrMapping/>
+  </p:clrMapOvr>
+</p:sld>
+</file>
+
+<file path=ppt/slides/slide15.xml><?xml version="1.0" encoding="utf-8"?>
+<p:sld xmlns:a="http://schemas.openxmlformats.org/drawingml/2006/main" xmlns:r="http://schemas.openxmlformats.org/officeDocument/2006/relationships" xmlns:p="http://schemas.openxmlformats.org/presentationml/2006/main">
+  <p:cSld>
+    <p:bg>
+      <p:bgPr>
+        <a:solidFill>
+          <a:schemeClr val="bg1"/>
+        </a:solidFill>
+        <a:effectLst/>
+      </p:bgPr>
+    </p:bg>
+    <p:spTree>
+      <p:nvGrpSpPr>
+        <p:cNvPr id="1" name=""/>
+        <p:cNvGrpSpPr/>
+        <p:nvPr/>
+      </p:nvGrpSpPr>
+      <p:grpSpPr>
+        <a:xfrm>
+          <a:off x="0" y="0"/>
+          <a:ext cx="0" cy="0"/>
+          <a:chOff x="0" y="0"/>
+          <a:chExt cx="0" cy="0"/>
+        </a:xfrm>
+      </p:grpSpPr>
+      <p:sp useBgFill="1">
+        <p:nvSpPr>
+          <p:cNvPr id="10" name="Rectangle 9">
+            <a:extLst>
+              <a:ext uri="{FF2B5EF4-FFF2-40B4-BE49-F238E27FC236}">
+                <a16:creationId xmlns:a16="http://schemas.microsoft.com/office/drawing/2014/main" id="{6C4028FD-8BAA-4A19-BFDE-594D991B7552}"/>
+              </a:ext>
+              <a:ext uri="{C183D7F6-B498-43B3-948B-1728B52AA6E4}">
+                <adec:decorative xmlns:adec="http://schemas.microsoft.com/office/drawing/2017/decorative" val="1"/>
+              </a:ext>
+            </a:extLst>
+          </p:cNvPr>
+          <p:cNvSpPr>
+            <a:spLocks noGrp="1" noRot="1" noChangeAspect="1" noMove="1" noResize="1" noEditPoints="1" noAdjustHandles="1" noChangeArrowheads="1" noChangeShapeType="1" noTextEdit="1"/>
+          </p:cNvSpPr>
+          <p:nvPr>
+            <p:extLst>
+              <p:ext uri="{386F3935-93C4-4BCD-93E2-E3B085C9AB24}">
+                <p16:designElem xmlns:p16="http://schemas.microsoft.com/office/powerpoint/2015/main" val="1"/>
+              </p:ext>
+            </p:extLst>
+          </p:nvPr>
+        </p:nvSpPr>
+        <p:spPr>
+          <a:xfrm>
+            <a:off x="-1" y="0"/>
+            <a:ext cx="12188952" cy="6858000"/>
+          </a:xfrm>
+          <a:prstGeom prst="rect">
+            <a:avLst/>
+          </a:prstGeom>
+          <a:ln>
+            <a:noFill/>
+          </a:ln>
+        </p:spPr>
+        <p:style>
+          <a:lnRef idx="2">
+            <a:schemeClr val="accent1">
+              <a:shade val="50000"/>
+            </a:schemeClr>
+          </a:lnRef>
+          <a:fillRef idx="1">
+            <a:schemeClr val="accent1"/>
+          </a:fillRef>
+          <a:effectRef idx="0">
+            <a:schemeClr val="accent1"/>
+          </a:effectRef>
+          <a:fontRef idx="minor">
+            <a:schemeClr val="lt1"/>
+          </a:fontRef>
+        </p:style>
+        <p:txBody>
+          <a:bodyPr rtlCol="0" anchor="ctr"/>
+          <a:lstStyle/>
+          <a:p>
+            <a:pPr algn="ctr"/>
+            <a:endParaRPr lang="en-US"/>
+          </a:p>
+        </p:txBody>
+      </p:sp>
+      <p:sp>
+        <p:nvSpPr>
+          <p:cNvPr id="2" name="ชื่อเรื่อง 1">
+            <a:extLst>
+              <a:ext uri="{FF2B5EF4-FFF2-40B4-BE49-F238E27FC236}">
+                <a16:creationId xmlns:a16="http://schemas.microsoft.com/office/drawing/2014/main" id="{1EC80FBD-DE5C-4CD9-8E76-D747D581C381}"/>
+              </a:ext>
+            </a:extLst>
+          </p:cNvPr>
+          <p:cNvSpPr>
+            <a:spLocks noGrp="1"/>
+          </p:cNvSpPr>
+          <p:nvPr>
+            <p:ph type="title"/>
+          </p:nvPr>
+        </p:nvSpPr>
+        <p:spPr>
+          <a:xfrm>
+            <a:off x="838200" y="556995"/>
+            <a:ext cx="10515600" cy="1133693"/>
+          </a:xfrm>
+        </p:spPr>
+        <p:txBody>
+          <a:bodyPr>
+            <a:normAutofit/>
+          </a:bodyPr>
+          <a:lstStyle/>
+          <a:p>
+            <a:endParaRPr lang="en-US" sz="5200"/>
+          </a:p>
+        </p:txBody>
+      </p:sp>
+      <p:graphicFrame>
+        <p:nvGraphicFramePr>
+          <p:cNvPr id="7" name="แผนภูมิ 3">
+            <a:extLst>
+              <a:ext uri="{FF2B5EF4-FFF2-40B4-BE49-F238E27FC236}">
+                <a16:creationId xmlns:a16="http://schemas.microsoft.com/office/drawing/2014/main" id="{53AAC9F7-169E-4F89-BD7F-0212A3D56F7F}"/>
+              </a:ext>
+            </a:extLst>
+          </p:cNvPr>
+          <p:cNvGraphicFramePr>
+            <a:graphicFrameLocks noGrp="1"/>
+          </p:cNvGraphicFramePr>
+          <p:nvPr>
+            <p:ph idx="1"/>
+            <p:extLst>
+              <p:ext uri="{D42A27DB-BD31-4B8C-83A1-F6EECF244321}">
+                <p14:modId xmlns:p14="http://schemas.microsoft.com/office/powerpoint/2010/main" val="3880476816"/>
+              </p:ext>
+            </p:extLst>
+          </p:nvPr>
+        </p:nvGraphicFramePr>
+        <p:xfrm>
+          <a:off x="838200" y="1825625"/>
+          <a:ext cx="10515600" cy="4351338"/>
+        </p:xfrm>
+        <a:graphic>
+          <a:graphicData uri="http://schemas.openxmlformats.org/drawingml/2006/chart">
+            <c:chart xmlns:c="http://schemas.openxmlformats.org/drawingml/2006/chart" xmlns:r="http://schemas.openxmlformats.org/officeDocument/2006/relationships" r:id="rId2"/>
+          </a:graphicData>
+        </a:graphic>
+      </p:graphicFrame>
+    </p:spTree>
+    <p:extLst>
+      <p:ext uri="{BB962C8B-B14F-4D97-AF65-F5344CB8AC3E}">
+        <p14:creationId xmlns:p14="http://schemas.microsoft.com/office/powerpoint/2010/main" val="3591033377"/>
       </p:ext>
     </p:extLst>
   </p:cSld>

--- a/PlanB/CPU_utilization_Experiment/version2_Experiment_style/Experiment_Results.pptx
+++ b/PlanB/CPU_utilization_Experiment/version2_Experiment_style/Experiment_Results.pptx
@@ -17,9 +17,13 @@
     <p:sldId id="268" r:id="rId11"/>
     <p:sldId id="269" r:id="rId12"/>
     <p:sldId id="270" r:id="rId13"/>
-    <p:sldId id="271" r:id="rId14"/>
-    <p:sldId id="272" r:id="rId15"/>
-    <p:sldId id="273" r:id="rId16"/>
+    <p:sldId id="274" r:id="rId14"/>
+    <p:sldId id="271" r:id="rId15"/>
+    <p:sldId id="272" r:id="rId16"/>
+    <p:sldId id="273" r:id="rId17"/>
+    <p:sldId id="275" r:id="rId18"/>
+    <p:sldId id="277" r:id="rId19"/>
+    <p:sldId id="276" r:id="rId20"/>
   </p:sldIdLst>
   <p:sldSz cx="12192000" cy="6858000"/>
   <p:notesSz cx="6858000" cy="9144000"/>
@@ -979,6 +983,1790 @@
     </c:legend>
     <c:plotVisOnly val="1"/>
     <c:dispBlanksAs val="gap"/>
+    <c:showDLblsOverMax val="0"/>
+  </c:chart>
+  <c:spPr>
+    <a:noFill/>
+    <a:ln>
+      <a:noFill/>
+    </a:ln>
+    <a:effectLst/>
+  </c:spPr>
+  <c:txPr>
+    <a:bodyPr/>
+    <a:lstStyle/>
+    <a:p>
+      <a:pPr>
+        <a:defRPr/>
+      </a:pPr>
+      <a:endParaRPr lang="en-US"/>
+    </a:p>
+  </c:txPr>
+  <c:externalData r:id="rId3">
+    <c:autoUpdate val="0"/>
+  </c:externalData>
+</c:chartSpace>
+</file>
+
+<file path=ppt/charts/chart10.xml><?xml version="1.0" encoding="utf-8"?>
+<c:chartSpace xmlns:c="http://schemas.openxmlformats.org/drawingml/2006/chart" xmlns:a="http://schemas.openxmlformats.org/drawingml/2006/main" xmlns:r="http://schemas.openxmlformats.org/officeDocument/2006/relationships" xmlns:c16r2="http://schemas.microsoft.com/office/drawing/2015/06/chart">
+  <c:date1904 val="0"/>
+  <c:lang val="th-TH"/>
+  <c:roundedCorners val="0"/>
+  <mc:AlternateContent xmlns:mc="http://schemas.openxmlformats.org/markup-compatibility/2006">
+    <mc:Choice xmlns:c14="http://schemas.microsoft.com/office/drawing/2007/8/2/chart" Requires="c14">
+      <c14:style val="102"/>
+    </mc:Choice>
+    <mc:Fallback>
+      <c:style val="2"/>
+    </mc:Fallback>
+  </mc:AlternateContent>
+  <c:chart>
+    <c:title>
+      <c:tx>
+        <c:rich>
+          <a:bodyPr rot="0" spcFirstLastPara="1" vertOverflow="ellipsis" vert="horz" wrap="square" anchor="ctr" anchorCtr="1"/>
+          <a:lstStyle/>
+          <a:p>
+            <a:pPr>
+              <a:defRPr sz="1400" b="0" i="0" u="none" strike="noStrike" kern="1200" spc="0" baseline="0">
+                <a:solidFill>
+                  <a:schemeClr val="tx1">
+                    <a:lumMod val="65000"/>
+                    <a:lumOff val="35000"/>
+                  </a:schemeClr>
+                </a:solidFill>
+                <a:latin typeface="+mn-lt"/>
+                <a:ea typeface="+mn-ea"/>
+                <a:cs typeface="+mn-cs"/>
+              </a:defRPr>
+            </a:pPr>
+            <a:r>
+              <a:rPr lang="en-US" sz="1800" b="0" i="0" baseline="0">
+                <a:effectLst/>
+              </a:rPr>
+              <a:t>Experiment3: %CPU Utilisation when</a:t>
+            </a:r>
+            <a:r>
+              <a:rPr lang="th-TH" sz="1800" b="0" i="0" baseline="0">
+                <a:effectLst/>
+              </a:rPr>
+              <a:t> </a:t>
+            </a:r>
+            <a:r>
+              <a:rPr lang="en-US" sz="1800" b="0" i="0" baseline="0">
+                <a:effectLst/>
+              </a:rPr>
+              <a:t>edge4's bitrate is fixed as 15 Mpbs  </a:t>
+            </a:r>
+            <a:endParaRPr lang="en-US">
+              <a:effectLst/>
+            </a:endParaRPr>
+          </a:p>
+        </c:rich>
+      </c:tx>
+      <c:layout>
+        <c:manualLayout>
+          <c:xMode val="edge"/>
+          <c:yMode val="edge"/>
+          <c:x val="0.27952993249233621"/>
+          <c:y val="2.9237140589877499E-2"/>
+        </c:manualLayout>
+      </c:layout>
+      <c:overlay val="0"/>
+      <c:spPr>
+        <a:noFill/>
+        <a:ln>
+          <a:noFill/>
+        </a:ln>
+        <a:effectLst/>
+      </c:spPr>
+      <c:txPr>
+        <a:bodyPr rot="0" spcFirstLastPara="1" vertOverflow="ellipsis" vert="horz" wrap="square" anchor="ctr" anchorCtr="1"/>
+        <a:lstStyle/>
+        <a:p>
+          <a:pPr>
+            <a:defRPr sz="1400" b="0" i="0" u="none" strike="noStrike" kern="1200" spc="0" baseline="0">
+              <a:solidFill>
+                <a:schemeClr val="tx1">
+                  <a:lumMod val="65000"/>
+                  <a:lumOff val="35000"/>
+                </a:schemeClr>
+              </a:solidFill>
+              <a:latin typeface="+mn-lt"/>
+              <a:ea typeface="+mn-ea"/>
+              <a:cs typeface="+mn-cs"/>
+            </a:defRPr>
+          </a:pPr>
+          <a:endParaRPr lang="en-US"/>
+        </a:p>
+      </c:txPr>
+    </c:title>
+    <c:autoTitleDeleted val="0"/>
+    <c:plotArea>
+      <c:layout>
+        <c:manualLayout>
+          <c:layoutTarget val="inner"/>
+          <c:xMode val="edge"/>
+          <c:yMode val="edge"/>
+          <c:x val="6.0944166064176977E-2"/>
+          <c:y val="8.0196973751619632E-2"/>
+          <c:w val="0.92800450527220146"/>
+          <c:h val="0.75998488296474809"/>
+        </c:manualLayout>
+      </c:layout>
+      <c:scatterChart>
+        <c:scatterStyle val="lineMarker"/>
+        <c:varyColors val="0"/>
+        <c:ser>
+          <c:idx val="0"/>
+          <c:order val="0"/>
+          <c:tx>
+            <c:v>Edge1 (sender &amp; receiver)</c:v>
+          </c:tx>
+          <c:spPr>
+            <a:ln w="19050" cap="rnd">
+              <a:noFill/>
+              <a:round/>
+            </a:ln>
+            <a:effectLst/>
+          </c:spPr>
+          <c:marker>
+            <c:symbol val="circle"/>
+            <c:size val="5"/>
+            <c:spPr>
+              <a:solidFill>
+                <a:schemeClr val="accent1"/>
+              </a:solidFill>
+              <a:ln w="9525">
+                <a:solidFill>
+                  <a:schemeClr val="accent1"/>
+                </a:solidFill>
+              </a:ln>
+              <a:effectLst/>
+            </c:spPr>
+          </c:marker>
+          <c:dLbls>
+            <c:spPr>
+              <a:noFill/>
+              <a:ln>
+                <a:noFill/>
+              </a:ln>
+              <a:effectLst/>
+            </c:spPr>
+            <c:txPr>
+              <a:bodyPr rot="0" spcFirstLastPara="1" vertOverflow="ellipsis" vert="horz" wrap="square" lIns="38100" tIns="19050" rIns="38100" bIns="19050" anchor="ctr" anchorCtr="1">
+                <a:spAutoFit/>
+              </a:bodyPr>
+              <a:lstStyle/>
+              <a:p>
+                <a:pPr>
+                  <a:defRPr sz="1100" b="0" i="0" u="none" strike="noStrike" kern="1200" baseline="0">
+                    <a:solidFill>
+                      <a:schemeClr val="tx1">
+                        <a:lumMod val="75000"/>
+                        <a:lumOff val="25000"/>
+                      </a:schemeClr>
+                    </a:solidFill>
+                    <a:latin typeface="+mn-lt"/>
+                    <a:ea typeface="+mn-ea"/>
+                    <a:cs typeface="+mn-cs"/>
+                  </a:defRPr>
+                </a:pPr>
+                <a:endParaRPr lang="en-US"/>
+              </a:p>
+            </c:txPr>
+            <c:dLblPos val="t"/>
+            <c:showLegendKey val="0"/>
+            <c:showVal val="1"/>
+            <c:showCatName val="0"/>
+            <c:showSerName val="0"/>
+            <c:showPercent val="0"/>
+            <c:showBubbleSize val="0"/>
+            <c:showLeaderLines val="0"/>
+            <c:extLst>
+              <c:ext xmlns:c15="http://schemas.microsoft.com/office/drawing/2012/chart" uri="{CE6537A1-D6FC-4f65-9D91-7224C49458BB}">
+                <c15:showLeaderLines val="1"/>
+                <c15:leaderLines>
+                  <c:spPr>
+                    <a:ln w="9525" cap="flat" cmpd="sng" algn="ctr">
+                      <a:solidFill>
+                        <a:schemeClr val="tx1">
+                          <a:lumMod val="35000"/>
+                          <a:lumOff val="65000"/>
+                        </a:schemeClr>
+                      </a:solidFill>
+                      <a:round/>
+                    </a:ln>
+                    <a:effectLst/>
+                  </c:spPr>
+                </c15:leaderLines>
+              </c:ext>
+            </c:extLst>
+          </c:dLbls>
+          <c:trendline>
+            <c:spPr>
+              <a:ln w="19050" cap="rnd">
+                <a:solidFill>
+                  <a:schemeClr val="accent1"/>
+                </a:solidFill>
+                <a:prstDash val="sysDot"/>
+              </a:ln>
+              <a:effectLst/>
+            </c:spPr>
+            <c:trendlineType val="movingAvg"/>
+            <c:period val="2"/>
+            <c:dispRSqr val="0"/>
+            <c:dispEq val="0"/>
+          </c:trendline>
+          <c:xVal>
+            <c:numRef>
+              <c:f>[Experiment3_FixedEdge1_CPU.xlsx]Sheet1!$B$4:$B$203</c:f>
+              <c:numCache>
+                <c:formatCode>General</c:formatCode>
+                <c:ptCount val="200"/>
+                <c:pt idx="0">
+                  <c:v>2</c:v>
+                </c:pt>
+                <c:pt idx="20">
+                  <c:v>4</c:v>
+                </c:pt>
+                <c:pt idx="40">
+                  <c:v>6</c:v>
+                </c:pt>
+                <c:pt idx="60">
+                  <c:v>8</c:v>
+                </c:pt>
+                <c:pt idx="80">
+                  <c:v>10</c:v>
+                </c:pt>
+                <c:pt idx="100">
+                  <c:v>12</c:v>
+                </c:pt>
+                <c:pt idx="120">
+                  <c:v>14</c:v>
+                </c:pt>
+                <c:pt idx="140">
+                  <c:v>16</c:v>
+                </c:pt>
+                <c:pt idx="160">
+                  <c:v>18</c:v>
+                </c:pt>
+                <c:pt idx="180">
+                  <c:v>20</c:v>
+                </c:pt>
+              </c:numCache>
+            </c:numRef>
+          </c:xVal>
+          <c:yVal>
+            <c:numRef>
+              <c:f>[Experiment3_FixedEdge1_CPU.xlsx]Sheet1!$C$4:$C$203</c:f>
+              <c:numCache>
+                <c:formatCode>General</c:formatCode>
+                <c:ptCount val="200"/>
+                <c:pt idx="0">
+                  <c:v>25.049999999999994</c:v>
+                </c:pt>
+                <c:pt idx="20">
+                  <c:v>25.969999999999992</c:v>
+                </c:pt>
+                <c:pt idx="40">
+                  <c:v>26.74666666666667</c:v>
+                </c:pt>
+                <c:pt idx="60">
+                  <c:v>27.4</c:v>
+                </c:pt>
+                <c:pt idx="80">
+                  <c:v>28.200000000000003</c:v>
+                </c:pt>
+                <c:pt idx="100">
+                  <c:v>28.55</c:v>
+                </c:pt>
+                <c:pt idx="120">
+                  <c:v>29.388888888888889</c:v>
+                </c:pt>
+                <c:pt idx="140">
+                  <c:v>29.974999999999998</c:v>
+                </c:pt>
+                <c:pt idx="160">
+                  <c:v>30.992307692307691</c:v>
+                </c:pt>
+                <c:pt idx="180">
+                  <c:v>31.4</c:v>
+                </c:pt>
+              </c:numCache>
+            </c:numRef>
+          </c:yVal>
+          <c:smooth val="0"/>
+          <c:extLst>
+            <c:ext xmlns:c16="http://schemas.microsoft.com/office/drawing/2014/chart" uri="{C3380CC4-5D6E-409C-BE32-E72D297353CC}">
+              <c16:uniqueId val="{00000001-4520-4FDA-AD82-1AEE18AFBDFD}"/>
+            </c:ext>
+          </c:extLst>
+        </c:ser>
+        <c:ser>
+          <c:idx val="1"/>
+          <c:order val="1"/>
+          <c:tx>
+            <c:v>edge2 (sender)</c:v>
+          </c:tx>
+          <c:spPr>
+            <a:ln w="19050" cap="rnd">
+              <a:noFill/>
+              <a:round/>
+            </a:ln>
+            <a:effectLst/>
+          </c:spPr>
+          <c:marker>
+            <c:symbol val="circle"/>
+            <c:size val="5"/>
+            <c:spPr>
+              <a:solidFill>
+                <a:schemeClr val="accent2"/>
+              </a:solidFill>
+              <a:ln w="9525">
+                <a:solidFill>
+                  <a:schemeClr val="accent2"/>
+                </a:solidFill>
+              </a:ln>
+              <a:effectLst/>
+            </c:spPr>
+          </c:marker>
+          <c:dLbls>
+            <c:spPr>
+              <a:noFill/>
+              <a:ln>
+                <a:noFill/>
+              </a:ln>
+              <a:effectLst/>
+            </c:spPr>
+            <c:txPr>
+              <a:bodyPr rot="0" spcFirstLastPara="1" vertOverflow="ellipsis" vert="horz" wrap="square" lIns="38100" tIns="19050" rIns="38100" bIns="19050" anchor="ctr" anchorCtr="1">
+                <a:spAutoFit/>
+              </a:bodyPr>
+              <a:lstStyle/>
+              <a:p>
+                <a:pPr>
+                  <a:defRPr sz="1050" b="0" i="0" u="none" strike="noStrike" kern="1200" baseline="0">
+                    <a:solidFill>
+                      <a:schemeClr val="tx1">
+                        <a:lumMod val="75000"/>
+                        <a:lumOff val="25000"/>
+                      </a:schemeClr>
+                    </a:solidFill>
+                    <a:latin typeface="+mn-lt"/>
+                    <a:ea typeface="+mn-ea"/>
+                    <a:cs typeface="+mn-cs"/>
+                  </a:defRPr>
+                </a:pPr>
+                <a:endParaRPr lang="en-US"/>
+              </a:p>
+            </c:txPr>
+            <c:dLblPos val="t"/>
+            <c:showLegendKey val="0"/>
+            <c:showVal val="1"/>
+            <c:showCatName val="0"/>
+            <c:showSerName val="0"/>
+            <c:showPercent val="0"/>
+            <c:showBubbleSize val="0"/>
+            <c:showLeaderLines val="0"/>
+            <c:extLst>
+              <c:ext xmlns:c15="http://schemas.microsoft.com/office/drawing/2012/chart" uri="{CE6537A1-D6FC-4f65-9D91-7224C49458BB}">
+                <c15:showLeaderLines val="1"/>
+                <c15:leaderLines>
+                  <c:spPr>
+                    <a:ln w="9525" cap="flat" cmpd="sng" algn="ctr">
+                      <a:solidFill>
+                        <a:schemeClr val="tx1">
+                          <a:lumMod val="35000"/>
+                          <a:lumOff val="65000"/>
+                        </a:schemeClr>
+                      </a:solidFill>
+                      <a:round/>
+                    </a:ln>
+                    <a:effectLst/>
+                  </c:spPr>
+                </c15:leaderLines>
+              </c:ext>
+            </c:extLst>
+          </c:dLbls>
+          <c:trendline>
+            <c:spPr>
+              <a:ln w="19050" cap="rnd">
+                <a:solidFill>
+                  <a:schemeClr val="accent2"/>
+                </a:solidFill>
+                <a:prstDash val="sysDot"/>
+              </a:ln>
+              <a:effectLst/>
+            </c:spPr>
+            <c:trendlineType val="movingAvg"/>
+            <c:period val="2"/>
+            <c:dispRSqr val="0"/>
+            <c:dispEq val="0"/>
+          </c:trendline>
+          <c:xVal>
+            <c:numRef>
+              <c:f>[Experiment3_FixedEdge1_CPU.xlsx]Sheet1!$B$4:$B$203</c:f>
+              <c:numCache>
+                <c:formatCode>General</c:formatCode>
+                <c:ptCount val="200"/>
+                <c:pt idx="0">
+                  <c:v>2</c:v>
+                </c:pt>
+                <c:pt idx="20">
+                  <c:v>4</c:v>
+                </c:pt>
+                <c:pt idx="40">
+                  <c:v>6</c:v>
+                </c:pt>
+                <c:pt idx="60">
+                  <c:v>8</c:v>
+                </c:pt>
+                <c:pt idx="80">
+                  <c:v>10</c:v>
+                </c:pt>
+                <c:pt idx="100">
+                  <c:v>12</c:v>
+                </c:pt>
+                <c:pt idx="120">
+                  <c:v>14</c:v>
+                </c:pt>
+                <c:pt idx="140">
+                  <c:v>16</c:v>
+                </c:pt>
+                <c:pt idx="160">
+                  <c:v>18</c:v>
+                </c:pt>
+                <c:pt idx="180">
+                  <c:v>20</c:v>
+                </c:pt>
+              </c:numCache>
+            </c:numRef>
+          </c:xVal>
+          <c:yVal>
+            <c:numRef>
+              <c:f>[Experiment3_FixedEdge1_CPU.xlsx]Sheet1!$G$4:$G$203</c:f>
+              <c:numCache>
+                <c:formatCode>General</c:formatCode>
+                <c:ptCount val="200"/>
+                <c:pt idx="0">
+                  <c:v>26.46</c:v>
+                </c:pt>
+                <c:pt idx="20">
+                  <c:v>26.215789473684207</c:v>
+                </c:pt>
+                <c:pt idx="40">
+                  <c:v>26.350000000000005</c:v>
+                </c:pt>
+                <c:pt idx="60">
+                  <c:v>25.637500000000003</c:v>
+                </c:pt>
+                <c:pt idx="80">
+                  <c:v>26.32</c:v>
+                </c:pt>
+                <c:pt idx="100">
+                  <c:v>26.119999999999997</c:v>
+                </c:pt>
+                <c:pt idx="120">
+                  <c:v>26.288888888888888</c:v>
+                </c:pt>
+                <c:pt idx="140">
+                  <c:v>26.899999999999995</c:v>
+                </c:pt>
+                <c:pt idx="160">
+                  <c:v>27.166666666666668</c:v>
+                </c:pt>
+                <c:pt idx="180">
+                  <c:v>27</c:v>
+                </c:pt>
+              </c:numCache>
+            </c:numRef>
+          </c:yVal>
+          <c:smooth val="0"/>
+          <c:extLst>
+            <c:ext xmlns:c16="http://schemas.microsoft.com/office/drawing/2014/chart" uri="{C3380CC4-5D6E-409C-BE32-E72D297353CC}">
+              <c16:uniqueId val="{00000003-4520-4FDA-AD82-1AEE18AFBDFD}"/>
+            </c:ext>
+          </c:extLst>
+        </c:ser>
+        <c:dLbls>
+          <c:dLblPos val="t"/>
+          <c:showLegendKey val="0"/>
+          <c:showVal val="1"/>
+          <c:showCatName val="0"/>
+          <c:showSerName val="0"/>
+          <c:showPercent val="0"/>
+          <c:showBubbleSize val="0"/>
+        </c:dLbls>
+        <c:axId val="347595008"/>
+        <c:axId val="337294752"/>
+      </c:scatterChart>
+      <c:valAx>
+        <c:axId val="347595008"/>
+        <c:scaling>
+          <c:orientation val="minMax"/>
+        </c:scaling>
+        <c:delete val="0"/>
+        <c:axPos val="b"/>
+        <c:majorGridlines>
+          <c:spPr>
+            <a:ln w="9525" cap="flat" cmpd="sng" algn="ctr">
+              <a:solidFill>
+                <a:schemeClr val="tx1">
+                  <a:lumMod val="15000"/>
+                  <a:lumOff val="85000"/>
+                </a:schemeClr>
+              </a:solidFill>
+              <a:round/>
+            </a:ln>
+            <a:effectLst/>
+          </c:spPr>
+        </c:majorGridlines>
+        <c:title>
+          <c:tx>
+            <c:rich>
+              <a:bodyPr rot="0" spcFirstLastPara="1" vertOverflow="ellipsis" vert="horz" wrap="square" anchor="ctr" anchorCtr="1"/>
+              <a:lstStyle/>
+              <a:p>
+                <a:pPr>
+                  <a:defRPr sz="1000" b="0" i="0" u="none" strike="noStrike" kern="1200" baseline="0">
+                    <a:solidFill>
+                      <a:schemeClr val="tx1">
+                        <a:lumMod val="65000"/>
+                        <a:lumOff val="35000"/>
+                      </a:schemeClr>
+                    </a:solidFill>
+                    <a:latin typeface="+mn-lt"/>
+                    <a:ea typeface="+mn-ea"/>
+                    <a:cs typeface="+mn-cs"/>
+                  </a:defRPr>
+                </a:pPr>
+                <a:r>
+                  <a:rPr lang="en-US" sz="1800" b="0" i="0" baseline="0">
+                    <a:effectLst/>
+                  </a:rPr>
+                  <a:t>Iperf -b (Mbps)</a:t>
+                </a:r>
+                <a:endParaRPr lang="en-US">
+                  <a:effectLst/>
+                </a:endParaRPr>
+              </a:p>
+            </c:rich>
+          </c:tx>
+          <c:layout>
+            <c:manualLayout>
+              <c:xMode val="edge"/>
+              <c:yMode val="edge"/>
+              <c:x val="0.46370638928760421"/>
+              <c:y val="0.88044002343807315"/>
+            </c:manualLayout>
+          </c:layout>
+          <c:overlay val="0"/>
+          <c:spPr>
+            <a:noFill/>
+            <a:ln>
+              <a:noFill/>
+            </a:ln>
+            <a:effectLst/>
+          </c:spPr>
+          <c:txPr>
+            <a:bodyPr rot="0" spcFirstLastPara="1" vertOverflow="ellipsis" vert="horz" wrap="square" anchor="ctr" anchorCtr="1"/>
+            <a:lstStyle/>
+            <a:p>
+              <a:pPr>
+                <a:defRPr sz="1000" b="0" i="0" u="none" strike="noStrike" kern="1200" baseline="0">
+                  <a:solidFill>
+                    <a:schemeClr val="tx1">
+                      <a:lumMod val="65000"/>
+                      <a:lumOff val="35000"/>
+                    </a:schemeClr>
+                  </a:solidFill>
+                  <a:latin typeface="+mn-lt"/>
+                  <a:ea typeface="+mn-ea"/>
+                  <a:cs typeface="+mn-cs"/>
+                </a:defRPr>
+              </a:pPr>
+              <a:endParaRPr lang="en-US"/>
+            </a:p>
+          </c:txPr>
+        </c:title>
+        <c:numFmt formatCode="General" sourceLinked="1"/>
+        <c:majorTickMark val="none"/>
+        <c:minorTickMark val="none"/>
+        <c:tickLblPos val="nextTo"/>
+        <c:spPr>
+          <a:noFill/>
+          <a:ln w="9525" cap="flat" cmpd="sng" algn="ctr">
+            <a:solidFill>
+              <a:schemeClr val="tx1">
+                <a:lumMod val="25000"/>
+                <a:lumOff val="75000"/>
+              </a:schemeClr>
+            </a:solidFill>
+            <a:round/>
+          </a:ln>
+          <a:effectLst/>
+        </c:spPr>
+        <c:txPr>
+          <a:bodyPr rot="-60000000" spcFirstLastPara="1" vertOverflow="ellipsis" vert="horz" wrap="square" anchor="ctr" anchorCtr="1"/>
+          <a:lstStyle/>
+          <a:p>
+            <a:pPr>
+              <a:defRPr sz="1100" b="0" i="0" u="none" strike="noStrike" kern="1200" baseline="0">
+                <a:solidFill>
+                  <a:schemeClr val="tx1">
+                    <a:lumMod val="65000"/>
+                    <a:lumOff val="35000"/>
+                  </a:schemeClr>
+                </a:solidFill>
+                <a:latin typeface="+mn-lt"/>
+                <a:ea typeface="+mn-ea"/>
+                <a:cs typeface="+mn-cs"/>
+              </a:defRPr>
+            </a:pPr>
+            <a:endParaRPr lang="en-US"/>
+          </a:p>
+        </c:txPr>
+        <c:crossAx val="337294752"/>
+        <c:crosses val="autoZero"/>
+        <c:crossBetween val="midCat"/>
+      </c:valAx>
+      <c:valAx>
+        <c:axId val="337294752"/>
+        <c:scaling>
+          <c:orientation val="minMax"/>
+        </c:scaling>
+        <c:delete val="0"/>
+        <c:axPos val="l"/>
+        <c:majorGridlines>
+          <c:spPr>
+            <a:ln w="9525" cap="flat" cmpd="sng" algn="ctr">
+              <a:solidFill>
+                <a:schemeClr val="tx1">
+                  <a:lumMod val="15000"/>
+                  <a:lumOff val="85000"/>
+                </a:schemeClr>
+              </a:solidFill>
+              <a:round/>
+            </a:ln>
+            <a:effectLst/>
+          </c:spPr>
+        </c:majorGridlines>
+        <c:title>
+          <c:tx>
+            <c:rich>
+              <a:bodyPr rot="-5400000" spcFirstLastPara="1" vertOverflow="ellipsis" vert="horz" wrap="square" anchor="ctr" anchorCtr="1"/>
+              <a:lstStyle/>
+              <a:p>
+                <a:pPr>
+                  <a:defRPr sz="1000" b="0" i="0" u="none" strike="noStrike" kern="1200" baseline="0">
+                    <a:solidFill>
+                      <a:schemeClr val="tx1">
+                        <a:lumMod val="65000"/>
+                        <a:lumOff val="35000"/>
+                      </a:schemeClr>
+                    </a:solidFill>
+                    <a:latin typeface="+mn-lt"/>
+                    <a:ea typeface="+mn-ea"/>
+                    <a:cs typeface="+mn-cs"/>
+                  </a:defRPr>
+                </a:pPr>
+                <a:r>
+                  <a:rPr lang="en-US" sz="1800" b="0" i="0" baseline="0">
+                    <a:effectLst/>
+                  </a:rPr>
+                  <a:t>%CPU usage</a:t>
+                </a:r>
+                <a:endParaRPr lang="en-US">
+                  <a:effectLst/>
+                </a:endParaRPr>
+              </a:p>
+            </c:rich>
+          </c:tx>
+          <c:overlay val="0"/>
+          <c:spPr>
+            <a:noFill/>
+            <a:ln>
+              <a:noFill/>
+            </a:ln>
+            <a:effectLst/>
+          </c:spPr>
+          <c:txPr>
+            <a:bodyPr rot="-5400000" spcFirstLastPara="1" vertOverflow="ellipsis" vert="horz" wrap="square" anchor="ctr" anchorCtr="1"/>
+            <a:lstStyle/>
+            <a:p>
+              <a:pPr>
+                <a:defRPr sz="1000" b="0" i="0" u="none" strike="noStrike" kern="1200" baseline="0">
+                  <a:solidFill>
+                    <a:schemeClr val="tx1">
+                      <a:lumMod val="65000"/>
+                      <a:lumOff val="35000"/>
+                    </a:schemeClr>
+                  </a:solidFill>
+                  <a:latin typeface="+mn-lt"/>
+                  <a:ea typeface="+mn-ea"/>
+                  <a:cs typeface="+mn-cs"/>
+                </a:defRPr>
+              </a:pPr>
+              <a:endParaRPr lang="en-US"/>
+            </a:p>
+          </c:txPr>
+        </c:title>
+        <c:numFmt formatCode="General" sourceLinked="1"/>
+        <c:majorTickMark val="none"/>
+        <c:minorTickMark val="none"/>
+        <c:tickLblPos val="nextTo"/>
+        <c:spPr>
+          <a:noFill/>
+          <a:ln w="9525" cap="flat" cmpd="sng" algn="ctr">
+            <a:solidFill>
+              <a:schemeClr val="tx1">
+                <a:lumMod val="25000"/>
+                <a:lumOff val="75000"/>
+              </a:schemeClr>
+            </a:solidFill>
+            <a:round/>
+          </a:ln>
+          <a:effectLst/>
+        </c:spPr>
+        <c:txPr>
+          <a:bodyPr rot="-60000000" spcFirstLastPara="1" vertOverflow="ellipsis" vert="horz" wrap="square" anchor="ctr" anchorCtr="1"/>
+          <a:lstStyle/>
+          <a:p>
+            <a:pPr>
+              <a:defRPr sz="1100" b="0" i="0" u="none" strike="noStrike" kern="1200" baseline="0">
+                <a:solidFill>
+                  <a:schemeClr val="tx1">
+                    <a:lumMod val="65000"/>
+                    <a:lumOff val="35000"/>
+                  </a:schemeClr>
+                </a:solidFill>
+                <a:latin typeface="+mn-lt"/>
+                <a:ea typeface="+mn-ea"/>
+                <a:cs typeface="+mn-cs"/>
+              </a:defRPr>
+            </a:pPr>
+            <a:endParaRPr lang="en-US"/>
+          </a:p>
+        </c:txPr>
+        <c:crossAx val="347595008"/>
+        <c:crosses val="autoZero"/>
+        <c:crossBetween val="midCat"/>
+      </c:valAx>
+      <c:spPr>
+        <a:noFill/>
+        <a:ln>
+          <a:noFill/>
+        </a:ln>
+        <a:effectLst/>
+      </c:spPr>
+    </c:plotArea>
+    <c:legend>
+      <c:legendPos val="b"/>
+      <c:legendEntry>
+        <c:idx val="2"/>
+        <c:delete val="1"/>
+      </c:legendEntry>
+      <c:legendEntry>
+        <c:idx val="3"/>
+        <c:delete val="1"/>
+      </c:legendEntry>
+      <c:overlay val="0"/>
+      <c:spPr>
+        <a:noFill/>
+        <a:ln>
+          <a:noFill/>
+        </a:ln>
+        <a:effectLst/>
+      </c:spPr>
+      <c:txPr>
+        <a:bodyPr rot="0" spcFirstLastPara="1" vertOverflow="ellipsis" vert="horz" wrap="square" anchor="ctr" anchorCtr="1"/>
+        <a:lstStyle/>
+        <a:p>
+          <a:pPr>
+            <a:defRPr sz="1400" b="0" i="0" u="none" strike="noStrike" kern="1200" baseline="0">
+              <a:solidFill>
+                <a:schemeClr val="tx1">
+                  <a:lumMod val="65000"/>
+                  <a:lumOff val="35000"/>
+                </a:schemeClr>
+              </a:solidFill>
+              <a:latin typeface="+mn-lt"/>
+              <a:ea typeface="+mn-ea"/>
+              <a:cs typeface="+mn-cs"/>
+            </a:defRPr>
+          </a:pPr>
+          <a:endParaRPr lang="en-US"/>
+        </a:p>
+      </c:txPr>
+    </c:legend>
+    <c:plotVisOnly val="1"/>
+    <c:dispBlanksAs val="gap"/>
+    <c:extLst>
+      <c:ext xmlns:c16r3="http://schemas.microsoft.com/office/drawing/2017/03/chart" uri="{56B9EC1D-385E-4148-901F-78D8002777C0}">
+        <c16r3:dataDisplayOptions16>
+          <c16r3:dispNaAsBlank val="1"/>
+        </c16r3:dataDisplayOptions16>
+      </c:ext>
+    </c:extLst>
+    <c:showDLblsOverMax val="0"/>
+  </c:chart>
+  <c:spPr>
+    <a:noFill/>
+    <a:ln>
+      <a:noFill/>
+    </a:ln>
+    <a:effectLst/>
+  </c:spPr>
+  <c:txPr>
+    <a:bodyPr/>
+    <a:lstStyle/>
+    <a:p>
+      <a:pPr>
+        <a:defRPr/>
+      </a:pPr>
+      <a:endParaRPr lang="en-US"/>
+    </a:p>
+  </c:txPr>
+  <c:externalData r:id="rId3">
+    <c:autoUpdate val="0"/>
+  </c:externalData>
+</c:chartSpace>
+</file>
+
+<file path=ppt/charts/chart11.xml><?xml version="1.0" encoding="utf-8"?>
+<c:chartSpace xmlns:c="http://schemas.openxmlformats.org/drawingml/2006/chart" xmlns:a="http://schemas.openxmlformats.org/drawingml/2006/main" xmlns:r="http://schemas.openxmlformats.org/officeDocument/2006/relationships" xmlns:c16r2="http://schemas.microsoft.com/office/drawing/2015/06/chart">
+  <c:date1904 val="0"/>
+  <c:lang val="th-TH"/>
+  <c:roundedCorners val="0"/>
+  <mc:AlternateContent xmlns:mc="http://schemas.openxmlformats.org/markup-compatibility/2006">
+    <mc:Choice xmlns:c14="http://schemas.microsoft.com/office/drawing/2007/8/2/chart" Requires="c14">
+      <c14:style val="102"/>
+    </mc:Choice>
+    <mc:Fallback>
+      <c:style val="2"/>
+    </mc:Fallback>
+  </mc:AlternateContent>
+  <c:chart>
+    <c:title>
+      <c:tx>
+        <c:rich>
+          <a:bodyPr rot="0" spcFirstLastPara="1" vertOverflow="ellipsis" vert="horz" wrap="square" anchor="ctr" anchorCtr="1"/>
+          <a:lstStyle/>
+          <a:p>
+            <a:pPr>
+              <a:defRPr sz="1400" b="0" i="0" u="none" strike="noStrike" kern="1200" spc="0" baseline="0">
+                <a:solidFill>
+                  <a:schemeClr val="tx1">
+                    <a:lumMod val="65000"/>
+                    <a:lumOff val="35000"/>
+                  </a:schemeClr>
+                </a:solidFill>
+                <a:latin typeface="+mn-lt"/>
+                <a:ea typeface="+mn-ea"/>
+                <a:cs typeface="+mn-cs"/>
+              </a:defRPr>
+            </a:pPr>
+            <a:r>
+              <a:rPr lang="en-US"/>
+              <a:t>Iperf Log (Fixed</a:t>
+            </a:r>
+            <a:r>
+              <a:rPr lang="en-US" baseline="0"/>
+              <a:t> Edge4 as 15Mbps)</a:t>
+            </a:r>
+            <a:r>
+              <a:rPr lang="en-US"/>
+              <a:t> </a:t>
+            </a:r>
+            <a:endParaRPr lang="th-TH"/>
+          </a:p>
+        </c:rich>
+      </c:tx>
+      <c:overlay val="0"/>
+      <c:spPr>
+        <a:noFill/>
+        <a:ln>
+          <a:noFill/>
+        </a:ln>
+        <a:effectLst/>
+      </c:spPr>
+      <c:txPr>
+        <a:bodyPr rot="0" spcFirstLastPara="1" vertOverflow="ellipsis" vert="horz" wrap="square" anchor="ctr" anchorCtr="1"/>
+        <a:lstStyle/>
+        <a:p>
+          <a:pPr>
+            <a:defRPr sz="1400" b="0" i="0" u="none" strike="noStrike" kern="1200" spc="0" baseline="0">
+              <a:solidFill>
+                <a:schemeClr val="tx1">
+                  <a:lumMod val="65000"/>
+                  <a:lumOff val="35000"/>
+                </a:schemeClr>
+              </a:solidFill>
+              <a:latin typeface="+mn-lt"/>
+              <a:ea typeface="+mn-ea"/>
+              <a:cs typeface="+mn-cs"/>
+            </a:defRPr>
+          </a:pPr>
+          <a:endParaRPr lang="en-US"/>
+        </a:p>
+      </c:txPr>
+    </c:title>
+    <c:autoTitleDeleted val="0"/>
+    <c:plotArea>
+      <c:layout/>
+      <c:scatterChart>
+        <c:scatterStyle val="lineMarker"/>
+        <c:varyColors val="0"/>
+        <c:ser>
+          <c:idx val="0"/>
+          <c:order val="0"/>
+          <c:tx>
+            <c:v>Superedge (Received from Edge1)</c:v>
+          </c:tx>
+          <c:spPr>
+            <a:ln w="19050" cap="rnd">
+              <a:noFill/>
+              <a:round/>
+            </a:ln>
+            <a:effectLst/>
+          </c:spPr>
+          <c:marker>
+            <c:symbol val="circle"/>
+            <c:size val="5"/>
+            <c:spPr>
+              <a:solidFill>
+                <a:schemeClr val="accent1"/>
+              </a:solidFill>
+              <a:ln w="9525">
+                <a:solidFill>
+                  <a:schemeClr val="accent1"/>
+                </a:solidFill>
+              </a:ln>
+              <a:effectLst/>
+            </c:spPr>
+          </c:marker>
+          <c:trendline>
+            <c:spPr>
+              <a:ln w="19050" cap="rnd">
+                <a:solidFill>
+                  <a:schemeClr val="accent1"/>
+                </a:solidFill>
+                <a:prstDash val="sysDot"/>
+              </a:ln>
+              <a:effectLst/>
+            </c:spPr>
+            <c:trendlineType val="movingAvg"/>
+            <c:period val="2"/>
+            <c:dispRSqr val="0"/>
+            <c:dispEq val="0"/>
+          </c:trendline>
+          <c:trendline>
+            <c:spPr>
+              <a:ln w="19050" cap="rnd">
+                <a:solidFill>
+                  <a:schemeClr val="accent1"/>
+                </a:solidFill>
+                <a:prstDash val="sysDot"/>
+              </a:ln>
+              <a:effectLst/>
+            </c:spPr>
+            <c:trendlineType val="movingAvg"/>
+            <c:period val="2"/>
+            <c:dispRSqr val="0"/>
+            <c:dispEq val="0"/>
+          </c:trendline>
+          <c:xVal>
+            <c:numRef>
+              <c:f>Sheet1!$E$3:$E$12</c:f>
+              <c:numCache>
+                <c:formatCode>General</c:formatCode>
+                <c:ptCount val="10"/>
+                <c:pt idx="0">
+                  <c:v>2</c:v>
+                </c:pt>
+                <c:pt idx="1">
+                  <c:v>4</c:v>
+                </c:pt>
+                <c:pt idx="2">
+                  <c:v>6</c:v>
+                </c:pt>
+                <c:pt idx="3">
+                  <c:v>8</c:v>
+                </c:pt>
+                <c:pt idx="4">
+                  <c:v>10</c:v>
+                </c:pt>
+                <c:pt idx="5">
+                  <c:v>12</c:v>
+                </c:pt>
+                <c:pt idx="6">
+                  <c:v>14</c:v>
+                </c:pt>
+                <c:pt idx="7">
+                  <c:v>16</c:v>
+                </c:pt>
+                <c:pt idx="8">
+                  <c:v>18</c:v>
+                </c:pt>
+                <c:pt idx="9">
+                  <c:v>20</c:v>
+                </c:pt>
+              </c:numCache>
+            </c:numRef>
+          </c:xVal>
+          <c:yVal>
+            <c:numRef>
+              <c:f>Sheet1!$G$3:$G$12</c:f>
+              <c:numCache>
+                <c:formatCode>General</c:formatCode>
+                <c:ptCount val="10"/>
+                <c:pt idx="0">
+                  <c:v>1.8</c:v>
+                </c:pt>
+                <c:pt idx="1">
+                  <c:v>3.35</c:v>
+                </c:pt>
+                <c:pt idx="2">
+                  <c:v>4.53</c:v>
+                </c:pt>
+                <c:pt idx="3">
+                  <c:v>5.83</c:v>
+                </c:pt>
+                <c:pt idx="4">
+                  <c:v>6.36</c:v>
+                </c:pt>
+                <c:pt idx="5">
+                  <c:v>7.19</c:v>
+                </c:pt>
+                <c:pt idx="6">
+                  <c:v>8.24</c:v>
+                </c:pt>
+                <c:pt idx="7">
+                  <c:v>7.73</c:v>
+                </c:pt>
+                <c:pt idx="8">
+                  <c:v>8.0399999999999991</c:v>
+                </c:pt>
+                <c:pt idx="9">
+                  <c:v>7.97</c:v>
+                </c:pt>
+              </c:numCache>
+            </c:numRef>
+          </c:yVal>
+          <c:smooth val="0"/>
+          <c:extLst>
+            <c:ext xmlns:c16="http://schemas.microsoft.com/office/drawing/2014/chart" uri="{C3380CC4-5D6E-409C-BE32-E72D297353CC}">
+              <c16:uniqueId val="{00000002-16E2-4BAE-A12D-0FB3CA31D41D}"/>
+            </c:ext>
+          </c:extLst>
+        </c:ser>
+        <c:ser>
+          <c:idx val="1"/>
+          <c:order val="1"/>
+          <c:tx>
+            <c:v>Superedge (Received from Edge4)</c:v>
+          </c:tx>
+          <c:spPr>
+            <a:ln w="19050" cap="rnd">
+              <a:noFill/>
+              <a:round/>
+            </a:ln>
+            <a:effectLst/>
+          </c:spPr>
+          <c:marker>
+            <c:symbol val="circle"/>
+            <c:size val="5"/>
+            <c:spPr>
+              <a:solidFill>
+                <a:schemeClr val="accent2"/>
+              </a:solidFill>
+              <a:ln w="9525">
+                <a:solidFill>
+                  <a:schemeClr val="accent2"/>
+                </a:solidFill>
+              </a:ln>
+              <a:effectLst/>
+            </c:spPr>
+          </c:marker>
+          <c:trendline>
+            <c:spPr>
+              <a:ln w="19050" cap="rnd">
+                <a:solidFill>
+                  <a:schemeClr val="accent2"/>
+                </a:solidFill>
+                <a:prstDash val="sysDot"/>
+              </a:ln>
+              <a:effectLst/>
+            </c:spPr>
+            <c:trendlineType val="movingAvg"/>
+            <c:period val="2"/>
+            <c:dispRSqr val="0"/>
+            <c:dispEq val="0"/>
+          </c:trendline>
+          <c:xVal>
+            <c:numRef>
+              <c:f>Sheet1!$E$3:$E$12</c:f>
+              <c:numCache>
+                <c:formatCode>General</c:formatCode>
+                <c:ptCount val="10"/>
+                <c:pt idx="0">
+                  <c:v>2</c:v>
+                </c:pt>
+                <c:pt idx="1">
+                  <c:v>4</c:v>
+                </c:pt>
+                <c:pt idx="2">
+                  <c:v>6</c:v>
+                </c:pt>
+                <c:pt idx="3">
+                  <c:v>8</c:v>
+                </c:pt>
+                <c:pt idx="4">
+                  <c:v>10</c:v>
+                </c:pt>
+                <c:pt idx="5">
+                  <c:v>12</c:v>
+                </c:pt>
+                <c:pt idx="6">
+                  <c:v>14</c:v>
+                </c:pt>
+                <c:pt idx="7">
+                  <c:v>16</c:v>
+                </c:pt>
+                <c:pt idx="8">
+                  <c:v>18</c:v>
+                </c:pt>
+                <c:pt idx="9">
+                  <c:v>20</c:v>
+                </c:pt>
+              </c:numCache>
+            </c:numRef>
+          </c:xVal>
+          <c:yVal>
+            <c:numRef>
+              <c:f>Sheet1!$G$16:$G$25</c:f>
+              <c:numCache>
+                <c:formatCode>General</c:formatCode>
+                <c:ptCount val="10"/>
+                <c:pt idx="0">
+                  <c:v>13.2</c:v>
+                </c:pt>
+                <c:pt idx="1">
+                  <c:v>12</c:v>
+                </c:pt>
+                <c:pt idx="2">
+                  <c:v>10.5</c:v>
+                </c:pt>
+                <c:pt idx="3">
+                  <c:v>10.1</c:v>
+                </c:pt>
+                <c:pt idx="4">
+                  <c:v>8.68</c:v>
+                </c:pt>
+                <c:pt idx="5">
+                  <c:v>8.2899999999999991</c:v>
+                </c:pt>
+                <c:pt idx="6">
+                  <c:v>7.75</c:v>
+                </c:pt>
+                <c:pt idx="7">
+                  <c:v>6.83</c:v>
+                </c:pt>
+                <c:pt idx="8">
+                  <c:v>7.08</c:v>
+                </c:pt>
+                <c:pt idx="9">
+                  <c:v>7.03</c:v>
+                </c:pt>
+              </c:numCache>
+            </c:numRef>
+          </c:yVal>
+          <c:smooth val="0"/>
+          <c:extLst>
+            <c:ext xmlns:c16="http://schemas.microsoft.com/office/drawing/2014/chart" uri="{C3380CC4-5D6E-409C-BE32-E72D297353CC}">
+              <c16:uniqueId val="{00000004-16E2-4BAE-A12D-0FB3CA31D41D}"/>
+            </c:ext>
+          </c:extLst>
+        </c:ser>
+        <c:ser>
+          <c:idx val="2"/>
+          <c:order val="2"/>
+          <c:tx>
+            <c:v>edge1 (sender)</c:v>
+          </c:tx>
+          <c:spPr>
+            <a:ln w="25400" cap="rnd">
+              <a:noFill/>
+              <a:round/>
+            </a:ln>
+            <a:effectLst/>
+          </c:spPr>
+          <c:marker>
+            <c:symbol val="circle"/>
+            <c:size val="5"/>
+            <c:spPr>
+              <a:solidFill>
+                <a:schemeClr val="accent3"/>
+              </a:solidFill>
+              <a:ln w="9525">
+                <a:solidFill>
+                  <a:schemeClr val="accent3"/>
+                </a:solidFill>
+              </a:ln>
+              <a:effectLst/>
+            </c:spPr>
+          </c:marker>
+          <c:trendline>
+            <c:spPr>
+              <a:ln w="19050" cap="rnd">
+                <a:solidFill>
+                  <a:schemeClr val="accent3"/>
+                </a:solidFill>
+                <a:prstDash val="sysDot"/>
+              </a:ln>
+              <a:effectLst/>
+            </c:spPr>
+            <c:trendlineType val="linear"/>
+            <c:dispRSqr val="0"/>
+            <c:dispEq val="0"/>
+          </c:trendline>
+          <c:xVal>
+            <c:numRef>
+              <c:f>Sheet1!$R$3:$R$12</c:f>
+              <c:numCache>
+                <c:formatCode>General</c:formatCode>
+                <c:ptCount val="10"/>
+                <c:pt idx="0">
+                  <c:v>2</c:v>
+                </c:pt>
+                <c:pt idx="1">
+                  <c:v>4</c:v>
+                </c:pt>
+                <c:pt idx="2">
+                  <c:v>6</c:v>
+                </c:pt>
+                <c:pt idx="3">
+                  <c:v>8</c:v>
+                </c:pt>
+                <c:pt idx="4">
+                  <c:v>10</c:v>
+                </c:pt>
+                <c:pt idx="5">
+                  <c:v>12</c:v>
+                </c:pt>
+                <c:pt idx="6">
+                  <c:v>14</c:v>
+                </c:pt>
+                <c:pt idx="7">
+                  <c:v>16</c:v>
+                </c:pt>
+                <c:pt idx="8">
+                  <c:v>18</c:v>
+                </c:pt>
+                <c:pt idx="9">
+                  <c:v>20</c:v>
+                </c:pt>
+              </c:numCache>
+            </c:numRef>
+          </c:xVal>
+          <c:yVal>
+            <c:numRef>
+              <c:f>Sheet1!$T$3:$T$12</c:f>
+              <c:numCache>
+                <c:formatCode>General</c:formatCode>
+                <c:ptCount val="10"/>
+                <c:pt idx="0">
+                  <c:v>2.1</c:v>
+                </c:pt>
+                <c:pt idx="1">
+                  <c:v>4.1900000000000004</c:v>
+                </c:pt>
+                <c:pt idx="2">
+                  <c:v>6.29</c:v>
+                </c:pt>
+                <c:pt idx="3">
+                  <c:v>8.39</c:v>
+                </c:pt>
+                <c:pt idx="4">
+                  <c:v>10.5</c:v>
+                </c:pt>
+                <c:pt idx="5">
+                  <c:v>12.6</c:v>
+                </c:pt>
+                <c:pt idx="6">
+                  <c:v>14.7</c:v>
+                </c:pt>
+                <c:pt idx="7">
+                  <c:v>16.8</c:v>
+                </c:pt>
+                <c:pt idx="8">
+                  <c:v>18.899999999999999</c:v>
+                </c:pt>
+                <c:pt idx="9">
+                  <c:v>21</c:v>
+                </c:pt>
+              </c:numCache>
+            </c:numRef>
+          </c:yVal>
+          <c:smooth val="0"/>
+          <c:extLst>
+            <c:ext xmlns:c16="http://schemas.microsoft.com/office/drawing/2014/chart" uri="{C3380CC4-5D6E-409C-BE32-E72D297353CC}">
+              <c16:uniqueId val="{00000006-16E2-4BAE-A12D-0FB3CA31D41D}"/>
+            </c:ext>
+          </c:extLst>
+        </c:ser>
+        <c:ser>
+          <c:idx val="3"/>
+          <c:order val="3"/>
+          <c:tx>
+            <c:v>edge4 (sender)</c:v>
+          </c:tx>
+          <c:spPr>
+            <a:ln w="25400" cap="rnd">
+              <a:noFill/>
+              <a:round/>
+            </a:ln>
+            <a:effectLst/>
+          </c:spPr>
+          <c:marker>
+            <c:symbol val="circle"/>
+            <c:size val="5"/>
+            <c:spPr>
+              <a:solidFill>
+                <a:schemeClr val="accent4"/>
+              </a:solidFill>
+              <a:ln w="9525">
+                <a:solidFill>
+                  <a:schemeClr val="accent4"/>
+                </a:solidFill>
+              </a:ln>
+              <a:effectLst/>
+            </c:spPr>
+          </c:marker>
+          <c:trendline>
+            <c:spPr>
+              <a:ln w="19050" cap="rnd">
+                <a:solidFill>
+                  <a:schemeClr val="accent4"/>
+                </a:solidFill>
+                <a:prstDash val="sysDot"/>
+              </a:ln>
+              <a:effectLst/>
+            </c:spPr>
+            <c:trendlineType val="linear"/>
+            <c:forward val="2"/>
+            <c:dispRSqr val="0"/>
+            <c:dispEq val="0"/>
+          </c:trendline>
+          <c:xVal>
+            <c:numRef>
+              <c:f>Sheet1!$R$16:$R$25</c:f>
+              <c:numCache>
+                <c:formatCode>General</c:formatCode>
+                <c:ptCount val="10"/>
+                <c:pt idx="0">
+                  <c:v>2</c:v>
+                </c:pt>
+                <c:pt idx="1">
+                  <c:v>4</c:v>
+                </c:pt>
+                <c:pt idx="2">
+                  <c:v>6</c:v>
+                </c:pt>
+                <c:pt idx="3">
+                  <c:v>8</c:v>
+                </c:pt>
+                <c:pt idx="4">
+                  <c:v>10</c:v>
+                </c:pt>
+                <c:pt idx="5">
+                  <c:v>12</c:v>
+                </c:pt>
+                <c:pt idx="6">
+                  <c:v>14</c:v>
+                </c:pt>
+                <c:pt idx="7">
+                  <c:v>16</c:v>
+                </c:pt>
+                <c:pt idx="8">
+                  <c:v>18</c:v>
+                </c:pt>
+                <c:pt idx="9">
+                  <c:v>20</c:v>
+                </c:pt>
+              </c:numCache>
+            </c:numRef>
+          </c:xVal>
+          <c:yVal>
+            <c:numRef>
+              <c:f>Sheet1!$T$16:$T$25</c:f>
+              <c:numCache>
+                <c:formatCode>General</c:formatCode>
+                <c:ptCount val="10"/>
+                <c:pt idx="0">
+                  <c:v>15.7</c:v>
+                </c:pt>
+                <c:pt idx="1">
+                  <c:v>15.7</c:v>
+                </c:pt>
+                <c:pt idx="2">
+                  <c:v>15.7</c:v>
+                </c:pt>
+                <c:pt idx="3">
+                  <c:v>15.7</c:v>
+                </c:pt>
+                <c:pt idx="4">
+                  <c:v>15.7</c:v>
+                </c:pt>
+                <c:pt idx="5">
+                  <c:v>15.7</c:v>
+                </c:pt>
+                <c:pt idx="6">
+                  <c:v>15.7</c:v>
+                </c:pt>
+                <c:pt idx="7">
+                  <c:v>15.7</c:v>
+                </c:pt>
+                <c:pt idx="8">
+                  <c:v>15.7</c:v>
+                </c:pt>
+                <c:pt idx="9">
+                  <c:v>15.7</c:v>
+                </c:pt>
+              </c:numCache>
+            </c:numRef>
+          </c:yVal>
+          <c:smooth val="0"/>
+          <c:extLst>
+            <c:ext xmlns:c16="http://schemas.microsoft.com/office/drawing/2014/chart" uri="{C3380CC4-5D6E-409C-BE32-E72D297353CC}">
+              <c16:uniqueId val="{00000008-16E2-4BAE-A12D-0FB3CA31D41D}"/>
+            </c:ext>
+          </c:extLst>
+        </c:ser>
+        <c:dLbls>
+          <c:showLegendKey val="0"/>
+          <c:showVal val="0"/>
+          <c:showCatName val="0"/>
+          <c:showSerName val="0"/>
+          <c:showPercent val="0"/>
+          <c:showBubbleSize val="0"/>
+        </c:dLbls>
+        <c:axId val="231111871"/>
+        <c:axId val="229349871"/>
+      </c:scatterChart>
+      <c:valAx>
+        <c:axId val="231111871"/>
+        <c:scaling>
+          <c:orientation val="minMax"/>
+        </c:scaling>
+        <c:delete val="0"/>
+        <c:axPos val="b"/>
+        <c:majorGridlines>
+          <c:spPr>
+            <a:ln w="9525" cap="flat" cmpd="sng" algn="ctr">
+              <a:solidFill>
+                <a:schemeClr val="tx1">
+                  <a:lumMod val="15000"/>
+                  <a:lumOff val="85000"/>
+                </a:schemeClr>
+              </a:solidFill>
+              <a:round/>
+            </a:ln>
+            <a:effectLst/>
+          </c:spPr>
+        </c:majorGridlines>
+        <c:title>
+          <c:tx>
+            <c:rich>
+              <a:bodyPr rot="0" spcFirstLastPara="1" vertOverflow="ellipsis" vert="horz" wrap="square" anchor="ctr" anchorCtr="1"/>
+              <a:lstStyle/>
+              <a:p>
+                <a:pPr>
+                  <a:defRPr sz="1400" b="0" i="0" u="none" strike="noStrike" kern="1200" baseline="0">
+                    <a:solidFill>
+                      <a:schemeClr val="tx1">
+                        <a:lumMod val="65000"/>
+                        <a:lumOff val="35000"/>
+                      </a:schemeClr>
+                    </a:solidFill>
+                    <a:latin typeface="+mn-lt"/>
+                    <a:ea typeface="+mn-ea"/>
+                    <a:cs typeface="+mn-cs"/>
+                  </a:defRPr>
+                </a:pPr>
+                <a:r>
+                  <a:rPr lang="en-US" sz="1400"/>
+                  <a:t>Iperf</a:t>
+                </a:r>
+                <a:r>
+                  <a:rPr lang="en-US" sz="1400" baseline="0"/>
+                  <a:t> -b (Mbps)</a:t>
+                </a:r>
+              </a:p>
+            </c:rich>
+          </c:tx>
+          <c:overlay val="0"/>
+          <c:spPr>
+            <a:noFill/>
+            <a:ln>
+              <a:noFill/>
+            </a:ln>
+            <a:effectLst/>
+          </c:spPr>
+          <c:txPr>
+            <a:bodyPr rot="0" spcFirstLastPara="1" vertOverflow="ellipsis" vert="horz" wrap="square" anchor="ctr" anchorCtr="1"/>
+            <a:lstStyle/>
+            <a:p>
+              <a:pPr>
+                <a:defRPr sz="1400" b="0" i="0" u="none" strike="noStrike" kern="1200" baseline="0">
+                  <a:solidFill>
+                    <a:schemeClr val="tx1">
+                      <a:lumMod val="65000"/>
+                      <a:lumOff val="35000"/>
+                    </a:schemeClr>
+                  </a:solidFill>
+                  <a:latin typeface="+mn-lt"/>
+                  <a:ea typeface="+mn-ea"/>
+                  <a:cs typeface="+mn-cs"/>
+                </a:defRPr>
+              </a:pPr>
+              <a:endParaRPr lang="en-US"/>
+            </a:p>
+          </c:txPr>
+        </c:title>
+        <c:numFmt formatCode="General" sourceLinked="1"/>
+        <c:majorTickMark val="none"/>
+        <c:minorTickMark val="none"/>
+        <c:tickLblPos val="nextTo"/>
+        <c:spPr>
+          <a:noFill/>
+          <a:ln w="9525" cap="flat" cmpd="sng" algn="ctr">
+            <a:solidFill>
+              <a:schemeClr val="tx1">
+                <a:lumMod val="25000"/>
+                <a:lumOff val="75000"/>
+              </a:schemeClr>
+            </a:solidFill>
+            <a:round/>
+          </a:ln>
+          <a:effectLst/>
+        </c:spPr>
+        <c:txPr>
+          <a:bodyPr rot="-60000000" spcFirstLastPara="1" vertOverflow="ellipsis" vert="horz" wrap="square" anchor="ctr" anchorCtr="1"/>
+          <a:lstStyle/>
+          <a:p>
+            <a:pPr>
+              <a:defRPr sz="900" b="0" i="0" u="none" strike="noStrike" kern="1200" baseline="0">
+                <a:solidFill>
+                  <a:schemeClr val="tx1">
+                    <a:lumMod val="65000"/>
+                    <a:lumOff val="35000"/>
+                  </a:schemeClr>
+                </a:solidFill>
+                <a:latin typeface="+mn-lt"/>
+                <a:ea typeface="+mn-ea"/>
+                <a:cs typeface="+mn-cs"/>
+              </a:defRPr>
+            </a:pPr>
+            <a:endParaRPr lang="en-US"/>
+          </a:p>
+        </c:txPr>
+        <c:crossAx val="229349871"/>
+        <c:crosses val="autoZero"/>
+        <c:crossBetween val="midCat"/>
+      </c:valAx>
+      <c:valAx>
+        <c:axId val="229349871"/>
+        <c:scaling>
+          <c:orientation val="minMax"/>
+        </c:scaling>
+        <c:delete val="0"/>
+        <c:axPos val="l"/>
+        <c:majorGridlines>
+          <c:spPr>
+            <a:ln w="9525" cap="flat" cmpd="sng" algn="ctr">
+              <a:solidFill>
+                <a:schemeClr val="tx1">
+                  <a:lumMod val="15000"/>
+                  <a:lumOff val="85000"/>
+                </a:schemeClr>
+              </a:solidFill>
+              <a:round/>
+            </a:ln>
+            <a:effectLst/>
+          </c:spPr>
+        </c:majorGridlines>
+        <c:title>
+          <c:tx>
+            <c:rich>
+              <a:bodyPr rot="-5400000" spcFirstLastPara="1" vertOverflow="ellipsis" vert="horz" wrap="square" anchor="ctr" anchorCtr="1"/>
+              <a:lstStyle/>
+              <a:p>
+                <a:pPr>
+                  <a:defRPr sz="1100" b="0" i="0" u="none" strike="noStrike" kern="1200" baseline="0">
+                    <a:solidFill>
+                      <a:schemeClr val="tx1">
+                        <a:lumMod val="65000"/>
+                        <a:lumOff val="35000"/>
+                      </a:schemeClr>
+                    </a:solidFill>
+                    <a:latin typeface="+mn-lt"/>
+                    <a:ea typeface="+mn-ea"/>
+                    <a:cs typeface="+mn-cs"/>
+                  </a:defRPr>
+                </a:pPr>
+                <a:r>
+                  <a:rPr lang="en-US" sz="1100"/>
+                  <a:t>Measured Bitrate</a:t>
+                </a:r>
+                <a:r>
+                  <a:rPr lang="en-US" sz="1100" baseline="0"/>
+                  <a:t> (Mbps)</a:t>
+                </a:r>
+                <a:endParaRPr lang="en-US" sz="1100"/>
+              </a:p>
+            </c:rich>
+          </c:tx>
+          <c:overlay val="0"/>
+          <c:spPr>
+            <a:noFill/>
+            <a:ln>
+              <a:noFill/>
+            </a:ln>
+            <a:effectLst/>
+          </c:spPr>
+          <c:txPr>
+            <a:bodyPr rot="-5400000" spcFirstLastPara="1" vertOverflow="ellipsis" vert="horz" wrap="square" anchor="ctr" anchorCtr="1"/>
+            <a:lstStyle/>
+            <a:p>
+              <a:pPr>
+                <a:defRPr sz="1100" b="0" i="0" u="none" strike="noStrike" kern="1200" baseline="0">
+                  <a:solidFill>
+                    <a:schemeClr val="tx1">
+                      <a:lumMod val="65000"/>
+                      <a:lumOff val="35000"/>
+                    </a:schemeClr>
+                  </a:solidFill>
+                  <a:latin typeface="+mn-lt"/>
+                  <a:ea typeface="+mn-ea"/>
+                  <a:cs typeface="+mn-cs"/>
+                </a:defRPr>
+              </a:pPr>
+              <a:endParaRPr lang="en-US"/>
+            </a:p>
+          </c:txPr>
+        </c:title>
+        <c:numFmt formatCode="General" sourceLinked="1"/>
+        <c:majorTickMark val="none"/>
+        <c:minorTickMark val="none"/>
+        <c:tickLblPos val="nextTo"/>
+        <c:spPr>
+          <a:noFill/>
+          <a:ln w="9525" cap="flat" cmpd="sng" algn="ctr">
+            <a:solidFill>
+              <a:schemeClr val="tx1">
+                <a:lumMod val="25000"/>
+                <a:lumOff val="75000"/>
+              </a:schemeClr>
+            </a:solidFill>
+            <a:round/>
+          </a:ln>
+          <a:effectLst/>
+        </c:spPr>
+        <c:txPr>
+          <a:bodyPr rot="-60000000" spcFirstLastPara="1" vertOverflow="ellipsis" vert="horz" wrap="square" anchor="ctr" anchorCtr="1"/>
+          <a:lstStyle/>
+          <a:p>
+            <a:pPr>
+              <a:defRPr sz="900" b="0" i="0" u="none" strike="noStrike" kern="1200" baseline="0">
+                <a:solidFill>
+                  <a:schemeClr val="tx1">
+                    <a:lumMod val="65000"/>
+                    <a:lumOff val="35000"/>
+                  </a:schemeClr>
+                </a:solidFill>
+                <a:latin typeface="+mn-lt"/>
+                <a:ea typeface="+mn-ea"/>
+                <a:cs typeface="+mn-cs"/>
+              </a:defRPr>
+            </a:pPr>
+            <a:endParaRPr lang="en-US"/>
+          </a:p>
+        </c:txPr>
+        <c:crossAx val="231111871"/>
+        <c:crosses val="autoZero"/>
+        <c:crossBetween val="midCat"/>
+      </c:valAx>
+      <c:spPr>
+        <a:noFill/>
+        <a:ln>
+          <a:noFill/>
+        </a:ln>
+        <a:effectLst/>
+      </c:spPr>
+    </c:plotArea>
+    <c:legend>
+      <c:legendPos val="b"/>
+      <c:legendEntry>
+        <c:idx val="4"/>
+        <c:delete val="1"/>
+      </c:legendEntry>
+      <c:legendEntry>
+        <c:idx val="5"/>
+        <c:delete val="1"/>
+      </c:legendEntry>
+      <c:legendEntry>
+        <c:idx val="6"/>
+        <c:delete val="1"/>
+      </c:legendEntry>
+      <c:legendEntry>
+        <c:idx val="7"/>
+        <c:delete val="1"/>
+      </c:legendEntry>
+      <c:legendEntry>
+        <c:idx val="8"/>
+        <c:delete val="1"/>
+      </c:legendEntry>
+      <c:overlay val="0"/>
+      <c:spPr>
+        <a:noFill/>
+        <a:ln>
+          <a:noFill/>
+        </a:ln>
+        <a:effectLst/>
+      </c:spPr>
+      <c:txPr>
+        <a:bodyPr rot="0" spcFirstLastPara="1" vertOverflow="ellipsis" vert="horz" wrap="square" anchor="ctr" anchorCtr="1"/>
+        <a:lstStyle/>
+        <a:p>
+          <a:pPr>
+            <a:defRPr sz="1400" b="0" i="0" u="none" strike="noStrike" kern="1200" baseline="0">
+              <a:solidFill>
+                <a:schemeClr val="tx1">
+                  <a:lumMod val="65000"/>
+                  <a:lumOff val="35000"/>
+                </a:schemeClr>
+              </a:solidFill>
+              <a:latin typeface="+mn-lt"/>
+              <a:ea typeface="+mn-ea"/>
+              <a:cs typeface="+mn-cs"/>
+            </a:defRPr>
+          </a:pPr>
+          <a:endParaRPr lang="en-US"/>
+        </a:p>
+      </c:txPr>
+    </c:legend>
+    <c:plotVisOnly val="1"/>
+    <c:dispBlanksAs val="gap"/>
+    <c:extLst>
+      <c:ext xmlns:c16r3="http://schemas.microsoft.com/office/drawing/2017/03/chart" uri="{56B9EC1D-385E-4148-901F-78D8002777C0}">
+        <c16r3:dataDisplayOptions16>
+          <c16r3:dispNaAsBlank val="1"/>
+        </c16r3:dataDisplayOptions16>
+      </c:ext>
+    </c:extLst>
     <c:showDLblsOverMax val="0"/>
   </c:chart>
   <c:spPr>
@@ -8112,6 +9900,86 @@
 </cs:colorStyle>
 </file>
 
+<file path=ppt/charts/colors10.xml><?xml version="1.0" encoding="utf-8"?>
+<cs:colorStyle xmlns:cs="http://schemas.microsoft.com/office/drawing/2012/chartStyle" xmlns:a="http://schemas.openxmlformats.org/drawingml/2006/main" meth="cycle" id="10">
+  <a:schemeClr val="accent1"/>
+  <a:schemeClr val="accent2"/>
+  <a:schemeClr val="accent3"/>
+  <a:schemeClr val="accent4"/>
+  <a:schemeClr val="accent5"/>
+  <a:schemeClr val="accent6"/>
+  <cs:variation/>
+  <cs:variation>
+    <a:lumMod val="60000"/>
+  </cs:variation>
+  <cs:variation>
+    <a:lumMod val="80000"/>
+    <a:lumOff val="20000"/>
+  </cs:variation>
+  <cs:variation>
+    <a:lumMod val="80000"/>
+  </cs:variation>
+  <cs:variation>
+    <a:lumMod val="60000"/>
+    <a:lumOff val="40000"/>
+  </cs:variation>
+  <cs:variation>
+    <a:lumMod val="50000"/>
+  </cs:variation>
+  <cs:variation>
+    <a:lumMod val="70000"/>
+    <a:lumOff val="30000"/>
+  </cs:variation>
+  <cs:variation>
+    <a:lumMod val="70000"/>
+  </cs:variation>
+  <cs:variation>
+    <a:lumMod val="50000"/>
+    <a:lumOff val="50000"/>
+  </cs:variation>
+</cs:colorStyle>
+</file>
+
+<file path=ppt/charts/colors11.xml><?xml version="1.0" encoding="utf-8"?>
+<cs:colorStyle xmlns:cs="http://schemas.microsoft.com/office/drawing/2012/chartStyle" xmlns:a="http://schemas.openxmlformats.org/drawingml/2006/main" meth="cycle" id="10">
+  <a:schemeClr val="accent1"/>
+  <a:schemeClr val="accent2"/>
+  <a:schemeClr val="accent3"/>
+  <a:schemeClr val="accent4"/>
+  <a:schemeClr val="accent5"/>
+  <a:schemeClr val="accent6"/>
+  <cs:variation/>
+  <cs:variation>
+    <a:lumMod val="60000"/>
+  </cs:variation>
+  <cs:variation>
+    <a:lumMod val="80000"/>
+    <a:lumOff val="20000"/>
+  </cs:variation>
+  <cs:variation>
+    <a:lumMod val="80000"/>
+  </cs:variation>
+  <cs:variation>
+    <a:lumMod val="60000"/>
+    <a:lumOff val="40000"/>
+  </cs:variation>
+  <cs:variation>
+    <a:lumMod val="50000"/>
+  </cs:variation>
+  <cs:variation>
+    <a:lumMod val="70000"/>
+    <a:lumOff val="30000"/>
+  </cs:variation>
+  <cs:variation>
+    <a:lumMod val="70000"/>
+  </cs:variation>
+  <cs:variation>
+    <a:lumMod val="50000"/>
+    <a:lumOff val="50000"/>
+  </cs:variation>
+</cs:colorStyle>
+</file>
+
 <file path=ppt/charts/colors2.xml><?xml version="1.0" encoding="utf-8"?>
 <cs:colorStyle xmlns:cs="http://schemas.microsoft.com/office/drawing/2012/chartStyle" xmlns:a="http://schemas.openxmlformats.org/drawingml/2006/main" meth="cycle" id="10">
   <a:schemeClr val="accent1"/>
@@ -8404,6 +10272,1038 @@
 </file>
 
 <file path=ppt/charts/style1.xml><?xml version="1.0" encoding="utf-8"?>
+<cs:chartStyle xmlns:cs="http://schemas.microsoft.com/office/drawing/2012/chartStyle" xmlns:a="http://schemas.openxmlformats.org/drawingml/2006/main" id="240">
+  <cs:axisTitle>
+    <cs:lnRef idx="0"/>
+    <cs:fillRef idx="0"/>
+    <cs:effectRef idx="0"/>
+    <cs:fontRef idx="minor">
+      <a:schemeClr val="tx1">
+        <a:lumMod val="65000"/>
+        <a:lumOff val="35000"/>
+      </a:schemeClr>
+    </cs:fontRef>
+    <cs:defRPr sz="1000" kern="1200"/>
+  </cs:axisTitle>
+  <cs:categoryAxis>
+    <cs:lnRef idx="0"/>
+    <cs:fillRef idx="0"/>
+    <cs:effectRef idx="0"/>
+    <cs:fontRef idx="minor">
+      <a:schemeClr val="tx1">
+        <a:lumMod val="65000"/>
+        <a:lumOff val="35000"/>
+      </a:schemeClr>
+    </cs:fontRef>
+    <cs:spPr>
+      <a:ln w="9525" cap="flat" cmpd="sng" algn="ctr">
+        <a:solidFill>
+          <a:schemeClr val="tx1">
+            <a:lumMod val="25000"/>
+            <a:lumOff val="75000"/>
+          </a:schemeClr>
+        </a:solidFill>
+        <a:round/>
+      </a:ln>
+    </cs:spPr>
+    <cs:defRPr sz="900" kern="1200"/>
+  </cs:categoryAxis>
+  <cs:chartArea mods="allowNoFillOverride allowNoLineOverride">
+    <cs:lnRef idx="0"/>
+    <cs:fillRef idx="0"/>
+    <cs:effectRef idx="0"/>
+    <cs:fontRef idx="minor">
+      <a:schemeClr val="tx1"/>
+    </cs:fontRef>
+    <cs:spPr>
+      <a:solidFill>
+        <a:schemeClr val="bg1"/>
+      </a:solidFill>
+      <a:ln w="9525" cap="flat" cmpd="sng" algn="ctr">
+        <a:solidFill>
+          <a:schemeClr val="tx1">
+            <a:lumMod val="15000"/>
+            <a:lumOff val="85000"/>
+          </a:schemeClr>
+        </a:solidFill>
+        <a:round/>
+      </a:ln>
+    </cs:spPr>
+    <cs:defRPr sz="1000" kern="1200"/>
+  </cs:chartArea>
+  <cs:dataLabel>
+    <cs:lnRef idx="0"/>
+    <cs:fillRef idx="0"/>
+    <cs:effectRef idx="0"/>
+    <cs:fontRef idx="minor">
+      <a:schemeClr val="tx1">
+        <a:lumMod val="75000"/>
+        <a:lumOff val="25000"/>
+      </a:schemeClr>
+    </cs:fontRef>
+    <cs:defRPr sz="900" kern="1200"/>
+  </cs:dataLabel>
+  <cs:dataLabelCallout>
+    <cs:lnRef idx="0"/>
+    <cs:fillRef idx="0"/>
+    <cs:effectRef idx="0"/>
+    <cs:fontRef idx="minor">
+      <a:schemeClr val="dk1">
+        <a:lumMod val="65000"/>
+        <a:lumOff val="35000"/>
+      </a:schemeClr>
+    </cs:fontRef>
+    <cs:spPr>
+      <a:solidFill>
+        <a:schemeClr val="lt1"/>
+      </a:solidFill>
+      <a:ln>
+        <a:solidFill>
+          <a:schemeClr val="dk1">
+            <a:lumMod val="25000"/>
+            <a:lumOff val="75000"/>
+          </a:schemeClr>
+        </a:solidFill>
+      </a:ln>
+    </cs:spPr>
+    <cs:defRPr sz="900" kern="1200"/>
+    <cs:bodyPr rot="0" spcFirstLastPara="1" vertOverflow="clip" horzOverflow="clip" vert="horz" wrap="square" lIns="36576" tIns="18288" rIns="36576" bIns="18288" anchor="ctr" anchorCtr="1">
+      <a:spAutoFit/>
+    </cs:bodyPr>
+  </cs:dataLabelCallout>
+  <cs:dataPoint>
+    <cs:lnRef idx="0"/>
+    <cs:fillRef idx="1">
+      <cs:styleClr val="auto"/>
+    </cs:fillRef>
+    <cs:effectRef idx="0"/>
+    <cs:fontRef idx="minor">
+      <a:schemeClr val="tx1"/>
+    </cs:fontRef>
+  </cs:dataPoint>
+  <cs:dataPoint3D>
+    <cs:lnRef idx="0"/>
+    <cs:fillRef idx="1">
+      <cs:styleClr val="auto"/>
+    </cs:fillRef>
+    <cs:effectRef idx="0"/>
+    <cs:fontRef idx="minor">
+      <a:schemeClr val="tx1"/>
+    </cs:fontRef>
+  </cs:dataPoint3D>
+  <cs:dataPointLine>
+    <cs:lnRef idx="0">
+      <cs:styleClr val="auto"/>
+    </cs:lnRef>
+    <cs:fillRef idx="1"/>
+    <cs:effectRef idx="0"/>
+    <cs:fontRef idx="minor">
+      <a:schemeClr val="tx1"/>
+    </cs:fontRef>
+    <cs:spPr>
+      <a:ln w="19050" cap="rnd">
+        <a:solidFill>
+          <a:schemeClr val="phClr"/>
+        </a:solidFill>
+        <a:round/>
+      </a:ln>
+    </cs:spPr>
+  </cs:dataPointLine>
+  <cs:dataPointMarker>
+    <cs:lnRef idx="0">
+      <cs:styleClr val="auto"/>
+    </cs:lnRef>
+    <cs:fillRef idx="1">
+      <cs:styleClr val="auto"/>
+    </cs:fillRef>
+    <cs:effectRef idx="0"/>
+    <cs:fontRef idx="minor">
+      <a:schemeClr val="tx1"/>
+    </cs:fontRef>
+    <cs:spPr>
+      <a:ln w="9525">
+        <a:solidFill>
+          <a:schemeClr val="phClr"/>
+        </a:solidFill>
+      </a:ln>
+    </cs:spPr>
+  </cs:dataPointMarker>
+  <cs:dataPointMarkerLayout symbol="circle" size="5"/>
+  <cs:dataPointWireframe>
+    <cs:lnRef idx="0">
+      <cs:styleClr val="auto"/>
+    </cs:lnRef>
+    <cs:fillRef idx="0"/>
+    <cs:effectRef idx="0"/>
+    <cs:fontRef idx="minor">
+      <a:schemeClr val="dk1"/>
+    </cs:fontRef>
+    <cs:spPr>
+      <a:ln w="9525" cap="rnd">
+        <a:solidFill>
+          <a:schemeClr val="phClr"/>
+        </a:solidFill>
+        <a:round/>
+      </a:ln>
+    </cs:spPr>
+  </cs:dataPointWireframe>
+  <cs:dataTable>
+    <cs:lnRef idx="0"/>
+    <cs:fillRef idx="0"/>
+    <cs:effectRef idx="0"/>
+    <cs:fontRef idx="minor">
+      <a:schemeClr val="tx1">
+        <a:lumMod val="65000"/>
+        <a:lumOff val="35000"/>
+      </a:schemeClr>
+    </cs:fontRef>
+    <cs:spPr>
+      <a:noFill/>
+      <a:ln w="9525" cap="flat" cmpd="sng" algn="ctr">
+        <a:solidFill>
+          <a:schemeClr val="tx1">
+            <a:lumMod val="15000"/>
+            <a:lumOff val="85000"/>
+          </a:schemeClr>
+        </a:solidFill>
+        <a:round/>
+      </a:ln>
+    </cs:spPr>
+    <cs:defRPr sz="900" kern="1200"/>
+  </cs:dataTable>
+  <cs:downBar>
+    <cs:lnRef idx="0"/>
+    <cs:fillRef idx="0"/>
+    <cs:effectRef idx="0"/>
+    <cs:fontRef idx="minor">
+      <a:schemeClr val="tx1"/>
+    </cs:fontRef>
+    <cs:spPr>
+      <a:solidFill>
+        <a:schemeClr val="dk1">
+          <a:lumMod val="75000"/>
+          <a:lumOff val="25000"/>
+        </a:schemeClr>
+      </a:solidFill>
+      <a:ln w="9525" cap="flat" cmpd="sng" algn="ctr">
+        <a:solidFill>
+          <a:schemeClr val="tx1">
+            <a:lumMod val="65000"/>
+            <a:lumOff val="35000"/>
+          </a:schemeClr>
+        </a:solidFill>
+        <a:round/>
+      </a:ln>
+    </cs:spPr>
+  </cs:downBar>
+  <cs:dropLine>
+    <cs:lnRef idx="0"/>
+    <cs:fillRef idx="0"/>
+    <cs:effectRef idx="0"/>
+    <cs:fontRef idx="minor">
+      <a:schemeClr val="tx1"/>
+    </cs:fontRef>
+    <cs:spPr>
+      <a:ln w="9525" cap="flat" cmpd="sng" algn="ctr">
+        <a:solidFill>
+          <a:schemeClr val="tx1">
+            <a:lumMod val="35000"/>
+            <a:lumOff val="65000"/>
+          </a:schemeClr>
+        </a:solidFill>
+        <a:round/>
+      </a:ln>
+    </cs:spPr>
+  </cs:dropLine>
+  <cs:errorBar>
+    <cs:lnRef idx="0"/>
+    <cs:fillRef idx="0"/>
+    <cs:effectRef idx="0"/>
+    <cs:fontRef idx="minor">
+      <a:schemeClr val="tx1"/>
+    </cs:fontRef>
+    <cs:spPr>
+      <a:ln w="9525" cap="flat" cmpd="sng" algn="ctr">
+        <a:solidFill>
+          <a:schemeClr val="tx1">
+            <a:lumMod val="65000"/>
+            <a:lumOff val="35000"/>
+          </a:schemeClr>
+        </a:solidFill>
+        <a:round/>
+      </a:ln>
+    </cs:spPr>
+  </cs:errorBar>
+  <cs:floor>
+    <cs:lnRef idx="0"/>
+    <cs:fillRef idx="0"/>
+    <cs:effectRef idx="0"/>
+    <cs:fontRef idx="minor">
+      <a:schemeClr val="tx1"/>
+    </cs:fontRef>
+    <cs:spPr>
+      <a:noFill/>
+      <a:ln>
+        <a:noFill/>
+      </a:ln>
+    </cs:spPr>
+  </cs:floor>
+  <cs:gridlineMajor>
+    <cs:lnRef idx="0"/>
+    <cs:fillRef idx="0"/>
+    <cs:effectRef idx="0"/>
+    <cs:fontRef idx="minor">
+      <a:schemeClr val="tx1"/>
+    </cs:fontRef>
+    <cs:spPr>
+      <a:ln w="9525" cap="flat" cmpd="sng" algn="ctr">
+        <a:solidFill>
+          <a:schemeClr val="tx1">
+            <a:lumMod val="15000"/>
+            <a:lumOff val="85000"/>
+          </a:schemeClr>
+        </a:solidFill>
+        <a:round/>
+      </a:ln>
+    </cs:spPr>
+  </cs:gridlineMajor>
+  <cs:gridlineMinor>
+    <cs:lnRef idx="0"/>
+    <cs:fillRef idx="0"/>
+    <cs:effectRef idx="0"/>
+    <cs:fontRef idx="minor">
+      <a:schemeClr val="tx1"/>
+    </cs:fontRef>
+    <cs:spPr>
+      <a:ln w="9525" cap="flat" cmpd="sng" algn="ctr">
+        <a:solidFill>
+          <a:schemeClr val="tx1">
+            <a:lumMod val="5000"/>
+            <a:lumOff val="95000"/>
+          </a:schemeClr>
+        </a:solidFill>
+        <a:round/>
+      </a:ln>
+    </cs:spPr>
+  </cs:gridlineMinor>
+  <cs:hiLoLine>
+    <cs:lnRef idx="0"/>
+    <cs:fillRef idx="0"/>
+    <cs:effectRef idx="0"/>
+    <cs:fontRef idx="minor">
+      <a:schemeClr val="tx1"/>
+    </cs:fontRef>
+    <cs:spPr>
+      <a:ln w="9525" cap="flat" cmpd="sng" algn="ctr">
+        <a:solidFill>
+          <a:schemeClr val="tx1">
+            <a:lumMod val="50000"/>
+            <a:lumOff val="50000"/>
+          </a:schemeClr>
+        </a:solidFill>
+        <a:round/>
+      </a:ln>
+    </cs:spPr>
+  </cs:hiLoLine>
+  <cs:leaderLine>
+    <cs:lnRef idx="0"/>
+    <cs:fillRef idx="0"/>
+    <cs:effectRef idx="0"/>
+    <cs:fontRef idx="minor">
+      <a:schemeClr val="tx1"/>
+    </cs:fontRef>
+    <cs:spPr>
+      <a:ln w="9525" cap="flat" cmpd="sng" algn="ctr">
+        <a:solidFill>
+          <a:schemeClr val="tx1">
+            <a:lumMod val="35000"/>
+            <a:lumOff val="65000"/>
+          </a:schemeClr>
+        </a:solidFill>
+        <a:round/>
+      </a:ln>
+    </cs:spPr>
+  </cs:leaderLine>
+  <cs:legend>
+    <cs:lnRef idx="0"/>
+    <cs:fillRef idx="0"/>
+    <cs:effectRef idx="0"/>
+    <cs:fontRef idx="minor">
+      <a:schemeClr val="tx1">
+        <a:lumMod val="65000"/>
+        <a:lumOff val="35000"/>
+      </a:schemeClr>
+    </cs:fontRef>
+    <cs:defRPr sz="900" kern="1200"/>
+  </cs:legend>
+  <cs:plotArea mods="allowNoFillOverride allowNoLineOverride">
+    <cs:lnRef idx="0"/>
+    <cs:fillRef idx="0"/>
+    <cs:effectRef idx="0"/>
+    <cs:fontRef idx="minor">
+      <a:schemeClr val="tx1"/>
+    </cs:fontRef>
+  </cs:plotArea>
+  <cs:plotArea3D mods="allowNoFillOverride allowNoLineOverride">
+    <cs:lnRef idx="0"/>
+    <cs:fillRef idx="0"/>
+    <cs:effectRef idx="0"/>
+    <cs:fontRef idx="minor">
+      <a:schemeClr val="tx1"/>
+    </cs:fontRef>
+  </cs:plotArea3D>
+  <cs:seriesAxis>
+    <cs:lnRef idx="0"/>
+    <cs:fillRef idx="0"/>
+    <cs:effectRef idx="0"/>
+    <cs:fontRef idx="minor">
+      <a:schemeClr val="tx1">
+        <a:lumMod val="65000"/>
+        <a:lumOff val="35000"/>
+      </a:schemeClr>
+    </cs:fontRef>
+    <cs:defRPr sz="900" kern="1200"/>
+  </cs:seriesAxis>
+  <cs:seriesLine>
+    <cs:lnRef idx="0"/>
+    <cs:fillRef idx="0"/>
+    <cs:effectRef idx="0"/>
+    <cs:fontRef idx="minor">
+      <a:schemeClr val="tx1"/>
+    </cs:fontRef>
+    <cs:spPr>
+      <a:ln w="9525" cap="flat" cmpd="sng" algn="ctr">
+        <a:solidFill>
+          <a:schemeClr val="tx1">
+            <a:lumMod val="35000"/>
+            <a:lumOff val="65000"/>
+          </a:schemeClr>
+        </a:solidFill>
+        <a:round/>
+      </a:ln>
+    </cs:spPr>
+  </cs:seriesLine>
+  <cs:title>
+    <cs:lnRef idx="0"/>
+    <cs:fillRef idx="0"/>
+    <cs:effectRef idx="0"/>
+    <cs:fontRef idx="minor">
+      <a:schemeClr val="tx1">
+        <a:lumMod val="65000"/>
+        <a:lumOff val="35000"/>
+      </a:schemeClr>
+    </cs:fontRef>
+    <cs:defRPr sz="1400" b="0" kern="1200" spc="0" baseline="0"/>
+  </cs:title>
+  <cs:trendline>
+    <cs:lnRef idx="0">
+      <cs:styleClr val="auto"/>
+    </cs:lnRef>
+    <cs:fillRef idx="0"/>
+    <cs:effectRef idx="0"/>
+    <cs:fontRef idx="minor">
+      <a:schemeClr val="tx1"/>
+    </cs:fontRef>
+    <cs:spPr>
+      <a:ln w="19050" cap="rnd">
+        <a:solidFill>
+          <a:schemeClr val="phClr"/>
+        </a:solidFill>
+        <a:prstDash val="sysDot"/>
+      </a:ln>
+    </cs:spPr>
+  </cs:trendline>
+  <cs:trendlineLabel>
+    <cs:lnRef idx="0"/>
+    <cs:fillRef idx="0"/>
+    <cs:effectRef idx="0"/>
+    <cs:fontRef idx="minor">
+      <a:schemeClr val="tx1">
+        <a:lumMod val="65000"/>
+        <a:lumOff val="35000"/>
+      </a:schemeClr>
+    </cs:fontRef>
+    <cs:defRPr sz="900" kern="1200"/>
+  </cs:trendlineLabel>
+  <cs:upBar>
+    <cs:lnRef idx="0"/>
+    <cs:fillRef idx="0"/>
+    <cs:effectRef idx="0"/>
+    <cs:fontRef idx="minor">
+      <a:schemeClr val="tx1"/>
+    </cs:fontRef>
+    <cs:spPr>
+      <a:solidFill>
+        <a:schemeClr val="lt1"/>
+      </a:solidFill>
+      <a:ln w="9525" cap="flat" cmpd="sng" algn="ctr">
+        <a:solidFill>
+          <a:schemeClr val="tx1">
+            <a:lumMod val="65000"/>
+            <a:lumOff val="35000"/>
+          </a:schemeClr>
+        </a:solidFill>
+        <a:round/>
+      </a:ln>
+    </cs:spPr>
+  </cs:upBar>
+  <cs:valueAxis>
+    <cs:lnRef idx="0"/>
+    <cs:fillRef idx="0"/>
+    <cs:effectRef idx="0"/>
+    <cs:fontRef idx="minor">
+      <a:schemeClr val="tx1">
+        <a:lumMod val="65000"/>
+        <a:lumOff val="35000"/>
+      </a:schemeClr>
+    </cs:fontRef>
+    <cs:spPr>
+      <a:ln w="9525" cap="flat" cmpd="sng" algn="ctr">
+        <a:solidFill>
+          <a:schemeClr val="tx1">
+            <a:lumMod val="25000"/>
+            <a:lumOff val="75000"/>
+          </a:schemeClr>
+        </a:solidFill>
+        <a:round/>
+      </a:ln>
+    </cs:spPr>
+    <cs:defRPr sz="900" kern="1200"/>
+  </cs:valueAxis>
+  <cs:wall>
+    <cs:lnRef idx="0"/>
+    <cs:fillRef idx="0"/>
+    <cs:effectRef idx="0"/>
+    <cs:fontRef idx="minor">
+      <a:schemeClr val="tx1"/>
+    </cs:fontRef>
+    <cs:spPr>
+      <a:noFill/>
+      <a:ln>
+        <a:noFill/>
+      </a:ln>
+    </cs:spPr>
+  </cs:wall>
+</cs:chartStyle>
+</file>
+
+<file path=ppt/charts/style10.xml><?xml version="1.0" encoding="utf-8"?>
+<cs:chartStyle xmlns:cs="http://schemas.microsoft.com/office/drawing/2012/chartStyle" xmlns:a="http://schemas.openxmlformats.org/drawingml/2006/main" id="240">
+  <cs:axisTitle>
+    <cs:lnRef idx="0"/>
+    <cs:fillRef idx="0"/>
+    <cs:effectRef idx="0"/>
+    <cs:fontRef idx="minor">
+      <a:schemeClr val="tx1">
+        <a:lumMod val="65000"/>
+        <a:lumOff val="35000"/>
+      </a:schemeClr>
+    </cs:fontRef>
+    <cs:defRPr sz="1000" kern="1200"/>
+  </cs:axisTitle>
+  <cs:categoryAxis>
+    <cs:lnRef idx="0"/>
+    <cs:fillRef idx="0"/>
+    <cs:effectRef idx="0"/>
+    <cs:fontRef idx="minor">
+      <a:schemeClr val="tx1">
+        <a:lumMod val="65000"/>
+        <a:lumOff val="35000"/>
+      </a:schemeClr>
+    </cs:fontRef>
+    <cs:spPr>
+      <a:ln w="9525" cap="flat" cmpd="sng" algn="ctr">
+        <a:solidFill>
+          <a:schemeClr val="tx1">
+            <a:lumMod val="25000"/>
+            <a:lumOff val="75000"/>
+          </a:schemeClr>
+        </a:solidFill>
+        <a:round/>
+      </a:ln>
+    </cs:spPr>
+    <cs:defRPr sz="900" kern="1200"/>
+  </cs:categoryAxis>
+  <cs:chartArea mods="allowNoFillOverride allowNoLineOverride">
+    <cs:lnRef idx="0"/>
+    <cs:fillRef idx="0"/>
+    <cs:effectRef idx="0"/>
+    <cs:fontRef idx="minor">
+      <a:schemeClr val="tx1"/>
+    </cs:fontRef>
+    <cs:spPr>
+      <a:solidFill>
+        <a:schemeClr val="bg1"/>
+      </a:solidFill>
+      <a:ln w="9525" cap="flat" cmpd="sng" algn="ctr">
+        <a:solidFill>
+          <a:schemeClr val="tx1">
+            <a:lumMod val="15000"/>
+            <a:lumOff val="85000"/>
+          </a:schemeClr>
+        </a:solidFill>
+        <a:round/>
+      </a:ln>
+    </cs:spPr>
+    <cs:defRPr sz="1000" kern="1200"/>
+  </cs:chartArea>
+  <cs:dataLabel>
+    <cs:lnRef idx="0"/>
+    <cs:fillRef idx="0"/>
+    <cs:effectRef idx="0"/>
+    <cs:fontRef idx="minor">
+      <a:schemeClr val="tx1">
+        <a:lumMod val="75000"/>
+        <a:lumOff val="25000"/>
+      </a:schemeClr>
+    </cs:fontRef>
+    <cs:defRPr sz="900" kern="1200"/>
+  </cs:dataLabel>
+  <cs:dataLabelCallout>
+    <cs:lnRef idx="0"/>
+    <cs:fillRef idx="0"/>
+    <cs:effectRef idx="0"/>
+    <cs:fontRef idx="minor">
+      <a:schemeClr val="dk1">
+        <a:lumMod val="65000"/>
+        <a:lumOff val="35000"/>
+      </a:schemeClr>
+    </cs:fontRef>
+    <cs:spPr>
+      <a:solidFill>
+        <a:schemeClr val="lt1"/>
+      </a:solidFill>
+      <a:ln>
+        <a:solidFill>
+          <a:schemeClr val="dk1">
+            <a:lumMod val="25000"/>
+            <a:lumOff val="75000"/>
+          </a:schemeClr>
+        </a:solidFill>
+      </a:ln>
+    </cs:spPr>
+    <cs:defRPr sz="900" kern="1200"/>
+    <cs:bodyPr rot="0" spcFirstLastPara="1" vertOverflow="clip" horzOverflow="clip" vert="horz" wrap="square" lIns="36576" tIns="18288" rIns="36576" bIns="18288" anchor="ctr" anchorCtr="1">
+      <a:spAutoFit/>
+    </cs:bodyPr>
+  </cs:dataLabelCallout>
+  <cs:dataPoint>
+    <cs:lnRef idx="0"/>
+    <cs:fillRef idx="1">
+      <cs:styleClr val="auto"/>
+    </cs:fillRef>
+    <cs:effectRef idx="0"/>
+    <cs:fontRef idx="minor">
+      <a:schemeClr val="tx1"/>
+    </cs:fontRef>
+  </cs:dataPoint>
+  <cs:dataPoint3D>
+    <cs:lnRef idx="0"/>
+    <cs:fillRef idx="1">
+      <cs:styleClr val="auto"/>
+    </cs:fillRef>
+    <cs:effectRef idx="0"/>
+    <cs:fontRef idx="minor">
+      <a:schemeClr val="tx1"/>
+    </cs:fontRef>
+  </cs:dataPoint3D>
+  <cs:dataPointLine>
+    <cs:lnRef idx="0">
+      <cs:styleClr val="auto"/>
+    </cs:lnRef>
+    <cs:fillRef idx="1"/>
+    <cs:effectRef idx="0"/>
+    <cs:fontRef idx="minor">
+      <a:schemeClr val="tx1"/>
+    </cs:fontRef>
+    <cs:spPr>
+      <a:ln w="19050" cap="rnd">
+        <a:solidFill>
+          <a:schemeClr val="phClr"/>
+        </a:solidFill>
+        <a:round/>
+      </a:ln>
+    </cs:spPr>
+  </cs:dataPointLine>
+  <cs:dataPointMarker>
+    <cs:lnRef idx="0">
+      <cs:styleClr val="auto"/>
+    </cs:lnRef>
+    <cs:fillRef idx="1">
+      <cs:styleClr val="auto"/>
+    </cs:fillRef>
+    <cs:effectRef idx="0"/>
+    <cs:fontRef idx="minor">
+      <a:schemeClr val="tx1"/>
+    </cs:fontRef>
+    <cs:spPr>
+      <a:ln w="9525">
+        <a:solidFill>
+          <a:schemeClr val="phClr"/>
+        </a:solidFill>
+      </a:ln>
+    </cs:spPr>
+  </cs:dataPointMarker>
+  <cs:dataPointMarkerLayout symbol="circle" size="5"/>
+  <cs:dataPointWireframe>
+    <cs:lnRef idx="0">
+      <cs:styleClr val="auto"/>
+    </cs:lnRef>
+    <cs:fillRef idx="0"/>
+    <cs:effectRef idx="0"/>
+    <cs:fontRef idx="minor">
+      <a:schemeClr val="dk1"/>
+    </cs:fontRef>
+    <cs:spPr>
+      <a:ln w="9525" cap="rnd">
+        <a:solidFill>
+          <a:schemeClr val="phClr"/>
+        </a:solidFill>
+        <a:round/>
+      </a:ln>
+    </cs:spPr>
+  </cs:dataPointWireframe>
+  <cs:dataTable>
+    <cs:lnRef idx="0"/>
+    <cs:fillRef idx="0"/>
+    <cs:effectRef idx="0"/>
+    <cs:fontRef idx="minor">
+      <a:schemeClr val="tx1">
+        <a:lumMod val="65000"/>
+        <a:lumOff val="35000"/>
+      </a:schemeClr>
+    </cs:fontRef>
+    <cs:spPr>
+      <a:noFill/>
+      <a:ln w="9525" cap="flat" cmpd="sng" algn="ctr">
+        <a:solidFill>
+          <a:schemeClr val="tx1">
+            <a:lumMod val="15000"/>
+            <a:lumOff val="85000"/>
+          </a:schemeClr>
+        </a:solidFill>
+        <a:round/>
+      </a:ln>
+    </cs:spPr>
+    <cs:defRPr sz="900" kern="1200"/>
+  </cs:dataTable>
+  <cs:downBar>
+    <cs:lnRef idx="0"/>
+    <cs:fillRef idx="0"/>
+    <cs:effectRef idx="0"/>
+    <cs:fontRef idx="minor">
+      <a:schemeClr val="tx1"/>
+    </cs:fontRef>
+    <cs:spPr>
+      <a:solidFill>
+        <a:schemeClr val="dk1">
+          <a:lumMod val="75000"/>
+          <a:lumOff val="25000"/>
+        </a:schemeClr>
+      </a:solidFill>
+      <a:ln w="9525" cap="flat" cmpd="sng" algn="ctr">
+        <a:solidFill>
+          <a:schemeClr val="tx1">
+            <a:lumMod val="65000"/>
+            <a:lumOff val="35000"/>
+          </a:schemeClr>
+        </a:solidFill>
+        <a:round/>
+      </a:ln>
+    </cs:spPr>
+  </cs:downBar>
+  <cs:dropLine>
+    <cs:lnRef idx="0"/>
+    <cs:fillRef idx="0"/>
+    <cs:effectRef idx="0"/>
+    <cs:fontRef idx="minor">
+      <a:schemeClr val="tx1"/>
+    </cs:fontRef>
+    <cs:spPr>
+      <a:ln w="9525" cap="flat" cmpd="sng" algn="ctr">
+        <a:solidFill>
+          <a:schemeClr val="tx1">
+            <a:lumMod val="35000"/>
+            <a:lumOff val="65000"/>
+          </a:schemeClr>
+        </a:solidFill>
+        <a:round/>
+      </a:ln>
+    </cs:spPr>
+  </cs:dropLine>
+  <cs:errorBar>
+    <cs:lnRef idx="0"/>
+    <cs:fillRef idx="0"/>
+    <cs:effectRef idx="0"/>
+    <cs:fontRef idx="minor">
+      <a:schemeClr val="tx1"/>
+    </cs:fontRef>
+    <cs:spPr>
+      <a:ln w="9525" cap="flat" cmpd="sng" algn="ctr">
+        <a:solidFill>
+          <a:schemeClr val="tx1">
+            <a:lumMod val="65000"/>
+            <a:lumOff val="35000"/>
+          </a:schemeClr>
+        </a:solidFill>
+        <a:round/>
+      </a:ln>
+    </cs:spPr>
+  </cs:errorBar>
+  <cs:floor>
+    <cs:lnRef idx="0"/>
+    <cs:fillRef idx="0"/>
+    <cs:effectRef idx="0"/>
+    <cs:fontRef idx="minor">
+      <a:schemeClr val="tx1"/>
+    </cs:fontRef>
+    <cs:spPr>
+      <a:noFill/>
+      <a:ln>
+        <a:noFill/>
+      </a:ln>
+    </cs:spPr>
+  </cs:floor>
+  <cs:gridlineMajor>
+    <cs:lnRef idx="0"/>
+    <cs:fillRef idx="0"/>
+    <cs:effectRef idx="0"/>
+    <cs:fontRef idx="minor">
+      <a:schemeClr val="tx1"/>
+    </cs:fontRef>
+    <cs:spPr>
+      <a:ln w="9525" cap="flat" cmpd="sng" algn="ctr">
+        <a:solidFill>
+          <a:schemeClr val="tx1">
+            <a:lumMod val="15000"/>
+            <a:lumOff val="85000"/>
+          </a:schemeClr>
+        </a:solidFill>
+        <a:round/>
+      </a:ln>
+    </cs:spPr>
+  </cs:gridlineMajor>
+  <cs:gridlineMinor>
+    <cs:lnRef idx="0"/>
+    <cs:fillRef idx="0"/>
+    <cs:effectRef idx="0"/>
+    <cs:fontRef idx="minor">
+      <a:schemeClr val="tx1"/>
+    </cs:fontRef>
+    <cs:spPr>
+      <a:ln w="9525" cap="flat" cmpd="sng" algn="ctr">
+        <a:solidFill>
+          <a:schemeClr val="tx1">
+            <a:lumMod val="5000"/>
+            <a:lumOff val="95000"/>
+          </a:schemeClr>
+        </a:solidFill>
+        <a:round/>
+      </a:ln>
+    </cs:spPr>
+  </cs:gridlineMinor>
+  <cs:hiLoLine>
+    <cs:lnRef idx="0"/>
+    <cs:fillRef idx="0"/>
+    <cs:effectRef idx="0"/>
+    <cs:fontRef idx="minor">
+      <a:schemeClr val="tx1"/>
+    </cs:fontRef>
+    <cs:spPr>
+      <a:ln w="9525" cap="flat" cmpd="sng" algn="ctr">
+        <a:solidFill>
+          <a:schemeClr val="tx1">
+            <a:lumMod val="50000"/>
+            <a:lumOff val="50000"/>
+          </a:schemeClr>
+        </a:solidFill>
+        <a:round/>
+      </a:ln>
+    </cs:spPr>
+  </cs:hiLoLine>
+  <cs:leaderLine>
+    <cs:lnRef idx="0"/>
+    <cs:fillRef idx="0"/>
+    <cs:effectRef idx="0"/>
+    <cs:fontRef idx="minor">
+      <a:schemeClr val="tx1"/>
+    </cs:fontRef>
+    <cs:spPr>
+      <a:ln w="9525" cap="flat" cmpd="sng" algn="ctr">
+        <a:solidFill>
+          <a:schemeClr val="tx1">
+            <a:lumMod val="35000"/>
+            <a:lumOff val="65000"/>
+          </a:schemeClr>
+        </a:solidFill>
+        <a:round/>
+      </a:ln>
+    </cs:spPr>
+  </cs:leaderLine>
+  <cs:legend>
+    <cs:lnRef idx="0"/>
+    <cs:fillRef idx="0"/>
+    <cs:effectRef idx="0"/>
+    <cs:fontRef idx="minor">
+      <a:schemeClr val="tx1">
+        <a:lumMod val="65000"/>
+        <a:lumOff val="35000"/>
+      </a:schemeClr>
+    </cs:fontRef>
+    <cs:defRPr sz="900" kern="1200"/>
+  </cs:legend>
+  <cs:plotArea mods="allowNoFillOverride allowNoLineOverride">
+    <cs:lnRef idx="0"/>
+    <cs:fillRef idx="0"/>
+    <cs:effectRef idx="0"/>
+    <cs:fontRef idx="minor">
+      <a:schemeClr val="tx1"/>
+    </cs:fontRef>
+  </cs:plotArea>
+  <cs:plotArea3D mods="allowNoFillOverride allowNoLineOverride">
+    <cs:lnRef idx="0"/>
+    <cs:fillRef idx="0"/>
+    <cs:effectRef idx="0"/>
+    <cs:fontRef idx="minor">
+      <a:schemeClr val="tx1"/>
+    </cs:fontRef>
+  </cs:plotArea3D>
+  <cs:seriesAxis>
+    <cs:lnRef idx="0"/>
+    <cs:fillRef idx="0"/>
+    <cs:effectRef idx="0"/>
+    <cs:fontRef idx="minor">
+      <a:schemeClr val="tx1">
+        <a:lumMod val="65000"/>
+        <a:lumOff val="35000"/>
+      </a:schemeClr>
+    </cs:fontRef>
+    <cs:defRPr sz="900" kern="1200"/>
+  </cs:seriesAxis>
+  <cs:seriesLine>
+    <cs:lnRef idx="0"/>
+    <cs:fillRef idx="0"/>
+    <cs:effectRef idx="0"/>
+    <cs:fontRef idx="minor">
+      <a:schemeClr val="tx1"/>
+    </cs:fontRef>
+    <cs:spPr>
+      <a:ln w="9525" cap="flat" cmpd="sng" algn="ctr">
+        <a:solidFill>
+          <a:schemeClr val="tx1">
+            <a:lumMod val="35000"/>
+            <a:lumOff val="65000"/>
+          </a:schemeClr>
+        </a:solidFill>
+        <a:round/>
+      </a:ln>
+    </cs:spPr>
+  </cs:seriesLine>
+  <cs:title>
+    <cs:lnRef idx="0"/>
+    <cs:fillRef idx="0"/>
+    <cs:effectRef idx="0"/>
+    <cs:fontRef idx="minor">
+      <a:schemeClr val="tx1">
+        <a:lumMod val="65000"/>
+        <a:lumOff val="35000"/>
+      </a:schemeClr>
+    </cs:fontRef>
+    <cs:defRPr sz="1400" b="0" kern="1200" spc="0" baseline="0"/>
+  </cs:title>
+  <cs:trendline>
+    <cs:lnRef idx="0">
+      <cs:styleClr val="auto"/>
+    </cs:lnRef>
+    <cs:fillRef idx="0"/>
+    <cs:effectRef idx="0"/>
+    <cs:fontRef idx="minor">
+      <a:schemeClr val="tx1"/>
+    </cs:fontRef>
+    <cs:spPr>
+      <a:ln w="19050" cap="rnd">
+        <a:solidFill>
+          <a:schemeClr val="phClr"/>
+        </a:solidFill>
+        <a:prstDash val="sysDot"/>
+      </a:ln>
+    </cs:spPr>
+  </cs:trendline>
+  <cs:trendlineLabel>
+    <cs:lnRef idx="0"/>
+    <cs:fillRef idx="0"/>
+    <cs:effectRef idx="0"/>
+    <cs:fontRef idx="minor">
+      <a:schemeClr val="tx1">
+        <a:lumMod val="65000"/>
+        <a:lumOff val="35000"/>
+      </a:schemeClr>
+    </cs:fontRef>
+    <cs:defRPr sz="900" kern="1200"/>
+  </cs:trendlineLabel>
+  <cs:upBar>
+    <cs:lnRef idx="0"/>
+    <cs:fillRef idx="0"/>
+    <cs:effectRef idx="0"/>
+    <cs:fontRef idx="minor">
+      <a:schemeClr val="tx1"/>
+    </cs:fontRef>
+    <cs:spPr>
+      <a:solidFill>
+        <a:schemeClr val="lt1"/>
+      </a:solidFill>
+      <a:ln w="9525" cap="flat" cmpd="sng" algn="ctr">
+        <a:solidFill>
+          <a:schemeClr val="tx1">
+            <a:lumMod val="65000"/>
+            <a:lumOff val="35000"/>
+          </a:schemeClr>
+        </a:solidFill>
+        <a:round/>
+      </a:ln>
+    </cs:spPr>
+  </cs:upBar>
+  <cs:valueAxis>
+    <cs:lnRef idx="0"/>
+    <cs:fillRef idx="0"/>
+    <cs:effectRef idx="0"/>
+    <cs:fontRef idx="minor">
+      <a:schemeClr val="tx1">
+        <a:lumMod val="65000"/>
+        <a:lumOff val="35000"/>
+      </a:schemeClr>
+    </cs:fontRef>
+    <cs:spPr>
+      <a:ln w="9525" cap="flat" cmpd="sng" algn="ctr">
+        <a:solidFill>
+          <a:schemeClr val="tx1">
+            <a:lumMod val="25000"/>
+            <a:lumOff val="75000"/>
+          </a:schemeClr>
+        </a:solidFill>
+        <a:round/>
+      </a:ln>
+    </cs:spPr>
+    <cs:defRPr sz="900" kern="1200"/>
+  </cs:valueAxis>
+  <cs:wall>
+    <cs:lnRef idx="0"/>
+    <cs:fillRef idx="0"/>
+    <cs:effectRef idx="0"/>
+    <cs:fontRef idx="minor">
+      <a:schemeClr val="tx1"/>
+    </cs:fontRef>
+    <cs:spPr>
+      <a:noFill/>
+      <a:ln>
+        <a:noFill/>
+      </a:ln>
+    </cs:spPr>
+  </cs:wall>
+</cs:chartStyle>
+</file>
+
+<file path=ppt/charts/style11.xml><?xml version="1.0" encoding="utf-8"?>
 <cs:chartStyle xmlns:cs="http://schemas.microsoft.com/office/drawing/2012/chartStyle" xmlns:a="http://schemas.openxmlformats.org/drawingml/2006/main" id="240">
   <cs:axisTitle>
     <cs:lnRef idx="0"/>
@@ -17760,6 +20660,1225 @@
           <a:chExt cx="0" cy="0"/>
         </a:xfrm>
       </p:grpSpPr>
+      <p:cxnSp>
+        <p:nvCxnSpPr>
+          <p:cNvPr id="49" name="ลูกศรเชื่อมต่อแบบตรง 48">
+            <a:extLst>
+              <a:ext uri="{FF2B5EF4-FFF2-40B4-BE49-F238E27FC236}">
+                <a16:creationId xmlns:a16="http://schemas.microsoft.com/office/drawing/2014/main" id="{71DA64EC-C5AC-4B04-AFFC-36013009F54C}"/>
+              </a:ext>
+            </a:extLst>
+          </p:cNvPr>
+          <p:cNvCxnSpPr>
+            <a:cxnSpLocks/>
+            <a:stCxn id="28" idx="0"/>
+            <a:endCxn id="3" idx="2"/>
+          </p:cNvCxnSpPr>
+          <p:nvPr/>
+        </p:nvCxnSpPr>
+        <p:spPr>
+          <a:xfrm flipV="1">
+            <a:off x="1436795" y="2118808"/>
+            <a:ext cx="4659205" cy="2606075"/>
+          </a:xfrm>
+          <a:prstGeom prst="straightConnector1">
+            <a:avLst/>
+          </a:prstGeom>
+          <a:ln w="28575">
+            <a:solidFill>
+              <a:srgbClr val="FF0000"/>
+            </a:solidFill>
+            <a:prstDash val="dash"/>
+            <a:tailEnd type="triangle"/>
+          </a:ln>
+        </p:spPr>
+        <p:style>
+          <a:lnRef idx="1">
+            <a:schemeClr val="accent1"/>
+          </a:lnRef>
+          <a:fillRef idx="0">
+            <a:schemeClr val="accent1"/>
+          </a:fillRef>
+          <a:effectRef idx="0">
+            <a:schemeClr val="accent1"/>
+          </a:effectRef>
+          <a:fontRef idx="minor">
+            <a:schemeClr val="tx1"/>
+          </a:fontRef>
+        </p:style>
+      </p:cxnSp>
+      <p:sp>
+        <p:nvSpPr>
+          <p:cNvPr id="37" name="สี่เหลี่ยมผืนผ้า: มุมมน 36">
+            <a:extLst>
+              <a:ext uri="{FF2B5EF4-FFF2-40B4-BE49-F238E27FC236}">
+                <a16:creationId xmlns:a16="http://schemas.microsoft.com/office/drawing/2014/main" id="{E71184CC-95B7-4BF8-BC66-B3DB4C3C3E3F}"/>
+              </a:ext>
+            </a:extLst>
+          </p:cNvPr>
+          <p:cNvSpPr/>
+          <p:nvPr/>
+        </p:nvSpPr>
+        <p:spPr>
+          <a:xfrm>
+            <a:off x="8495712" y="407768"/>
+            <a:ext cx="3675979" cy="811784"/>
+          </a:xfrm>
+          <a:prstGeom prst="roundRect">
+            <a:avLst/>
+          </a:prstGeom>
+          <a:solidFill>
+            <a:schemeClr val="bg1">
+              <a:lumMod val="95000"/>
+            </a:schemeClr>
+          </a:solidFill>
+        </p:spPr>
+        <p:style>
+          <a:lnRef idx="2">
+            <a:schemeClr val="accent1">
+              <a:shade val="50000"/>
+            </a:schemeClr>
+          </a:lnRef>
+          <a:fillRef idx="1">
+            <a:schemeClr val="accent1"/>
+          </a:fillRef>
+          <a:effectRef idx="0">
+            <a:schemeClr val="accent1"/>
+          </a:effectRef>
+          <a:fontRef idx="minor">
+            <a:schemeClr val="lt1"/>
+          </a:fontRef>
+        </p:style>
+        <p:txBody>
+          <a:bodyPr rtlCol="0" anchor="ctr"/>
+          <a:lstStyle/>
+          <a:p>
+            <a:pPr algn="ctr"/>
+            <a:endParaRPr lang="en-US"/>
+          </a:p>
+        </p:txBody>
+      </p:sp>
+      <p:sp>
+        <p:nvSpPr>
+          <p:cNvPr id="35" name="วงรี 34">
+            <a:extLst>
+              <a:ext uri="{FF2B5EF4-FFF2-40B4-BE49-F238E27FC236}">
+                <a16:creationId xmlns:a16="http://schemas.microsoft.com/office/drawing/2014/main" id="{A29CC577-BFAD-49E9-B230-E05F7B234F53}"/>
+              </a:ext>
+            </a:extLst>
+          </p:cNvPr>
+          <p:cNvSpPr/>
+          <p:nvPr/>
+        </p:nvSpPr>
+        <p:spPr>
+          <a:xfrm>
+            <a:off x="9349191" y="4876449"/>
+            <a:ext cx="2939846" cy="1950205"/>
+          </a:xfrm>
+          <a:prstGeom prst="ellipse">
+            <a:avLst/>
+          </a:prstGeom>
+          <a:solidFill>
+            <a:schemeClr val="accent6">
+              <a:lumMod val="20000"/>
+              <a:lumOff val="80000"/>
+            </a:schemeClr>
+          </a:solidFill>
+        </p:spPr>
+        <p:style>
+          <a:lnRef idx="2">
+            <a:schemeClr val="accent1">
+              <a:shade val="50000"/>
+            </a:schemeClr>
+          </a:lnRef>
+          <a:fillRef idx="1">
+            <a:schemeClr val="accent1"/>
+          </a:fillRef>
+          <a:effectRef idx="0">
+            <a:schemeClr val="accent1"/>
+          </a:effectRef>
+          <a:fontRef idx="minor">
+            <a:schemeClr val="lt1"/>
+          </a:fontRef>
+        </p:style>
+        <p:txBody>
+          <a:bodyPr rtlCol="0" anchor="ctr"/>
+          <a:lstStyle/>
+          <a:p>
+            <a:pPr algn="ctr"/>
+            <a:endParaRPr lang="en-US"/>
+          </a:p>
+        </p:txBody>
+      </p:sp>
+      <p:sp>
+        <p:nvSpPr>
+          <p:cNvPr id="29" name="วงรี 28">
+            <a:extLst>
+              <a:ext uri="{FF2B5EF4-FFF2-40B4-BE49-F238E27FC236}">
+                <a16:creationId xmlns:a16="http://schemas.microsoft.com/office/drawing/2014/main" id="{89D75DB7-CBBC-44C6-8935-520878B0171F}"/>
+              </a:ext>
+            </a:extLst>
+          </p:cNvPr>
+          <p:cNvSpPr/>
+          <p:nvPr/>
+        </p:nvSpPr>
+        <p:spPr>
+          <a:xfrm>
+            <a:off x="1081548" y="1078129"/>
+            <a:ext cx="4119717" cy="1950205"/>
+          </a:xfrm>
+          <a:prstGeom prst="ellipse">
+            <a:avLst/>
+          </a:prstGeom>
+          <a:solidFill>
+            <a:schemeClr val="accent4">
+              <a:lumMod val="20000"/>
+              <a:lumOff val="80000"/>
+            </a:schemeClr>
+          </a:solidFill>
+        </p:spPr>
+        <p:style>
+          <a:lnRef idx="2">
+            <a:schemeClr val="accent1">
+              <a:shade val="50000"/>
+            </a:schemeClr>
+          </a:lnRef>
+          <a:fillRef idx="1">
+            <a:schemeClr val="accent1"/>
+          </a:fillRef>
+          <a:effectRef idx="0">
+            <a:schemeClr val="accent1"/>
+          </a:effectRef>
+          <a:fontRef idx="minor">
+            <a:schemeClr val="lt1"/>
+          </a:fontRef>
+        </p:style>
+        <p:txBody>
+          <a:bodyPr rtlCol="0" anchor="ctr"/>
+          <a:lstStyle/>
+          <a:p>
+            <a:pPr algn="ctr"/>
+            <a:endParaRPr lang="en-US"/>
+          </a:p>
+        </p:txBody>
+      </p:sp>
+      <p:sp>
+        <p:nvSpPr>
+          <p:cNvPr id="3" name="สี่เหลี่ยมผืนผ้า 2">
+            <a:extLst>
+              <a:ext uri="{FF2B5EF4-FFF2-40B4-BE49-F238E27FC236}">
+                <a16:creationId xmlns:a16="http://schemas.microsoft.com/office/drawing/2014/main" id="{1BA0116E-6CE6-42DD-8EAC-7210B92161AE}"/>
+              </a:ext>
+            </a:extLst>
+          </p:cNvPr>
+          <p:cNvSpPr/>
+          <p:nvPr/>
+        </p:nvSpPr>
+        <p:spPr>
+          <a:xfrm>
+            <a:off x="4773561" y="1233905"/>
+            <a:ext cx="2644877" cy="884903"/>
+          </a:xfrm>
+          <a:prstGeom prst="rect">
+            <a:avLst/>
+          </a:prstGeom>
+        </p:spPr>
+        <p:style>
+          <a:lnRef idx="2">
+            <a:schemeClr val="accent4">
+              <a:shade val="50000"/>
+            </a:schemeClr>
+          </a:lnRef>
+          <a:fillRef idx="1">
+            <a:schemeClr val="accent4"/>
+          </a:fillRef>
+          <a:effectRef idx="0">
+            <a:schemeClr val="accent4"/>
+          </a:effectRef>
+          <a:fontRef idx="minor">
+            <a:schemeClr val="lt1"/>
+          </a:fontRef>
+        </p:style>
+        <p:txBody>
+          <a:bodyPr rtlCol="0" anchor="ctr"/>
+          <a:lstStyle/>
+          <a:p>
+            <a:pPr algn="ctr"/>
+            <a:r>
+              <a:rPr lang="en-US" sz="3200" dirty="0"/>
+              <a:t>Super Edge</a:t>
+            </a:r>
+          </a:p>
+        </p:txBody>
+      </p:sp>
+      <p:sp>
+        <p:nvSpPr>
+          <p:cNvPr id="5" name="สี่เหลี่ยมผืนผ้า 4">
+            <a:extLst>
+              <a:ext uri="{FF2B5EF4-FFF2-40B4-BE49-F238E27FC236}">
+                <a16:creationId xmlns:a16="http://schemas.microsoft.com/office/drawing/2014/main" id="{2DEAC9B8-AFC2-4122-9794-9786EAC8EBFF}"/>
+              </a:ext>
+            </a:extLst>
+          </p:cNvPr>
+          <p:cNvSpPr/>
+          <p:nvPr/>
+        </p:nvSpPr>
+        <p:spPr>
+          <a:xfrm>
+            <a:off x="8195187" y="4894968"/>
+            <a:ext cx="2644877" cy="884903"/>
+          </a:xfrm>
+          <a:prstGeom prst="rect">
+            <a:avLst/>
+          </a:prstGeom>
+          <a:solidFill>
+            <a:srgbClr val="92D050"/>
+          </a:solidFill>
+        </p:spPr>
+        <p:style>
+          <a:lnRef idx="1">
+            <a:schemeClr val="accent6"/>
+          </a:lnRef>
+          <a:fillRef idx="2">
+            <a:schemeClr val="accent6"/>
+          </a:fillRef>
+          <a:effectRef idx="1">
+            <a:schemeClr val="accent6"/>
+          </a:effectRef>
+          <a:fontRef idx="minor">
+            <a:schemeClr val="dk1"/>
+          </a:fontRef>
+        </p:style>
+        <p:txBody>
+          <a:bodyPr rtlCol="0" anchor="ctr"/>
+          <a:lstStyle/>
+          <a:p>
+            <a:pPr algn="ctr"/>
+            <a:r>
+              <a:rPr lang="en-US" sz="2400" dirty="0"/>
+              <a:t>Edge1</a:t>
+            </a:r>
+          </a:p>
+          <a:p>
+            <a:pPr algn="ctr"/>
+            <a:r>
+              <a:rPr lang="en-US" sz="2400" dirty="0"/>
+              <a:t>(Client)</a:t>
+            </a:r>
+          </a:p>
+        </p:txBody>
+      </p:sp>
+      <p:cxnSp>
+        <p:nvCxnSpPr>
+          <p:cNvPr id="17" name="ลูกศรเชื่อมต่อแบบตรง 16">
+            <a:extLst>
+              <a:ext uri="{FF2B5EF4-FFF2-40B4-BE49-F238E27FC236}">
+                <a16:creationId xmlns:a16="http://schemas.microsoft.com/office/drawing/2014/main" id="{D0FBD180-B416-4603-8720-24A665CAED57}"/>
+              </a:ext>
+            </a:extLst>
+          </p:cNvPr>
+          <p:cNvCxnSpPr>
+            <a:cxnSpLocks/>
+            <a:stCxn id="5" idx="0"/>
+            <a:endCxn id="3" idx="2"/>
+          </p:cNvCxnSpPr>
+          <p:nvPr/>
+        </p:nvCxnSpPr>
+        <p:spPr>
+          <a:xfrm flipH="1" flipV="1">
+            <a:off x="6096000" y="2118808"/>
+            <a:ext cx="3421626" cy="2776160"/>
+          </a:xfrm>
+          <a:prstGeom prst="straightConnector1">
+            <a:avLst/>
+          </a:prstGeom>
+          <a:ln w="28575">
+            <a:solidFill>
+              <a:srgbClr val="FF0000"/>
+            </a:solidFill>
+            <a:prstDash val="dash"/>
+            <a:tailEnd type="triangle"/>
+          </a:ln>
+        </p:spPr>
+        <p:style>
+          <a:lnRef idx="1">
+            <a:schemeClr val="accent1"/>
+          </a:lnRef>
+          <a:fillRef idx="0">
+            <a:schemeClr val="accent1"/>
+          </a:fillRef>
+          <a:effectRef idx="0">
+            <a:schemeClr val="accent1"/>
+          </a:effectRef>
+          <a:fontRef idx="minor">
+            <a:schemeClr val="tx1"/>
+          </a:fontRef>
+        </p:style>
+      </p:cxnSp>
+      <p:cxnSp>
+        <p:nvCxnSpPr>
+          <p:cNvPr id="20" name="ลูกศรเชื่อมต่อแบบตรง 19">
+            <a:extLst>
+              <a:ext uri="{FF2B5EF4-FFF2-40B4-BE49-F238E27FC236}">
+                <a16:creationId xmlns:a16="http://schemas.microsoft.com/office/drawing/2014/main" id="{174B6690-EDCE-4623-8F46-4C6452E9AF5F}"/>
+              </a:ext>
+            </a:extLst>
+          </p:cNvPr>
+          <p:cNvCxnSpPr>
+            <a:cxnSpLocks/>
+          </p:cNvCxnSpPr>
+          <p:nvPr/>
+        </p:nvCxnSpPr>
+        <p:spPr>
+          <a:xfrm flipH="1">
+            <a:off x="9193161" y="609599"/>
+            <a:ext cx="1140541" cy="1"/>
+          </a:xfrm>
+          <a:prstGeom prst="straightConnector1">
+            <a:avLst/>
+          </a:prstGeom>
+          <a:ln w="28575">
+            <a:solidFill>
+              <a:srgbClr val="FF0000"/>
+            </a:solidFill>
+            <a:prstDash val="dash"/>
+            <a:tailEnd type="triangle"/>
+          </a:ln>
+        </p:spPr>
+        <p:style>
+          <a:lnRef idx="1">
+            <a:schemeClr val="accent1"/>
+          </a:lnRef>
+          <a:fillRef idx="0">
+            <a:schemeClr val="accent1"/>
+          </a:fillRef>
+          <a:effectRef idx="0">
+            <a:schemeClr val="accent1"/>
+          </a:effectRef>
+          <a:fontRef idx="minor">
+            <a:schemeClr val="tx1"/>
+          </a:fontRef>
+        </p:style>
+      </p:cxnSp>
+      <p:cxnSp>
+        <p:nvCxnSpPr>
+          <p:cNvPr id="23" name="ลูกศรเชื่อมต่อแบบตรง 22">
+            <a:extLst>
+              <a:ext uri="{FF2B5EF4-FFF2-40B4-BE49-F238E27FC236}">
+                <a16:creationId xmlns:a16="http://schemas.microsoft.com/office/drawing/2014/main" id="{EEA5B526-D052-4024-96B9-C9B37BA1A166}"/>
+              </a:ext>
+            </a:extLst>
+          </p:cNvPr>
+          <p:cNvCxnSpPr>
+            <a:cxnSpLocks/>
+          </p:cNvCxnSpPr>
+          <p:nvPr/>
+        </p:nvCxnSpPr>
+        <p:spPr>
+          <a:xfrm>
+            <a:off x="9270089" y="1034885"/>
+            <a:ext cx="1140542" cy="0"/>
+          </a:xfrm>
+          <a:prstGeom prst="straightConnector1">
+            <a:avLst/>
+          </a:prstGeom>
+          <a:ln>
+            <a:solidFill>
+              <a:srgbClr val="0070C0"/>
+            </a:solidFill>
+            <a:headEnd type="triangle"/>
+            <a:tailEnd type="triangle"/>
+          </a:ln>
+        </p:spPr>
+        <p:style>
+          <a:lnRef idx="3">
+            <a:schemeClr val="accent1"/>
+          </a:lnRef>
+          <a:fillRef idx="0">
+            <a:schemeClr val="accent1"/>
+          </a:fillRef>
+          <a:effectRef idx="2">
+            <a:schemeClr val="accent1"/>
+          </a:effectRef>
+          <a:fontRef idx="minor">
+            <a:schemeClr val="tx1"/>
+          </a:fontRef>
+        </p:style>
+      </p:cxnSp>
+      <p:pic>
+        <p:nvPicPr>
+          <p:cNvPr id="1026" name="Picture 2">
+            <a:extLst>
+              <a:ext uri="{FF2B5EF4-FFF2-40B4-BE49-F238E27FC236}">
+                <a16:creationId xmlns:a16="http://schemas.microsoft.com/office/drawing/2014/main" id="{994730F0-9C03-4DC7-B58A-B1780D68728C}"/>
+              </a:ext>
+            </a:extLst>
+          </p:cNvPr>
+          <p:cNvPicPr>
+            <a:picLocks noChangeAspect="1" noChangeArrowheads="1"/>
+          </p:cNvPicPr>
+          <p:nvPr/>
+        </p:nvPicPr>
+        <p:blipFill>
+          <a:blip r:embed="rId2">
+            <a:extLst>
+              <a:ext uri="{28A0092B-C50C-407E-A947-70E740481C1C}">
+                <a14:useLocalDpi xmlns:a14="http://schemas.microsoft.com/office/drawing/2010/main" val="0"/>
+              </a:ext>
+            </a:extLst>
+          </a:blip>
+          <a:srcRect/>
+          <a:stretch>
+            <a:fillRect/>
+          </a:stretch>
+        </p:blipFill>
+        <p:spPr bwMode="auto">
+          <a:xfrm>
+            <a:off x="2674373" y="1416015"/>
+            <a:ext cx="931607" cy="931607"/>
+          </a:xfrm>
+          <a:prstGeom prst="rect">
+            <a:avLst/>
+          </a:prstGeom>
+          <a:noFill/>
+          <a:extLst>
+            <a:ext uri="{909E8E84-426E-40DD-AFC4-6F175D3DCCD1}">
+              <a14:hiddenFill xmlns:a14="http://schemas.microsoft.com/office/drawing/2010/main">
+                <a:solidFill>
+                  <a:srgbClr val="FFFFFF"/>
+                </a:solidFill>
+              </a14:hiddenFill>
+            </a:ext>
+          </a:extLst>
+        </p:spPr>
+      </p:pic>
+      <p:sp>
+        <p:nvSpPr>
+          <p:cNvPr id="27" name="กล่องข้อความ 26">
+            <a:extLst>
+              <a:ext uri="{FF2B5EF4-FFF2-40B4-BE49-F238E27FC236}">
+                <a16:creationId xmlns:a16="http://schemas.microsoft.com/office/drawing/2014/main" id="{ECF044D1-0A47-4907-984A-07E2141D0435}"/>
+              </a:ext>
+            </a:extLst>
+          </p:cNvPr>
+          <p:cNvSpPr txBox="1"/>
+          <p:nvPr/>
+        </p:nvSpPr>
+        <p:spPr>
+          <a:xfrm>
+            <a:off x="1715829" y="2210887"/>
+            <a:ext cx="2775055" cy="369332"/>
+          </a:xfrm>
+          <a:prstGeom prst="rect">
+            <a:avLst/>
+          </a:prstGeom>
+          <a:noFill/>
+        </p:spPr>
+        <p:txBody>
+          <a:bodyPr wrap="none" rtlCol="0">
+            <a:spAutoFit/>
+          </a:bodyPr>
+          <a:lstStyle/>
+          <a:p>
+            <a:r>
+              <a:rPr lang="en-US" dirty="0"/>
+              <a:t>CPU Utilization of Edge1 &amp;2</a:t>
+            </a:r>
+          </a:p>
+        </p:txBody>
+      </p:sp>
+      <p:pic>
+        <p:nvPicPr>
+          <p:cNvPr id="32" name="Picture 2">
+            <a:extLst>
+              <a:ext uri="{FF2B5EF4-FFF2-40B4-BE49-F238E27FC236}">
+                <a16:creationId xmlns:a16="http://schemas.microsoft.com/office/drawing/2014/main" id="{E6D24608-7D56-4081-9B72-36C1D87AAA78}"/>
+              </a:ext>
+            </a:extLst>
+          </p:cNvPr>
+          <p:cNvPicPr>
+            <a:picLocks noChangeAspect="1" noChangeArrowheads="1"/>
+          </p:cNvPicPr>
+          <p:nvPr/>
+        </p:nvPicPr>
+        <p:blipFill>
+          <a:blip r:embed="rId2">
+            <a:extLst>
+              <a:ext uri="{28A0092B-C50C-407E-A947-70E740481C1C}">
+                <a14:useLocalDpi xmlns:a14="http://schemas.microsoft.com/office/drawing/2010/main" val="0"/>
+              </a:ext>
+            </a:extLst>
+          </a:blip>
+          <a:srcRect/>
+          <a:stretch>
+            <a:fillRect/>
+          </a:stretch>
+        </p:blipFill>
+        <p:spPr bwMode="auto">
+          <a:xfrm>
+            <a:off x="10994922" y="5244012"/>
+            <a:ext cx="931607" cy="931607"/>
+          </a:xfrm>
+          <a:prstGeom prst="rect">
+            <a:avLst/>
+          </a:prstGeom>
+          <a:noFill/>
+          <a:extLst>
+            <a:ext uri="{909E8E84-426E-40DD-AFC4-6F175D3DCCD1}">
+              <a14:hiddenFill xmlns:a14="http://schemas.microsoft.com/office/drawing/2010/main">
+                <a:solidFill>
+                  <a:srgbClr val="FFFFFF"/>
+                </a:solidFill>
+              </a14:hiddenFill>
+            </a:ext>
+          </a:extLst>
+        </p:spPr>
+      </p:pic>
+      <p:sp>
+        <p:nvSpPr>
+          <p:cNvPr id="36" name="กล่องข้อความ 35">
+            <a:extLst>
+              <a:ext uri="{FF2B5EF4-FFF2-40B4-BE49-F238E27FC236}">
+                <a16:creationId xmlns:a16="http://schemas.microsoft.com/office/drawing/2014/main" id="{3C40958D-2951-4D65-85B5-0B30EF4F4ADA}"/>
+              </a:ext>
+            </a:extLst>
+          </p:cNvPr>
+          <p:cNvSpPr txBox="1"/>
+          <p:nvPr/>
+        </p:nvSpPr>
+        <p:spPr>
+          <a:xfrm>
+            <a:off x="9910971" y="5888026"/>
+            <a:ext cx="1083951" cy="646331"/>
+          </a:xfrm>
+          <a:prstGeom prst="rect">
+            <a:avLst/>
+          </a:prstGeom>
+          <a:noFill/>
+        </p:spPr>
+        <p:txBody>
+          <a:bodyPr wrap="none" rtlCol="0">
+            <a:spAutoFit/>
+          </a:bodyPr>
+          <a:lstStyle/>
+          <a:p>
+            <a:r>
+              <a:rPr lang="en-US" dirty="0"/>
+              <a:t>Iperf3 log</a:t>
+            </a:r>
+          </a:p>
+          <a:p>
+            <a:r>
+              <a:rPr lang="en-US" dirty="0"/>
+              <a:t>edge1</a:t>
+            </a:r>
+          </a:p>
+        </p:txBody>
+      </p:sp>
+      <p:sp>
+        <p:nvSpPr>
+          <p:cNvPr id="30" name="กล่องข้อความ 29">
+            <a:extLst>
+              <a:ext uri="{FF2B5EF4-FFF2-40B4-BE49-F238E27FC236}">
+                <a16:creationId xmlns:a16="http://schemas.microsoft.com/office/drawing/2014/main" id="{74CA634C-ECE5-48B3-A107-4A2D0906318F}"/>
+              </a:ext>
+            </a:extLst>
+          </p:cNvPr>
+          <p:cNvSpPr txBox="1"/>
+          <p:nvPr/>
+        </p:nvSpPr>
+        <p:spPr>
+          <a:xfrm>
+            <a:off x="10512435" y="850219"/>
+            <a:ext cx="1196033" cy="369332"/>
+          </a:xfrm>
+          <a:prstGeom prst="rect">
+            <a:avLst/>
+          </a:prstGeom>
+          <a:noFill/>
+        </p:spPr>
+        <p:txBody>
+          <a:bodyPr wrap="none" rtlCol="0">
+            <a:spAutoFit/>
+          </a:bodyPr>
+          <a:lstStyle/>
+          <a:p>
+            <a:r>
+              <a:rPr lang="en-US" dirty="0"/>
+              <a:t>Data plane</a:t>
+            </a:r>
+          </a:p>
+        </p:txBody>
+      </p:sp>
+      <p:sp>
+        <p:nvSpPr>
+          <p:cNvPr id="38" name="กล่องข้อความ 37">
+            <a:extLst>
+              <a:ext uri="{FF2B5EF4-FFF2-40B4-BE49-F238E27FC236}">
+                <a16:creationId xmlns:a16="http://schemas.microsoft.com/office/drawing/2014/main" id="{AD86B326-AA62-47BD-8F39-A07B4ED68F11}"/>
+              </a:ext>
+            </a:extLst>
+          </p:cNvPr>
+          <p:cNvSpPr txBox="1"/>
+          <p:nvPr/>
+        </p:nvSpPr>
+        <p:spPr>
+          <a:xfrm>
+            <a:off x="10410631" y="407768"/>
+            <a:ext cx="1453218" cy="369332"/>
+          </a:xfrm>
+          <a:prstGeom prst="rect">
+            <a:avLst/>
+          </a:prstGeom>
+          <a:noFill/>
+        </p:spPr>
+        <p:txBody>
+          <a:bodyPr wrap="none" rtlCol="0">
+            <a:spAutoFit/>
+          </a:bodyPr>
+          <a:lstStyle/>
+          <a:p>
+            <a:r>
+              <a:rPr lang="en-US" dirty="0"/>
+              <a:t>Control plane</a:t>
+            </a:r>
+          </a:p>
+        </p:txBody>
+      </p:sp>
+      <p:sp>
+        <p:nvSpPr>
+          <p:cNvPr id="41" name="กล่องข้อความ 40">
+            <a:extLst>
+              <a:ext uri="{FF2B5EF4-FFF2-40B4-BE49-F238E27FC236}">
+                <a16:creationId xmlns:a16="http://schemas.microsoft.com/office/drawing/2014/main" id="{1B5A6E81-80B5-4517-A025-FE1C8761DB49}"/>
+              </a:ext>
+            </a:extLst>
+          </p:cNvPr>
+          <p:cNvSpPr txBox="1"/>
+          <p:nvPr/>
+        </p:nvSpPr>
+        <p:spPr>
+          <a:xfrm>
+            <a:off x="319839" y="3902235"/>
+            <a:ext cx="4910014" cy="707886"/>
+          </a:xfrm>
+          <a:prstGeom prst="rect">
+            <a:avLst/>
+          </a:prstGeom>
+          <a:ln/>
+        </p:spPr>
+        <p:style>
+          <a:lnRef idx="2">
+            <a:schemeClr val="accent1"/>
+          </a:lnRef>
+          <a:fillRef idx="1">
+            <a:schemeClr val="lt1"/>
+          </a:fillRef>
+          <a:effectRef idx="0">
+            <a:schemeClr val="accent1"/>
+          </a:effectRef>
+          <a:fontRef idx="minor">
+            <a:schemeClr val="dk1"/>
+          </a:fontRef>
+        </p:style>
+        <p:txBody>
+          <a:bodyPr wrap="square" rtlCol="0">
+            <a:spAutoFit/>
+          </a:bodyPr>
+          <a:lstStyle/>
+          <a:p>
+            <a:pPr algn="ctr"/>
+            <a:r>
+              <a:rPr lang="en-US" sz="2000" dirty="0"/>
+              <a:t>Edge 4 UDP packets</a:t>
+            </a:r>
+          </a:p>
+          <a:p>
+            <a:pPr marL="342900" indent="-342900" algn="ctr">
+              <a:buFont typeface="Arial" panose="020B0604020202020204" pitchFamily="34" charset="0"/>
+              <a:buChar char="•"/>
+            </a:pPr>
+            <a:r>
+              <a:rPr lang="en-US" sz="2000" dirty="0"/>
+              <a:t> Iperf3 –u –b [2, 4 , 6 ,..., 20M] –t 90 or 75</a:t>
+            </a:r>
+          </a:p>
+        </p:txBody>
+      </p:sp>
+      <p:sp>
+        <p:nvSpPr>
+          <p:cNvPr id="43" name="กล่องข้อความ 42">
+            <a:extLst>
+              <a:ext uri="{FF2B5EF4-FFF2-40B4-BE49-F238E27FC236}">
+                <a16:creationId xmlns:a16="http://schemas.microsoft.com/office/drawing/2014/main" id="{AA1740FF-70E9-44EE-B529-78EAFF10D595}"/>
+              </a:ext>
+            </a:extLst>
+          </p:cNvPr>
+          <p:cNvSpPr txBox="1"/>
+          <p:nvPr/>
+        </p:nvSpPr>
+        <p:spPr>
+          <a:xfrm>
+            <a:off x="4363705" y="2945987"/>
+            <a:ext cx="3675979" cy="1015663"/>
+          </a:xfrm>
+          <a:prstGeom prst="rect">
+            <a:avLst/>
+          </a:prstGeom>
+          <a:ln>
+            <a:solidFill>
+              <a:srgbClr val="FF0000"/>
+            </a:solidFill>
+          </a:ln>
+        </p:spPr>
+        <p:style>
+          <a:lnRef idx="2">
+            <a:schemeClr val="accent1"/>
+          </a:lnRef>
+          <a:fillRef idx="1">
+            <a:schemeClr val="lt1"/>
+          </a:fillRef>
+          <a:effectRef idx="0">
+            <a:schemeClr val="accent1"/>
+          </a:effectRef>
+          <a:fontRef idx="minor">
+            <a:schemeClr val="dk1"/>
+          </a:fontRef>
+        </p:style>
+        <p:txBody>
+          <a:bodyPr wrap="square" rtlCol="0">
+            <a:spAutoFit/>
+          </a:bodyPr>
+          <a:lstStyle/>
+          <a:p>
+            <a:pPr marL="342900" indent="-342900">
+              <a:buFont typeface="Arial" panose="020B0604020202020204" pitchFamily="34" charset="0"/>
+              <a:buChar char="•"/>
+            </a:pPr>
+            <a:r>
+              <a:rPr lang="en-US" sz="2000" dirty="0"/>
+              <a:t>Streaming %CPU info 20 points for every bitrate parameters</a:t>
+            </a:r>
+          </a:p>
+        </p:txBody>
+      </p:sp>
+      <p:sp>
+        <p:nvSpPr>
+          <p:cNvPr id="26" name="วงรี 25">
+            <a:extLst>
+              <a:ext uri="{FF2B5EF4-FFF2-40B4-BE49-F238E27FC236}">
+                <a16:creationId xmlns:a16="http://schemas.microsoft.com/office/drawing/2014/main" id="{49C88A71-8CDC-4422-8F2A-64B7529A4FA4}"/>
+              </a:ext>
+            </a:extLst>
+          </p:cNvPr>
+          <p:cNvSpPr/>
+          <p:nvPr/>
+        </p:nvSpPr>
+        <p:spPr>
+          <a:xfrm>
+            <a:off x="613313" y="4894968"/>
+            <a:ext cx="2939846" cy="1950205"/>
+          </a:xfrm>
+          <a:prstGeom prst="ellipse">
+            <a:avLst/>
+          </a:prstGeom>
+          <a:solidFill>
+            <a:schemeClr val="accent6">
+              <a:lumMod val="20000"/>
+              <a:lumOff val="80000"/>
+            </a:schemeClr>
+          </a:solidFill>
+        </p:spPr>
+        <p:style>
+          <a:lnRef idx="2">
+            <a:schemeClr val="accent1">
+              <a:shade val="50000"/>
+            </a:schemeClr>
+          </a:lnRef>
+          <a:fillRef idx="1">
+            <a:schemeClr val="accent1"/>
+          </a:fillRef>
+          <a:effectRef idx="0">
+            <a:schemeClr val="accent1"/>
+          </a:effectRef>
+          <a:fontRef idx="minor">
+            <a:schemeClr val="lt1"/>
+          </a:fontRef>
+        </p:style>
+        <p:txBody>
+          <a:bodyPr rtlCol="0" anchor="ctr"/>
+          <a:lstStyle/>
+          <a:p>
+            <a:pPr algn="ctr"/>
+            <a:endParaRPr lang="en-US"/>
+          </a:p>
+        </p:txBody>
+      </p:sp>
+      <p:sp>
+        <p:nvSpPr>
+          <p:cNvPr id="28" name="สี่เหลี่ยมผืนผ้า 27">
+            <a:extLst>
+              <a:ext uri="{FF2B5EF4-FFF2-40B4-BE49-F238E27FC236}">
+                <a16:creationId xmlns:a16="http://schemas.microsoft.com/office/drawing/2014/main" id="{F85BDC75-946A-4643-88D0-15253036204F}"/>
+              </a:ext>
+            </a:extLst>
+          </p:cNvPr>
+          <p:cNvSpPr/>
+          <p:nvPr/>
+        </p:nvSpPr>
+        <p:spPr>
+          <a:xfrm>
+            <a:off x="114356" y="4724883"/>
+            <a:ext cx="2644877" cy="884903"/>
+          </a:xfrm>
+          <a:prstGeom prst="rect">
+            <a:avLst/>
+          </a:prstGeom>
+          <a:solidFill>
+            <a:srgbClr val="92D050"/>
+          </a:solidFill>
+        </p:spPr>
+        <p:style>
+          <a:lnRef idx="1">
+            <a:schemeClr val="accent6"/>
+          </a:lnRef>
+          <a:fillRef idx="2">
+            <a:schemeClr val="accent6"/>
+          </a:fillRef>
+          <a:effectRef idx="1">
+            <a:schemeClr val="accent6"/>
+          </a:effectRef>
+          <a:fontRef idx="minor">
+            <a:schemeClr val="dk1"/>
+          </a:fontRef>
+        </p:style>
+        <p:txBody>
+          <a:bodyPr rtlCol="0" anchor="ctr"/>
+          <a:lstStyle/>
+          <a:p>
+            <a:pPr algn="ctr"/>
+            <a:r>
+              <a:rPr lang="en-US" sz="3200" dirty="0"/>
+              <a:t>Edge4</a:t>
+            </a:r>
+          </a:p>
+          <a:p>
+            <a:pPr algn="ctr"/>
+            <a:r>
+              <a:rPr lang="en-US" sz="3200" dirty="0"/>
+              <a:t>(Client)</a:t>
+            </a:r>
+          </a:p>
+        </p:txBody>
+      </p:sp>
+      <p:sp>
+        <p:nvSpPr>
+          <p:cNvPr id="40" name="กล่องข้อความ 39">
+            <a:extLst>
+              <a:ext uri="{FF2B5EF4-FFF2-40B4-BE49-F238E27FC236}">
+                <a16:creationId xmlns:a16="http://schemas.microsoft.com/office/drawing/2014/main" id="{B7F9FAC4-09DB-4AB5-98FD-85FAFC05DBB0}"/>
+              </a:ext>
+            </a:extLst>
+          </p:cNvPr>
+          <p:cNvSpPr txBox="1"/>
+          <p:nvPr/>
+        </p:nvSpPr>
+        <p:spPr>
+          <a:xfrm>
+            <a:off x="1847410" y="5904314"/>
+            <a:ext cx="1083951" cy="646331"/>
+          </a:xfrm>
+          <a:prstGeom prst="rect">
+            <a:avLst/>
+          </a:prstGeom>
+          <a:noFill/>
+        </p:spPr>
+        <p:txBody>
+          <a:bodyPr wrap="none" rtlCol="0">
+            <a:spAutoFit/>
+          </a:bodyPr>
+          <a:lstStyle/>
+          <a:p>
+            <a:r>
+              <a:rPr lang="en-US" dirty="0"/>
+              <a:t>Iperf3 log</a:t>
+            </a:r>
+          </a:p>
+          <a:p>
+            <a:r>
+              <a:rPr lang="en-US" dirty="0"/>
+              <a:t>edge4</a:t>
+            </a:r>
+          </a:p>
+        </p:txBody>
+      </p:sp>
+      <p:pic>
+        <p:nvPicPr>
+          <p:cNvPr id="42" name="Picture 2">
+            <a:extLst>
+              <a:ext uri="{FF2B5EF4-FFF2-40B4-BE49-F238E27FC236}">
+                <a16:creationId xmlns:a16="http://schemas.microsoft.com/office/drawing/2014/main" id="{6EF28FAF-6ABB-4E90-AE8E-B49ED2124AF2}"/>
+              </a:ext>
+            </a:extLst>
+          </p:cNvPr>
+          <p:cNvPicPr>
+            <a:picLocks noChangeAspect="1" noChangeArrowheads="1"/>
+          </p:cNvPicPr>
+          <p:nvPr/>
+        </p:nvPicPr>
+        <p:blipFill>
+          <a:blip r:embed="rId2">
+            <a:extLst>
+              <a:ext uri="{28A0092B-C50C-407E-A947-70E740481C1C}">
+                <a14:useLocalDpi xmlns:a14="http://schemas.microsoft.com/office/drawing/2010/main" val="0"/>
+              </a:ext>
+            </a:extLst>
+          </a:blip>
+          <a:srcRect/>
+          <a:stretch>
+            <a:fillRect/>
+          </a:stretch>
+        </p:blipFill>
+        <p:spPr bwMode="auto">
+          <a:xfrm>
+            <a:off x="764558" y="5602750"/>
+            <a:ext cx="931607" cy="931607"/>
+          </a:xfrm>
+          <a:prstGeom prst="rect">
+            <a:avLst/>
+          </a:prstGeom>
+          <a:noFill/>
+          <a:extLst>
+            <a:ext uri="{909E8E84-426E-40DD-AFC4-6F175D3DCCD1}">
+              <a14:hiddenFill xmlns:a14="http://schemas.microsoft.com/office/drawing/2010/main">
+                <a:solidFill>
+                  <a:srgbClr val="FFFFFF"/>
+                </a:solidFill>
+              </a14:hiddenFill>
+            </a:ext>
+          </a:extLst>
+        </p:spPr>
+      </p:pic>
+      <p:cxnSp>
+        <p:nvCxnSpPr>
+          <p:cNvPr id="50" name="ลูกศรเชื่อมต่อแบบตรง 49">
+            <a:extLst>
+              <a:ext uri="{FF2B5EF4-FFF2-40B4-BE49-F238E27FC236}">
+                <a16:creationId xmlns:a16="http://schemas.microsoft.com/office/drawing/2014/main" id="{40551D1C-2D4D-48F3-BE3A-5B7A4BA6D6D6}"/>
+              </a:ext>
+            </a:extLst>
+          </p:cNvPr>
+          <p:cNvCxnSpPr>
+            <a:cxnSpLocks/>
+            <a:stCxn id="5" idx="0"/>
+            <a:endCxn id="3" idx="3"/>
+          </p:cNvCxnSpPr>
+          <p:nvPr/>
+        </p:nvCxnSpPr>
+        <p:spPr>
+          <a:xfrm flipH="1" flipV="1">
+            <a:off x="7418438" y="1676357"/>
+            <a:ext cx="2099188" cy="3218611"/>
+          </a:xfrm>
+          <a:prstGeom prst="straightConnector1">
+            <a:avLst/>
+          </a:prstGeom>
+          <a:ln>
+            <a:solidFill>
+              <a:srgbClr val="0070C0"/>
+            </a:solidFill>
+            <a:headEnd type="triangle"/>
+            <a:tailEnd type="triangle"/>
+          </a:ln>
+        </p:spPr>
+        <p:style>
+          <a:lnRef idx="3">
+            <a:schemeClr val="accent1"/>
+          </a:lnRef>
+          <a:fillRef idx="0">
+            <a:schemeClr val="accent1"/>
+          </a:fillRef>
+          <a:effectRef idx="2">
+            <a:schemeClr val="accent1"/>
+          </a:effectRef>
+          <a:fontRef idx="minor">
+            <a:schemeClr val="tx1"/>
+          </a:fontRef>
+        </p:style>
+      </p:cxnSp>
+      <p:cxnSp>
+        <p:nvCxnSpPr>
+          <p:cNvPr id="15" name="ลูกศรเชื่อมต่อแบบตรง 14">
+            <a:extLst>
+              <a:ext uri="{FF2B5EF4-FFF2-40B4-BE49-F238E27FC236}">
+                <a16:creationId xmlns:a16="http://schemas.microsoft.com/office/drawing/2014/main" id="{9563AE3E-B613-4C32-A263-F68A285BEF9C}"/>
+              </a:ext>
+            </a:extLst>
+          </p:cNvPr>
+          <p:cNvCxnSpPr>
+            <a:stCxn id="28" idx="3"/>
+          </p:cNvCxnSpPr>
+          <p:nvPr/>
+        </p:nvCxnSpPr>
+        <p:spPr>
+          <a:xfrm flipV="1">
+            <a:off x="2759233" y="5161935"/>
+            <a:ext cx="6433928" cy="5400"/>
+          </a:xfrm>
+          <a:prstGeom prst="straightConnector1">
+            <a:avLst/>
+          </a:prstGeom>
+          <a:ln>
+            <a:tailEnd type="triangle"/>
+          </a:ln>
+        </p:spPr>
+        <p:style>
+          <a:lnRef idx="1">
+            <a:schemeClr val="accent1"/>
+          </a:lnRef>
+          <a:fillRef idx="0">
+            <a:schemeClr val="accent1"/>
+          </a:fillRef>
+          <a:effectRef idx="0">
+            <a:schemeClr val="accent1"/>
+          </a:effectRef>
+          <a:fontRef idx="minor">
+            <a:schemeClr val="tx1"/>
+          </a:fontRef>
+        </p:style>
+      </p:cxnSp>
+      <p:cxnSp>
+        <p:nvCxnSpPr>
+          <p:cNvPr id="51" name="ลูกศรเชื่อมต่อแบบตรง 50">
+            <a:extLst>
+              <a:ext uri="{FF2B5EF4-FFF2-40B4-BE49-F238E27FC236}">
+                <a16:creationId xmlns:a16="http://schemas.microsoft.com/office/drawing/2014/main" id="{582BB28C-898F-4E36-BCCF-D9A271F2051F}"/>
+              </a:ext>
+            </a:extLst>
+          </p:cNvPr>
+          <p:cNvCxnSpPr>
+            <a:cxnSpLocks/>
+            <a:endCxn id="3" idx="3"/>
+          </p:cNvCxnSpPr>
+          <p:nvPr/>
+        </p:nvCxnSpPr>
+        <p:spPr>
+          <a:xfrm flipH="1" flipV="1">
+            <a:off x="7418438" y="1676357"/>
+            <a:ext cx="1705897" cy="3485578"/>
+          </a:xfrm>
+          <a:prstGeom prst="straightConnector1">
+            <a:avLst/>
+          </a:prstGeom>
+          <a:ln>
+            <a:tailEnd type="triangle"/>
+          </a:ln>
+        </p:spPr>
+        <p:style>
+          <a:lnRef idx="1">
+            <a:schemeClr val="accent1"/>
+          </a:lnRef>
+          <a:fillRef idx="0">
+            <a:schemeClr val="accent1"/>
+          </a:fillRef>
+          <a:effectRef idx="0">
+            <a:schemeClr val="accent1"/>
+          </a:effectRef>
+          <a:fontRef idx="minor">
+            <a:schemeClr val="tx1"/>
+          </a:fontRef>
+        </p:style>
+      </p:cxnSp>
+      <p:sp>
+        <p:nvSpPr>
+          <p:cNvPr id="31" name="กล่องข้อความ 30">
+            <a:extLst>
+              <a:ext uri="{FF2B5EF4-FFF2-40B4-BE49-F238E27FC236}">
+                <a16:creationId xmlns:a16="http://schemas.microsoft.com/office/drawing/2014/main" id="{DF9D5980-8A49-4279-BA37-A3BB36D73DD5}"/>
+              </a:ext>
+            </a:extLst>
+          </p:cNvPr>
+          <p:cNvSpPr txBox="1"/>
+          <p:nvPr/>
+        </p:nvSpPr>
+        <p:spPr>
+          <a:xfrm>
+            <a:off x="7033722" y="3958680"/>
+            <a:ext cx="4910014" cy="707886"/>
+          </a:xfrm>
+          <a:prstGeom prst="rect">
+            <a:avLst/>
+          </a:prstGeom>
+          <a:ln/>
+        </p:spPr>
+        <p:style>
+          <a:lnRef idx="2">
+            <a:schemeClr val="accent1"/>
+          </a:lnRef>
+          <a:fillRef idx="1">
+            <a:schemeClr val="lt1"/>
+          </a:fillRef>
+          <a:effectRef idx="0">
+            <a:schemeClr val="accent1"/>
+          </a:effectRef>
+          <a:fontRef idx="minor">
+            <a:schemeClr val="dk1"/>
+          </a:fontRef>
+        </p:style>
+        <p:txBody>
+          <a:bodyPr wrap="square" rtlCol="0">
+            <a:spAutoFit/>
+          </a:bodyPr>
+          <a:lstStyle/>
+          <a:p>
+            <a:pPr algn="ctr"/>
+            <a:r>
+              <a:rPr lang="en-US" sz="2000" dirty="0"/>
+              <a:t>Edge1 UDP packets</a:t>
+            </a:r>
+          </a:p>
+          <a:p>
+            <a:pPr marL="342900" indent="-342900" algn="ctr">
+              <a:buFont typeface="Arial" panose="020B0604020202020204" pitchFamily="34" charset="0"/>
+              <a:buChar char="•"/>
+            </a:pPr>
+            <a:r>
+              <a:rPr lang="en-US" sz="2000" dirty="0"/>
+              <a:t> Iperf3 –u –b 15M –t 90 or 75</a:t>
+            </a:r>
+          </a:p>
+        </p:txBody>
+      </p:sp>
+    </p:spTree>
+    <p:extLst>
+      <p:ext uri="{BB962C8B-B14F-4D97-AF65-F5344CB8AC3E}">
+        <p14:creationId xmlns:p14="http://schemas.microsoft.com/office/powerpoint/2010/main" val="2731960494"/>
+      </p:ext>
+    </p:extLst>
+  </p:cSld>
+  <p:clrMapOvr>
+    <a:masterClrMapping/>
+  </p:clrMapOvr>
+</p:sld>
+</file>
+
+<file path=ppt/slides/slide14.xml><?xml version="1.0" encoding="utf-8"?>
+<p:sld xmlns:a="http://schemas.openxmlformats.org/drawingml/2006/main" xmlns:r="http://schemas.openxmlformats.org/officeDocument/2006/relationships" xmlns:p="http://schemas.openxmlformats.org/presentationml/2006/main">
+  <p:cSld>
+    <p:spTree>
+      <p:nvGrpSpPr>
+        <p:cNvPr id="1" name=""/>
+        <p:cNvGrpSpPr/>
+        <p:nvPr/>
+      </p:nvGrpSpPr>
+      <p:grpSpPr>
+        <a:xfrm>
+          <a:off x="0" y="0"/>
+          <a:ext cx="0" cy="0"/>
+          <a:chOff x="0" y="0"/>
+          <a:chExt cx="0" cy="0"/>
+        </a:xfrm>
+      </p:grpSpPr>
       <p:graphicFrame>
         <p:nvGraphicFramePr>
           <p:cNvPr id="4" name="แผนภูมิ 3">
@@ -17803,7 +21922,7 @@
 </p:sld>
 </file>
 
-<file path=ppt/slides/slide14.xml><?xml version="1.0" encoding="utf-8"?>
+<file path=ppt/slides/slide15.xml><?xml version="1.0" encoding="utf-8"?>
 <p:sld xmlns:a="http://schemas.openxmlformats.org/drawingml/2006/main" xmlns:r="http://schemas.openxmlformats.org/officeDocument/2006/relationships" xmlns:p="http://schemas.openxmlformats.org/presentationml/2006/main">
   <p:cSld>
     <p:spTree>
@@ -17857,7 +21976,7 @@
 </p:sld>
 </file>
 
-<file path=ppt/slides/slide15.xml><?xml version="1.0" encoding="utf-8"?>
+<file path=ppt/slides/slide16.xml><?xml version="1.0" encoding="utf-8"?>
 <p:sld xmlns:a="http://schemas.openxmlformats.org/drawingml/2006/main" xmlns:r="http://schemas.openxmlformats.org/officeDocument/2006/relationships" xmlns:p="http://schemas.openxmlformats.org/presentationml/2006/main">
   <p:cSld>
     <p:bg>
@@ -18009,6 +22128,1339 @@
     <p:extLst>
       <p:ext uri="{BB962C8B-B14F-4D97-AF65-F5344CB8AC3E}">
         <p14:creationId xmlns:p14="http://schemas.microsoft.com/office/powerpoint/2010/main" val="3591033377"/>
+      </p:ext>
+    </p:extLst>
+  </p:cSld>
+  <p:clrMapOvr>
+    <a:masterClrMapping/>
+  </p:clrMapOvr>
+</p:sld>
+</file>
+
+<file path=ppt/slides/slide17.xml><?xml version="1.0" encoding="utf-8"?>
+<p:sld xmlns:a="http://schemas.openxmlformats.org/drawingml/2006/main" xmlns:r="http://schemas.openxmlformats.org/officeDocument/2006/relationships" xmlns:p="http://schemas.openxmlformats.org/presentationml/2006/main">
+  <p:cSld>
+    <p:spTree>
+      <p:nvGrpSpPr>
+        <p:cNvPr id="1" name=""/>
+        <p:cNvGrpSpPr/>
+        <p:nvPr/>
+      </p:nvGrpSpPr>
+      <p:grpSpPr>
+        <a:xfrm>
+          <a:off x="0" y="0"/>
+          <a:ext cx="0" cy="0"/>
+          <a:chOff x="0" y="0"/>
+          <a:chExt cx="0" cy="0"/>
+        </a:xfrm>
+      </p:grpSpPr>
+      <p:cxnSp>
+        <p:nvCxnSpPr>
+          <p:cNvPr id="49" name="ลูกศรเชื่อมต่อแบบตรง 48">
+            <a:extLst>
+              <a:ext uri="{FF2B5EF4-FFF2-40B4-BE49-F238E27FC236}">
+                <a16:creationId xmlns:a16="http://schemas.microsoft.com/office/drawing/2014/main" id="{71DA64EC-C5AC-4B04-AFFC-36013009F54C}"/>
+              </a:ext>
+            </a:extLst>
+          </p:cNvPr>
+          <p:cNvCxnSpPr>
+            <a:cxnSpLocks/>
+            <a:stCxn id="28" idx="0"/>
+            <a:endCxn id="3" idx="2"/>
+          </p:cNvCxnSpPr>
+          <p:nvPr/>
+        </p:nvCxnSpPr>
+        <p:spPr>
+          <a:xfrm flipV="1">
+            <a:off x="1436795" y="2118808"/>
+            <a:ext cx="4659205" cy="2606075"/>
+          </a:xfrm>
+          <a:prstGeom prst="straightConnector1">
+            <a:avLst/>
+          </a:prstGeom>
+          <a:ln w="28575">
+            <a:solidFill>
+              <a:srgbClr val="FF0000"/>
+            </a:solidFill>
+            <a:prstDash val="dash"/>
+            <a:tailEnd type="triangle"/>
+          </a:ln>
+        </p:spPr>
+        <p:style>
+          <a:lnRef idx="1">
+            <a:schemeClr val="accent1"/>
+          </a:lnRef>
+          <a:fillRef idx="0">
+            <a:schemeClr val="accent1"/>
+          </a:fillRef>
+          <a:effectRef idx="0">
+            <a:schemeClr val="accent1"/>
+          </a:effectRef>
+          <a:fontRef idx="minor">
+            <a:schemeClr val="tx1"/>
+          </a:fontRef>
+        </p:style>
+      </p:cxnSp>
+      <p:sp>
+        <p:nvSpPr>
+          <p:cNvPr id="37" name="สี่เหลี่ยมผืนผ้า: มุมมน 36">
+            <a:extLst>
+              <a:ext uri="{FF2B5EF4-FFF2-40B4-BE49-F238E27FC236}">
+                <a16:creationId xmlns:a16="http://schemas.microsoft.com/office/drawing/2014/main" id="{E71184CC-95B7-4BF8-BC66-B3DB4C3C3E3F}"/>
+              </a:ext>
+            </a:extLst>
+          </p:cNvPr>
+          <p:cNvSpPr/>
+          <p:nvPr/>
+        </p:nvSpPr>
+        <p:spPr>
+          <a:xfrm>
+            <a:off x="8495712" y="407768"/>
+            <a:ext cx="3675979" cy="811784"/>
+          </a:xfrm>
+          <a:prstGeom prst="roundRect">
+            <a:avLst/>
+          </a:prstGeom>
+          <a:solidFill>
+            <a:schemeClr val="bg1">
+              <a:lumMod val="95000"/>
+            </a:schemeClr>
+          </a:solidFill>
+        </p:spPr>
+        <p:style>
+          <a:lnRef idx="2">
+            <a:schemeClr val="accent1">
+              <a:shade val="50000"/>
+            </a:schemeClr>
+          </a:lnRef>
+          <a:fillRef idx="1">
+            <a:schemeClr val="accent1"/>
+          </a:fillRef>
+          <a:effectRef idx="0">
+            <a:schemeClr val="accent1"/>
+          </a:effectRef>
+          <a:fontRef idx="minor">
+            <a:schemeClr val="lt1"/>
+          </a:fontRef>
+        </p:style>
+        <p:txBody>
+          <a:bodyPr rtlCol="0" anchor="ctr"/>
+          <a:lstStyle/>
+          <a:p>
+            <a:pPr algn="ctr"/>
+            <a:endParaRPr lang="en-US"/>
+          </a:p>
+        </p:txBody>
+      </p:sp>
+      <p:sp>
+        <p:nvSpPr>
+          <p:cNvPr id="35" name="วงรี 34">
+            <a:extLst>
+              <a:ext uri="{FF2B5EF4-FFF2-40B4-BE49-F238E27FC236}">
+                <a16:creationId xmlns:a16="http://schemas.microsoft.com/office/drawing/2014/main" id="{A29CC577-BFAD-49E9-B230-E05F7B234F53}"/>
+              </a:ext>
+            </a:extLst>
+          </p:cNvPr>
+          <p:cNvSpPr/>
+          <p:nvPr/>
+        </p:nvSpPr>
+        <p:spPr>
+          <a:xfrm>
+            <a:off x="9349191" y="4876449"/>
+            <a:ext cx="2939846" cy="1950205"/>
+          </a:xfrm>
+          <a:prstGeom prst="ellipse">
+            <a:avLst/>
+          </a:prstGeom>
+          <a:solidFill>
+            <a:schemeClr val="accent6">
+              <a:lumMod val="20000"/>
+              <a:lumOff val="80000"/>
+            </a:schemeClr>
+          </a:solidFill>
+        </p:spPr>
+        <p:style>
+          <a:lnRef idx="2">
+            <a:schemeClr val="accent1">
+              <a:shade val="50000"/>
+            </a:schemeClr>
+          </a:lnRef>
+          <a:fillRef idx="1">
+            <a:schemeClr val="accent1"/>
+          </a:fillRef>
+          <a:effectRef idx="0">
+            <a:schemeClr val="accent1"/>
+          </a:effectRef>
+          <a:fontRef idx="minor">
+            <a:schemeClr val="lt1"/>
+          </a:fontRef>
+        </p:style>
+        <p:txBody>
+          <a:bodyPr rtlCol="0" anchor="ctr"/>
+          <a:lstStyle/>
+          <a:p>
+            <a:pPr algn="ctr"/>
+            <a:endParaRPr lang="en-US"/>
+          </a:p>
+        </p:txBody>
+      </p:sp>
+      <p:sp>
+        <p:nvSpPr>
+          <p:cNvPr id="29" name="วงรี 28">
+            <a:extLst>
+              <a:ext uri="{FF2B5EF4-FFF2-40B4-BE49-F238E27FC236}">
+                <a16:creationId xmlns:a16="http://schemas.microsoft.com/office/drawing/2014/main" id="{89D75DB7-CBBC-44C6-8935-520878B0171F}"/>
+              </a:ext>
+            </a:extLst>
+          </p:cNvPr>
+          <p:cNvSpPr/>
+          <p:nvPr/>
+        </p:nvSpPr>
+        <p:spPr>
+          <a:xfrm>
+            <a:off x="1081548" y="1078129"/>
+            <a:ext cx="4119717" cy="1950205"/>
+          </a:xfrm>
+          <a:prstGeom prst="ellipse">
+            <a:avLst/>
+          </a:prstGeom>
+          <a:solidFill>
+            <a:schemeClr val="accent4">
+              <a:lumMod val="20000"/>
+              <a:lumOff val="80000"/>
+            </a:schemeClr>
+          </a:solidFill>
+        </p:spPr>
+        <p:style>
+          <a:lnRef idx="2">
+            <a:schemeClr val="accent1">
+              <a:shade val="50000"/>
+            </a:schemeClr>
+          </a:lnRef>
+          <a:fillRef idx="1">
+            <a:schemeClr val="accent1"/>
+          </a:fillRef>
+          <a:effectRef idx="0">
+            <a:schemeClr val="accent1"/>
+          </a:effectRef>
+          <a:fontRef idx="minor">
+            <a:schemeClr val="lt1"/>
+          </a:fontRef>
+        </p:style>
+        <p:txBody>
+          <a:bodyPr rtlCol="0" anchor="ctr"/>
+          <a:lstStyle/>
+          <a:p>
+            <a:pPr algn="ctr"/>
+            <a:endParaRPr lang="en-US"/>
+          </a:p>
+        </p:txBody>
+      </p:sp>
+      <p:sp>
+        <p:nvSpPr>
+          <p:cNvPr id="3" name="สี่เหลี่ยมผืนผ้า 2">
+            <a:extLst>
+              <a:ext uri="{FF2B5EF4-FFF2-40B4-BE49-F238E27FC236}">
+                <a16:creationId xmlns:a16="http://schemas.microsoft.com/office/drawing/2014/main" id="{1BA0116E-6CE6-42DD-8EAC-7210B92161AE}"/>
+              </a:ext>
+            </a:extLst>
+          </p:cNvPr>
+          <p:cNvSpPr/>
+          <p:nvPr/>
+        </p:nvSpPr>
+        <p:spPr>
+          <a:xfrm>
+            <a:off x="4773561" y="1233905"/>
+            <a:ext cx="2644877" cy="884903"/>
+          </a:xfrm>
+          <a:prstGeom prst="rect">
+            <a:avLst/>
+          </a:prstGeom>
+        </p:spPr>
+        <p:style>
+          <a:lnRef idx="2">
+            <a:schemeClr val="accent4">
+              <a:shade val="50000"/>
+            </a:schemeClr>
+          </a:lnRef>
+          <a:fillRef idx="1">
+            <a:schemeClr val="accent4"/>
+          </a:fillRef>
+          <a:effectRef idx="0">
+            <a:schemeClr val="accent4"/>
+          </a:effectRef>
+          <a:fontRef idx="minor">
+            <a:schemeClr val="lt1"/>
+          </a:fontRef>
+        </p:style>
+        <p:txBody>
+          <a:bodyPr rtlCol="0" anchor="ctr"/>
+          <a:lstStyle/>
+          <a:p>
+            <a:pPr algn="ctr"/>
+            <a:r>
+              <a:rPr lang="en-US" sz="3200" dirty="0"/>
+              <a:t>Super Edge</a:t>
+            </a:r>
+          </a:p>
+        </p:txBody>
+      </p:sp>
+      <p:sp>
+        <p:nvSpPr>
+          <p:cNvPr id="5" name="สี่เหลี่ยมผืนผ้า 4">
+            <a:extLst>
+              <a:ext uri="{FF2B5EF4-FFF2-40B4-BE49-F238E27FC236}">
+                <a16:creationId xmlns:a16="http://schemas.microsoft.com/office/drawing/2014/main" id="{2DEAC9B8-AFC2-4122-9794-9786EAC8EBFF}"/>
+              </a:ext>
+            </a:extLst>
+          </p:cNvPr>
+          <p:cNvSpPr/>
+          <p:nvPr/>
+        </p:nvSpPr>
+        <p:spPr>
+          <a:xfrm>
+            <a:off x="8195187" y="4894968"/>
+            <a:ext cx="2644877" cy="884903"/>
+          </a:xfrm>
+          <a:prstGeom prst="rect">
+            <a:avLst/>
+          </a:prstGeom>
+          <a:solidFill>
+            <a:srgbClr val="92D050"/>
+          </a:solidFill>
+        </p:spPr>
+        <p:style>
+          <a:lnRef idx="1">
+            <a:schemeClr val="accent6"/>
+          </a:lnRef>
+          <a:fillRef idx="2">
+            <a:schemeClr val="accent6"/>
+          </a:fillRef>
+          <a:effectRef idx="1">
+            <a:schemeClr val="accent6"/>
+          </a:effectRef>
+          <a:fontRef idx="minor">
+            <a:schemeClr val="dk1"/>
+          </a:fontRef>
+        </p:style>
+        <p:txBody>
+          <a:bodyPr rtlCol="0" anchor="ctr"/>
+          <a:lstStyle/>
+          <a:p>
+            <a:pPr algn="ctr"/>
+            <a:r>
+              <a:rPr lang="en-US" sz="2400" dirty="0"/>
+              <a:t>Edge1</a:t>
+            </a:r>
+          </a:p>
+          <a:p>
+            <a:pPr algn="ctr"/>
+            <a:r>
+              <a:rPr lang="en-US" sz="2400" dirty="0"/>
+              <a:t>(Client)</a:t>
+            </a:r>
+          </a:p>
+        </p:txBody>
+      </p:sp>
+      <p:cxnSp>
+        <p:nvCxnSpPr>
+          <p:cNvPr id="17" name="ลูกศรเชื่อมต่อแบบตรง 16">
+            <a:extLst>
+              <a:ext uri="{FF2B5EF4-FFF2-40B4-BE49-F238E27FC236}">
+                <a16:creationId xmlns:a16="http://schemas.microsoft.com/office/drawing/2014/main" id="{D0FBD180-B416-4603-8720-24A665CAED57}"/>
+              </a:ext>
+            </a:extLst>
+          </p:cNvPr>
+          <p:cNvCxnSpPr>
+            <a:cxnSpLocks/>
+            <a:stCxn id="5" idx="0"/>
+            <a:endCxn id="3" idx="2"/>
+          </p:cNvCxnSpPr>
+          <p:nvPr/>
+        </p:nvCxnSpPr>
+        <p:spPr>
+          <a:xfrm flipH="1" flipV="1">
+            <a:off x="6096000" y="2118808"/>
+            <a:ext cx="3421626" cy="2776160"/>
+          </a:xfrm>
+          <a:prstGeom prst="straightConnector1">
+            <a:avLst/>
+          </a:prstGeom>
+          <a:ln w="28575">
+            <a:solidFill>
+              <a:srgbClr val="FF0000"/>
+            </a:solidFill>
+            <a:prstDash val="dash"/>
+            <a:tailEnd type="triangle"/>
+          </a:ln>
+        </p:spPr>
+        <p:style>
+          <a:lnRef idx="1">
+            <a:schemeClr val="accent1"/>
+          </a:lnRef>
+          <a:fillRef idx="0">
+            <a:schemeClr val="accent1"/>
+          </a:fillRef>
+          <a:effectRef idx="0">
+            <a:schemeClr val="accent1"/>
+          </a:effectRef>
+          <a:fontRef idx="minor">
+            <a:schemeClr val="tx1"/>
+          </a:fontRef>
+        </p:style>
+      </p:cxnSp>
+      <p:cxnSp>
+        <p:nvCxnSpPr>
+          <p:cNvPr id="20" name="ลูกศรเชื่อมต่อแบบตรง 19">
+            <a:extLst>
+              <a:ext uri="{FF2B5EF4-FFF2-40B4-BE49-F238E27FC236}">
+                <a16:creationId xmlns:a16="http://schemas.microsoft.com/office/drawing/2014/main" id="{174B6690-EDCE-4623-8F46-4C6452E9AF5F}"/>
+              </a:ext>
+            </a:extLst>
+          </p:cNvPr>
+          <p:cNvCxnSpPr>
+            <a:cxnSpLocks/>
+          </p:cNvCxnSpPr>
+          <p:nvPr/>
+        </p:nvCxnSpPr>
+        <p:spPr>
+          <a:xfrm flipH="1">
+            <a:off x="9193161" y="609599"/>
+            <a:ext cx="1140541" cy="1"/>
+          </a:xfrm>
+          <a:prstGeom prst="straightConnector1">
+            <a:avLst/>
+          </a:prstGeom>
+          <a:ln w="28575">
+            <a:solidFill>
+              <a:srgbClr val="FF0000"/>
+            </a:solidFill>
+            <a:prstDash val="dash"/>
+            <a:tailEnd type="triangle"/>
+          </a:ln>
+        </p:spPr>
+        <p:style>
+          <a:lnRef idx="1">
+            <a:schemeClr val="accent1"/>
+          </a:lnRef>
+          <a:fillRef idx="0">
+            <a:schemeClr val="accent1"/>
+          </a:fillRef>
+          <a:effectRef idx="0">
+            <a:schemeClr val="accent1"/>
+          </a:effectRef>
+          <a:fontRef idx="minor">
+            <a:schemeClr val="tx1"/>
+          </a:fontRef>
+        </p:style>
+      </p:cxnSp>
+      <p:cxnSp>
+        <p:nvCxnSpPr>
+          <p:cNvPr id="23" name="ลูกศรเชื่อมต่อแบบตรง 22">
+            <a:extLst>
+              <a:ext uri="{FF2B5EF4-FFF2-40B4-BE49-F238E27FC236}">
+                <a16:creationId xmlns:a16="http://schemas.microsoft.com/office/drawing/2014/main" id="{EEA5B526-D052-4024-96B9-C9B37BA1A166}"/>
+              </a:ext>
+            </a:extLst>
+          </p:cNvPr>
+          <p:cNvCxnSpPr>
+            <a:cxnSpLocks/>
+          </p:cNvCxnSpPr>
+          <p:nvPr/>
+        </p:nvCxnSpPr>
+        <p:spPr>
+          <a:xfrm>
+            <a:off x="9270089" y="1034885"/>
+            <a:ext cx="1140542" cy="0"/>
+          </a:xfrm>
+          <a:prstGeom prst="straightConnector1">
+            <a:avLst/>
+          </a:prstGeom>
+          <a:ln>
+            <a:solidFill>
+              <a:srgbClr val="0070C0"/>
+            </a:solidFill>
+            <a:headEnd type="triangle"/>
+            <a:tailEnd type="triangle"/>
+          </a:ln>
+        </p:spPr>
+        <p:style>
+          <a:lnRef idx="3">
+            <a:schemeClr val="accent1"/>
+          </a:lnRef>
+          <a:fillRef idx="0">
+            <a:schemeClr val="accent1"/>
+          </a:fillRef>
+          <a:effectRef idx="2">
+            <a:schemeClr val="accent1"/>
+          </a:effectRef>
+          <a:fontRef idx="minor">
+            <a:schemeClr val="tx1"/>
+          </a:fontRef>
+        </p:style>
+      </p:cxnSp>
+      <p:pic>
+        <p:nvPicPr>
+          <p:cNvPr id="1026" name="Picture 2">
+            <a:extLst>
+              <a:ext uri="{FF2B5EF4-FFF2-40B4-BE49-F238E27FC236}">
+                <a16:creationId xmlns:a16="http://schemas.microsoft.com/office/drawing/2014/main" id="{994730F0-9C03-4DC7-B58A-B1780D68728C}"/>
+              </a:ext>
+            </a:extLst>
+          </p:cNvPr>
+          <p:cNvPicPr>
+            <a:picLocks noChangeAspect="1" noChangeArrowheads="1"/>
+          </p:cNvPicPr>
+          <p:nvPr/>
+        </p:nvPicPr>
+        <p:blipFill>
+          <a:blip r:embed="rId2">
+            <a:extLst>
+              <a:ext uri="{28A0092B-C50C-407E-A947-70E740481C1C}">
+                <a14:useLocalDpi xmlns:a14="http://schemas.microsoft.com/office/drawing/2010/main" val="0"/>
+              </a:ext>
+            </a:extLst>
+          </a:blip>
+          <a:srcRect/>
+          <a:stretch>
+            <a:fillRect/>
+          </a:stretch>
+        </p:blipFill>
+        <p:spPr bwMode="auto">
+          <a:xfrm>
+            <a:off x="2674373" y="1416015"/>
+            <a:ext cx="931607" cy="931607"/>
+          </a:xfrm>
+          <a:prstGeom prst="rect">
+            <a:avLst/>
+          </a:prstGeom>
+          <a:noFill/>
+          <a:extLst>
+            <a:ext uri="{909E8E84-426E-40DD-AFC4-6F175D3DCCD1}">
+              <a14:hiddenFill xmlns:a14="http://schemas.microsoft.com/office/drawing/2010/main">
+                <a:solidFill>
+                  <a:srgbClr val="FFFFFF"/>
+                </a:solidFill>
+              </a14:hiddenFill>
+            </a:ext>
+          </a:extLst>
+        </p:spPr>
+      </p:pic>
+      <p:sp>
+        <p:nvSpPr>
+          <p:cNvPr id="27" name="กล่องข้อความ 26">
+            <a:extLst>
+              <a:ext uri="{FF2B5EF4-FFF2-40B4-BE49-F238E27FC236}">
+                <a16:creationId xmlns:a16="http://schemas.microsoft.com/office/drawing/2014/main" id="{ECF044D1-0A47-4907-984A-07E2141D0435}"/>
+              </a:ext>
+            </a:extLst>
+          </p:cNvPr>
+          <p:cNvSpPr txBox="1"/>
+          <p:nvPr/>
+        </p:nvSpPr>
+        <p:spPr>
+          <a:xfrm>
+            <a:off x="1715829" y="2210887"/>
+            <a:ext cx="2775055" cy="369332"/>
+          </a:xfrm>
+          <a:prstGeom prst="rect">
+            <a:avLst/>
+          </a:prstGeom>
+          <a:noFill/>
+        </p:spPr>
+        <p:txBody>
+          <a:bodyPr wrap="none" rtlCol="0">
+            <a:spAutoFit/>
+          </a:bodyPr>
+          <a:lstStyle/>
+          <a:p>
+            <a:r>
+              <a:rPr lang="en-US" dirty="0"/>
+              <a:t>CPU Utilization of Edge1 &amp;2</a:t>
+            </a:r>
+          </a:p>
+        </p:txBody>
+      </p:sp>
+      <p:pic>
+        <p:nvPicPr>
+          <p:cNvPr id="32" name="Picture 2">
+            <a:extLst>
+              <a:ext uri="{FF2B5EF4-FFF2-40B4-BE49-F238E27FC236}">
+                <a16:creationId xmlns:a16="http://schemas.microsoft.com/office/drawing/2014/main" id="{E6D24608-7D56-4081-9B72-36C1D87AAA78}"/>
+              </a:ext>
+            </a:extLst>
+          </p:cNvPr>
+          <p:cNvPicPr>
+            <a:picLocks noChangeAspect="1" noChangeArrowheads="1"/>
+          </p:cNvPicPr>
+          <p:nvPr/>
+        </p:nvPicPr>
+        <p:blipFill>
+          <a:blip r:embed="rId2">
+            <a:extLst>
+              <a:ext uri="{28A0092B-C50C-407E-A947-70E740481C1C}">
+                <a14:useLocalDpi xmlns:a14="http://schemas.microsoft.com/office/drawing/2010/main" val="0"/>
+              </a:ext>
+            </a:extLst>
+          </a:blip>
+          <a:srcRect/>
+          <a:stretch>
+            <a:fillRect/>
+          </a:stretch>
+        </p:blipFill>
+        <p:spPr bwMode="auto">
+          <a:xfrm>
+            <a:off x="10994922" y="5244012"/>
+            <a:ext cx="931607" cy="931607"/>
+          </a:xfrm>
+          <a:prstGeom prst="rect">
+            <a:avLst/>
+          </a:prstGeom>
+          <a:noFill/>
+          <a:extLst>
+            <a:ext uri="{909E8E84-426E-40DD-AFC4-6F175D3DCCD1}">
+              <a14:hiddenFill xmlns:a14="http://schemas.microsoft.com/office/drawing/2010/main">
+                <a:solidFill>
+                  <a:srgbClr val="FFFFFF"/>
+                </a:solidFill>
+              </a14:hiddenFill>
+            </a:ext>
+          </a:extLst>
+        </p:spPr>
+      </p:pic>
+      <p:sp>
+        <p:nvSpPr>
+          <p:cNvPr id="36" name="กล่องข้อความ 35">
+            <a:extLst>
+              <a:ext uri="{FF2B5EF4-FFF2-40B4-BE49-F238E27FC236}">
+                <a16:creationId xmlns:a16="http://schemas.microsoft.com/office/drawing/2014/main" id="{3C40958D-2951-4D65-85B5-0B30EF4F4ADA}"/>
+              </a:ext>
+            </a:extLst>
+          </p:cNvPr>
+          <p:cNvSpPr txBox="1"/>
+          <p:nvPr/>
+        </p:nvSpPr>
+        <p:spPr>
+          <a:xfrm>
+            <a:off x="9910971" y="5888026"/>
+            <a:ext cx="1083951" cy="646331"/>
+          </a:xfrm>
+          <a:prstGeom prst="rect">
+            <a:avLst/>
+          </a:prstGeom>
+          <a:noFill/>
+        </p:spPr>
+        <p:txBody>
+          <a:bodyPr wrap="none" rtlCol="0">
+            <a:spAutoFit/>
+          </a:bodyPr>
+          <a:lstStyle/>
+          <a:p>
+            <a:r>
+              <a:rPr lang="en-US" dirty="0"/>
+              <a:t>Iperf3 log</a:t>
+            </a:r>
+          </a:p>
+          <a:p>
+            <a:r>
+              <a:rPr lang="en-US" dirty="0"/>
+              <a:t>edge1</a:t>
+            </a:r>
+          </a:p>
+        </p:txBody>
+      </p:sp>
+      <p:sp>
+        <p:nvSpPr>
+          <p:cNvPr id="30" name="กล่องข้อความ 29">
+            <a:extLst>
+              <a:ext uri="{FF2B5EF4-FFF2-40B4-BE49-F238E27FC236}">
+                <a16:creationId xmlns:a16="http://schemas.microsoft.com/office/drawing/2014/main" id="{74CA634C-ECE5-48B3-A107-4A2D0906318F}"/>
+              </a:ext>
+            </a:extLst>
+          </p:cNvPr>
+          <p:cNvSpPr txBox="1"/>
+          <p:nvPr/>
+        </p:nvSpPr>
+        <p:spPr>
+          <a:xfrm>
+            <a:off x="10512435" y="850219"/>
+            <a:ext cx="1196033" cy="369332"/>
+          </a:xfrm>
+          <a:prstGeom prst="rect">
+            <a:avLst/>
+          </a:prstGeom>
+          <a:noFill/>
+        </p:spPr>
+        <p:txBody>
+          <a:bodyPr wrap="none" rtlCol="0">
+            <a:spAutoFit/>
+          </a:bodyPr>
+          <a:lstStyle/>
+          <a:p>
+            <a:r>
+              <a:rPr lang="en-US" dirty="0"/>
+              <a:t>Data plane</a:t>
+            </a:r>
+          </a:p>
+        </p:txBody>
+      </p:sp>
+      <p:sp>
+        <p:nvSpPr>
+          <p:cNvPr id="38" name="กล่องข้อความ 37">
+            <a:extLst>
+              <a:ext uri="{FF2B5EF4-FFF2-40B4-BE49-F238E27FC236}">
+                <a16:creationId xmlns:a16="http://schemas.microsoft.com/office/drawing/2014/main" id="{AD86B326-AA62-47BD-8F39-A07B4ED68F11}"/>
+              </a:ext>
+            </a:extLst>
+          </p:cNvPr>
+          <p:cNvSpPr txBox="1"/>
+          <p:nvPr/>
+        </p:nvSpPr>
+        <p:spPr>
+          <a:xfrm>
+            <a:off x="10410631" y="407768"/>
+            <a:ext cx="1453218" cy="369332"/>
+          </a:xfrm>
+          <a:prstGeom prst="rect">
+            <a:avLst/>
+          </a:prstGeom>
+          <a:noFill/>
+        </p:spPr>
+        <p:txBody>
+          <a:bodyPr wrap="none" rtlCol="0">
+            <a:spAutoFit/>
+          </a:bodyPr>
+          <a:lstStyle/>
+          <a:p>
+            <a:r>
+              <a:rPr lang="en-US" dirty="0"/>
+              <a:t>Control plane</a:t>
+            </a:r>
+          </a:p>
+        </p:txBody>
+      </p:sp>
+      <p:sp>
+        <p:nvSpPr>
+          <p:cNvPr id="43" name="กล่องข้อความ 42">
+            <a:extLst>
+              <a:ext uri="{FF2B5EF4-FFF2-40B4-BE49-F238E27FC236}">
+                <a16:creationId xmlns:a16="http://schemas.microsoft.com/office/drawing/2014/main" id="{AA1740FF-70E9-44EE-B529-78EAFF10D595}"/>
+              </a:ext>
+            </a:extLst>
+          </p:cNvPr>
+          <p:cNvSpPr txBox="1"/>
+          <p:nvPr/>
+        </p:nvSpPr>
+        <p:spPr>
+          <a:xfrm>
+            <a:off x="4363705" y="2945987"/>
+            <a:ext cx="3675979" cy="1015663"/>
+          </a:xfrm>
+          <a:prstGeom prst="rect">
+            <a:avLst/>
+          </a:prstGeom>
+          <a:ln>
+            <a:solidFill>
+              <a:srgbClr val="FF0000"/>
+            </a:solidFill>
+          </a:ln>
+        </p:spPr>
+        <p:style>
+          <a:lnRef idx="2">
+            <a:schemeClr val="accent1"/>
+          </a:lnRef>
+          <a:fillRef idx="1">
+            <a:schemeClr val="lt1"/>
+          </a:fillRef>
+          <a:effectRef idx="0">
+            <a:schemeClr val="accent1"/>
+          </a:effectRef>
+          <a:fontRef idx="minor">
+            <a:schemeClr val="dk1"/>
+          </a:fontRef>
+        </p:style>
+        <p:txBody>
+          <a:bodyPr wrap="square" rtlCol="0">
+            <a:spAutoFit/>
+          </a:bodyPr>
+          <a:lstStyle/>
+          <a:p>
+            <a:pPr marL="342900" indent="-342900">
+              <a:buFont typeface="Arial" panose="020B0604020202020204" pitchFamily="34" charset="0"/>
+              <a:buChar char="•"/>
+            </a:pPr>
+            <a:r>
+              <a:rPr lang="en-US" sz="2000" dirty="0"/>
+              <a:t>Streaming %CPU info 20 points for every bitrate parameters</a:t>
+            </a:r>
+          </a:p>
+        </p:txBody>
+      </p:sp>
+      <p:sp>
+        <p:nvSpPr>
+          <p:cNvPr id="26" name="วงรี 25">
+            <a:extLst>
+              <a:ext uri="{FF2B5EF4-FFF2-40B4-BE49-F238E27FC236}">
+                <a16:creationId xmlns:a16="http://schemas.microsoft.com/office/drawing/2014/main" id="{49C88A71-8CDC-4422-8F2A-64B7529A4FA4}"/>
+              </a:ext>
+            </a:extLst>
+          </p:cNvPr>
+          <p:cNvSpPr/>
+          <p:nvPr/>
+        </p:nvSpPr>
+        <p:spPr>
+          <a:xfrm>
+            <a:off x="613313" y="4894968"/>
+            <a:ext cx="2939846" cy="1950205"/>
+          </a:xfrm>
+          <a:prstGeom prst="ellipse">
+            <a:avLst/>
+          </a:prstGeom>
+          <a:solidFill>
+            <a:schemeClr val="accent6">
+              <a:lumMod val="20000"/>
+              <a:lumOff val="80000"/>
+            </a:schemeClr>
+          </a:solidFill>
+        </p:spPr>
+        <p:style>
+          <a:lnRef idx="2">
+            <a:schemeClr val="accent1">
+              <a:shade val="50000"/>
+            </a:schemeClr>
+          </a:lnRef>
+          <a:fillRef idx="1">
+            <a:schemeClr val="accent1"/>
+          </a:fillRef>
+          <a:effectRef idx="0">
+            <a:schemeClr val="accent1"/>
+          </a:effectRef>
+          <a:fontRef idx="minor">
+            <a:schemeClr val="lt1"/>
+          </a:fontRef>
+        </p:style>
+        <p:txBody>
+          <a:bodyPr rtlCol="0" anchor="ctr"/>
+          <a:lstStyle/>
+          <a:p>
+            <a:pPr algn="ctr"/>
+            <a:endParaRPr lang="en-US"/>
+          </a:p>
+        </p:txBody>
+      </p:sp>
+      <p:sp>
+        <p:nvSpPr>
+          <p:cNvPr id="28" name="สี่เหลี่ยมผืนผ้า 27">
+            <a:extLst>
+              <a:ext uri="{FF2B5EF4-FFF2-40B4-BE49-F238E27FC236}">
+                <a16:creationId xmlns:a16="http://schemas.microsoft.com/office/drawing/2014/main" id="{F85BDC75-946A-4643-88D0-15253036204F}"/>
+              </a:ext>
+            </a:extLst>
+          </p:cNvPr>
+          <p:cNvSpPr/>
+          <p:nvPr/>
+        </p:nvSpPr>
+        <p:spPr>
+          <a:xfrm>
+            <a:off x="114356" y="4724883"/>
+            <a:ext cx="2644877" cy="884903"/>
+          </a:xfrm>
+          <a:prstGeom prst="rect">
+            <a:avLst/>
+          </a:prstGeom>
+          <a:solidFill>
+            <a:srgbClr val="92D050"/>
+          </a:solidFill>
+        </p:spPr>
+        <p:style>
+          <a:lnRef idx="1">
+            <a:schemeClr val="accent6"/>
+          </a:lnRef>
+          <a:fillRef idx="2">
+            <a:schemeClr val="accent6"/>
+          </a:fillRef>
+          <a:effectRef idx="1">
+            <a:schemeClr val="accent6"/>
+          </a:effectRef>
+          <a:fontRef idx="minor">
+            <a:schemeClr val="dk1"/>
+          </a:fontRef>
+        </p:style>
+        <p:txBody>
+          <a:bodyPr rtlCol="0" anchor="ctr"/>
+          <a:lstStyle/>
+          <a:p>
+            <a:pPr algn="ctr"/>
+            <a:r>
+              <a:rPr lang="en-US" sz="3200" dirty="0"/>
+              <a:t>Edge4</a:t>
+            </a:r>
+          </a:p>
+          <a:p>
+            <a:pPr algn="ctr"/>
+            <a:r>
+              <a:rPr lang="en-US" sz="3200" dirty="0"/>
+              <a:t>(Client)</a:t>
+            </a:r>
+          </a:p>
+        </p:txBody>
+      </p:sp>
+      <p:sp>
+        <p:nvSpPr>
+          <p:cNvPr id="40" name="กล่องข้อความ 39">
+            <a:extLst>
+              <a:ext uri="{FF2B5EF4-FFF2-40B4-BE49-F238E27FC236}">
+                <a16:creationId xmlns:a16="http://schemas.microsoft.com/office/drawing/2014/main" id="{B7F9FAC4-09DB-4AB5-98FD-85FAFC05DBB0}"/>
+              </a:ext>
+            </a:extLst>
+          </p:cNvPr>
+          <p:cNvSpPr txBox="1"/>
+          <p:nvPr/>
+        </p:nvSpPr>
+        <p:spPr>
+          <a:xfrm>
+            <a:off x="1847410" y="5904314"/>
+            <a:ext cx="1083951" cy="646331"/>
+          </a:xfrm>
+          <a:prstGeom prst="rect">
+            <a:avLst/>
+          </a:prstGeom>
+          <a:noFill/>
+        </p:spPr>
+        <p:txBody>
+          <a:bodyPr wrap="none" rtlCol="0">
+            <a:spAutoFit/>
+          </a:bodyPr>
+          <a:lstStyle/>
+          <a:p>
+            <a:r>
+              <a:rPr lang="en-US" dirty="0"/>
+              <a:t>Iperf3 log</a:t>
+            </a:r>
+          </a:p>
+          <a:p>
+            <a:r>
+              <a:rPr lang="en-US" dirty="0"/>
+              <a:t>edge4</a:t>
+            </a:r>
+          </a:p>
+        </p:txBody>
+      </p:sp>
+      <p:pic>
+        <p:nvPicPr>
+          <p:cNvPr id="42" name="Picture 2">
+            <a:extLst>
+              <a:ext uri="{FF2B5EF4-FFF2-40B4-BE49-F238E27FC236}">
+                <a16:creationId xmlns:a16="http://schemas.microsoft.com/office/drawing/2014/main" id="{6EF28FAF-6ABB-4E90-AE8E-B49ED2124AF2}"/>
+              </a:ext>
+            </a:extLst>
+          </p:cNvPr>
+          <p:cNvPicPr>
+            <a:picLocks noChangeAspect="1" noChangeArrowheads="1"/>
+          </p:cNvPicPr>
+          <p:nvPr/>
+        </p:nvPicPr>
+        <p:blipFill>
+          <a:blip r:embed="rId2">
+            <a:extLst>
+              <a:ext uri="{28A0092B-C50C-407E-A947-70E740481C1C}">
+                <a14:useLocalDpi xmlns:a14="http://schemas.microsoft.com/office/drawing/2010/main" val="0"/>
+              </a:ext>
+            </a:extLst>
+          </a:blip>
+          <a:srcRect/>
+          <a:stretch>
+            <a:fillRect/>
+          </a:stretch>
+        </p:blipFill>
+        <p:spPr bwMode="auto">
+          <a:xfrm>
+            <a:off x="764558" y="5602750"/>
+            <a:ext cx="931607" cy="931607"/>
+          </a:xfrm>
+          <a:prstGeom prst="rect">
+            <a:avLst/>
+          </a:prstGeom>
+          <a:noFill/>
+          <a:extLst>
+            <a:ext uri="{909E8E84-426E-40DD-AFC4-6F175D3DCCD1}">
+              <a14:hiddenFill xmlns:a14="http://schemas.microsoft.com/office/drawing/2010/main">
+                <a:solidFill>
+                  <a:srgbClr val="FFFFFF"/>
+                </a:solidFill>
+              </a14:hiddenFill>
+            </a:ext>
+          </a:extLst>
+        </p:spPr>
+      </p:pic>
+      <p:cxnSp>
+        <p:nvCxnSpPr>
+          <p:cNvPr id="50" name="ลูกศรเชื่อมต่อแบบตรง 49">
+            <a:extLst>
+              <a:ext uri="{FF2B5EF4-FFF2-40B4-BE49-F238E27FC236}">
+                <a16:creationId xmlns:a16="http://schemas.microsoft.com/office/drawing/2014/main" id="{40551D1C-2D4D-48F3-BE3A-5B7A4BA6D6D6}"/>
+              </a:ext>
+            </a:extLst>
+          </p:cNvPr>
+          <p:cNvCxnSpPr>
+            <a:cxnSpLocks/>
+            <a:stCxn id="5" idx="0"/>
+            <a:endCxn id="3" idx="3"/>
+          </p:cNvCxnSpPr>
+          <p:nvPr/>
+        </p:nvCxnSpPr>
+        <p:spPr>
+          <a:xfrm flipH="1" flipV="1">
+            <a:off x="7418438" y="1676357"/>
+            <a:ext cx="2099188" cy="3218611"/>
+          </a:xfrm>
+          <a:prstGeom prst="straightConnector1">
+            <a:avLst/>
+          </a:prstGeom>
+          <a:ln>
+            <a:solidFill>
+              <a:srgbClr val="0070C0"/>
+            </a:solidFill>
+            <a:headEnd type="triangle"/>
+            <a:tailEnd type="triangle"/>
+          </a:ln>
+        </p:spPr>
+        <p:style>
+          <a:lnRef idx="3">
+            <a:schemeClr val="accent1"/>
+          </a:lnRef>
+          <a:fillRef idx="0">
+            <a:schemeClr val="accent1"/>
+          </a:fillRef>
+          <a:effectRef idx="2">
+            <a:schemeClr val="accent1"/>
+          </a:effectRef>
+          <a:fontRef idx="minor">
+            <a:schemeClr val="tx1"/>
+          </a:fontRef>
+        </p:style>
+      </p:cxnSp>
+      <p:cxnSp>
+        <p:nvCxnSpPr>
+          <p:cNvPr id="15" name="ลูกศรเชื่อมต่อแบบตรง 14">
+            <a:extLst>
+              <a:ext uri="{FF2B5EF4-FFF2-40B4-BE49-F238E27FC236}">
+                <a16:creationId xmlns:a16="http://schemas.microsoft.com/office/drawing/2014/main" id="{9563AE3E-B613-4C32-A263-F68A285BEF9C}"/>
+              </a:ext>
+            </a:extLst>
+          </p:cNvPr>
+          <p:cNvCxnSpPr>
+            <a:stCxn id="28" idx="3"/>
+          </p:cNvCxnSpPr>
+          <p:nvPr/>
+        </p:nvCxnSpPr>
+        <p:spPr>
+          <a:xfrm flipV="1">
+            <a:off x="2759233" y="5161935"/>
+            <a:ext cx="6433928" cy="5400"/>
+          </a:xfrm>
+          <a:prstGeom prst="straightConnector1">
+            <a:avLst/>
+          </a:prstGeom>
+          <a:ln>
+            <a:tailEnd type="triangle"/>
+          </a:ln>
+        </p:spPr>
+        <p:style>
+          <a:lnRef idx="1">
+            <a:schemeClr val="accent1"/>
+          </a:lnRef>
+          <a:fillRef idx="0">
+            <a:schemeClr val="accent1"/>
+          </a:fillRef>
+          <a:effectRef idx="0">
+            <a:schemeClr val="accent1"/>
+          </a:effectRef>
+          <a:fontRef idx="minor">
+            <a:schemeClr val="tx1"/>
+          </a:fontRef>
+        </p:style>
+      </p:cxnSp>
+      <p:cxnSp>
+        <p:nvCxnSpPr>
+          <p:cNvPr id="51" name="ลูกศรเชื่อมต่อแบบตรง 50">
+            <a:extLst>
+              <a:ext uri="{FF2B5EF4-FFF2-40B4-BE49-F238E27FC236}">
+                <a16:creationId xmlns:a16="http://schemas.microsoft.com/office/drawing/2014/main" id="{582BB28C-898F-4E36-BCCF-D9A271F2051F}"/>
+              </a:ext>
+            </a:extLst>
+          </p:cNvPr>
+          <p:cNvCxnSpPr>
+            <a:cxnSpLocks/>
+            <a:endCxn id="3" idx="3"/>
+          </p:cNvCxnSpPr>
+          <p:nvPr/>
+        </p:nvCxnSpPr>
+        <p:spPr>
+          <a:xfrm flipH="1" flipV="1">
+            <a:off x="7418438" y="1676357"/>
+            <a:ext cx="1705897" cy="3485578"/>
+          </a:xfrm>
+          <a:prstGeom prst="straightConnector1">
+            <a:avLst/>
+          </a:prstGeom>
+          <a:ln>
+            <a:tailEnd type="triangle"/>
+          </a:ln>
+        </p:spPr>
+        <p:style>
+          <a:lnRef idx="1">
+            <a:schemeClr val="accent1"/>
+          </a:lnRef>
+          <a:fillRef idx="0">
+            <a:schemeClr val="accent1"/>
+          </a:fillRef>
+          <a:effectRef idx="0">
+            <a:schemeClr val="accent1"/>
+          </a:effectRef>
+          <a:fontRef idx="minor">
+            <a:schemeClr val="tx1"/>
+          </a:fontRef>
+        </p:style>
+      </p:cxnSp>
+      <p:sp>
+        <p:nvSpPr>
+          <p:cNvPr id="31" name="กล่องข้อความ 30">
+            <a:extLst>
+              <a:ext uri="{FF2B5EF4-FFF2-40B4-BE49-F238E27FC236}">
+                <a16:creationId xmlns:a16="http://schemas.microsoft.com/office/drawing/2014/main" id="{DF9D5980-8A49-4279-BA37-A3BB36D73DD5}"/>
+              </a:ext>
+            </a:extLst>
+          </p:cNvPr>
+          <p:cNvSpPr txBox="1"/>
+          <p:nvPr/>
+        </p:nvSpPr>
+        <p:spPr>
+          <a:xfrm>
+            <a:off x="116685" y="3892554"/>
+            <a:ext cx="4910014" cy="707886"/>
+          </a:xfrm>
+          <a:prstGeom prst="rect">
+            <a:avLst/>
+          </a:prstGeom>
+          <a:ln/>
+        </p:spPr>
+        <p:style>
+          <a:lnRef idx="2">
+            <a:schemeClr val="accent1"/>
+          </a:lnRef>
+          <a:fillRef idx="1">
+            <a:schemeClr val="lt1"/>
+          </a:fillRef>
+          <a:effectRef idx="0">
+            <a:schemeClr val="accent1"/>
+          </a:effectRef>
+          <a:fontRef idx="minor">
+            <a:schemeClr val="dk1"/>
+          </a:fontRef>
+        </p:style>
+        <p:txBody>
+          <a:bodyPr wrap="square" rtlCol="0">
+            <a:spAutoFit/>
+          </a:bodyPr>
+          <a:lstStyle/>
+          <a:p>
+            <a:pPr algn="ctr"/>
+            <a:r>
+              <a:rPr lang="en-US" sz="2000" dirty="0"/>
+              <a:t>Edge4 UDP packets</a:t>
+            </a:r>
+          </a:p>
+          <a:p>
+            <a:pPr marL="342900" indent="-342900" algn="ctr">
+              <a:buFont typeface="Arial" panose="020B0604020202020204" pitchFamily="34" charset="0"/>
+              <a:buChar char="•"/>
+            </a:pPr>
+            <a:r>
+              <a:rPr lang="en-US" sz="2000" dirty="0"/>
+              <a:t> Iperf3 –u –b 15M –t 90 or 75</a:t>
+            </a:r>
+          </a:p>
+        </p:txBody>
+      </p:sp>
+      <p:sp>
+        <p:nvSpPr>
+          <p:cNvPr id="41" name="กล่องข้อความ 40">
+            <a:extLst>
+              <a:ext uri="{FF2B5EF4-FFF2-40B4-BE49-F238E27FC236}">
+                <a16:creationId xmlns:a16="http://schemas.microsoft.com/office/drawing/2014/main" id="{1B5A6E81-80B5-4517-A025-FE1C8761DB49}"/>
+              </a:ext>
+            </a:extLst>
+          </p:cNvPr>
+          <p:cNvSpPr txBox="1"/>
+          <p:nvPr/>
+        </p:nvSpPr>
+        <p:spPr>
+          <a:xfrm>
+            <a:off x="6894184" y="3979288"/>
+            <a:ext cx="4910014" cy="707886"/>
+          </a:xfrm>
+          <a:prstGeom prst="rect">
+            <a:avLst/>
+          </a:prstGeom>
+          <a:ln/>
+        </p:spPr>
+        <p:style>
+          <a:lnRef idx="2">
+            <a:schemeClr val="accent1"/>
+          </a:lnRef>
+          <a:fillRef idx="1">
+            <a:schemeClr val="lt1"/>
+          </a:fillRef>
+          <a:effectRef idx="0">
+            <a:schemeClr val="accent1"/>
+          </a:effectRef>
+          <a:fontRef idx="minor">
+            <a:schemeClr val="dk1"/>
+          </a:fontRef>
+        </p:style>
+        <p:txBody>
+          <a:bodyPr wrap="square" rtlCol="0">
+            <a:spAutoFit/>
+          </a:bodyPr>
+          <a:lstStyle/>
+          <a:p>
+            <a:pPr algn="ctr"/>
+            <a:r>
+              <a:rPr lang="en-US" sz="2000" dirty="0"/>
+              <a:t>Edge 1 UDP packets</a:t>
+            </a:r>
+          </a:p>
+          <a:p>
+            <a:pPr marL="342900" indent="-342900" algn="ctr">
+              <a:buFont typeface="Arial" panose="020B0604020202020204" pitchFamily="34" charset="0"/>
+              <a:buChar char="•"/>
+            </a:pPr>
+            <a:r>
+              <a:rPr lang="en-US" sz="2000" dirty="0"/>
+              <a:t> Iperf3 –u –b [2, 4 , 6 ,..., 20M] –t 90 or 75</a:t>
+            </a:r>
+          </a:p>
+        </p:txBody>
+      </p:sp>
+    </p:spTree>
+    <p:extLst>
+      <p:ext uri="{BB962C8B-B14F-4D97-AF65-F5344CB8AC3E}">
+        <p14:creationId xmlns:p14="http://schemas.microsoft.com/office/powerpoint/2010/main" val="2916706602"/>
+      </p:ext>
+    </p:extLst>
+  </p:cSld>
+  <p:clrMapOvr>
+    <a:masterClrMapping/>
+  </p:clrMapOvr>
+</p:sld>
+</file>
+
+<file path=ppt/slides/slide18.xml><?xml version="1.0" encoding="utf-8"?>
+<p:sld xmlns:a="http://schemas.openxmlformats.org/drawingml/2006/main" xmlns:r="http://schemas.openxmlformats.org/officeDocument/2006/relationships" xmlns:p="http://schemas.openxmlformats.org/presentationml/2006/main">
+  <p:cSld>
+    <p:spTree>
+      <p:nvGrpSpPr>
+        <p:cNvPr id="1" name=""/>
+        <p:cNvGrpSpPr/>
+        <p:nvPr/>
+      </p:nvGrpSpPr>
+      <p:grpSpPr>
+        <a:xfrm>
+          <a:off x="0" y="0"/>
+          <a:ext cx="0" cy="0"/>
+          <a:chOff x="0" y="0"/>
+          <a:chExt cx="0" cy="0"/>
+        </a:xfrm>
+      </p:grpSpPr>
+      <p:graphicFrame>
+        <p:nvGraphicFramePr>
+          <p:cNvPr id="4" name="แผนภูมิ 3">
+            <a:extLst>
+              <a:ext uri="{FF2B5EF4-FFF2-40B4-BE49-F238E27FC236}">
+                <a16:creationId xmlns:a16="http://schemas.microsoft.com/office/drawing/2014/main" id="{2327B33F-DA2F-410F-899D-FD78BD491865}"/>
+              </a:ext>
+            </a:extLst>
+          </p:cNvPr>
+          <p:cNvGraphicFramePr>
+            <a:graphicFrameLocks/>
+          </p:cNvGraphicFramePr>
+          <p:nvPr>
+            <p:extLst>
+              <p:ext uri="{D42A27DB-BD31-4B8C-83A1-F6EECF244321}">
+                <p14:modId xmlns:p14="http://schemas.microsoft.com/office/powerpoint/2010/main" val="1475046032"/>
+              </p:ext>
+            </p:extLst>
+          </p:nvPr>
+        </p:nvGraphicFramePr>
+        <p:xfrm>
+          <a:off x="115687" y="548639"/>
+          <a:ext cx="11293994" cy="5973849"/>
+        </p:xfrm>
+        <a:graphic>
+          <a:graphicData uri="http://schemas.openxmlformats.org/drawingml/2006/chart">
+            <c:chart xmlns:c="http://schemas.openxmlformats.org/drawingml/2006/chart" xmlns:r="http://schemas.openxmlformats.org/officeDocument/2006/relationships" r:id="rId2"/>
+          </a:graphicData>
+        </a:graphic>
+      </p:graphicFrame>
+    </p:spTree>
+    <p:extLst>
+      <p:ext uri="{BB962C8B-B14F-4D97-AF65-F5344CB8AC3E}">
+        <p14:creationId xmlns:p14="http://schemas.microsoft.com/office/powerpoint/2010/main" val="876282041"/>
+      </p:ext>
+    </p:extLst>
+  </p:cSld>
+  <p:clrMapOvr>
+    <a:masterClrMapping/>
+  </p:clrMapOvr>
+</p:sld>
+</file>
+
+<file path=ppt/slides/slide19.xml><?xml version="1.0" encoding="utf-8"?>
+<p:sld xmlns:a="http://schemas.openxmlformats.org/drawingml/2006/main" xmlns:r="http://schemas.openxmlformats.org/officeDocument/2006/relationships" xmlns:p="http://schemas.openxmlformats.org/presentationml/2006/main">
+  <p:cSld>
+    <p:spTree>
+      <p:nvGrpSpPr>
+        <p:cNvPr id="1" name=""/>
+        <p:cNvGrpSpPr/>
+        <p:nvPr/>
+      </p:nvGrpSpPr>
+      <p:grpSpPr>
+        <a:xfrm>
+          <a:off x="0" y="0"/>
+          <a:ext cx="0" cy="0"/>
+          <a:chOff x="0" y="0"/>
+          <a:chExt cx="0" cy="0"/>
+        </a:xfrm>
+      </p:grpSpPr>
+      <p:graphicFrame>
+        <p:nvGraphicFramePr>
+          <p:cNvPr id="4" name="แผนภูมิ 3">
+            <a:extLst>
+              <a:ext uri="{FF2B5EF4-FFF2-40B4-BE49-F238E27FC236}">
+                <a16:creationId xmlns:a16="http://schemas.microsoft.com/office/drawing/2014/main" id="{A63F6788-E08A-4FA4-9289-981B6BA78A94}"/>
+              </a:ext>
+            </a:extLst>
+          </p:cNvPr>
+          <p:cNvGraphicFramePr>
+            <a:graphicFrameLocks/>
+          </p:cNvGraphicFramePr>
+          <p:nvPr/>
+        </p:nvGraphicFramePr>
+        <p:xfrm>
+          <a:off x="1512570" y="968828"/>
+          <a:ext cx="9166860" cy="4920343"/>
+        </p:xfrm>
+        <a:graphic>
+          <a:graphicData uri="http://schemas.openxmlformats.org/drawingml/2006/chart">
+            <c:chart xmlns:c="http://schemas.openxmlformats.org/drawingml/2006/chart" xmlns:r="http://schemas.openxmlformats.org/officeDocument/2006/relationships" r:id="rId2"/>
+          </a:graphicData>
+        </a:graphic>
+      </p:graphicFrame>
+    </p:spTree>
+    <p:extLst>
+      <p:ext uri="{BB962C8B-B14F-4D97-AF65-F5344CB8AC3E}">
+        <p14:creationId xmlns:p14="http://schemas.microsoft.com/office/powerpoint/2010/main" val="1626457150"/>
       </p:ext>
     </p:extLst>
   </p:cSld>
